--- a/graphics/graphics.pptx
+++ b/graphics/graphics.pptx
@@ -9371,59 +9371,12 @@
         </p:nvGrpSpPr>
         <p:grpSpPr>
           <a:xfrm>
-            <a:off x="14925" y="8211"/>
-            <a:ext cx="3394192" cy="3394192"/>
-            <a:chOff x="154679" y="0"/>
-            <a:chExt cx="3590927" cy="3590927"/>
+            <a:off x="91793" y="8212"/>
+            <a:ext cx="3239290" cy="3394191"/>
+            <a:chOff x="236002" y="1"/>
+            <a:chExt cx="3427047" cy="3590926"/>
           </a:xfrm>
         </p:grpSpPr>
-        <p:sp>
-          <p:nvSpPr>
-            <p:cNvPr id="32" name="Rectangle 31">
-              <a:extLst>
-                <a:ext uri="{FF2B5EF4-FFF2-40B4-BE49-F238E27FC236}">
-                  <a16:creationId xmlns:a16="http://schemas.microsoft.com/office/drawing/2014/main" id="{FC130004-1C34-1AB2-7872-6CACE4030A2F}"/>
-                </a:ext>
-              </a:extLst>
-            </p:cNvPr>
-            <p:cNvSpPr/>
-            <p:nvPr/>
-          </p:nvSpPr>
-          <p:spPr>
-            <a:xfrm>
-              <a:off x="154679" y="0"/>
-              <a:ext cx="3590927" cy="3590927"/>
-            </a:xfrm>
-            <a:prstGeom prst="rect">
-              <a:avLst/>
-            </a:prstGeom>
-            <a:noFill/>
-          </p:spPr>
-          <p:style>
-            <a:lnRef idx="2">
-              <a:schemeClr val="accent1">
-                <a:shade val="15000"/>
-              </a:schemeClr>
-            </a:lnRef>
-            <a:fillRef idx="1">
-              <a:schemeClr val="accent1"/>
-            </a:fillRef>
-            <a:effectRef idx="0">
-              <a:schemeClr val="accent1"/>
-            </a:effectRef>
-            <a:fontRef idx="minor">
-              <a:schemeClr val="lt1"/>
-            </a:fontRef>
-          </p:style>
-          <p:txBody>
-            <a:bodyPr rtlCol="0" anchor="ctr"/>
-            <a:lstStyle/>
-            <a:p>
-              <a:pPr algn="ctr"/>
-              <a:endParaRPr lang="fr-CA"/>
-            </a:p>
-          </p:txBody>
-        </p:sp>
         <p:grpSp>
           <p:nvGrpSpPr>
             <p:cNvPr id="65" name="Groupe 64">
@@ -9821,10 +9774,10 @@
       </p:grpSp>
       <p:grpSp>
         <p:nvGrpSpPr>
-          <p:cNvPr id="85" name="Groupe 84">
-            <a:extLst>
-              <a:ext uri="{FF2B5EF4-FFF2-40B4-BE49-F238E27FC236}">
-                <a16:creationId xmlns:a16="http://schemas.microsoft.com/office/drawing/2014/main" id="{981F3A43-11B4-338F-4CEC-8D85F00F1718}"/>
+          <p:cNvPr id="45" name="Groupe 44">
+            <a:extLst>
+              <a:ext uri="{FF2B5EF4-FFF2-40B4-BE49-F238E27FC236}">
+                <a16:creationId xmlns:a16="http://schemas.microsoft.com/office/drawing/2014/main" id="{850C2CAD-454B-F8C2-7268-046E7CA4799C}"/>
               </a:ext>
             </a:extLst>
           </p:cNvPr>
@@ -9833,65 +9786,18 @@
         </p:nvGrpSpPr>
         <p:grpSpPr>
           <a:xfrm>
-            <a:off x="3593351" y="22613"/>
-            <a:ext cx="3408718" cy="3379790"/>
-            <a:chOff x="4300536" y="0"/>
-            <a:chExt cx="3590927" cy="3590927"/>
+            <a:off x="3723061" y="95514"/>
+            <a:ext cx="3165885" cy="3237792"/>
+            <a:chOff x="261257" y="140364"/>
+            <a:chExt cx="6376623" cy="6577272"/>
           </a:xfrm>
         </p:grpSpPr>
-        <p:sp>
-          <p:nvSpPr>
-            <p:cNvPr id="51" name="Rectangle 50">
+        <p:grpSp>
+          <p:nvGrpSpPr>
+            <p:cNvPr id="46" name="Groupe 45">
               <a:extLst>
                 <a:ext uri="{FF2B5EF4-FFF2-40B4-BE49-F238E27FC236}">
-                  <a16:creationId xmlns:a16="http://schemas.microsoft.com/office/drawing/2014/main" id="{E1C354DD-021A-20D5-200B-DE1B43E98B8E}"/>
-                </a:ext>
-              </a:extLst>
-            </p:cNvPr>
-            <p:cNvSpPr/>
-            <p:nvPr/>
-          </p:nvSpPr>
-          <p:spPr>
-            <a:xfrm>
-              <a:off x="4300536" y="0"/>
-              <a:ext cx="3590927" cy="3590927"/>
-            </a:xfrm>
-            <a:prstGeom prst="rect">
-              <a:avLst/>
-            </a:prstGeom>
-            <a:noFill/>
-          </p:spPr>
-          <p:style>
-            <a:lnRef idx="2">
-              <a:schemeClr val="accent1">
-                <a:shade val="15000"/>
-              </a:schemeClr>
-            </a:lnRef>
-            <a:fillRef idx="1">
-              <a:schemeClr val="accent1"/>
-            </a:fillRef>
-            <a:effectRef idx="0">
-              <a:schemeClr val="accent1"/>
-            </a:effectRef>
-            <a:fontRef idx="minor">
-              <a:schemeClr val="lt1"/>
-            </a:fontRef>
-          </p:style>
-          <p:txBody>
-            <a:bodyPr rtlCol="0" anchor="ctr"/>
-            <a:lstStyle/>
-            <a:p>
-              <a:pPr algn="ctr"/>
-              <a:endParaRPr lang="fr-CA"/>
-            </a:p>
-          </p:txBody>
-        </p:sp>
-        <p:grpSp>
-          <p:nvGrpSpPr>
-            <p:cNvPr id="45" name="Groupe 44">
-              <a:extLst>
-                <a:ext uri="{FF2B5EF4-FFF2-40B4-BE49-F238E27FC236}">
-                  <a16:creationId xmlns:a16="http://schemas.microsoft.com/office/drawing/2014/main" id="{850C2CAD-454B-F8C2-7268-046E7CA4799C}"/>
+                  <a16:creationId xmlns:a16="http://schemas.microsoft.com/office/drawing/2014/main" id="{5FF9DEAD-EEB5-123E-4090-65F80416DF24}"/>
                 </a:ext>
               </a:extLst>
             </p:cNvPr>
@@ -9900,159 +9806,18 @@
           </p:nvGrpSpPr>
           <p:grpSpPr>
             <a:xfrm>
-              <a:off x="4437179" y="77455"/>
-              <a:ext cx="3335114" cy="3440058"/>
-              <a:chOff x="261257" y="140364"/>
-              <a:chExt cx="6376623" cy="6577272"/>
+              <a:off x="363824" y="310239"/>
+              <a:ext cx="4052088" cy="3163457"/>
+              <a:chOff x="2157699" y="895360"/>
+              <a:chExt cx="4052088" cy="3163457"/>
             </a:xfrm>
           </p:grpSpPr>
-          <p:grpSp>
-            <p:nvGrpSpPr>
-              <p:cNvPr id="46" name="Groupe 45">
+          <p:sp>
+            <p:nvSpPr>
+              <p:cNvPr id="49" name="Ellipse 48">
                 <a:extLst>
                   <a:ext uri="{FF2B5EF4-FFF2-40B4-BE49-F238E27FC236}">
-                    <a16:creationId xmlns:a16="http://schemas.microsoft.com/office/drawing/2014/main" id="{5FF9DEAD-EEB5-123E-4090-65F80416DF24}"/>
-                  </a:ext>
-                </a:extLst>
-              </p:cNvPr>
-              <p:cNvGrpSpPr/>
-              <p:nvPr/>
-            </p:nvGrpSpPr>
-            <p:grpSpPr>
-              <a:xfrm>
-                <a:off x="363824" y="310239"/>
-                <a:ext cx="4052088" cy="3163457"/>
-                <a:chOff x="2157699" y="895360"/>
-                <a:chExt cx="4052088" cy="3163457"/>
-              </a:xfrm>
-            </p:grpSpPr>
-            <p:sp>
-              <p:nvSpPr>
-                <p:cNvPr id="49" name="Ellipse 48">
-                  <a:extLst>
-                    <a:ext uri="{FF2B5EF4-FFF2-40B4-BE49-F238E27FC236}">
-                      <a16:creationId xmlns:a16="http://schemas.microsoft.com/office/drawing/2014/main" id="{FD806755-4480-BC20-30BF-80DBEE0FAE43}"/>
-                    </a:ext>
-                  </a:extLst>
-                </p:cNvPr>
-                <p:cNvSpPr/>
-                <p:nvPr/>
-              </p:nvSpPr>
-              <p:spPr>
-                <a:xfrm>
-                  <a:off x="2157699" y="895360"/>
-                  <a:ext cx="2654300" cy="2654300"/>
-                </a:xfrm>
-                <a:prstGeom prst="ellipse">
-                  <a:avLst/>
-                </a:prstGeom>
-                <a:solidFill>
-                  <a:schemeClr val="tx2">
-                    <a:lumMod val="25000"/>
-                    <a:lumOff val="75000"/>
-                  </a:schemeClr>
-                </a:solidFill>
-                <a:ln w="193675">
-                  <a:solidFill>
-                    <a:schemeClr val="tx1">
-                      <a:lumMod val="85000"/>
-                      <a:lumOff val="15000"/>
-                    </a:schemeClr>
-                  </a:solidFill>
-                </a:ln>
-              </p:spPr>
-              <p:style>
-                <a:lnRef idx="2">
-                  <a:schemeClr val="accent1">
-                    <a:shade val="15000"/>
-                  </a:schemeClr>
-                </a:lnRef>
-                <a:fillRef idx="1">
-                  <a:schemeClr val="accent1"/>
-                </a:fillRef>
-                <a:effectRef idx="0">
-                  <a:schemeClr val="accent1"/>
-                </a:effectRef>
-                <a:fontRef idx="minor">
-                  <a:schemeClr val="lt1"/>
-                </a:fontRef>
-              </p:style>
-              <p:txBody>
-                <a:bodyPr rtlCol="0" anchor="ctr"/>
-                <a:lstStyle/>
-                <a:p>
-                  <a:pPr algn="ctr"/>
-                  <a:endParaRPr lang="fr-CA"/>
-                </a:p>
-              </p:txBody>
-            </p:sp>
-            <p:sp>
-              <p:nvSpPr>
-                <p:cNvPr id="50" name="Rectangle : coins arrondis 49">
-                  <a:extLst>
-                    <a:ext uri="{FF2B5EF4-FFF2-40B4-BE49-F238E27FC236}">
-                      <a16:creationId xmlns:a16="http://schemas.microsoft.com/office/drawing/2014/main" id="{C210347A-8238-18B3-F4B6-184362039960}"/>
-                    </a:ext>
-                  </a:extLst>
-                </p:cNvPr>
-                <p:cNvSpPr/>
-                <p:nvPr/>
-              </p:nvSpPr>
-              <p:spPr>
-                <a:xfrm rot="2510416">
-                  <a:off x="4093958" y="3682645"/>
-                  <a:ext cx="2115829" cy="376172"/>
-                </a:xfrm>
-                <a:prstGeom prst="roundRect">
-                  <a:avLst/>
-                </a:prstGeom>
-                <a:solidFill>
-                  <a:schemeClr val="tx1">
-                    <a:lumMod val="85000"/>
-                    <a:lumOff val="15000"/>
-                  </a:schemeClr>
-                </a:solidFill>
-                <a:ln w="92075">
-                  <a:solidFill>
-                    <a:schemeClr val="tx1">
-                      <a:lumMod val="85000"/>
-                      <a:lumOff val="15000"/>
-                    </a:schemeClr>
-                  </a:solidFill>
-                </a:ln>
-              </p:spPr>
-              <p:style>
-                <a:lnRef idx="2">
-                  <a:schemeClr val="accent1">
-                    <a:shade val="15000"/>
-                  </a:schemeClr>
-                </a:lnRef>
-                <a:fillRef idx="1">
-                  <a:schemeClr val="accent1"/>
-                </a:fillRef>
-                <a:effectRef idx="0">
-                  <a:schemeClr val="accent1"/>
-                </a:effectRef>
-                <a:fontRef idx="minor">
-                  <a:schemeClr val="lt1"/>
-                </a:fontRef>
-              </p:style>
-              <p:txBody>
-                <a:bodyPr rtlCol="0" anchor="ctr"/>
-                <a:lstStyle/>
-                <a:p>
-                  <a:pPr algn="ctr"/>
-                  <a:endParaRPr lang="fr-CA"/>
-                </a:p>
-              </p:txBody>
-            </p:sp>
-          </p:grpSp>
-          <p:sp>
-            <p:nvSpPr>
-              <p:cNvPr id="47" name="Flèche : double flèche verticale 46">
-                <a:extLst>
-                  <a:ext uri="{FF2B5EF4-FFF2-40B4-BE49-F238E27FC236}">
-                    <a16:creationId xmlns:a16="http://schemas.microsoft.com/office/drawing/2014/main" id="{5B80C6D0-E71C-95D7-B2AC-4FFD7A0A4BD3}"/>
+                    <a16:creationId xmlns:a16="http://schemas.microsoft.com/office/drawing/2014/main" id="{FD806755-4480-BC20-30BF-80DBEE0FAE43}"/>
                   </a:ext>
                 </a:extLst>
               </p:cNvPr>
@@ -10061,21 +9826,26 @@
             </p:nvSpPr>
             <p:spPr>
               <a:xfrm>
-                <a:off x="5012280" y="140364"/>
-                <a:ext cx="1625600" cy="5400000"/>
+                <a:off x="2157699" y="895360"/>
+                <a:ext cx="2654300" cy="2654300"/>
               </a:xfrm>
-              <a:prstGeom prst="upDownArrow">
-                <a:avLst>
-                  <a:gd name="adj1" fmla="val 27586"/>
-                  <a:gd name="adj2" fmla="val 92241"/>
-                </a:avLst>
+              <a:prstGeom prst="ellipse">
+                <a:avLst/>
               </a:prstGeom>
               <a:solidFill>
-                <a:schemeClr val="tx1">
-                  <a:lumMod val="85000"/>
-                  <a:lumOff val="15000"/>
+                <a:schemeClr val="tx2">
+                  <a:lumMod val="25000"/>
+                  <a:lumOff val="75000"/>
                 </a:schemeClr>
               </a:solidFill>
+              <a:ln w="193675">
+                <a:solidFill>
+                  <a:schemeClr val="tx1">
+                    <a:lumMod val="85000"/>
+                    <a:lumOff val="15000"/>
+                  </a:schemeClr>
+                </a:solidFill>
+              </a:ln>
             </p:spPr>
             <p:style>
               <a:lnRef idx="2">
@@ -10104,10 +9874,10 @@
           </p:sp>
           <p:sp>
             <p:nvSpPr>
-              <p:cNvPr id="48" name="Flèche : double flèche verticale 47">
+              <p:cNvPr id="50" name="Rectangle : coins arrondis 49">
                 <a:extLst>
                   <a:ext uri="{FF2B5EF4-FFF2-40B4-BE49-F238E27FC236}">
-                    <a16:creationId xmlns:a16="http://schemas.microsoft.com/office/drawing/2014/main" id="{AFD88A03-CF86-3672-FC03-47DB6CC662BA}"/>
+                    <a16:creationId xmlns:a16="http://schemas.microsoft.com/office/drawing/2014/main" id="{C210347A-8238-18B3-F4B6-184362039960}"/>
                   </a:ext>
                 </a:extLst>
               </p:cNvPr>
@@ -10115,15 +9885,12 @@
               <p:nvPr/>
             </p:nvSpPr>
             <p:spPr>
-              <a:xfrm rot="16200000">
-                <a:off x="2148457" y="3204836"/>
-                <a:ext cx="1625600" cy="5400000"/>
+              <a:xfrm rot="2510416">
+                <a:off x="4093958" y="3682645"/>
+                <a:ext cx="2115829" cy="376172"/>
               </a:xfrm>
-              <a:prstGeom prst="upDownArrow">
-                <a:avLst>
-                  <a:gd name="adj1" fmla="val 27586"/>
-                  <a:gd name="adj2" fmla="val 92241"/>
-                </a:avLst>
+              <a:prstGeom prst="roundRect">
+                <a:avLst/>
               </a:prstGeom>
               <a:solidFill>
                 <a:schemeClr val="tx1">
@@ -10131,6 +9898,14 @@
                   <a:lumOff val="15000"/>
                 </a:schemeClr>
               </a:solidFill>
+              <a:ln w="92075">
+                <a:solidFill>
+                  <a:schemeClr val="tx1">
+                    <a:lumMod val="85000"/>
+                    <a:lumOff val="15000"/>
+                  </a:schemeClr>
+                </a:solidFill>
+              </a:ln>
             </p:spPr>
             <p:style>
               <a:lnRef idx="2">
@@ -10158,33 +9933,12 @@
             </p:txBody>
           </p:sp>
         </p:grpSp>
-      </p:grpSp>
-      <p:grpSp>
-        <p:nvGrpSpPr>
-          <p:cNvPr id="86" name="Groupe 85">
-            <a:extLst>
-              <a:ext uri="{FF2B5EF4-FFF2-40B4-BE49-F238E27FC236}">
-                <a16:creationId xmlns:a16="http://schemas.microsoft.com/office/drawing/2014/main" id="{31E13435-9DB5-80A0-C9CA-666601DB49B2}"/>
-              </a:ext>
-            </a:extLst>
-          </p:cNvPr>
-          <p:cNvGrpSpPr/>
-          <p:nvPr/>
-        </p:nvGrpSpPr>
-        <p:grpSpPr>
-          <a:xfrm>
-            <a:off x="7468941" y="-6709"/>
-            <a:ext cx="3690897" cy="3409112"/>
-            <a:chOff x="8278846" y="7142"/>
-            <a:chExt cx="3723995" cy="3590927"/>
-          </a:xfrm>
-        </p:grpSpPr>
         <p:sp>
           <p:nvSpPr>
-            <p:cNvPr id="57" name="Rectangle 56">
+            <p:cNvPr id="47" name="Flèche : double flèche verticale 46">
               <a:extLst>
                 <a:ext uri="{FF2B5EF4-FFF2-40B4-BE49-F238E27FC236}">
-                  <a16:creationId xmlns:a16="http://schemas.microsoft.com/office/drawing/2014/main" id="{843E9B6C-9FB8-685D-A80E-8CA999718564}"/>
+                  <a16:creationId xmlns:a16="http://schemas.microsoft.com/office/drawing/2014/main" id="{5B80C6D0-E71C-95D7-B2AC-4FFD7A0A4BD3}"/>
                 </a:ext>
               </a:extLst>
             </p:cNvPr>
@@ -10193,13 +9947,21 @@
           </p:nvSpPr>
           <p:spPr>
             <a:xfrm>
-              <a:off x="8278846" y="7142"/>
-              <a:ext cx="3590927" cy="3590927"/>
+              <a:off x="5012280" y="140364"/>
+              <a:ext cx="1625600" cy="5400000"/>
             </a:xfrm>
-            <a:prstGeom prst="rect">
-              <a:avLst/>
+            <a:prstGeom prst="upDownArrow">
+              <a:avLst>
+                <a:gd name="adj1" fmla="val 27586"/>
+                <a:gd name="adj2" fmla="val 92241"/>
+              </a:avLst>
             </a:prstGeom>
-            <a:noFill/>
+            <a:solidFill>
+              <a:schemeClr val="tx1">
+                <a:lumMod val="85000"/>
+                <a:lumOff val="15000"/>
+              </a:schemeClr>
+            </a:solidFill>
           </p:spPr>
           <p:style>
             <a:lnRef idx="2">
@@ -10226,6 +9988,82 @@
             </a:p>
           </p:txBody>
         </p:sp>
+        <p:sp>
+          <p:nvSpPr>
+            <p:cNvPr id="48" name="Flèche : double flèche verticale 47">
+              <a:extLst>
+                <a:ext uri="{FF2B5EF4-FFF2-40B4-BE49-F238E27FC236}">
+                  <a16:creationId xmlns:a16="http://schemas.microsoft.com/office/drawing/2014/main" id="{AFD88A03-CF86-3672-FC03-47DB6CC662BA}"/>
+                </a:ext>
+              </a:extLst>
+            </p:cNvPr>
+            <p:cNvSpPr/>
+            <p:nvPr/>
+          </p:nvSpPr>
+          <p:spPr>
+            <a:xfrm rot="16200000">
+              <a:off x="2148457" y="3204836"/>
+              <a:ext cx="1625600" cy="5400000"/>
+            </a:xfrm>
+            <a:prstGeom prst="upDownArrow">
+              <a:avLst>
+                <a:gd name="adj1" fmla="val 27586"/>
+                <a:gd name="adj2" fmla="val 92241"/>
+              </a:avLst>
+            </a:prstGeom>
+            <a:solidFill>
+              <a:schemeClr val="tx1">
+                <a:lumMod val="85000"/>
+                <a:lumOff val="15000"/>
+              </a:schemeClr>
+            </a:solidFill>
+          </p:spPr>
+          <p:style>
+            <a:lnRef idx="2">
+              <a:schemeClr val="accent1">
+                <a:shade val="15000"/>
+              </a:schemeClr>
+            </a:lnRef>
+            <a:fillRef idx="1">
+              <a:schemeClr val="accent1"/>
+            </a:fillRef>
+            <a:effectRef idx="0">
+              <a:schemeClr val="accent1"/>
+            </a:effectRef>
+            <a:fontRef idx="minor">
+              <a:schemeClr val="lt1"/>
+            </a:fontRef>
+          </p:style>
+          <p:txBody>
+            <a:bodyPr rtlCol="0" anchor="ctr"/>
+            <a:lstStyle/>
+            <a:p>
+              <a:pPr algn="ctr"/>
+              <a:endParaRPr lang="fr-CA"/>
+            </a:p>
+          </p:txBody>
+        </p:sp>
+      </p:grpSp>
+      <p:grpSp>
+        <p:nvGrpSpPr>
+          <p:cNvPr id="86" name="Groupe 85">
+            <a:extLst>
+              <a:ext uri="{FF2B5EF4-FFF2-40B4-BE49-F238E27FC236}">
+                <a16:creationId xmlns:a16="http://schemas.microsoft.com/office/drawing/2014/main" id="{31E13435-9DB5-80A0-C9CA-666601DB49B2}"/>
+              </a:ext>
+            </a:extLst>
+          </p:cNvPr>
+          <p:cNvGrpSpPr/>
+          <p:nvPr/>
+        </p:nvGrpSpPr>
+        <p:grpSpPr>
+          <a:xfrm>
+            <a:off x="7468941" y="151175"/>
+            <a:ext cx="3690897" cy="3245524"/>
+            <a:chOff x="8278846" y="173446"/>
+            <a:chExt cx="3723995" cy="3418614"/>
+          </a:xfrm>
+        </p:grpSpPr>
         <p:grpSp>
           <p:nvGrpSpPr>
             <p:cNvPr id="58" name="Groupe 57">
@@ -10412,10 +10250,10 @@
       </p:grpSp>
       <p:grpSp>
         <p:nvGrpSpPr>
-          <p:cNvPr id="74" name="Groupe 73">
-            <a:extLst>
-              <a:ext uri="{FF2B5EF4-FFF2-40B4-BE49-F238E27FC236}">
-                <a16:creationId xmlns:a16="http://schemas.microsoft.com/office/drawing/2014/main" id="{91AB739D-0EFE-7605-5975-172D91E52B67}"/>
+          <p:cNvPr id="76" name="Groupe 75">
+            <a:extLst>
+              <a:ext uri="{FF2B5EF4-FFF2-40B4-BE49-F238E27FC236}">
+                <a16:creationId xmlns:a16="http://schemas.microsoft.com/office/drawing/2014/main" id="{8AD8CCA5-FAA3-D3EB-18AB-4380C785EE90}"/>
               </a:ext>
             </a:extLst>
           </p:cNvPr>
@@ -10424,18 +10262,18 @@
         </p:nvGrpSpPr>
         <p:grpSpPr>
           <a:xfrm>
-            <a:off x="0" y="3455435"/>
-            <a:ext cx="3394192" cy="3394192"/>
-            <a:chOff x="154679" y="0"/>
-            <a:chExt cx="3590927" cy="3590927"/>
+            <a:off x="76868" y="4163721"/>
+            <a:ext cx="3239290" cy="1991123"/>
+            <a:chOff x="236002" y="749340"/>
+            <a:chExt cx="3427047" cy="2106533"/>
           </a:xfrm>
         </p:grpSpPr>
         <p:sp>
           <p:nvSpPr>
-            <p:cNvPr id="75" name="Rectangle 74">
+            <p:cNvPr id="81" name="Rectangle 80">
               <a:extLst>
                 <a:ext uri="{FF2B5EF4-FFF2-40B4-BE49-F238E27FC236}">
-                  <a16:creationId xmlns:a16="http://schemas.microsoft.com/office/drawing/2014/main" id="{EC0A4E87-9106-BF7A-6753-309F18D66BB8}"/>
+                  <a16:creationId xmlns:a16="http://schemas.microsoft.com/office/drawing/2014/main" id="{809C6610-A980-C63C-2468-9891309CC22C}"/>
                 </a:ext>
               </a:extLst>
             </p:cNvPr>
@@ -10444,13 +10282,27 @@
           </p:nvSpPr>
           <p:spPr>
             <a:xfrm>
-              <a:off x="154679" y="0"/>
-              <a:ext cx="3590927" cy="3590927"/>
+              <a:off x="236002" y="749340"/>
+              <a:ext cx="3427047" cy="2106533"/>
             </a:xfrm>
             <a:prstGeom prst="rect">
               <a:avLst/>
             </a:prstGeom>
-            <a:noFill/>
+            <a:solidFill>
+              <a:schemeClr val="tx2">
+                <a:lumMod val="25000"/>
+                <a:lumOff val="75000"/>
+              </a:schemeClr>
+            </a:solidFill>
+            <a:ln w="155575" cap="rnd">
+              <a:solidFill>
+                <a:schemeClr val="tx1">
+                  <a:lumMod val="85000"/>
+                  <a:lumOff val="15000"/>
+                </a:schemeClr>
+              </a:solidFill>
+              <a:round/>
+            </a:ln>
           </p:spPr>
           <p:style>
             <a:lnRef idx="2">
@@ -10477,205 +10329,123 @@
             </a:p>
           </p:txBody>
         </p:sp>
-        <p:grpSp>
-          <p:nvGrpSpPr>
-            <p:cNvPr id="76" name="Groupe 75">
+        <p:cxnSp>
+          <p:nvCxnSpPr>
+            <p:cNvPr id="82" name="Connecteur droit 81">
               <a:extLst>
                 <a:ext uri="{FF2B5EF4-FFF2-40B4-BE49-F238E27FC236}">
-                  <a16:creationId xmlns:a16="http://schemas.microsoft.com/office/drawing/2014/main" id="{8AD8CCA5-FAA3-D3EB-18AB-4380C785EE90}"/>
+                  <a16:creationId xmlns:a16="http://schemas.microsoft.com/office/drawing/2014/main" id="{45B97AE1-8339-745F-A130-B2D9F9993B3A}"/>
                 </a:ext>
               </a:extLst>
             </p:cNvPr>
-            <p:cNvGrpSpPr/>
+            <p:cNvCxnSpPr>
+              <a:cxnSpLocks/>
+            </p:cNvCxnSpPr>
             <p:nvPr/>
-          </p:nvGrpSpPr>
-          <p:grpSpPr>
-            <a:xfrm>
-              <a:off x="236002" y="749340"/>
-              <a:ext cx="3427047" cy="2106533"/>
-              <a:chOff x="236002" y="749340"/>
-              <a:chExt cx="3427047" cy="2106533"/>
+          </p:nvCxnSpPr>
+          <p:spPr>
+            <a:xfrm flipV="1">
+              <a:off x="539985" y="1303217"/>
+              <a:ext cx="950380" cy="950380"/>
             </a:xfrm>
-          </p:grpSpPr>
-          <p:sp>
-            <p:nvSpPr>
-              <p:cNvPr id="81" name="Rectangle 80">
-                <a:extLst>
-                  <a:ext uri="{FF2B5EF4-FFF2-40B4-BE49-F238E27FC236}">
-                    <a16:creationId xmlns:a16="http://schemas.microsoft.com/office/drawing/2014/main" id="{809C6610-A980-C63C-2468-9891309CC22C}"/>
-                  </a:ext>
-                </a:extLst>
-              </p:cNvPr>
-              <p:cNvSpPr/>
-              <p:nvPr/>
-            </p:nvSpPr>
-            <p:spPr>
-              <a:xfrm>
-                <a:off x="236002" y="749340"/>
-                <a:ext cx="3427047" cy="2106533"/>
-              </a:xfrm>
-              <a:prstGeom prst="rect">
-                <a:avLst/>
-              </a:prstGeom>
-              <a:solidFill>
-                <a:schemeClr val="tx2">
-                  <a:lumMod val="25000"/>
-                  <a:lumOff val="75000"/>
-                </a:schemeClr>
-              </a:solidFill>
-              <a:ln w="155575" cap="rnd">
-                <a:solidFill>
-                  <a:schemeClr val="tx1">
-                    <a:lumMod val="85000"/>
-                    <a:lumOff val="15000"/>
-                  </a:schemeClr>
-                </a:solidFill>
-                <a:round/>
-              </a:ln>
-            </p:spPr>
-            <p:style>
-              <a:lnRef idx="2">
-                <a:schemeClr val="accent1">
-                  <a:shade val="15000"/>
-                </a:schemeClr>
-              </a:lnRef>
-              <a:fillRef idx="1">
-                <a:schemeClr val="accent1"/>
-              </a:fillRef>
-              <a:effectRef idx="0">
-                <a:schemeClr val="accent1"/>
-              </a:effectRef>
-              <a:fontRef idx="minor">
-                <a:schemeClr val="lt1"/>
-              </a:fontRef>
-            </p:style>
-            <p:txBody>
-              <a:bodyPr rtlCol="0" anchor="ctr"/>
-              <a:lstStyle/>
-              <a:p>
-                <a:pPr algn="ctr"/>
-                <a:endParaRPr lang="fr-CA"/>
-              </a:p>
-            </p:txBody>
-          </p:sp>
-          <p:cxnSp>
-            <p:nvCxnSpPr>
-              <p:cNvPr id="82" name="Connecteur droit 81">
-                <a:extLst>
-                  <a:ext uri="{FF2B5EF4-FFF2-40B4-BE49-F238E27FC236}">
-                    <a16:creationId xmlns:a16="http://schemas.microsoft.com/office/drawing/2014/main" id="{45B97AE1-8339-745F-A130-B2D9F9993B3A}"/>
-                  </a:ext>
-                </a:extLst>
-              </p:cNvPr>
-              <p:cNvCxnSpPr>
-                <a:cxnSpLocks/>
-              </p:cNvCxnSpPr>
-              <p:nvPr/>
-            </p:nvCxnSpPr>
-            <p:spPr>
-              <a:xfrm flipV="1">
-                <a:off x="539985" y="1303217"/>
-                <a:ext cx="950380" cy="950380"/>
-              </a:xfrm>
-              <a:prstGeom prst="line">
-                <a:avLst/>
-              </a:prstGeom>
-              <a:ln w="228600" cap="rnd"/>
-            </p:spPr>
-            <p:style>
-              <a:lnRef idx="2">
-                <a:schemeClr val="accent1"/>
-              </a:lnRef>
-              <a:fillRef idx="0">
-                <a:schemeClr val="accent1"/>
-              </a:fillRef>
-              <a:effectRef idx="1">
-                <a:schemeClr val="accent1"/>
-              </a:effectRef>
-              <a:fontRef idx="minor">
-                <a:schemeClr val="tx1"/>
-              </a:fontRef>
-            </p:style>
-          </p:cxnSp>
-          <p:cxnSp>
-            <p:nvCxnSpPr>
-              <p:cNvPr id="83" name="Connecteur droit 82">
-                <a:extLst>
-                  <a:ext uri="{FF2B5EF4-FFF2-40B4-BE49-F238E27FC236}">
-                    <a16:creationId xmlns:a16="http://schemas.microsoft.com/office/drawing/2014/main" id="{11E492EF-7818-8DD8-96D8-10AF0E783806}"/>
-                  </a:ext>
-                </a:extLst>
-              </p:cNvPr>
-              <p:cNvCxnSpPr>
-                <a:cxnSpLocks/>
-              </p:cNvCxnSpPr>
-              <p:nvPr/>
-            </p:nvCxnSpPr>
-            <p:spPr>
-              <a:xfrm flipH="1" flipV="1">
-                <a:off x="1490366" y="1303217"/>
-                <a:ext cx="1007289" cy="1183707"/>
-              </a:xfrm>
-              <a:prstGeom prst="line">
-                <a:avLst/>
-              </a:prstGeom>
-              <a:ln w="228600" cap="rnd"/>
-            </p:spPr>
-            <p:style>
-              <a:lnRef idx="2">
-                <a:schemeClr val="accent1"/>
-              </a:lnRef>
-              <a:fillRef idx="0">
-                <a:schemeClr val="accent1"/>
-              </a:fillRef>
-              <a:effectRef idx="1">
-                <a:schemeClr val="accent1"/>
-              </a:effectRef>
-              <a:fontRef idx="minor">
-                <a:schemeClr val="tx1"/>
-              </a:fontRef>
-            </p:style>
-          </p:cxnSp>
-          <p:cxnSp>
-            <p:nvCxnSpPr>
-              <p:cNvPr id="84" name="Connecteur droit 83">
-                <a:extLst>
-                  <a:ext uri="{FF2B5EF4-FFF2-40B4-BE49-F238E27FC236}">
-                    <a16:creationId xmlns:a16="http://schemas.microsoft.com/office/drawing/2014/main" id="{B62B2DCA-7DB4-E29E-6851-2C1EBE609082}"/>
-                  </a:ext>
-                </a:extLst>
-              </p:cNvPr>
-              <p:cNvCxnSpPr>
-                <a:cxnSpLocks/>
-              </p:cNvCxnSpPr>
-              <p:nvPr/>
-            </p:nvCxnSpPr>
-            <p:spPr>
-              <a:xfrm flipV="1">
-                <a:off x="2497655" y="1303217"/>
-                <a:ext cx="904853" cy="1183707"/>
-              </a:xfrm>
-              <a:prstGeom prst="line">
-                <a:avLst/>
-              </a:prstGeom>
-              <a:ln w="228600" cap="rnd"/>
-            </p:spPr>
-            <p:style>
-              <a:lnRef idx="2">
-                <a:schemeClr val="accent1"/>
-              </a:lnRef>
-              <a:fillRef idx="0">
-                <a:schemeClr val="accent1"/>
-              </a:fillRef>
-              <a:effectRef idx="1">
-                <a:schemeClr val="accent1"/>
-              </a:effectRef>
-              <a:fontRef idx="minor">
-                <a:schemeClr val="tx1"/>
-              </a:fontRef>
-            </p:style>
-          </p:cxnSp>
-        </p:grpSp>
+            <a:prstGeom prst="line">
+              <a:avLst/>
+            </a:prstGeom>
+            <a:ln w="228600" cap="rnd"/>
+          </p:spPr>
+          <p:style>
+            <a:lnRef idx="2">
+              <a:schemeClr val="accent1"/>
+            </a:lnRef>
+            <a:fillRef idx="0">
+              <a:schemeClr val="accent1"/>
+            </a:fillRef>
+            <a:effectRef idx="1">
+              <a:schemeClr val="accent1"/>
+            </a:effectRef>
+            <a:fontRef idx="minor">
+              <a:schemeClr val="tx1"/>
+            </a:fontRef>
+          </p:style>
+        </p:cxnSp>
+        <p:cxnSp>
+          <p:nvCxnSpPr>
+            <p:cNvPr id="83" name="Connecteur droit 82">
+              <a:extLst>
+                <a:ext uri="{FF2B5EF4-FFF2-40B4-BE49-F238E27FC236}">
+                  <a16:creationId xmlns:a16="http://schemas.microsoft.com/office/drawing/2014/main" id="{11E492EF-7818-8DD8-96D8-10AF0E783806}"/>
+                </a:ext>
+              </a:extLst>
+            </p:cNvPr>
+            <p:cNvCxnSpPr>
+              <a:cxnSpLocks/>
+            </p:cNvCxnSpPr>
+            <p:nvPr/>
+          </p:nvCxnSpPr>
+          <p:spPr>
+            <a:xfrm flipH="1" flipV="1">
+              <a:off x="1490366" y="1303217"/>
+              <a:ext cx="1007289" cy="1183707"/>
+            </a:xfrm>
+            <a:prstGeom prst="line">
+              <a:avLst/>
+            </a:prstGeom>
+            <a:ln w="228600" cap="rnd"/>
+          </p:spPr>
+          <p:style>
+            <a:lnRef idx="2">
+              <a:schemeClr val="accent1"/>
+            </a:lnRef>
+            <a:fillRef idx="0">
+              <a:schemeClr val="accent1"/>
+            </a:fillRef>
+            <a:effectRef idx="1">
+              <a:schemeClr val="accent1"/>
+            </a:effectRef>
+            <a:fontRef idx="minor">
+              <a:schemeClr val="tx1"/>
+            </a:fontRef>
+          </p:style>
+        </p:cxnSp>
+        <p:cxnSp>
+          <p:nvCxnSpPr>
+            <p:cNvPr id="84" name="Connecteur droit 83">
+              <a:extLst>
+                <a:ext uri="{FF2B5EF4-FFF2-40B4-BE49-F238E27FC236}">
+                  <a16:creationId xmlns:a16="http://schemas.microsoft.com/office/drawing/2014/main" id="{B62B2DCA-7DB4-E29E-6851-2C1EBE609082}"/>
+                </a:ext>
+              </a:extLst>
+            </p:cNvPr>
+            <p:cNvCxnSpPr>
+              <a:cxnSpLocks/>
+            </p:cNvCxnSpPr>
+            <p:nvPr/>
+          </p:nvCxnSpPr>
+          <p:spPr>
+            <a:xfrm flipV="1">
+              <a:off x="2497655" y="1303217"/>
+              <a:ext cx="904853" cy="1183707"/>
+            </a:xfrm>
+            <a:prstGeom prst="line">
+              <a:avLst/>
+            </a:prstGeom>
+            <a:ln w="228600" cap="rnd"/>
+          </p:spPr>
+          <p:style>
+            <a:lnRef idx="2">
+              <a:schemeClr val="accent1"/>
+            </a:lnRef>
+            <a:fillRef idx="0">
+              <a:schemeClr val="accent1"/>
+            </a:fillRef>
+            <a:effectRef idx="1">
+              <a:schemeClr val="accent1"/>
+            </a:effectRef>
+            <a:fontRef idx="minor">
+              <a:schemeClr val="tx1"/>
+            </a:fontRef>
+          </p:style>
+        </p:cxnSp>
       </p:grpSp>
       <p:sp>
         <p:nvSpPr>
@@ -10700,53 +10470,6 @@
           <a:solidFill>
             <a:srgbClr val="8E8E8E"/>
           </a:solidFill>
-        </p:spPr>
-        <p:style>
-          <a:lnRef idx="2">
-            <a:schemeClr val="accent1">
-              <a:shade val="15000"/>
-            </a:schemeClr>
-          </a:lnRef>
-          <a:fillRef idx="1">
-            <a:schemeClr val="accent1"/>
-          </a:fillRef>
-          <a:effectRef idx="0">
-            <a:schemeClr val="accent1"/>
-          </a:effectRef>
-          <a:fontRef idx="minor">
-            <a:schemeClr val="lt1"/>
-          </a:fontRef>
-        </p:style>
-        <p:txBody>
-          <a:bodyPr rtlCol="0" anchor="ctr"/>
-          <a:lstStyle/>
-          <a:p>
-            <a:pPr algn="ctr"/>
-            <a:endParaRPr lang="fr-CA"/>
-          </a:p>
-        </p:txBody>
-      </p:sp>
-      <p:sp>
-        <p:nvSpPr>
-          <p:cNvPr id="92" name="Rectangle 91">
-            <a:extLst>
-              <a:ext uri="{FF2B5EF4-FFF2-40B4-BE49-F238E27FC236}">
-                <a16:creationId xmlns:a16="http://schemas.microsoft.com/office/drawing/2014/main" id="{7B7051EA-81FF-647C-A5AB-AA328D3E0FB3}"/>
-              </a:ext>
-            </a:extLst>
-          </p:cNvPr>
-          <p:cNvSpPr/>
-          <p:nvPr/>
-        </p:nvSpPr>
-        <p:spPr>
-          <a:xfrm>
-            <a:off x="3600614" y="3455434"/>
-            <a:ext cx="3394192" cy="3394192"/>
-          </a:xfrm>
-          <a:prstGeom prst="rect">
-            <a:avLst/>
-          </a:prstGeom>
-          <a:noFill/>
         </p:spPr>
         <p:style>
           <a:lnRef idx="2">

--- a/graphics/graphics.pptx
+++ b/graphics/graphics.pptx
@@ -11372,6 +11372,246 @@
           </a:prstGeom>
         </p:spPr>
       </p:pic>
+      <p:grpSp>
+        <p:nvGrpSpPr>
+          <p:cNvPr id="14" name="Groupe 13">
+            <a:extLst>
+              <a:ext uri="{FF2B5EF4-FFF2-40B4-BE49-F238E27FC236}">
+                <a16:creationId xmlns:a16="http://schemas.microsoft.com/office/drawing/2014/main" id="{0C5317B7-4F11-5658-84E1-CFF5A5C7BC8A}"/>
+              </a:ext>
+            </a:extLst>
+          </p:cNvPr>
+          <p:cNvGrpSpPr/>
+          <p:nvPr/>
+        </p:nvGrpSpPr>
+        <p:grpSpPr>
+          <a:xfrm>
+            <a:off x="567617" y="3883742"/>
+            <a:ext cx="2593816" cy="2503700"/>
+            <a:chOff x="1661650" y="3480619"/>
+            <a:chExt cx="2593816" cy="2503700"/>
+          </a:xfrm>
+        </p:grpSpPr>
+        <p:sp>
+          <p:nvSpPr>
+            <p:cNvPr id="2" name="Flèche : bas 1">
+              <a:extLst>
+                <a:ext uri="{FF2B5EF4-FFF2-40B4-BE49-F238E27FC236}">
+                  <a16:creationId xmlns:a16="http://schemas.microsoft.com/office/drawing/2014/main" id="{422858D9-5D87-ECC3-D2BF-E22DBF584760}"/>
+                </a:ext>
+              </a:extLst>
+            </p:cNvPr>
+            <p:cNvSpPr/>
+            <p:nvPr/>
+          </p:nvSpPr>
+          <p:spPr>
+            <a:xfrm>
+              <a:off x="2299797" y="3480619"/>
+              <a:ext cx="1317523" cy="1969241"/>
+            </a:xfrm>
+            <a:prstGeom prst="downArrow">
+              <a:avLst>
+                <a:gd name="adj1" fmla="val 34615"/>
+                <a:gd name="adj2" fmla="val 50000"/>
+              </a:avLst>
+            </a:prstGeom>
+            <a:solidFill>
+              <a:schemeClr val="tx1"/>
+            </a:solidFill>
+            <a:ln>
+              <a:solidFill>
+                <a:schemeClr val="tx1"/>
+              </a:solidFill>
+            </a:ln>
+          </p:spPr>
+          <p:style>
+            <a:lnRef idx="2">
+              <a:schemeClr val="accent1">
+                <a:shade val="15000"/>
+              </a:schemeClr>
+            </a:lnRef>
+            <a:fillRef idx="1">
+              <a:schemeClr val="accent1"/>
+            </a:fillRef>
+            <a:effectRef idx="0">
+              <a:schemeClr val="accent1"/>
+            </a:effectRef>
+            <a:fontRef idx="minor">
+              <a:schemeClr val="lt1"/>
+            </a:fontRef>
+          </p:style>
+          <p:txBody>
+            <a:bodyPr rtlCol="0" anchor="ctr"/>
+            <a:lstStyle/>
+            <a:p>
+              <a:pPr algn="ctr"/>
+              <a:endParaRPr lang="fr-CA"/>
+            </a:p>
+          </p:txBody>
+        </p:sp>
+        <p:sp>
+          <p:nvSpPr>
+            <p:cNvPr id="7" name="Rectangle 6">
+              <a:extLst>
+                <a:ext uri="{FF2B5EF4-FFF2-40B4-BE49-F238E27FC236}">
+                  <a16:creationId xmlns:a16="http://schemas.microsoft.com/office/drawing/2014/main" id="{2B62ED7F-23DF-0070-B95E-F710481BCDE9}"/>
+                </a:ext>
+              </a:extLst>
+            </p:cNvPr>
+            <p:cNvSpPr/>
+            <p:nvPr/>
+          </p:nvSpPr>
+          <p:spPr>
+            <a:xfrm>
+              <a:off x="1661651" y="4672823"/>
+              <a:ext cx="397096" cy="914400"/>
+            </a:xfrm>
+            <a:prstGeom prst="rect">
+              <a:avLst/>
+            </a:prstGeom>
+            <a:solidFill>
+              <a:schemeClr val="tx1"/>
+            </a:solidFill>
+            <a:ln>
+              <a:solidFill>
+                <a:schemeClr val="tx1"/>
+              </a:solidFill>
+            </a:ln>
+          </p:spPr>
+          <p:style>
+            <a:lnRef idx="2">
+              <a:schemeClr val="accent1">
+                <a:shade val="15000"/>
+              </a:schemeClr>
+            </a:lnRef>
+            <a:fillRef idx="1">
+              <a:schemeClr val="accent1"/>
+            </a:fillRef>
+            <a:effectRef idx="0">
+              <a:schemeClr val="accent1"/>
+            </a:effectRef>
+            <a:fontRef idx="minor">
+              <a:schemeClr val="lt1"/>
+            </a:fontRef>
+          </p:style>
+          <p:txBody>
+            <a:bodyPr rtlCol="0" anchor="ctr"/>
+            <a:lstStyle/>
+            <a:p>
+              <a:pPr algn="ctr"/>
+              <a:endParaRPr lang="fr-CA"/>
+            </a:p>
+          </p:txBody>
+        </p:sp>
+        <p:sp>
+          <p:nvSpPr>
+            <p:cNvPr id="8" name="Rectangle 7">
+              <a:extLst>
+                <a:ext uri="{FF2B5EF4-FFF2-40B4-BE49-F238E27FC236}">
+                  <a16:creationId xmlns:a16="http://schemas.microsoft.com/office/drawing/2014/main" id="{6D06E0A4-3B5D-611F-D242-FB368937EDE9}"/>
+                </a:ext>
+              </a:extLst>
+            </p:cNvPr>
+            <p:cNvSpPr/>
+            <p:nvPr/>
+          </p:nvSpPr>
+          <p:spPr>
+            <a:xfrm>
+              <a:off x="3858370" y="4672823"/>
+              <a:ext cx="397096" cy="914400"/>
+            </a:xfrm>
+            <a:prstGeom prst="rect">
+              <a:avLst/>
+            </a:prstGeom>
+            <a:solidFill>
+              <a:schemeClr val="tx1"/>
+            </a:solidFill>
+            <a:ln>
+              <a:solidFill>
+                <a:schemeClr val="tx1"/>
+              </a:solidFill>
+            </a:ln>
+          </p:spPr>
+          <p:style>
+            <a:lnRef idx="2">
+              <a:schemeClr val="accent1">
+                <a:shade val="15000"/>
+              </a:schemeClr>
+            </a:lnRef>
+            <a:fillRef idx="1">
+              <a:schemeClr val="accent1"/>
+            </a:fillRef>
+            <a:effectRef idx="0">
+              <a:schemeClr val="accent1"/>
+            </a:effectRef>
+            <a:fontRef idx="minor">
+              <a:schemeClr val="lt1"/>
+            </a:fontRef>
+          </p:style>
+          <p:txBody>
+            <a:bodyPr rtlCol="0" anchor="ctr"/>
+            <a:lstStyle/>
+            <a:p>
+              <a:pPr algn="ctr"/>
+              <a:endParaRPr lang="fr-CA"/>
+            </a:p>
+          </p:txBody>
+        </p:sp>
+        <p:sp>
+          <p:nvSpPr>
+            <p:cNvPr id="12" name="Rectangle 11">
+              <a:extLst>
+                <a:ext uri="{FF2B5EF4-FFF2-40B4-BE49-F238E27FC236}">
+                  <a16:creationId xmlns:a16="http://schemas.microsoft.com/office/drawing/2014/main" id="{073198B2-4107-9798-43FA-CA6F592EB2EC}"/>
+                </a:ext>
+              </a:extLst>
+            </p:cNvPr>
+            <p:cNvSpPr/>
+            <p:nvPr/>
+          </p:nvSpPr>
+          <p:spPr>
+            <a:xfrm rot="5400000">
+              <a:off x="2760010" y="4488863"/>
+              <a:ext cx="397096" cy="2593815"/>
+            </a:xfrm>
+            <a:prstGeom prst="rect">
+              <a:avLst/>
+            </a:prstGeom>
+            <a:solidFill>
+              <a:schemeClr val="tx1"/>
+            </a:solidFill>
+            <a:ln>
+              <a:solidFill>
+                <a:schemeClr val="tx1"/>
+              </a:solidFill>
+            </a:ln>
+          </p:spPr>
+          <p:style>
+            <a:lnRef idx="2">
+              <a:schemeClr val="accent1">
+                <a:shade val="15000"/>
+              </a:schemeClr>
+            </a:lnRef>
+            <a:fillRef idx="1">
+              <a:schemeClr val="accent1"/>
+            </a:fillRef>
+            <a:effectRef idx="0">
+              <a:schemeClr val="accent1"/>
+            </a:effectRef>
+            <a:fontRef idx="minor">
+              <a:schemeClr val="lt1"/>
+            </a:fontRef>
+          </p:style>
+          <p:txBody>
+            <a:bodyPr rtlCol="0" anchor="ctr"/>
+            <a:lstStyle/>
+            <a:p>
+              <a:pPr algn="ctr"/>
+              <a:endParaRPr lang="fr-CA"/>
+            </a:p>
+          </p:txBody>
+        </p:sp>
+      </p:grpSp>
     </p:spTree>
     <p:extLst>
       <p:ext uri="{BB962C8B-B14F-4D97-AF65-F5344CB8AC3E}">
@@ -11653,6 +11893,293 @@
               <a:extLst>
                 <a:ext uri="{FF2B5EF4-FFF2-40B4-BE49-F238E27FC236}">
                   <a16:creationId xmlns:a16="http://schemas.microsoft.com/office/drawing/2014/main" id="{44F87AE0-6E54-B663-06A9-542691D739D4}"/>
+                </a:ext>
+              </a:extLst>
+            </p:cNvPr>
+            <p:cNvCxnSpPr/>
+            <p:nvPr/>
+          </p:nvCxnSpPr>
+          <p:spPr>
+            <a:xfrm>
+              <a:off x="9366701" y="1731960"/>
+              <a:ext cx="1262767" cy="0"/>
+            </a:xfrm>
+            <a:prstGeom prst="line">
+              <a:avLst/>
+            </a:prstGeom>
+            <a:ln w="139700" cap="rnd">
+              <a:solidFill>
+                <a:srgbClr val="217346"/>
+              </a:solidFill>
+            </a:ln>
+          </p:spPr>
+          <p:style>
+            <a:lnRef idx="1">
+              <a:schemeClr val="accent1"/>
+            </a:lnRef>
+            <a:fillRef idx="0">
+              <a:schemeClr val="accent1"/>
+            </a:fillRef>
+            <a:effectRef idx="0">
+              <a:schemeClr val="accent1"/>
+            </a:effectRef>
+            <a:fontRef idx="minor">
+              <a:schemeClr val="tx1"/>
+            </a:fontRef>
+          </p:style>
+        </p:cxnSp>
+      </p:grpSp>
+      <p:grpSp>
+        <p:nvGrpSpPr>
+          <p:cNvPr id="3" name="Groupe 2">
+            <a:extLst>
+              <a:ext uri="{FF2B5EF4-FFF2-40B4-BE49-F238E27FC236}">
+                <a16:creationId xmlns:a16="http://schemas.microsoft.com/office/drawing/2014/main" id="{435298BF-B8C5-CDB1-5921-938C6A414B77}"/>
+              </a:ext>
+            </a:extLst>
+          </p:cNvPr>
+          <p:cNvGrpSpPr/>
+          <p:nvPr/>
+        </p:nvGrpSpPr>
+        <p:grpSpPr>
+          <a:xfrm>
+            <a:off x="4613303" y="378718"/>
+            <a:ext cx="3104786" cy="3162299"/>
+            <a:chOff x="8531458" y="378718"/>
+            <a:chExt cx="3104786" cy="3162299"/>
+          </a:xfrm>
+        </p:grpSpPr>
+        <p:grpSp>
+          <p:nvGrpSpPr>
+            <p:cNvPr id="5" name="Groupe 4">
+              <a:extLst>
+                <a:ext uri="{FF2B5EF4-FFF2-40B4-BE49-F238E27FC236}">
+                  <a16:creationId xmlns:a16="http://schemas.microsoft.com/office/drawing/2014/main" id="{B3329294-9E3A-9EDD-0B07-EC46E7E1A943}"/>
+                </a:ext>
+              </a:extLst>
+            </p:cNvPr>
+            <p:cNvGrpSpPr/>
+            <p:nvPr/>
+          </p:nvGrpSpPr>
+          <p:grpSpPr>
+            <a:xfrm>
+              <a:off x="8531458" y="378718"/>
+              <a:ext cx="3104786" cy="3162299"/>
+              <a:chOff x="567328" y="408215"/>
+              <a:chExt cx="3889829" cy="3960000"/>
+            </a:xfrm>
+          </p:grpSpPr>
+          <p:sp>
+            <p:nvSpPr>
+              <p:cNvPr id="9" name="Rectangle : coins arrondis 8">
+                <a:extLst>
+                  <a:ext uri="{FF2B5EF4-FFF2-40B4-BE49-F238E27FC236}">
+                    <a16:creationId xmlns:a16="http://schemas.microsoft.com/office/drawing/2014/main" id="{86310B4E-0DA7-528B-6E32-7332710EF47B}"/>
+                  </a:ext>
+                </a:extLst>
+              </p:cNvPr>
+              <p:cNvSpPr/>
+              <p:nvPr/>
+            </p:nvSpPr>
+            <p:spPr>
+              <a:xfrm>
+                <a:off x="1072243" y="408215"/>
+                <a:ext cx="2880000" cy="3960000"/>
+              </a:xfrm>
+              <a:prstGeom prst="roundRect">
+                <a:avLst>
+                  <a:gd name="adj" fmla="val 2997"/>
+                </a:avLst>
+              </a:prstGeom>
+              <a:solidFill>
+                <a:schemeClr val="bg1"/>
+              </a:solidFill>
+              <a:ln w="177800">
+                <a:solidFill>
+                  <a:srgbClr val="217346"/>
+                </a:solidFill>
+              </a:ln>
+            </p:spPr>
+            <p:style>
+              <a:lnRef idx="2">
+                <a:schemeClr val="accent1">
+                  <a:shade val="15000"/>
+                </a:schemeClr>
+              </a:lnRef>
+              <a:fillRef idx="1">
+                <a:schemeClr val="accent1"/>
+              </a:fillRef>
+              <a:effectRef idx="0">
+                <a:schemeClr val="accent1"/>
+              </a:effectRef>
+              <a:fontRef idx="minor">
+                <a:schemeClr val="lt1"/>
+              </a:fontRef>
+            </p:style>
+            <p:txBody>
+              <a:bodyPr rtlCol="0" anchor="ctr"/>
+              <a:lstStyle/>
+              <a:p>
+                <a:pPr algn="ctr"/>
+                <a:endParaRPr lang="fr-CA"/>
+              </a:p>
+            </p:txBody>
+          </p:sp>
+          <p:sp>
+            <p:nvSpPr>
+              <p:cNvPr id="10" name="Rectangle 9">
+                <a:extLst>
+                  <a:ext uri="{FF2B5EF4-FFF2-40B4-BE49-F238E27FC236}">
+                    <a16:creationId xmlns:a16="http://schemas.microsoft.com/office/drawing/2014/main" id="{A380E6EA-7C0C-AEFB-EF82-92268F1B6078}"/>
+                  </a:ext>
+                </a:extLst>
+              </p:cNvPr>
+              <p:cNvSpPr/>
+              <p:nvPr/>
+            </p:nvSpPr>
+            <p:spPr>
+              <a:xfrm>
+                <a:off x="567328" y="2562226"/>
+                <a:ext cx="3889829" cy="1240064"/>
+              </a:xfrm>
+              <a:prstGeom prst="rect">
+                <a:avLst/>
+              </a:prstGeom>
+              <a:ln w="190500">
+                <a:solidFill>
+                  <a:srgbClr val="217346"/>
+                </a:solidFill>
+              </a:ln>
+              <a:effectLst>
+                <a:glow>
+                  <a:schemeClr val="accent1">
+                    <a:alpha val="40000"/>
+                  </a:schemeClr>
+                </a:glow>
+                <a:softEdge rad="0"/>
+              </a:effectLst>
+            </p:spPr>
+            <p:style>
+              <a:lnRef idx="2">
+                <a:schemeClr val="accent6">
+                  <a:shade val="15000"/>
+                </a:schemeClr>
+              </a:lnRef>
+              <a:fillRef idx="1">
+                <a:schemeClr val="accent6"/>
+              </a:fillRef>
+              <a:effectRef idx="0">
+                <a:schemeClr val="accent6"/>
+              </a:effectRef>
+              <a:fontRef idx="minor">
+                <a:schemeClr val="lt1"/>
+              </a:fontRef>
+            </p:style>
+            <p:txBody>
+              <a:bodyPr rtlCol="0" anchor="ctr"/>
+              <a:lstStyle/>
+              <a:p>
+                <a:pPr algn="ctr"/>
+                <a:r>
+                  <a:rPr lang="fr-CA" sz="7000" b="1" dirty="0">
+                    <a:latin typeface="DejaVu Sans" panose="020B0603030804020204" pitchFamily="34" charset="0"/>
+                    <a:ea typeface="DejaVu Sans" panose="020B0603030804020204" pitchFamily="34" charset="0"/>
+                    <a:cs typeface="DejaVu Sans" panose="020B0603030804020204" pitchFamily="34" charset="0"/>
+                  </a:rPr>
+                  <a:t>XLSX</a:t>
+                </a:r>
+              </a:p>
+            </p:txBody>
+          </p:sp>
+          <p:cxnSp>
+            <p:nvCxnSpPr>
+              <p:cNvPr id="15" name="Connecteur droit 14">
+                <a:extLst>
+                  <a:ext uri="{FF2B5EF4-FFF2-40B4-BE49-F238E27FC236}">
+                    <a16:creationId xmlns:a16="http://schemas.microsoft.com/office/drawing/2014/main" id="{DE7921C8-1FDE-AF2D-D3F6-478D8F50D060}"/>
+                  </a:ext>
+                </a:extLst>
+              </p:cNvPr>
+              <p:cNvCxnSpPr/>
+              <p:nvPr/>
+            </p:nvCxnSpPr>
+            <p:spPr>
+              <a:xfrm>
+                <a:off x="1613762" y="939288"/>
+                <a:ext cx="1582057" cy="0"/>
+              </a:xfrm>
+              <a:prstGeom prst="line">
+                <a:avLst/>
+              </a:prstGeom>
+              <a:ln w="139700" cap="rnd">
+                <a:solidFill>
+                  <a:srgbClr val="217346"/>
+                </a:solidFill>
+              </a:ln>
+            </p:spPr>
+            <p:style>
+              <a:lnRef idx="1">
+                <a:schemeClr val="accent1"/>
+              </a:lnRef>
+              <a:fillRef idx="0">
+                <a:schemeClr val="accent1"/>
+              </a:fillRef>
+              <a:effectRef idx="0">
+                <a:schemeClr val="accent1"/>
+              </a:effectRef>
+              <a:fontRef idx="minor">
+                <a:schemeClr val="tx1"/>
+              </a:fontRef>
+            </p:style>
+          </p:cxnSp>
+        </p:grpSp>
+        <p:cxnSp>
+          <p:nvCxnSpPr>
+            <p:cNvPr id="6" name="Connecteur droit 5">
+              <a:extLst>
+                <a:ext uri="{FF2B5EF4-FFF2-40B4-BE49-F238E27FC236}">
+                  <a16:creationId xmlns:a16="http://schemas.microsoft.com/office/drawing/2014/main" id="{E99EE9F6-1FB6-763E-1763-7CA942A19D21}"/>
+                </a:ext>
+              </a:extLst>
+            </p:cNvPr>
+            <p:cNvCxnSpPr/>
+            <p:nvPr/>
+          </p:nvCxnSpPr>
+          <p:spPr>
+            <a:xfrm>
+              <a:off x="9366701" y="1269845"/>
+              <a:ext cx="1262767" cy="0"/>
+            </a:xfrm>
+            <a:prstGeom prst="line">
+              <a:avLst/>
+            </a:prstGeom>
+            <a:ln w="139700" cap="rnd">
+              <a:solidFill>
+                <a:srgbClr val="217346"/>
+              </a:solidFill>
+            </a:ln>
+          </p:spPr>
+          <p:style>
+            <a:lnRef idx="1">
+              <a:schemeClr val="accent1"/>
+            </a:lnRef>
+            <a:fillRef idx="0">
+              <a:schemeClr val="accent1"/>
+            </a:fillRef>
+            <a:effectRef idx="0">
+              <a:schemeClr val="accent1"/>
+            </a:effectRef>
+            <a:fontRef idx="minor">
+              <a:schemeClr val="tx1"/>
+            </a:fontRef>
+          </p:style>
+        </p:cxnSp>
+        <p:cxnSp>
+          <p:nvCxnSpPr>
+            <p:cNvPr id="8" name="Connecteur droit 7">
+              <a:extLst>
+                <a:ext uri="{FF2B5EF4-FFF2-40B4-BE49-F238E27FC236}">
+                  <a16:creationId xmlns:a16="http://schemas.microsoft.com/office/drawing/2014/main" id="{0DF6C1DB-E33B-3099-BAC0-8DD2D3666B68}"/>
                 </a:ext>
               </a:extLst>
             </p:cNvPr>

--- a/graphics/graphics.pptx
+++ b/graphics/graphics.pptx
@@ -203,7 +203,7 @@
           <a:p>
             <a:fld id="{B8404A9E-F80D-47A3-9ABE-4E375F8C7A58}" type="datetimeFigureOut">
               <a:rPr lang="fr-CA" smtClean="0"/>
-              <a:t>2025-01-19</a:t>
+              <a:t>2025-02-25</a:t>
             </a:fld>
             <a:endParaRPr lang="fr-CA"/>
           </a:p>
@@ -620,7 +620,7 @@
           <a:p>
             <a:fld id="{B1B97C2F-ED53-40B2-8245-274A53568F1F}" type="datetimeFigureOut">
               <a:rPr lang="fr-CA" smtClean="0"/>
-              <a:t>2025-01-19</a:t>
+              <a:t>2025-02-25</a:t>
             </a:fld>
             <a:endParaRPr lang="fr-CA"/>
           </a:p>
@@ -820,7 +820,7 @@
           <a:p>
             <a:fld id="{B1B97C2F-ED53-40B2-8245-274A53568F1F}" type="datetimeFigureOut">
               <a:rPr lang="fr-CA" smtClean="0"/>
-              <a:t>2025-01-19</a:t>
+              <a:t>2025-02-25</a:t>
             </a:fld>
             <a:endParaRPr lang="fr-CA"/>
           </a:p>
@@ -1030,7 +1030,7 @@
           <a:p>
             <a:fld id="{B1B97C2F-ED53-40B2-8245-274A53568F1F}" type="datetimeFigureOut">
               <a:rPr lang="fr-CA" smtClean="0"/>
-              <a:t>2025-01-19</a:t>
+              <a:t>2025-02-25</a:t>
             </a:fld>
             <a:endParaRPr lang="fr-CA"/>
           </a:p>
@@ -1252,7 +1252,7 @@
           <a:p>
             <a:fld id="{3CFA78C3-2C03-4D26-BA08-5201FB292C09}" type="datetimeFigureOut">
               <a:rPr lang="fr-CA" smtClean="0"/>
-              <a:t>2025-01-19</a:t>
+              <a:t>2025-02-25</a:t>
             </a:fld>
             <a:endParaRPr lang="fr-CA"/>
           </a:p>
@@ -1452,7 +1452,7 @@
           <a:p>
             <a:fld id="{3CFA78C3-2C03-4D26-BA08-5201FB292C09}" type="datetimeFigureOut">
               <a:rPr lang="fr-CA" smtClean="0"/>
-              <a:t>2025-01-19</a:t>
+              <a:t>2025-02-25</a:t>
             </a:fld>
             <a:endParaRPr lang="fr-CA"/>
           </a:p>
@@ -1728,7 +1728,7 @@
           <a:p>
             <a:fld id="{3CFA78C3-2C03-4D26-BA08-5201FB292C09}" type="datetimeFigureOut">
               <a:rPr lang="fr-CA" smtClean="0"/>
-              <a:t>2025-01-19</a:t>
+              <a:t>2025-02-25</a:t>
             </a:fld>
             <a:endParaRPr lang="fr-CA"/>
           </a:p>
@@ -1996,7 +1996,7 @@
           <a:p>
             <a:fld id="{3CFA78C3-2C03-4D26-BA08-5201FB292C09}" type="datetimeFigureOut">
               <a:rPr lang="fr-CA" smtClean="0"/>
-              <a:t>2025-01-19</a:t>
+              <a:t>2025-02-25</a:t>
             </a:fld>
             <a:endParaRPr lang="fr-CA"/>
           </a:p>
@@ -2411,7 +2411,7 @@
           <a:p>
             <a:fld id="{3CFA78C3-2C03-4D26-BA08-5201FB292C09}" type="datetimeFigureOut">
               <a:rPr lang="fr-CA" smtClean="0"/>
-              <a:t>2025-01-19</a:t>
+              <a:t>2025-02-25</a:t>
             </a:fld>
             <a:endParaRPr lang="fr-CA"/>
           </a:p>
@@ -2553,7 +2553,7 @@
           <a:p>
             <a:fld id="{3CFA78C3-2C03-4D26-BA08-5201FB292C09}" type="datetimeFigureOut">
               <a:rPr lang="fr-CA" smtClean="0"/>
-              <a:t>2025-01-19</a:t>
+              <a:t>2025-02-25</a:t>
             </a:fld>
             <a:endParaRPr lang="fr-CA"/>
           </a:p>
@@ -2666,7 +2666,7 @@
           <a:p>
             <a:fld id="{3CFA78C3-2C03-4D26-BA08-5201FB292C09}" type="datetimeFigureOut">
               <a:rPr lang="fr-CA" smtClean="0"/>
-              <a:t>2025-01-19</a:t>
+              <a:t>2025-02-25</a:t>
             </a:fld>
             <a:endParaRPr lang="fr-CA"/>
           </a:p>
@@ -2979,7 +2979,7 @@
           <a:p>
             <a:fld id="{3CFA78C3-2C03-4D26-BA08-5201FB292C09}" type="datetimeFigureOut">
               <a:rPr lang="fr-CA" smtClean="0"/>
-              <a:t>2025-01-19</a:t>
+              <a:t>2025-02-25</a:t>
             </a:fld>
             <a:endParaRPr lang="fr-CA"/>
           </a:p>
@@ -3179,7 +3179,7 @@
           <a:p>
             <a:fld id="{B1B97C2F-ED53-40B2-8245-274A53568F1F}" type="datetimeFigureOut">
               <a:rPr lang="fr-CA" smtClean="0"/>
-              <a:t>2025-01-19</a:t>
+              <a:t>2025-02-25</a:t>
             </a:fld>
             <a:endParaRPr lang="fr-CA"/>
           </a:p>
@@ -3468,7 +3468,7 @@
           <a:p>
             <a:fld id="{3CFA78C3-2C03-4D26-BA08-5201FB292C09}" type="datetimeFigureOut">
               <a:rPr lang="fr-CA" smtClean="0"/>
-              <a:t>2025-01-19</a:t>
+              <a:t>2025-02-25</a:t>
             </a:fld>
             <a:endParaRPr lang="fr-CA"/>
           </a:p>
@@ -3668,7 +3668,7 @@
           <a:p>
             <a:fld id="{3CFA78C3-2C03-4D26-BA08-5201FB292C09}" type="datetimeFigureOut">
               <a:rPr lang="fr-CA" smtClean="0"/>
-              <a:t>2025-01-19</a:t>
+              <a:t>2025-02-25</a:t>
             </a:fld>
             <a:endParaRPr lang="fr-CA"/>
           </a:p>
@@ -3878,7 +3878,7 @@
           <a:p>
             <a:fld id="{3CFA78C3-2C03-4D26-BA08-5201FB292C09}" type="datetimeFigureOut">
               <a:rPr lang="fr-CA" smtClean="0"/>
-              <a:t>2025-01-19</a:t>
+              <a:t>2025-02-25</a:t>
             </a:fld>
             <a:endParaRPr lang="fr-CA"/>
           </a:p>
@@ -4154,7 +4154,7 @@
           <a:p>
             <a:fld id="{B1B97C2F-ED53-40B2-8245-274A53568F1F}" type="datetimeFigureOut">
               <a:rPr lang="fr-CA" smtClean="0"/>
-              <a:t>2025-01-19</a:t>
+              <a:t>2025-02-25</a:t>
             </a:fld>
             <a:endParaRPr lang="fr-CA"/>
           </a:p>
@@ -4422,7 +4422,7 @@
           <a:p>
             <a:fld id="{B1B97C2F-ED53-40B2-8245-274A53568F1F}" type="datetimeFigureOut">
               <a:rPr lang="fr-CA" smtClean="0"/>
-              <a:t>2025-01-19</a:t>
+              <a:t>2025-02-25</a:t>
             </a:fld>
             <a:endParaRPr lang="fr-CA"/>
           </a:p>
@@ -4837,7 +4837,7 @@
           <a:p>
             <a:fld id="{B1B97C2F-ED53-40B2-8245-274A53568F1F}" type="datetimeFigureOut">
               <a:rPr lang="fr-CA" smtClean="0"/>
-              <a:t>2025-01-19</a:t>
+              <a:t>2025-02-25</a:t>
             </a:fld>
             <a:endParaRPr lang="fr-CA"/>
           </a:p>
@@ -4979,7 +4979,7 @@
           <a:p>
             <a:fld id="{B1B97C2F-ED53-40B2-8245-274A53568F1F}" type="datetimeFigureOut">
               <a:rPr lang="fr-CA" smtClean="0"/>
-              <a:t>2025-01-19</a:t>
+              <a:t>2025-02-25</a:t>
             </a:fld>
             <a:endParaRPr lang="fr-CA"/>
           </a:p>
@@ -5092,7 +5092,7 @@
           <a:p>
             <a:fld id="{B1B97C2F-ED53-40B2-8245-274A53568F1F}" type="datetimeFigureOut">
               <a:rPr lang="fr-CA" smtClean="0"/>
-              <a:t>2025-01-19</a:t>
+              <a:t>2025-02-25</a:t>
             </a:fld>
             <a:endParaRPr lang="fr-CA"/>
           </a:p>
@@ -5405,7 +5405,7 @@
           <a:p>
             <a:fld id="{B1B97C2F-ED53-40B2-8245-274A53568F1F}" type="datetimeFigureOut">
               <a:rPr lang="fr-CA" smtClean="0"/>
-              <a:t>2025-01-19</a:t>
+              <a:t>2025-02-25</a:t>
             </a:fld>
             <a:endParaRPr lang="fr-CA"/>
           </a:p>
@@ -5694,7 +5694,7 @@
           <a:p>
             <a:fld id="{B1B97C2F-ED53-40B2-8245-274A53568F1F}" type="datetimeFigureOut">
               <a:rPr lang="fr-CA" smtClean="0"/>
-              <a:t>2025-01-19</a:t>
+              <a:t>2025-02-25</a:t>
             </a:fld>
             <a:endParaRPr lang="fr-CA"/>
           </a:p>
@@ -5937,7 +5937,7 @@
           <a:p>
             <a:fld id="{B1B97C2F-ED53-40B2-8245-274A53568F1F}" type="datetimeFigureOut">
               <a:rPr lang="fr-CA" smtClean="0"/>
-              <a:t>2025-01-19</a:t>
+              <a:t>2025-02-25</a:t>
             </a:fld>
             <a:endParaRPr lang="fr-CA"/>
           </a:p>
@@ -6507,7 +6507,7 @@
           <a:p>
             <a:fld id="{3CFA78C3-2C03-4D26-BA08-5201FB292C09}" type="datetimeFigureOut">
               <a:rPr lang="fr-CA" smtClean="0"/>
-              <a:t>2025-01-19</a:t>
+              <a:t>2025-02-25</a:t>
             </a:fld>
             <a:endParaRPr lang="fr-CA"/>
           </a:p>
@@ -10526,6 +10526,55 @@
           <a:chExt cx="0" cy="0"/>
         </a:xfrm>
       </p:grpSpPr>
+      <p:sp>
+        <p:nvSpPr>
+          <p:cNvPr id="23" name="Rectangle 22">
+            <a:extLst>
+              <a:ext uri="{FF2B5EF4-FFF2-40B4-BE49-F238E27FC236}">
+                <a16:creationId xmlns:a16="http://schemas.microsoft.com/office/drawing/2014/main" id="{07DB5CEE-C74F-1494-2D75-3697DB6251A2}"/>
+              </a:ext>
+            </a:extLst>
+          </p:cNvPr>
+          <p:cNvSpPr/>
+          <p:nvPr/>
+        </p:nvSpPr>
+        <p:spPr>
+          <a:xfrm>
+            <a:off x="4732021" y="3520440"/>
+            <a:ext cx="4427220" cy="3070860"/>
+          </a:xfrm>
+          <a:prstGeom prst="rect">
+            <a:avLst/>
+          </a:prstGeom>
+          <a:solidFill>
+            <a:schemeClr val="bg1"/>
+          </a:solidFill>
+        </p:spPr>
+        <p:style>
+          <a:lnRef idx="2">
+            <a:schemeClr val="accent3">
+              <a:shade val="15000"/>
+            </a:schemeClr>
+          </a:lnRef>
+          <a:fillRef idx="1">
+            <a:schemeClr val="accent3"/>
+          </a:fillRef>
+          <a:effectRef idx="0">
+            <a:schemeClr val="accent3"/>
+          </a:effectRef>
+          <a:fontRef idx="minor">
+            <a:schemeClr val="lt1"/>
+          </a:fontRef>
+        </p:style>
+        <p:txBody>
+          <a:bodyPr rtlCol="0" anchor="ctr"/>
+          <a:lstStyle/>
+          <a:p>
+            <a:pPr algn="ctr"/>
+            <a:endParaRPr lang="fr-CA"/>
+          </a:p>
+        </p:txBody>
+      </p:sp>
       <p:grpSp>
         <p:nvGrpSpPr>
           <p:cNvPr id="6" name="Groupe 5">
@@ -11612,6 +11661,382 @@
           </p:txBody>
         </p:sp>
       </p:grpSp>
+      <p:sp>
+        <p:nvSpPr>
+          <p:cNvPr id="3" name="Rectangle : coins arrondis 2">
+            <a:extLst>
+              <a:ext uri="{FF2B5EF4-FFF2-40B4-BE49-F238E27FC236}">
+                <a16:creationId xmlns:a16="http://schemas.microsoft.com/office/drawing/2014/main" id="{31CE8F6F-9C94-C98A-8B44-59287BC7DA3F}"/>
+              </a:ext>
+            </a:extLst>
+          </p:cNvPr>
+          <p:cNvSpPr/>
+          <p:nvPr/>
+        </p:nvSpPr>
+        <p:spPr>
+          <a:xfrm>
+            <a:off x="4732021" y="3465534"/>
+            <a:ext cx="4427220" cy="3070860"/>
+          </a:xfrm>
+          <a:prstGeom prst="roundRect">
+            <a:avLst>
+              <a:gd name="adj" fmla="val 0"/>
+            </a:avLst>
+          </a:prstGeom>
+          <a:noFill/>
+          <a:ln w="190500">
+            <a:solidFill>
+              <a:srgbClr val="8FAADC"/>
+            </a:solidFill>
+          </a:ln>
+        </p:spPr>
+        <p:style>
+          <a:lnRef idx="2">
+            <a:schemeClr val="accent5">
+              <a:shade val="15000"/>
+            </a:schemeClr>
+          </a:lnRef>
+          <a:fillRef idx="1">
+            <a:schemeClr val="accent5"/>
+          </a:fillRef>
+          <a:effectRef idx="0">
+            <a:schemeClr val="accent5"/>
+          </a:effectRef>
+          <a:fontRef idx="minor">
+            <a:schemeClr val="lt1"/>
+          </a:fontRef>
+        </p:style>
+        <p:txBody>
+          <a:bodyPr rtlCol="0" anchor="ctr"/>
+          <a:lstStyle/>
+          <a:p>
+            <a:pPr algn="ctr"/>
+            <a:endParaRPr lang="fr-CA"/>
+          </a:p>
+        </p:txBody>
+      </p:sp>
+      <p:sp>
+        <p:nvSpPr>
+          <p:cNvPr id="16" name="Rectangle : coins arrondis 15">
+            <a:extLst>
+              <a:ext uri="{FF2B5EF4-FFF2-40B4-BE49-F238E27FC236}">
+                <a16:creationId xmlns:a16="http://schemas.microsoft.com/office/drawing/2014/main" id="{E93E2FEA-A730-DEF7-574D-6E5CDEACC351}"/>
+              </a:ext>
+            </a:extLst>
+          </p:cNvPr>
+          <p:cNvSpPr/>
+          <p:nvPr/>
+        </p:nvSpPr>
+        <p:spPr>
+          <a:xfrm>
+            <a:off x="5182596" y="3791592"/>
+            <a:ext cx="3526069" cy="1743735"/>
+          </a:xfrm>
+          <a:prstGeom prst="roundRect">
+            <a:avLst/>
+          </a:prstGeom>
+          <a:solidFill>
+            <a:srgbClr val="C9E2B8"/>
+          </a:solidFill>
+          <a:ln w="76200">
+            <a:solidFill>
+              <a:schemeClr val="tx1"/>
+            </a:solidFill>
+          </a:ln>
+        </p:spPr>
+        <p:style>
+          <a:lnRef idx="2">
+            <a:schemeClr val="accent5">
+              <a:shade val="15000"/>
+            </a:schemeClr>
+          </a:lnRef>
+          <a:fillRef idx="1">
+            <a:schemeClr val="accent5"/>
+          </a:fillRef>
+          <a:effectRef idx="0">
+            <a:schemeClr val="accent5"/>
+          </a:effectRef>
+          <a:fontRef idx="minor">
+            <a:schemeClr val="lt1"/>
+          </a:fontRef>
+        </p:style>
+        <p:txBody>
+          <a:bodyPr rtlCol="0" anchor="ctr"/>
+          <a:lstStyle/>
+          <a:p>
+            <a:pPr algn="ctr"/>
+            <a:endParaRPr lang="fr-CA" dirty="0"/>
+          </a:p>
+        </p:txBody>
+      </p:sp>
+      <p:sp>
+        <p:nvSpPr>
+          <p:cNvPr id="18" name="Ellipse 17">
+            <a:extLst>
+              <a:ext uri="{FF2B5EF4-FFF2-40B4-BE49-F238E27FC236}">
+                <a16:creationId xmlns:a16="http://schemas.microsoft.com/office/drawing/2014/main" id="{74DCE8C1-97EF-4F94-F089-18B6F59E8847}"/>
+              </a:ext>
+            </a:extLst>
+          </p:cNvPr>
+          <p:cNvSpPr/>
+          <p:nvPr/>
+        </p:nvSpPr>
+        <p:spPr>
+          <a:xfrm>
+            <a:off x="5218302" y="5802132"/>
+            <a:ext cx="472909" cy="472909"/>
+          </a:xfrm>
+          <a:prstGeom prst="ellipse">
+            <a:avLst/>
+          </a:prstGeom>
+        </p:spPr>
+        <p:style>
+          <a:lnRef idx="2">
+            <a:schemeClr val="dk1">
+              <a:shade val="15000"/>
+            </a:schemeClr>
+          </a:lnRef>
+          <a:fillRef idx="1">
+            <a:schemeClr val="dk1"/>
+          </a:fillRef>
+          <a:effectRef idx="0">
+            <a:schemeClr val="dk1"/>
+          </a:effectRef>
+          <a:fontRef idx="minor">
+            <a:schemeClr val="lt1"/>
+          </a:fontRef>
+        </p:style>
+        <p:txBody>
+          <a:bodyPr rtlCol="0" anchor="ctr"/>
+          <a:lstStyle/>
+          <a:p>
+            <a:pPr algn="ctr"/>
+            <a:endParaRPr lang="fr-CA"/>
+          </a:p>
+        </p:txBody>
+      </p:sp>
+      <p:sp>
+        <p:nvSpPr>
+          <p:cNvPr id="19" name="Ellipse 18">
+            <a:extLst>
+              <a:ext uri="{FF2B5EF4-FFF2-40B4-BE49-F238E27FC236}">
+                <a16:creationId xmlns:a16="http://schemas.microsoft.com/office/drawing/2014/main" id="{BA6D0C56-FCDE-5E25-510D-FFA18B2BE0DE}"/>
+              </a:ext>
+            </a:extLst>
+          </p:cNvPr>
+          <p:cNvSpPr/>
+          <p:nvPr/>
+        </p:nvSpPr>
+        <p:spPr>
+          <a:xfrm>
+            <a:off x="6715862" y="5799406"/>
+            <a:ext cx="472909" cy="472909"/>
+          </a:xfrm>
+          <a:prstGeom prst="ellipse">
+            <a:avLst/>
+          </a:prstGeom>
+        </p:spPr>
+        <p:style>
+          <a:lnRef idx="2">
+            <a:schemeClr val="dk1">
+              <a:shade val="15000"/>
+            </a:schemeClr>
+          </a:lnRef>
+          <a:fillRef idx="1">
+            <a:schemeClr val="dk1"/>
+          </a:fillRef>
+          <a:effectRef idx="0">
+            <a:schemeClr val="dk1"/>
+          </a:effectRef>
+          <a:fontRef idx="minor">
+            <a:schemeClr val="lt1"/>
+          </a:fontRef>
+        </p:style>
+        <p:txBody>
+          <a:bodyPr rtlCol="0" anchor="ctr"/>
+          <a:lstStyle/>
+          <a:p>
+            <a:pPr algn="ctr"/>
+            <a:endParaRPr lang="fr-CA"/>
+          </a:p>
+        </p:txBody>
+      </p:sp>
+      <p:sp>
+        <p:nvSpPr>
+          <p:cNvPr id="20" name="Ellipse 19">
+            <a:extLst>
+              <a:ext uri="{FF2B5EF4-FFF2-40B4-BE49-F238E27FC236}">
+                <a16:creationId xmlns:a16="http://schemas.microsoft.com/office/drawing/2014/main" id="{342CC096-E104-8AA7-F1E7-D5C46634BC00}"/>
+              </a:ext>
+            </a:extLst>
+          </p:cNvPr>
+          <p:cNvSpPr/>
+          <p:nvPr/>
+        </p:nvSpPr>
+        <p:spPr>
+          <a:xfrm>
+            <a:off x="8152931" y="5799407"/>
+            <a:ext cx="472909" cy="472909"/>
+          </a:xfrm>
+          <a:prstGeom prst="ellipse">
+            <a:avLst/>
+          </a:prstGeom>
+        </p:spPr>
+        <p:style>
+          <a:lnRef idx="2">
+            <a:schemeClr val="dk1">
+              <a:shade val="15000"/>
+            </a:schemeClr>
+          </a:lnRef>
+          <a:fillRef idx="1">
+            <a:schemeClr val="dk1"/>
+          </a:fillRef>
+          <a:effectRef idx="0">
+            <a:schemeClr val="dk1"/>
+          </a:effectRef>
+          <a:fontRef idx="minor">
+            <a:schemeClr val="lt1"/>
+          </a:fontRef>
+        </p:style>
+        <p:txBody>
+          <a:bodyPr rtlCol="0" anchor="ctr"/>
+          <a:lstStyle/>
+          <a:p>
+            <a:pPr algn="ctr"/>
+            <a:endParaRPr lang="fr-CA"/>
+          </a:p>
+        </p:txBody>
+      </p:sp>
+      <p:sp>
+        <p:nvSpPr>
+          <p:cNvPr id="22" name="Forme libre : forme 21">
+            <a:extLst>
+              <a:ext uri="{FF2B5EF4-FFF2-40B4-BE49-F238E27FC236}">
+                <a16:creationId xmlns:a16="http://schemas.microsoft.com/office/drawing/2014/main" id="{54E60447-18D0-A6F2-4DE5-5D61C0CCA470}"/>
+              </a:ext>
+            </a:extLst>
+          </p:cNvPr>
+          <p:cNvSpPr/>
+          <p:nvPr/>
+        </p:nvSpPr>
+        <p:spPr>
+          <a:xfrm>
+            <a:off x="5218302" y="4029524"/>
+            <a:ext cx="3460878" cy="1228276"/>
+          </a:xfrm>
+          <a:custGeom>
+            <a:avLst/>
+            <a:gdLst>
+              <a:gd name="connsiteX0" fmla="*/ 0 w 3500284"/>
+              <a:gd name="connsiteY0" fmla="*/ 1239964 h 1426790"/>
+              <a:gd name="connsiteX1" fmla="*/ 668593 w 3500284"/>
+              <a:gd name="connsiteY1" fmla="*/ 1100 h 1426790"/>
+              <a:gd name="connsiteX2" fmla="*/ 1297858 w 3500284"/>
+              <a:gd name="connsiteY2" fmla="*/ 1426777 h 1426790"/>
+              <a:gd name="connsiteX3" fmla="*/ 1887793 w 3500284"/>
+              <a:gd name="connsiteY3" fmla="*/ 30596 h 1426790"/>
+              <a:gd name="connsiteX4" fmla="*/ 2507226 w 3500284"/>
+              <a:gd name="connsiteY4" fmla="*/ 1426777 h 1426790"/>
+              <a:gd name="connsiteX5" fmla="*/ 2930013 w 3500284"/>
+              <a:gd name="connsiteY5" fmla="*/ 60093 h 1426790"/>
+              <a:gd name="connsiteX6" fmla="*/ 3500284 w 3500284"/>
+              <a:gd name="connsiteY6" fmla="*/ 974493 h 1426790"/>
+            </a:gdLst>
+            <a:ahLst/>
+            <a:cxnLst>
+              <a:cxn ang="0">
+                <a:pos x="connsiteX0" y="connsiteY0"/>
+              </a:cxn>
+              <a:cxn ang="0">
+                <a:pos x="connsiteX1" y="connsiteY1"/>
+              </a:cxn>
+              <a:cxn ang="0">
+                <a:pos x="connsiteX2" y="connsiteY2"/>
+              </a:cxn>
+              <a:cxn ang="0">
+                <a:pos x="connsiteX3" y="connsiteY3"/>
+              </a:cxn>
+              <a:cxn ang="0">
+                <a:pos x="connsiteX4" y="connsiteY4"/>
+              </a:cxn>
+              <a:cxn ang="0">
+                <a:pos x="connsiteX5" y="connsiteY5"/>
+              </a:cxn>
+              <a:cxn ang="0">
+                <a:pos x="connsiteX6" y="connsiteY6"/>
+              </a:cxn>
+            </a:cxnLst>
+            <a:rect l="l" t="t" r="r" b="b"/>
+            <a:pathLst>
+              <a:path w="3500284" h="1426790">
+                <a:moveTo>
+                  <a:pt x="0" y="1239964"/>
+                </a:moveTo>
+                <a:cubicBezTo>
+                  <a:pt x="226141" y="604964"/>
+                  <a:pt x="452283" y="-30035"/>
+                  <a:pt x="668593" y="1100"/>
+                </a:cubicBezTo>
+                <a:cubicBezTo>
+                  <a:pt x="884903" y="32235"/>
+                  <a:pt x="1094658" y="1421861"/>
+                  <a:pt x="1297858" y="1426777"/>
+                </a:cubicBezTo>
+                <a:cubicBezTo>
+                  <a:pt x="1501058" y="1431693"/>
+                  <a:pt x="1686232" y="30596"/>
+                  <a:pt x="1887793" y="30596"/>
+                </a:cubicBezTo>
+                <a:cubicBezTo>
+                  <a:pt x="2089354" y="30596"/>
+                  <a:pt x="2333523" y="1421861"/>
+                  <a:pt x="2507226" y="1426777"/>
+                </a:cubicBezTo>
+                <a:cubicBezTo>
+                  <a:pt x="2680929" y="1431693"/>
+                  <a:pt x="2764503" y="135474"/>
+                  <a:pt x="2930013" y="60093"/>
+                </a:cubicBezTo>
+                <a:cubicBezTo>
+                  <a:pt x="3095523" y="-15288"/>
+                  <a:pt x="3351162" y="825370"/>
+                  <a:pt x="3500284" y="974493"/>
+                </a:cubicBezTo>
+              </a:path>
+            </a:pathLst>
+          </a:custGeom>
+          <a:noFill/>
+          <a:ln w="127000" cap="rnd">
+            <a:solidFill>
+              <a:schemeClr val="tx1"/>
+            </a:solidFill>
+          </a:ln>
+        </p:spPr>
+        <p:style>
+          <a:lnRef idx="2">
+            <a:schemeClr val="accent1">
+              <a:shade val="15000"/>
+            </a:schemeClr>
+          </a:lnRef>
+          <a:fillRef idx="1">
+            <a:schemeClr val="accent1"/>
+          </a:fillRef>
+          <a:effectRef idx="0">
+            <a:schemeClr val="accent1"/>
+          </a:effectRef>
+          <a:fontRef idx="minor">
+            <a:schemeClr val="lt1"/>
+          </a:fontRef>
+        </p:style>
+        <p:txBody>
+          <a:bodyPr rtlCol="0" anchor="ctr"/>
+          <a:lstStyle/>
+          <a:p>
+            <a:pPr algn="ctr"/>
+            <a:endParaRPr lang="fr-CA"/>
+          </a:p>
+        </p:txBody>
+      </p:sp>
     </p:spTree>
     <p:extLst>
       <p:ext uri="{BB962C8B-B14F-4D97-AF65-F5344CB8AC3E}">

--- a/graphics/graphics.pptx
+++ b/graphics/graphics.pptx
@@ -203,7 +203,7 @@
           <a:p>
             <a:fld id="{B8404A9E-F80D-47A3-9ABE-4E375F8C7A58}" type="datetimeFigureOut">
               <a:rPr lang="fr-CA" smtClean="0"/>
-              <a:t>2025-02-25</a:t>
+              <a:t>2025-03-11</a:t>
             </a:fld>
             <a:endParaRPr lang="fr-CA"/>
           </a:p>
@@ -620,7 +620,7 @@
           <a:p>
             <a:fld id="{B1B97C2F-ED53-40B2-8245-274A53568F1F}" type="datetimeFigureOut">
               <a:rPr lang="fr-CA" smtClean="0"/>
-              <a:t>2025-02-25</a:t>
+              <a:t>2025-03-11</a:t>
             </a:fld>
             <a:endParaRPr lang="fr-CA"/>
           </a:p>
@@ -820,7 +820,7 @@
           <a:p>
             <a:fld id="{B1B97C2F-ED53-40B2-8245-274A53568F1F}" type="datetimeFigureOut">
               <a:rPr lang="fr-CA" smtClean="0"/>
-              <a:t>2025-02-25</a:t>
+              <a:t>2025-03-11</a:t>
             </a:fld>
             <a:endParaRPr lang="fr-CA"/>
           </a:p>
@@ -1030,7 +1030,7 @@
           <a:p>
             <a:fld id="{B1B97C2F-ED53-40B2-8245-274A53568F1F}" type="datetimeFigureOut">
               <a:rPr lang="fr-CA" smtClean="0"/>
-              <a:t>2025-02-25</a:t>
+              <a:t>2025-03-11</a:t>
             </a:fld>
             <a:endParaRPr lang="fr-CA"/>
           </a:p>
@@ -1252,7 +1252,7 @@
           <a:p>
             <a:fld id="{3CFA78C3-2C03-4D26-BA08-5201FB292C09}" type="datetimeFigureOut">
               <a:rPr lang="fr-CA" smtClean="0"/>
-              <a:t>2025-02-25</a:t>
+              <a:t>2025-03-11</a:t>
             </a:fld>
             <a:endParaRPr lang="fr-CA"/>
           </a:p>
@@ -1452,7 +1452,7 @@
           <a:p>
             <a:fld id="{3CFA78C3-2C03-4D26-BA08-5201FB292C09}" type="datetimeFigureOut">
               <a:rPr lang="fr-CA" smtClean="0"/>
-              <a:t>2025-02-25</a:t>
+              <a:t>2025-03-11</a:t>
             </a:fld>
             <a:endParaRPr lang="fr-CA"/>
           </a:p>
@@ -1728,7 +1728,7 @@
           <a:p>
             <a:fld id="{3CFA78C3-2C03-4D26-BA08-5201FB292C09}" type="datetimeFigureOut">
               <a:rPr lang="fr-CA" smtClean="0"/>
-              <a:t>2025-02-25</a:t>
+              <a:t>2025-03-11</a:t>
             </a:fld>
             <a:endParaRPr lang="fr-CA"/>
           </a:p>
@@ -1996,7 +1996,7 @@
           <a:p>
             <a:fld id="{3CFA78C3-2C03-4D26-BA08-5201FB292C09}" type="datetimeFigureOut">
               <a:rPr lang="fr-CA" smtClean="0"/>
-              <a:t>2025-02-25</a:t>
+              <a:t>2025-03-11</a:t>
             </a:fld>
             <a:endParaRPr lang="fr-CA"/>
           </a:p>
@@ -2411,7 +2411,7 @@
           <a:p>
             <a:fld id="{3CFA78C3-2C03-4D26-BA08-5201FB292C09}" type="datetimeFigureOut">
               <a:rPr lang="fr-CA" smtClean="0"/>
-              <a:t>2025-02-25</a:t>
+              <a:t>2025-03-11</a:t>
             </a:fld>
             <a:endParaRPr lang="fr-CA"/>
           </a:p>
@@ -2553,7 +2553,7 @@
           <a:p>
             <a:fld id="{3CFA78C3-2C03-4D26-BA08-5201FB292C09}" type="datetimeFigureOut">
               <a:rPr lang="fr-CA" smtClean="0"/>
-              <a:t>2025-02-25</a:t>
+              <a:t>2025-03-11</a:t>
             </a:fld>
             <a:endParaRPr lang="fr-CA"/>
           </a:p>
@@ -2666,7 +2666,7 @@
           <a:p>
             <a:fld id="{3CFA78C3-2C03-4D26-BA08-5201FB292C09}" type="datetimeFigureOut">
               <a:rPr lang="fr-CA" smtClean="0"/>
-              <a:t>2025-02-25</a:t>
+              <a:t>2025-03-11</a:t>
             </a:fld>
             <a:endParaRPr lang="fr-CA"/>
           </a:p>
@@ -2979,7 +2979,7 @@
           <a:p>
             <a:fld id="{3CFA78C3-2C03-4D26-BA08-5201FB292C09}" type="datetimeFigureOut">
               <a:rPr lang="fr-CA" smtClean="0"/>
-              <a:t>2025-02-25</a:t>
+              <a:t>2025-03-11</a:t>
             </a:fld>
             <a:endParaRPr lang="fr-CA"/>
           </a:p>
@@ -3179,7 +3179,7 @@
           <a:p>
             <a:fld id="{B1B97C2F-ED53-40B2-8245-274A53568F1F}" type="datetimeFigureOut">
               <a:rPr lang="fr-CA" smtClean="0"/>
-              <a:t>2025-02-25</a:t>
+              <a:t>2025-03-11</a:t>
             </a:fld>
             <a:endParaRPr lang="fr-CA"/>
           </a:p>
@@ -3468,7 +3468,7 @@
           <a:p>
             <a:fld id="{3CFA78C3-2C03-4D26-BA08-5201FB292C09}" type="datetimeFigureOut">
               <a:rPr lang="fr-CA" smtClean="0"/>
-              <a:t>2025-02-25</a:t>
+              <a:t>2025-03-11</a:t>
             </a:fld>
             <a:endParaRPr lang="fr-CA"/>
           </a:p>
@@ -3668,7 +3668,7 @@
           <a:p>
             <a:fld id="{3CFA78C3-2C03-4D26-BA08-5201FB292C09}" type="datetimeFigureOut">
               <a:rPr lang="fr-CA" smtClean="0"/>
-              <a:t>2025-02-25</a:t>
+              <a:t>2025-03-11</a:t>
             </a:fld>
             <a:endParaRPr lang="fr-CA"/>
           </a:p>
@@ -3878,7 +3878,7 @@
           <a:p>
             <a:fld id="{3CFA78C3-2C03-4D26-BA08-5201FB292C09}" type="datetimeFigureOut">
               <a:rPr lang="fr-CA" smtClean="0"/>
-              <a:t>2025-02-25</a:t>
+              <a:t>2025-03-11</a:t>
             </a:fld>
             <a:endParaRPr lang="fr-CA"/>
           </a:p>
@@ -4154,7 +4154,7 @@
           <a:p>
             <a:fld id="{B1B97C2F-ED53-40B2-8245-274A53568F1F}" type="datetimeFigureOut">
               <a:rPr lang="fr-CA" smtClean="0"/>
-              <a:t>2025-02-25</a:t>
+              <a:t>2025-03-11</a:t>
             </a:fld>
             <a:endParaRPr lang="fr-CA"/>
           </a:p>
@@ -4422,7 +4422,7 @@
           <a:p>
             <a:fld id="{B1B97C2F-ED53-40B2-8245-274A53568F1F}" type="datetimeFigureOut">
               <a:rPr lang="fr-CA" smtClean="0"/>
-              <a:t>2025-02-25</a:t>
+              <a:t>2025-03-11</a:t>
             </a:fld>
             <a:endParaRPr lang="fr-CA"/>
           </a:p>
@@ -4837,7 +4837,7 @@
           <a:p>
             <a:fld id="{B1B97C2F-ED53-40B2-8245-274A53568F1F}" type="datetimeFigureOut">
               <a:rPr lang="fr-CA" smtClean="0"/>
-              <a:t>2025-02-25</a:t>
+              <a:t>2025-03-11</a:t>
             </a:fld>
             <a:endParaRPr lang="fr-CA"/>
           </a:p>
@@ -4979,7 +4979,7 @@
           <a:p>
             <a:fld id="{B1B97C2F-ED53-40B2-8245-274A53568F1F}" type="datetimeFigureOut">
               <a:rPr lang="fr-CA" smtClean="0"/>
-              <a:t>2025-02-25</a:t>
+              <a:t>2025-03-11</a:t>
             </a:fld>
             <a:endParaRPr lang="fr-CA"/>
           </a:p>
@@ -5092,7 +5092,7 @@
           <a:p>
             <a:fld id="{B1B97C2F-ED53-40B2-8245-274A53568F1F}" type="datetimeFigureOut">
               <a:rPr lang="fr-CA" smtClean="0"/>
-              <a:t>2025-02-25</a:t>
+              <a:t>2025-03-11</a:t>
             </a:fld>
             <a:endParaRPr lang="fr-CA"/>
           </a:p>
@@ -5405,7 +5405,7 @@
           <a:p>
             <a:fld id="{B1B97C2F-ED53-40B2-8245-274A53568F1F}" type="datetimeFigureOut">
               <a:rPr lang="fr-CA" smtClean="0"/>
-              <a:t>2025-02-25</a:t>
+              <a:t>2025-03-11</a:t>
             </a:fld>
             <a:endParaRPr lang="fr-CA"/>
           </a:p>
@@ -5694,7 +5694,7 @@
           <a:p>
             <a:fld id="{B1B97C2F-ED53-40B2-8245-274A53568F1F}" type="datetimeFigureOut">
               <a:rPr lang="fr-CA" smtClean="0"/>
-              <a:t>2025-02-25</a:t>
+              <a:t>2025-03-11</a:t>
             </a:fld>
             <a:endParaRPr lang="fr-CA"/>
           </a:p>
@@ -5937,7 +5937,7 @@
           <a:p>
             <a:fld id="{B1B97C2F-ED53-40B2-8245-274A53568F1F}" type="datetimeFigureOut">
               <a:rPr lang="fr-CA" smtClean="0"/>
-              <a:t>2025-02-25</a:t>
+              <a:t>2025-03-11</a:t>
             </a:fld>
             <a:endParaRPr lang="fr-CA"/>
           </a:p>
@@ -6507,7 +6507,7 @@
           <a:p>
             <a:fld id="{3CFA78C3-2C03-4D26-BA08-5201FB292C09}" type="datetimeFigureOut">
               <a:rPr lang="fr-CA" smtClean="0"/>
-              <a:t>2025-02-25</a:t>
+              <a:t>2025-03-11</a:t>
             </a:fld>
             <a:endParaRPr lang="fr-CA"/>
           </a:p>
@@ -12640,6 +12640,217 @@
             </a:fontRef>
           </p:style>
         </p:cxnSp>
+      </p:grpSp>
+      <p:grpSp>
+        <p:nvGrpSpPr>
+          <p:cNvPr id="20" name="Groupe 19">
+            <a:extLst>
+              <a:ext uri="{FF2B5EF4-FFF2-40B4-BE49-F238E27FC236}">
+                <a16:creationId xmlns:a16="http://schemas.microsoft.com/office/drawing/2014/main" id="{8E711A9D-96B0-FAE3-25B4-C09E59AA9482}"/>
+              </a:ext>
+            </a:extLst>
+          </p:cNvPr>
+          <p:cNvGrpSpPr/>
+          <p:nvPr/>
+        </p:nvGrpSpPr>
+        <p:grpSpPr>
+          <a:xfrm>
+            <a:off x="520411" y="640860"/>
+            <a:ext cx="2721773" cy="3563292"/>
+            <a:chOff x="1032387" y="3089092"/>
+            <a:chExt cx="2721773" cy="3563292"/>
+          </a:xfrm>
+        </p:grpSpPr>
+        <p:sp>
+          <p:nvSpPr>
+            <p:cNvPr id="16" name="Ellipse 15">
+              <a:extLst>
+                <a:ext uri="{FF2B5EF4-FFF2-40B4-BE49-F238E27FC236}">
+                  <a16:creationId xmlns:a16="http://schemas.microsoft.com/office/drawing/2014/main" id="{0425D80C-39DE-CEE0-9373-FFDB0795C539}"/>
+                </a:ext>
+              </a:extLst>
+            </p:cNvPr>
+            <p:cNvSpPr/>
+            <p:nvPr/>
+          </p:nvSpPr>
+          <p:spPr>
+            <a:xfrm>
+              <a:off x="1032387" y="3089092"/>
+              <a:ext cx="2721773" cy="2721773"/>
+            </a:xfrm>
+            <a:prstGeom prst="ellipse">
+              <a:avLst/>
+            </a:prstGeom>
+          </p:spPr>
+          <p:style>
+            <a:lnRef idx="2">
+              <a:schemeClr val="accent3">
+                <a:shade val="15000"/>
+              </a:schemeClr>
+            </a:lnRef>
+            <a:fillRef idx="1">
+              <a:schemeClr val="accent3"/>
+            </a:fillRef>
+            <a:effectRef idx="0">
+              <a:schemeClr val="accent3"/>
+            </a:effectRef>
+            <a:fontRef idx="minor">
+              <a:schemeClr val="lt1"/>
+            </a:fontRef>
+          </p:style>
+          <p:txBody>
+            <a:bodyPr rtlCol="0" anchor="ctr"/>
+            <a:lstStyle/>
+            <a:p>
+              <a:pPr algn="ctr"/>
+              <a:endParaRPr lang="fr-CA" dirty="0"/>
+            </a:p>
+          </p:txBody>
+        </p:sp>
+        <p:sp>
+          <p:nvSpPr>
+            <p:cNvPr id="17" name="Ellipse 16">
+              <a:extLst>
+                <a:ext uri="{FF2B5EF4-FFF2-40B4-BE49-F238E27FC236}">
+                  <a16:creationId xmlns:a16="http://schemas.microsoft.com/office/drawing/2014/main" id="{70E2A819-0316-F5C1-A1F6-1DCE6B62DEF3}"/>
+                </a:ext>
+              </a:extLst>
+            </p:cNvPr>
+            <p:cNvSpPr/>
+            <p:nvPr/>
+          </p:nvSpPr>
+          <p:spPr>
+            <a:xfrm>
+              <a:off x="1592038" y="3782267"/>
+              <a:ext cx="553760" cy="553760"/>
+            </a:xfrm>
+            <a:prstGeom prst="ellipse">
+              <a:avLst/>
+            </a:prstGeom>
+          </p:spPr>
+          <p:style>
+            <a:lnRef idx="2">
+              <a:schemeClr val="dk1">
+                <a:shade val="15000"/>
+              </a:schemeClr>
+            </a:lnRef>
+            <a:fillRef idx="1">
+              <a:schemeClr val="dk1"/>
+            </a:fillRef>
+            <a:effectRef idx="0">
+              <a:schemeClr val="dk1"/>
+            </a:effectRef>
+            <a:fontRef idx="minor">
+              <a:schemeClr val="lt1"/>
+            </a:fontRef>
+          </p:style>
+          <p:txBody>
+            <a:bodyPr rtlCol="0" anchor="ctr"/>
+            <a:lstStyle/>
+            <a:p>
+              <a:pPr algn="ctr"/>
+              <a:endParaRPr lang="fr-CA"/>
+            </a:p>
+          </p:txBody>
+        </p:sp>
+        <p:sp>
+          <p:nvSpPr>
+            <p:cNvPr id="18" name="Ellipse 17">
+              <a:extLst>
+                <a:ext uri="{FF2B5EF4-FFF2-40B4-BE49-F238E27FC236}">
+                  <a16:creationId xmlns:a16="http://schemas.microsoft.com/office/drawing/2014/main" id="{7F6F8C8E-C5CE-79B2-0AE3-5BEA25075C6F}"/>
+                </a:ext>
+              </a:extLst>
+            </p:cNvPr>
+            <p:cNvSpPr/>
+            <p:nvPr/>
+          </p:nvSpPr>
+          <p:spPr>
+            <a:xfrm>
+              <a:off x="2705448" y="3782267"/>
+              <a:ext cx="553760" cy="553760"/>
+            </a:xfrm>
+            <a:prstGeom prst="ellipse">
+              <a:avLst/>
+            </a:prstGeom>
+          </p:spPr>
+          <p:style>
+            <a:lnRef idx="2">
+              <a:schemeClr val="dk1">
+                <a:shade val="15000"/>
+              </a:schemeClr>
+            </a:lnRef>
+            <a:fillRef idx="1">
+              <a:schemeClr val="dk1"/>
+            </a:fillRef>
+            <a:effectRef idx="0">
+              <a:schemeClr val="dk1"/>
+            </a:effectRef>
+            <a:fontRef idx="minor">
+              <a:schemeClr val="lt1"/>
+            </a:fontRef>
+          </p:style>
+          <p:txBody>
+            <a:bodyPr rtlCol="0" anchor="ctr"/>
+            <a:lstStyle/>
+            <a:p>
+              <a:pPr algn="ctr"/>
+              <a:endParaRPr lang="fr-CA"/>
+            </a:p>
+          </p:txBody>
+        </p:sp>
+        <p:sp>
+          <p:nvSpPr>
+            <p:cNvPr id="19" name="Arc 18">
+              <a:extLst>
+                <a:ext uri="{FF2B5EF4-FFF2-40B4-BE49-F238E27FC236}">
+                  <a16:creationId xmlns:a16="http://schemas.microsoft.com/office/drawing/2014/main" id="{15DBC3AF-9A40-C844-F133-7ADC1946B05A}"/>
+                </a:ext>
+              </a:extLst>
+            </p:cNvPr>
+            <p:cNvSpPr/>
+            <p:nvPr/>
+          </p:nvSpPr>
+          <p:spPr>
+            <a:xfrm rot="18900000">
+              <a:off x="1563335" y="4969345"/>
+              <a:ext cx="1659874" cy="1683039"/>
+            </a:xfrm>
+            <a:prstGeom prst="arc">
+              <a:avLst>
+                <a:gd name="adj1" fmla="val 16170000"/>
+                <a:gd name="adj2" fmla="val 181298"/>
+              </a:avLst>
+            </a:prstGeom>
+            <a:ln w="76200">
+              <a:solidFill>
+                <a:schemeClr val="tx1"/>
+              </a:solidFill>
+            </a:ln>
+          </p:spPr>
+          <p:style>
+            <a:lnRef idx="1">
+              <a:schemeClr val="accent1"/>
+            </a:lnRef>
+            <a:fillRef idx="0">
+              <a:schemeClr val="accent1"/>
+            </a:fillRef>
+            <a:effectRef idx="0">
+              <a:schemeClr val="accent1"/>
+            </a:effectRef>
+            <a:fontRef idx="minor">
+              <a:schemeClr val="tx1"/>
+            </a:fontRef>
+          </p:style>
+          <p:txBody>
+            <a:bodyPr rtlCol="0" anchor="ctr"/>
+            <a:lstStyle/>
+            <a:p>
+              <a:pPr algn="ctr"/>
+              <a:endParaRPr lang="fr-CA" dirty="0"/>
+            </a:p>
+          </p:txBody>
+        </p:sp>
       </p:grpSp>
     </p:spTree>
     <p:extLst>

--- a/graphics/graphics.pptx
+++ b/graphics/graphics.pptx
@@ -203,7 +203,7 @@
           <a:p>
             <a:fld id="{B8404A9E-F80D-47A3-9ABE-4E375F8C7A58}" type="datetimeFigureOut">
               <a:rPr lang="fr-CA" smtClean="0"/>
-              <a:t>2025-03-11</a:t>
+              <a:t>2025-05-02</a:t>
             </a:fld>
             <a:endParaRPr lang="fr-CA"/>
           </a:p>
@@ -620,7 +620,7 @@
           <a:p>
             <a:fld id="{B1B97C2F-ED53-40B2-8245-274A53568F1F}" type="datetimeFigureOut">
               <a:rPr lang="fr-CA" smtClean="0"/>
-              <a:t>2025-03-11</a:t>
+              <a:t>2025-05-02</a:t>
             </a:fld>
             <a:endParaRPr lang="fr-CA"/>
           </a:p>
@@ -820,7 +820,7 @@
           <a:p>
             <a:fld id="{B1B97C2F-ED53-40B2-8245-274A53568F1F}" type="datetimeFigureOut">
               <a:rPr lang="fr-CA" smtClean="0"/>
-              <a:t>2025-03-11</a:t>
+              <a:t>2025-05-02</a:t>
             </a:fld>
             <a:endParaRPr lang="fr-CA"/>
           </a:p>
@@ -1030,7 +1030,7 @@
           <a:p>
             <a:fld id="{B1B97C2F-ED53-40B2-8245-274A53568F1F}" type="datetimeFigureOut">
               <a:rPr lang="fr-CA" smtClean="0"/>
-              <a:t>2025-03-11</a:t>
+              <a:t>2025-05-02</a:t>
             </a:fld>
             <a:endParaRPr lang="fr-CA"/>
           </a:p>
@@ -1252,7 +1252,7 @@
           <a:p>
             <a:fld id="{3CFA78C3-2C03-4D26-BA08-5201FB292C09}" type="datetimeFigureOut">
               <a:rPr lang="fr-CA" smtClean="0"/>
-              <a:t>2025-03-11</a:t>
+              <a:t>2025-05-02</a:t>
             </a:fld>
             <a:endParaRPr lang="fr-CA"/>
           </a:p>
@@ -1452,7 +1452,7 @@
           <a:p>
             <a:fld id="{3CFA78C3-2C03-4D26-BA08-5201FB292C09}" type="datetimeFigureOut">
               <a:rPr lang="fr-CA" smtClean="0"/>
-              <a:t>2025-03-11</a:t>
+              <a:t>2025-05-02</a:t>
             </a:fld>
             <a:endParaRPr lang="fr-CA"/>
           </a:p>
@@ -1728,7 +1728,7 @@
           <a:p>
             <a:fld id="{3CFA78C3-2C03-4D26-BA08-5201FB292C09}" type="datetimeFigureOut">
               <a:rPr lang="fr-CA" smtClean="0"/>
-              <a:t>2025-03-11</a:t>
+              <a:t>2025-05-02</a:t>
             </a:fld>
             <a:endParaRPr lang="fr-CA"/>
           </a:p>
@@ -1996,7 +1996,7 @@
           <a:p>
             <a:fld id="{3CFA78C3-2C03-4D26-BA08-5201FB292C09}" type="datetimeFigureOut">
               <a:rPr lang="fr-CA" smtClean="0"/>
-              <a:t>2025-03-11</a:t>
+              <a:t>2025-05-02</a:t>
             </a:fld>
             <a:endParaRPr lang="fr-CA"/>
           </a:p>
@@ -2411,7 +2411,7 @@
           <a:p>
             <a:fld id="{3CFA78C3-2C03-4D26-BA08-5201FB292C09}" type="datetimeFigureOut">
               <a:rPr lang="fr-CA" smtClean="0"/>
-              <a:t>2025-03-11</a:t>
+              <a:t>2025-05-02</a:t>
             </a:fld>
             <a:endParaRPr lang="fr-CA"/>
           </a:p>
@@ -2553,7 +2553,7 @@
           <a:p>
             <a:fld id="{3CFA78C3-2C03-4D26-BA08-5201FB292C09}" type="datetimeFigureOut">
               <a:rPr lang="fr-CA" smtClean="0"/>
-              <a:t>2025-03-11</a:t>
+              <a:t>2025-05-02</a:t>
             </a:fld>
             <a:endParaRPr lang="fr-CA"/>
           </a:p>
@@ -2666,7 +2666,7 @@
           <a:p>
             <a:fld id="{3CFA78C3-2C03-4D26-BA08-5201FB292C09}" type="datetimeFigureOut">
               <a:rPr lang="fr-CA" smtClean="0"/>
-              <a:t>2025-03-11</a:t>
+              <a:t>2025-05-02</a:t>
             </a:fld>
             <a:endParaRPr lang="fr-CA"/>
           </a:p>
@@ -2979,7 +2979,7 @@
           <a:p>
             <a:fld id="{3CFA78C3-2C03-4D26-BA08-5201FB292C09}" type="datetimeFigureOut">
               <a:rPr lang="fr-CA" smtClean="0"/>
-              <a:t>2025-03-11</a:t>
+              <a:t>2025-05-02</a:t>
             </a:fld>
             <a:endParaRPr lang="fr-CA"/>
           </a:p>
@@ -3179,7 +3179,7 @@
           <a:p>
             <a:fld id="{B1B97C2F-ED53-40B2-8245-274A53568F1F}" type="datetimeFigureOut">
               <a:rPr lang="fr-CA" smtClean="0"/>
-              <a:t>2025-03-11</a:t>
+              <a:t>2025-05-02</a:t>
             </a:fld>
             <a:endParaRPr lang="fr-CA"/>
           </a:p>
@@ -3468,7 +3468,7 @@
           <a:p>
             <a:fld id="{3CFA78C3-2C03-4D26-BA08-5201FB292C09}" type="datetimeFigureOut">
               <a:rPr lang="fr-CA" smtClean="0"/>
-              <a:t>2025-03-11</a:t>
+              <a:t>2025-05-02</a:t>
             </a:fld>
             <a:endParaRPr lang="fr-CA"/>
           </a:p>
@@ -3668,7 +3668,7 @@
           <a:p>
             <a:fld id="{3CFA78C3-2C03-4D26-BA08-5201FB292C09}" type="datetimeFigureOut">
               <a:rPr lang="fr-CA" smtClean="0"/>
-              <a:t>2025-03-11</a:t>
+              <a:t>2025-05-02</a:t>
             </a:fld>
             <a:endParaRPr lang="fr-CA"/>
           </a:p>
@@ -3878,7 +3878,7 @@
           <a:p>
             <a:fld id="{3CFA78C3-2C03-4D26-BA08-5201FB292C09}" type="datetimeFigureOut">
               <a:rPr lang="fr-CA" smtClean="0"/>
-              <a:t>2025-03-11</a:t>
+              <a:t>2025-05-02</a:t>
             </a:fld>
             <a:endParaRPr lang="fr-CA"/>
           </a:p>
@@ -4154,7 +4154,7 @@
           <a:p>
             <a:fld id="{B1B97C2F-ED53-40B2-8245-274A53568F1F}" type="datetimeFigureOut">
               <a:rPr lang="fr-CA" smtClean="0"/>
-              <a:t>2025-03-11</a:t>
+              <a:t>2025-05-02</a:t>
             </a:fld>
             <a:endParaRPr lang="fr-CA"/>
           </a:p>
@@ -4422,7 +4422,7 @@
           <a:p>
             <a:fld id="{B1B97C2F-ED53-40B2-8245-274A53568F1F}" type="datetimeFigureOut">
               <a:rPr lang="fr-CA" smtClean="0"/>
-              <a:t>2025-03-11</a:t>
+              <a:t>2025-05-02</a:t>
             </a:fld>
             <a:endParaRPr lang="fr-CA"/>
           </a:p>
@@ -4837,7 +4837,7 @@
           <a:p>
             <a:fld id="{B1B97C2F-ED53-40B2-8245-274A53568F1F}" type="datetimeFigureOut">
               <a:rPr lang="fr-CA" smtClean="0"/>
-              <a:t>2025-03-11</a:t>
+              <a:t>2025-05-02</a:t>
             </a:fld>
             <a:endParaRPr lang="fr-CA"/>
           </a:p>
@@ -4979,7 +4979,7 @@
           <a:p>
             <a:fld id="{B1B97C2F-ED53-40B2-8245-274A53568F1F}" type="datetimeFigureOut">
               <a:rPr lang="fr-CA" smtClean="0"/>
-              <a:t>2025-03-11</a:t>
+              <a:t>2025-05-02</a:t>
             </a:fld>
             <a:endParaRPr lang="fr-CA"/>
           </a:p>
@@ -5092,7 +5092,7 @@
           <a:p>
             <a:fld id="{B1B97C2F-ED53-40B2-8245-274A53568F1F}" type="datetimeFigureOut">
               <a:rPr lang="fr-CA" smtClean="0"/>
-              <a:t>2025-03-11</a:t>
+              <a:t>2025-05-02</a:t>
             </a:fld>
             <a:endParaRPr lang="fr-CA"/>
           </a:p>
@@ -5405,7 +5405,7 @@
           <a:p>
             <a:fld id="{B1B97C2F-ED53-40B2-8245-274A53568F1F}" type="datetimeFigureOut">
               <a:rPr lang="fr-CA" smtClean="0"/>
-              <a:t>2025-03-11</a:t>
+              <a:t>2025-05-02</a:t>
             </a:fld>
             <a:endParaRPr lang="fr-CA"/>
           </a:p>
@@ -5694,7 +5694,7 @@
           <a:p>
             <a:fld id="{B1B97C2F-ED53-40B2-8245-274A53568F1F}" type="datetimeFigureOut">
               <a:rPr lang="fr-CA" smtClean="0"/>
-              <a:t>2025-03-11</a:t>
+              <a:t>2025-05-02</a:t>
             </a:fld>
             <a:endParaRPr lang="fr-CA"/>
           </a:p>
@@ -5937,7 +5937,7 @@
           <a:p>
             <a:fld id="{B1B97C2F-ED53-40B2-8245-274A53568F1F}" type="datetimeFigureOut">
               <a:rPr lang="fr-CA" smtClean="0"/>
-              <a:t>2025-03-11</a:t>
+              <a:t>2025-05-02</a:t>
             </a:fld>
             <a:endParaRPr lang="fr-CA"/>
           </a:p>
@@ -6507,7 +6507,7 @@
           <a:p>
             <a:fld id="{3CFA78C3-2C03-4D26-BA08-5201FB292C09}" type="datetimeFigureOut">
               <a:rPr lang="fr-CA" smtClean="0"/>
-              <a:t>2025-03-11</a:t>
+              <a:t>2025-05-02</a:t>
             </a:fld>
             <a:endParaRPr lang="fr-CA"/>
           </a:p>
@@ -10496,6 +10496,234 @@
           </a:p>
         </p:txBody>
       </p:sp>
+      <p:grpSp>
+        <p:nvGrpSpPr>
+          <p:cNvPr id="11" name="Groupe 10">
+            <a:extLst>
+              <a:ext uri="{FF2B5EF4-FFF2-40B4-BE49-F238E27FC236}">
+                <a16:creationId xmlns:a16="http://schemas.microsoft.com/office/drawing/2014/main" id="{88B61259-6C4A-0D99-2292-7C78C2EC6E16}"/>
+              </a:ext>
+            </a:extLst>
+          </p:cNvPr>
+          <p:cNvGrpSpPr/>
+          <p:nvPr/>
+        </p:nvGrpSpPr>
+        <p:grpSpPr>
+          <a:xfrm>
+            <a:off x="8738781" y="3839941"/>
+            <a:ext cx="2057038" cy="1975524"/>
+            <a:chOff x="8738781" y="3839941"/>
+            <a:chExt cx="2057038" cy="1975524"/>
+          </a:xfrm>
+        </p:grpSpPr>
+        <p:grpSp>
+          <p:nvGrpSpPr>
+            <p:cNvPr id="7" name="Groupe 6">
+              <a:extLst>
+                <a:ext uri="{FF2B5EF4-FFF2-40B4-BE49-F238E27FC236}">
+                  <a16:creationId xmlns:a16="http://schemas.microsoft.com/office/drawing/2014/main" id="{BFE39415-0C99-9CF3-7BD4-223A6E766AC4}"/>
+                </a:ext>
+              </a:extLst>
+            </p:cNvPr>
+            <p:cNvGrpSpPr/>
+            <p:nvPr/>
+          </p:nvGrpSpPr>
+          <p:grpSpPr>
+            <a:xfrm>
+              <a:off x="8738781" y="3839941"/>
+              <a:ext cx="2057038" cy="1975524"/>
+              <a:chOff x="8738781" y="3839941"/>
+              <a:chExt cx="2057038" cy="1975524"/>
+            </a:xfrm>
+          </p:grpSpPr>
+          <p:grpSp>
+            <p:nvGrpSpPr>
+              <p:cNvPr id="37" name="Groupe 36">
+                <a:extLst>
+                  <a:ext uri="{FF2B5EF4-FFF2-40B4-BE49-F238E27FC236}">
+                    <a16:creationId xmlns:a16="http://schemas.microsoft.com/office/drawing/2014/main" id="{8C05B421-5443-6A06-FE42-F26AC0CB665F}"/>
+                  </a:ext>
+                </a:extLst>
+              </p:cNvPr>
+              <p:cNvGrpSpPr/>
+              <p:nvPr/>
+            </p:nvGrpSpPr>
+            <p:grpSpPr>
+              <a:xfrm>
+                <a:off x="8738781" y="3839941"/>
+                <a:ext cx="2057038" cy="1975524"/>
+                <a:chOff x="5424610" y="4695347"/>
+                <a:chExt cx="1185740" cy="1138753"/>
+              </a:xfrm>
+            </p:grpSpPr>
+            <p:pic>
+              <p:nvPicPr>
+                <p:cNvPr id="32" name="Graphique 31" descr="Épingle avec un remplissage uni">
+                  <a:extLst>
+                    <a:ext uri="{FF2B5EF4-FFF2-40B4-BE49-F238E27FC236}">
+                      <a16:creationId xmlns:a16="http://schemas.microsoft.com/office/drawing/2014/main" id="{2A28674A-D080-FA8A-CE11-31CCAEF71692}"/>
+                    </a:ext>
+                  </a:extLst>
+                </p:cNvPr>
+                <p:cNvPicPr>
+                  <a:picLocks noChangeAspect="1"/>
+                </p:cNvPicPr>
+                <p:nvPr/>
+              </p:nvPicPr>
+              <p:blipFill>
+                <a:blip r:embed="rId2">
+                  <a:extLst>
+                    <a:ext uri="{96DAC541-7B7A-43D3-8B79-37D633B846F1}">
+                      <asvg:svgBlip xmlns:asvg="http://schemas.microsoft.com/office/drawing/2016/SVG/main" r:embed="rId3"/>
+                    </a:ext>
+                  </a:extLst>
+                </a:blip>
+                <a:stretch>
+                  <a:fillRect/>
+                </a:stretch>
+              </p:blipFill>
+              <p:spPr>
+                <a:xfrm flipH="1">
+                  <a:off x="5424610" y="4695347"/>
+                  <a:ext cx="1185740" cy="1138753"/>
+                </a:xfrm>
+                <a:prstGeom prst="rect">
+                  <a:avLst/>
+                </a:prstGeom>
+              </p:spPr>
+            </p:pic>
+            <p:cxnSp>
+              <p:nvCxnSpPr>
+                <p:cNvPr id="34" name="Connecteur droit 33">
+                  <a:extLst>
+                    <a:ext uri="{FF2B5EF4-FFF2-40B4-BE49-F238E27FC236}">
+                      <a16:creationId xmlns:a16="http://schemas.microsoft.com/office/drawing/2014/main" id="{DB988EB8-C879-0DE1-AE3D-7716F38AC8BA}"/>
+                    </a:ext>
+                  </a:extLst>
+                </p:cNvPr>
+                <p:cNvCxnSpPr>
+                  <a:cxnSpLocks/>
+                </p:cNvCxnSpPr>
+                <p:nvPr/>
+              </p:nvCxnSpPr>
+              <p:spPr>
+                <a:xfrm>
+                  <a:off x="5741194" y="5384727"/>
+                  <a:ext cx="159544" cy="149298"/>
+                </a:xfrm>
+                <a:prstGeom prst="line">
+                  <a:avLst/>
+                </a:prstGeom>
+                <a:ln w="57150">
+                  <a:solidFill>
+                    <a:schemeClr val="tx1"/>
+                  </a:solidFill>
+                </a:ln>
+              </p:spPr>
+              <p:style>
+                <a:lnRef idx="1">
+                  <a:schemeClr val="accent1"/>
+                </a:lnRef>
+                <a:fillRef idx="0">
+                  <a:schemeClr val="accent1"/>
+                </a:fillRef>
+                <a:effectRef idx="0">
+                  <a:schemeClr val="accent1"/>
+                </a:effectRef>
+                <a:fontRef idx="minor">
+                  <a:schemeClr val="tx1"/>
+                </a:fontRef>
+              </p:style>
+            </p:cxnSp>
+          </p:grpSp>
+          <p:cxnSp>
+            <p:nvCxnSpPr>
+              <p:cNvPr id="3" name="Connecteur droit 2">
+                <a:extLst>
+                  <a:ext uri="{FF2B5EF4-FFF2-40B4-BE49-F238E27FC236}">
+                    <a16:creationId xmlns:a16="http://schemas.microsoft.com/office/drawing/2014/main" id="{B75F72E7-3035-DD4D-AFB4-F06917549501}"/>
+                  </a:ext>
+                </a:extLst>
+              </p:cNvPr>
+              <p:cNvCxnSpPr>
+                <a:cxnSpLocks/>
+              </p:cNvCxnSpPr>
+              <p:nvPr/>
+            </p:nvCxnSpPr>
+            <p:spPr>
+              <a:xfrm>
+                <a:off x="9391650" y="4733925"/>
+                <a:ext cx="461963" cy="425357"/>
+              </a:xfrm>
+              <a:prstGeom prst="line">
+                <a:avLst/>
+              </a:prstGeom>
+              <a:ln w="57150">
+                <a:solidFill>
+                  <a:schemeClr val="tx1"/>
+                </a:solidFill>
+              </a:ln>
+            </p:spPr>
+            <p:style>
+              <a:lnRef idx="1">
+                <a:schemeClr val="accent1"/>
+              </a:lnRef>
+              <a:fillRef idx="0">
+                <a:schemeClr val="accent1"/>
+              </a:fillRef>
+              <a:effectRef idx="0">
+                <a:schemeClr val="accent1"/>
+              </a:effectRef>
+              <a:fontRef idx="minor">
+                <a:schemeClr val="tx1"/>
+              </a:fontRef>
+            </p:style>
+          </p:cxnSp>
+        </p:grpSp>
+        <p:cxnSp>
+          <p:nvCxnSpPr>
+            <p:cNvPr id="8" name="Connecteur droit 7">
+              <a:extLst>
+                <a:ext uri="{FF2B5EF4-FFF2-40B4-BE49-F238E27FC236}">
+                  <a16:creationId xmlns:a16="http://schemas.microsoft.com/office/drawing/2014/main" id="{309C89A1-DDB3-4688-0629-FF31E6418CA4}"/>
+                </a:ext>
+              </a:extLst>
+            </p:cNvPr>
+            <p:cNvCxnSpPr>
+              <a:cxnSpLocks/>
+            </p:cNvCxnSpPr>
+            <p:nvPr/>
+          </p:nvCxnSpPr>
+          <p:spPr>
+            <a:xfrm>
+              <a:off x="9853613" y="4398169"/>
+              <a:ext cx="361950" cy="335756"/>
+            </a:xfrm>
+            <a:prstGeom prst="line">
+              <a:avLst/>
+            </a:prstGeom>
+            <a:ln w="57150">
+              <a:solidFill>
+                <a:schemeClr val="tx1"/>
+              </a:solidFill>
+            </a:ln>
+          </p:spPr>
+          <p:style>
+            <a:lnRef idx="1">
+              <a:schemeClr val="accent1"/>
+            </a:lnRef>
+            <a:fillRef idx="0">
+              <a:schemeClr val="accent1"/>
+            </a:fillRef>
+            <a:effectRef idx="0">
+              <a:schemeClr val="accent1"/>
+            </a:effectRef>
+            <a:fontRef idx="minor">
+              <a:schemeClr val="tx1"/>
+            </a:fontRef>
+          </p:style>
+        </p:cxnSp>
+      </p:grpSp>
     </p:spTree>
     <p:extLst>
       <p:ext uri="{BB962C8B-B14F-4D97-AF65-F5344CB8AC3E}">
@@ -12643,10 +12871,10 @@
       </p:grpSp>
       <p:grpSp>
         <p:nvGrpSpPr>
-          <p:cNvPr id="20" name="Groupe 19">
-            <a:extLst>
-              <a:ext uri="{FF2B5EF4-FFF2-40B4-BE49-F238E27FC236}">
-                <a16:creationId xmlns:a16="http://schemas.microsoft.com/office/drawing/2014/main" id="{8E711A9D-96B0-FAE3-25B4-C09E59AA9482}"/>
+          <p:cNvPr id="38" name="Groupe 37">
+            <a:extLst>
+              <a:ext uri="{FF2B5EF4-FFF2-40B4-BE49-F238E27FC236}">
+                <a16:creationId xmlns:a16="http://schemas.microsoft.com/office/drawing/2014/main" id="{1B57C7D8-22D5-AB53-09F8-5BEF38EDA6FF}"/>
               </a:ext>
             </a:extLst>
           </p:cNvPr>
@@ -12655,18 +12883,18 @@
         </p:nvGrpSpPr>
         <p:grpSpPr>
           <a:xfrm>
-            <a:off x="520411" y="640860"/>
-            <a:ext cx="2721773" cy="3563292"/>
-            <a:chOff x="1032387" y="3089092"/>
-            <a:chExt cx="2721773" cy="3563292"/>
+            <a:off x="397256" y="458766"/>
+            <a:ext cx="2330552" cy="1966451"/>
+            <a:chOff x="732643" y="4401502"/>
+            <a:chExt cx="2330552" cy="1966451"/>
           </a:xfrm>
         </p:grpSpPr>
         <p:sp>
           <p:nvSpPr>
-            <p:cNvPr id="16" name="Ellipse 15">
+            <p:cNvPr id="23" name="Rectangle : coins arrondis 22">
               <a:extLst>
                 <a:ext uri="{FF2B5EF4-FFF2-40B4-BE49-F238E27FC236}">
-                  <a16:creationId xmlns:a16="http://schemas.microsoft.com/office/drawing/2014/main" id="{0425D80C-39DE-CEE0-9373-FFDB0795C539}"/>
+                  <a16:creationId xmlns:a16="http://schemas.microsoft.com/office/drawing/2014/main" id="{F3A5539B-E739-D6F1-9935-0D86A5C4B7C4}"/>
                 </a:ext>
               </a:extLst>
             </p:cNvPr>
@@ -12675,70 +12903,32 @@
           </p:nvSpPr>
           <p:spPr>
             <a:xfrm>
-              <a:off x="1032387" y="3089092"/>
-              <a:ext cx="2721773" cy="2721773"/>
+              <a:off x="732643" y="4401502"/>
+              <a:ext cx="2330552" cy="1966451"/>
             </a:xfrm>
-            <a:prstGeom prst="ellipse">
-              <a:avLst/>
+            <a:prstGeom prst="roundRect">
+              <a:avLst>
+                <a:gd name="adj" fmla="val 0"/>
+              </a:avLst>
             </a:prstGeom>
+            <a:noFill/>
+            <a:ln w="161925">
+              <a:solidFill>
+                <a:schemeClr val="tx1"/>
+              </a:solidFill>
+            </a:ln>
           </p:spPr>
           <p:style>
             <a:lnRef idx="2">
-              <a:schemeClr val="accent3">
+              <a:schemeClr val="accent1">
                 <a:shade val="15000"/>
               </a:schemeClr>
             </a:lnRef>
             <a:fillRef idx="1">
-              <a:schemeClr val="accent3"/>
+              <a:schemeClr val="accent1"/>
             </a:fillRef>
             <a:effectRef idx="0">
-              <a:schemeClr val="accent3"/>
-            </a:effectRef>
-            <a:fontRef idx="minor">
-              <a:schemeClr val="lt1"/>
-            </a:fontRef>
-          </p:style>
-          <p:txBody>
-            <a:bodyPr rtlCol="0" anchor="ctr"/>
-            <a:lstStyle/>
-            <a:p>
-              <a:pPr algn="ctr"/>
-              <a:endParaRPr lang="fr-CA" dirty="0"/>
-            </a:p>
-          </p:txBody>
-        </p:sp>
-        <p:sp>
-          <p:nvSpPr>
-            <p:cNvPr id="17" name="Ellipse 16">
-              <a:extLst>
-                <a:ext uri="{FF2B5EF4-FFF2-40B4-BE49-F238E27FC236}">
-                  <a16:creationId xmlns:a16="http://schemas.microsoft.com/office/drawing/2014/main" id="{70E2A819-0316-F5C1-A1F6-1DCE6B62DEF3}"/>
-                </a:ext>
-              </a:extLst>
-            </p:cNvPr>
-            <p:cNvSpPr/>
-            <p:nvPr/>
-          </p:nvSpPr>
-          <p:spPr>
-            <a:xfrm>
-              <a:off x="1592038" y="3782267"/>
-              <a:ext cx="553760" cy="553760"/>
-            </a:xfrm>
-            <a:prstGeom prst="ellipse">
-              <a:avLst/>
-            </a:prstGeom>
-          </p:spPr>
-          <p:style>
-            <a:lnRef idx="2">
-              <a:schemeClr val="dk1">
-                <a:shade val="15000"/>
-              </a:schemeClr>
-            </a:lnRef>
-            <a:fillRef idx="1">
-              <a:schemeClr val="dk1"/>
-            </a:fillRef>
-            <a:effectRef idx="0">
-              <a:schemeClr val="dk1"/>
+              <a:schemeClr val="accent1"/>
             </a:effectRef>
             <a:fontRef idx="minor">
               <a:schemeClr val="lt1"/>
@@ -12755,10 +12945,10 @@
         </p:sp>
         <p:sp>
           <p:nvSpPr>
-            <p:cNvPr id="18" name="Ellipse 17">
+            <p:cNvPr id="24" name="Rectangle : coins arrondis 23">
               <a:extLst>
                 <a:ext uri="{FF2B5EF4-FFF2-40B4-BE49-F238E27FC236}">
-                  <a16:creationId xmlns:a16="http://schemas.microsoft.com/office/drawing/2014/main" id="{7F6F8C8E-C5CE-79B2-0AE3-5BEA25075C6F}"/>
+                  <a16:creationId xmlns:a16="http://schemas.microsoft.com/office/drawing/2014/main" id="{4A8EF1A6-02C0-A676-604D-0F953528D0B0}"/>
                 </a:ext>
               </a:extLst>
             </p:cNvPr>
@@ -12767,24 +12957,37 @@
           </p:nvSpPr>
           <p:spPr>
             <a:xfrm>
-              <a:off x="2705448" y="3782267"/>
-              <a:ext cx="553760" cy="553760"/>
+              <a:off x="732643" y="4401502"/>
+              <a:ext cx="2330552" cy="501005"/>
             </a:xfrm>
-            <a:prstGeom prst="ellipse">
-              <a:avLst/>
+            <a:prstGeom prst="roundRect">
+              <a:avLst>
+                <a:gd name="adj" fmla="val 0"/>
+              </a:avLst>
             </a:prstGeom>
+            <a:solidFill>
+              <a:schemeClr val="accent1">
+                <a:lumMod val="60000"/>
+                <a:lumOff val="40000"/>
+              </a:schemeClr>
+            </a:solidFill>
+            <a:ln w="161925">
+              <a:solidFill>
+                <a:schemeClr val="tx1"/>
+              </a:solidFill>
+            </a:ln>
           </p:spPr>
           <p:style>
             <a:lnRef idx="2">
-              <a:schemeClr val="dk1">
+              <a:schemeClr val="accent1">
                 <a:shade val="15000"/>
               </a:schemeClr>
             </a:lnRef>
             <a:fillRef idx="1">
-              <a:schemeClr val="dk1"/>
+              <a:schemeClr val="accent1"/>
             </a:fillRef>
             <a:effectRef idx="0">
-              <a:schemeClr val="dk1"/>
+              <a:schemeClr val="accent1"/>
             </a:effectRef>
             <a:fontRef idx="minor">
               <a:schemeClr val="lt1"/>
@@ -12801,10 +13004,10 @@
         </p:sp>
         <p:sp>
           <p:nvSpPr>
-            <p:cNvPr id="19" name="Arc 18">
+            <p:cNvPr id="29" name="Rectangle 28">
               <a:extLst>
                 <a:ext uri="{FF2B5EF4-FFF2-40B4-BE49-F238E27FC236}">
-                  <a16:creationId xmlns:a16="http://schemas.microsoft.com/office/drawing/2014/main" id="{15DBC3AF-9A40-C844-F133-7ADC1946B05A}"/>
+                  <a16:creationId xmlns:a16="http://schemas.microsoft.com/office/drawing/2014/main" id="{982C24A1-7BCF-E4E1-E07B-661CB7455E02}"/>
                 </a:ext>
               </a:extLst>
             </p:cNvPr>
@@ -12812,34 +13015,36 @@
             <p:nvPr/>
           </p:nvSpPr>
           <p:spPr>
-            <a:xfrm rot="18900000">
-              <a:off x="1563335" y="4969345"/>
-              <a:ext cx="1659874" cy="1683039"/>
+            <a:xfrm>
+              <a:off x="2682093" y="4545650"/>
+              <a:ext cx="212707" cy="212707"/>
             </a:xfrm>
-            <a:prstGeom prst="arc">
-              <a:avLst>
-                <a:gd name="adj1" fmla="val 16170000"/>
-                <a:gd name="adj2" fmla="val 181298"/>
-              </a:avLst>
+            <a:prstGeom prst="rect">
+              <a:avLst/>
             </a:prstGeom>
-            <a:ln w="76200">
+            <a:solidFill>
+              <a:schemeClr val="tx1"/>
+            </a:solidFill>
+            <a:ln>
               <a:solidFill>
                 <a:schemeClr val="tx1"/>
               </a:solidFill>
             </a:ln>
           </p:spPr>
           <p:style>
-            <a:lnRef idx="1">
-              <a:schemeClr val="accent1"/>
+            <a:lnRef idx="2">
+              <a:schemeClr val="accent1">
+                <a:shade val="15000"/>
+              </a:schemeClr>
             </a:lnRef>
-            <a:fillRef idx="0">
+            <a:fillRef idx="1">
               <a:schemeClr val="accent1"/>
             </a:fillRef>
             <a:effectRef idx="0">
               <a:schemeClr val="accent1"/>
             </a:effectRef>
             <a:fontRef idx="minor">
-              <a:schemeClr val="tx1"/>
+              <a:schemeClr val="lt1"/>
             </a:fontRef>
           </p:style>
           <p:txBody>
@@ -12847,7 +13052,597 @@
             <a:lstStyle/>
             <a:p>
               <a:pPr algn="ctr"/>
-              <a:endParaRPr lang="fr-CA" dirty="0"/>
+              <a:endParaRPr lang="fr-CA"/>
+            </a:p>
+          </p:txBody>
+        </p:sp>
+        <p:sp>
+          <p:nvSpPr>
+            <p:cNvPr id="30" name="Rectangle 29">
+              <a:extLst>
+                <a:ext uri="{FF2B5EF4-FFF2-40B4-BE49-F238E27FC236}">
+                  <a16:creationId xmlns:a16="http://schemas.microsoft.com/office/drawing/2014/main" id="{32BE9A53-161E-844C-91D1-9E0ABF4F8855}"/>
+                </a:ext>
+              </a:extLst>
+            </p:cNvPr>
+            <p:cNvSpPr/>
+            <p:nvPr/>
+          </p:nvSpPr>
+          <p:spPr>
+            <a:xfrm>
+              <a:off x="2344924" y="4545650"/>
+              <a:ext cx="212707" cy="212707"/>
+            </a:xfrm>
+            <a:prstGeom prst="rect">
+              <a:avLst/>
+            </a:prstGeom>
+            <a:solidFill>
+              <a:schemeClr val="tx1"/>
+            </a:solidFill>
+            <a:ln>
+              <a:solidFill>
+                <a:schemeClr val="tx1"/>
+              </a:solidFill>
+            </a:ln>
+          </p:spPr>
+          <p:style>
+            <a:lnRef idx="2">
+              <a:schemeClr val="accent1">
+                <a:shade val="15000"/>
+              </a:schemeClr>
+            </a:lnRef>
+            <a:fillRef idx="1">
+              <a:schemeClr val="accent1"/>
+            </a:fillRef>
+            <a:effectRef idx="0">
+              <a:schemeClr val="accent1"/>
+            </a:effectRef>
+            <a:fontRef idx="minor">
+              <a:schemeClr val="lt1"/>
+            </a:fontRef>
+          </p:style>
+          <p:txBody>
+            <a:bodyPr rtlCol="0" anchor="ctr"/>
+            <a:lstStyle/>
+            <a:p>
+              <a:pPr algn="ctr"/>
+              <a:endParaRPr lang="fr-CA"/>
+            </a:p>
+          </p:txBody>
+        </p:sp>
+      </p:grpSp>
+      <p:grpSp>
+        <p:nvGrpSpPr>
+          <p:cNvPr id="40" name="Groupe 39">
+            <a:extLst>
+              <a:ext uri="{FF2B5EF4-FFF2-40B4-BE49-F238E27FC236}">
+                <a16:creationId xmlns:a16="http://schemas.microsoft.com/office/drawing/2014/main" id="{17109336-1C79-7AA7-F073-F45A7A937B44}"/>
+              </a:ext>
+            </a:extLst>
+          </p:cNvPr>
+          <p:cNvGrpSpPr/>
+          <p:nvPr/>
+        </p:nvGrpSpPr>
+        <p:grpSpPr>
+          <a:xfrm>
+            <a:off x="397256" y="4428171"/>
+            <a:ext cx="2330552" cy="1966451"/>
+            <a:chOff x="732643" y="4401502"/>
+            <a:chExt cx="2330552" cy="1966451"/>
+          </a:xfrm>
+        </p:grpSpPr>
+        <p:sp>
+          <p:nvSpPr>
+            <p:cNvPr id="41" name="Rectangle : coins arrondis 40">
+              <a:extLst>
+                <a:ext uri="{FF2B5EF4-FFF2-40B4-BE49-F238E27FC236}">
+                  <a16:creationId xmlns:a16="http://schemas.microsoft.com/office/drawing/2014/main" id="{72866F62-26B6-2053-D709-5FD0718191AF}"/>
+                </a:ext>
+              </a:extLst>
+            </p:cNvPr>
+            <p:cNvSpPr/>
+            <p:nvPr/>
+          </p:nvSpPr>
+          <p:spPr>
+            <a:xfrm>
+              <a:off x="732643" y="4401502"/>
+              <a:ext cx="2330552" cy="1966451"/>
+            </a:xfrm>
+            <a:prstGeom prst="roundRect">
+              <a:avLst>
+                <a:gd name="adj" fmla="val 0"/>
+              </a:avLst>
+            </a:prstGeom>
+            <a:noFill/>
+            <a:ln w="161925">
+              <a:solidFill>
+                <a:schemeClr val="tx1"/>
+              </a:solidFill>
+            </a:ln>
+          </p:spPr>
+          <p:style>
+            <a:lnRef idx="2">
+              <a:schemeClr val="accent1">
+                <a:shade val="15000"/>
+              </a:schemeClr>
+            </a:lnRef>
+            <a:fillRef idx="1">
+              <a:schemeClr val="accent1"/>
+            </a:fillRef>
+            <a:effectRef idx="0">
+              <a:schemeClr val="accent1"/>
+            </a:effectRef>
+            <a:fontRef idx="minor">
+              <a:schemeClr val="lt1"/>
+            </a:fontRef>
+          </p:style>
+          <p:txBody>
+            <a:bodyPr rtlCol="0" anchor="ctr"/>
+            <a:lstStyle/>
+            <a:p>
+              <a:pPr algn="ctr"/>
+              <a:endParaRPr lang="fr-CA"/>
+            </a:p>
+          </p:txBody>
+        </p:sp>
+        <p:sp>
+          <p:nvSpPr>
+            <p:cNvPr id="42" name="Rectangle : coins arrondis 41">
+              <a:extLst>
+                <a:ext uri="{FF2B5EF4-FFF2-40B4-BE49-F238E27FC236}">
+                  <a16:creationId xmlns:a16="http://schemas.microsoft.com/office/drawing/2014/main" id="{4CC55636-CA95-C18D-D254-C430647AAC24}"/>
+                </a:ext>
+              </a:extLst>
+            </p:cNvPr>
+            <p:cNvSpPr/>
+            <p:nvPr/>
+          </p:nvSpPr>
+          <p:spPr>
+            <a:xfrm>
+              <a:off x="732643" y="4401502"/>
+              <a:ext cx="2330552" cy="501005"/>
+            </a:xfrm>
+            <a:prstGeom prst="roundRect">
+              <a:avLst>
+                <a:gd name="adj" fmla="val 0"/>
+              </a:avLst>
+            </a:prstGeom>
+            <a:solidFill>
+              <a:schemeClr val="accent1">
+                <a:lumMod val="60000"/>
+                <a:lumOff val="40000"/>
+              </a:schemeClr>
+            </a:solidFill>
+            <a:ln w="161925">
+              <a:solidFill>
+                <a:schemeClr val="tx1"/>
+              </a:solidFill>
+            </a:ln>
+          </p:spPr>
+          <p:style>
+            <a:lnRef idx="2">
+              <a:schemeClr val="accent1">
+                <a:shade val="15000"/>
+              </a:schemeClr>
+            </a:lnRef>
+            <a:fillRef idx="1">
+              <a:schemeClr val="accent1"/>
+            </a:fillRef>
+            <a:effectRef idx="0">
+              <a:schemeClr val="accent1"/>
+            </a:effectRef>
+            <a:fontRef idx="minor">
+              <a:schemeClr val="lt1"/>
+            </a:fontRef>
+          </p:style>
+          <p:txBody>
+            <a:bodyPr rtlCol="0" anchor="ctr"/>
+            <a:lstStyle/>
+            <a:p>
+              <a:pPr algn="ctr"/>
+              <a:endParaRPr lang="fr-CA"/>
+            </a:p>
+          </p:txBody>
+        </p:sp>
+      </p:grpSp>
+      <p:grpSp>
+        <p:nvGrpSpPr>
+          <p:cNvPr id="47" name="Groupe 46">
+            <a:extLst>
+              <a:ext uri="{FF2B5EF4-FFF2-40B4-BE49-F238E27FC236}">
+                <a16:creationId xmlns:a16="http://schemas.microsoft.com/office/drawing/2014/main" id="{0687F31A-6CFB-E1EC-F173-734E733A80D2}"/>
+              </a:ext>
+            </a:extLst>
+          </p:cNvPr>
+          <p:cNvGrpSpPr/>
+          <p:nvPr/>
+        </p:nvGrpSpPr>
+        <p:grpSpPr>
+          <a:xfrm>
+            <a:off x="3260254" y="4441952"/>
+            <a:ext cx="2330552" cy="1966451"/>
+            <a:chOff x="732643" y="4401502"/>
+            <a:chExt cx="2330552" cy="1966451"/>
+          </a:xfrm>
+        </p:grpSpPr>
+        <p:sp>
+          <p:nvSpPr>
+            <p:cNvPr id="48" name="Rectangle : coins arrondis 47">
+              <a:extLst>
+                <a:ext uri="{FF2B5EF4-FFF2-40B4-BE49-F238E27FC236}">
+                  <a16:creationId xmlns:a16="http://schemas.microsoft.com/office/drawing/2014/main" id="{78038A49-BBA2-1527-C04C-0840F9009E6A}"/>
+                </a:ext>
+              </a:extLst>
+            </p:cNvPr>
+            <p:cNvSpPr/>
+            <p:nvPr/>
+          </p:nvSpPr>
+          <p:spPr>
+            <a:xfrm>
+              <a:off x="732643" y="4401502"/>
+              <a:ext cx="2330552" cy="1966451"/>
+            </a:xfrm>
+            <a:prstGeom prst="roundRect">
+              <a:avLst>
+                <a:gd name="adj" fmla="val 0"/>
+              </a:avLst>
+            </a:prstGeom>
+            <a:noFill/>
+            <a:ln w="161925">
+              <a:solidFill>
+                <a:schemeClr val="tx1"/>
+              </a:solidFill>
+            </a:ln>
+          </p:spPr>
+          <p:style>
+            <a:lnRef idx="2">
+              <a:schemeClr val="accent1">
+                <a:shade val="15000"/>
+              </a:schemeClr>
+            </a:lnRef>
+            <a:fillRef idx="1">
+              <a:schemeClr val="accent1"/>
+            </a:fillRef>
+            <a:effectRef idx="0">
+              <a:schemeClr val="accent1"/>
+            </a:effectRef>
+            <a:fontRef idx="minor">
+              <a:schemeClr val="lt1"/>
+            </a:fontRef>
+          </p:style>
+          <p:txBody>
+            <a:bodyPr rtlCol="0" anchor="ctr"/>
+            <a:lstStyle/>
+            <a:p>
+              <a:pPr algn="ctr"/>
+              <a:endParaRPr lang="fr-CA"/>
+            </a:p>
+          </p:txBody>
+        </p:sp>
+        <p:sp>
+          <p:nvSpPr>
+            <p:cNvPr id="49" name="Rectangle : coins arrondis 48">
+              <a:extLst>
+                <a:ext uri="{FF2B5EF4-FFF2-40B4-BE49-F238E27FC236}">
+                  <a16:creationId xmlns:a16="http://schemas.microsoft.com/office/drawing/2014/main" id="{463C1435-67DE-D2E4-B5DF-13EE9009DCB7}"/>
+                </a:ext>
+              </a:extLst>
+            </p:cNvPr>
+            <p:cNvSpPr/>
+            <p:nvPr/>
+          </p:nvSpPr>
+          <p:spPr>
+            <a:xfrm>
+              <a:off x="732643" y="5866948"/>
+              <a:ext cx="2330552" cy="501005"/>
+            </a:xfrm>
+            <a:prstGeom prst="roundRect">
+              <a:avLst>
+                <a:gd name="adj" fmla="val 0"/>
+              </a:avLst>
+            </a:prstGeom>
+            <a:solidFill>
+              <a:schemeClr val="accent1">
+                <a:lumMod val="60000"/>
+                <a:lumOff val="40000"/>
+              </a:schemeClr>
+            </a:solidFill>
+            <a:ln w="161925">
+              <a:solidFill>
+                <a:schemeClr val="tx1"/>
+              </a:solidFill>
+            </a:ln>
+          </p:spPr>
+          <p:style>
+            <a:lnRef idx="2">
+              <a:schemeClr val="accent1">
+                <a:shade val="15000"/>
+              </a:schemeClr>
+            </a:lnRef>
+            <a:fillRef idx="1">
+              <a:schemeClr val="accent1"/>
+            </a:fillRef>
+            <a:effectRef idx="0">
+              <a:schemeClr val="accent1"/>
+            </a:effectRef>
+            <a:fontRef idx="minor">
+              <a:schemeClr val="lt1"/>
+            </a:fontRef>
+          </p:style>
+          <p:txBody>
+            <a:bodyPr rtlCol="0" anchor="ctr"/>
+            <a:lstStyle/>
+            <a:p>
+              <a:pPr algn="ctr"/>
+              <a:endParaRPr lang="fr-CA"/>
+            </a:p>
+          </p:txBody>
+        </p:sp>
+      </p:grpSp>
+      <p:grpSp>
+        <p:nvGrpSpPr>
+          <p:cNvPr id="50" name="Groupe 49">
+            <a:extLst>
+              <a:ext uri="{FF2B5EF4-FFF2-40B4-BE49-F238E27FC236}">
+                <a16:creationId xmlns:a16="http://schemas.microsoft.com/office/drawing/2014/main" id="{F9CBF68F-7B92-4D12-24CC-A3A3B18346C6}"/>
+              </a:ext>
+            </a:extLst>
+          </p:cNvPr>
+          <p:cNvGrpSpPr/>
+          <p:nvPr/>
+        </p:nvGrpSpPr>
+        <p:grpSpPr>
+          <a:xfrm>
+            <a:off x="6079928" y="4441951"/>
+            <a:ext cx="2330553" cy="1966452"/>
+            <a:chOff x="732642" y="4401501"/>
+            <a:chExt cx="2330553" cy="1966452"/>
+          </a:xfrm>
+        </p:grpSpPr>
+        <p:sp>
+          <p:nvSpPr>
+            <p:cNvPr id="51" name="Rectangle : coins arrondis 50">
+              <a:extLst>
+                <a:ext uri="{FF2B5EF4-FFF2-40B4-BE49-F238E27FC236}">
+                  <a16:creationId xmlns:a16="http://schemas.microsoft.com/office/drawing/2014/main" id="{F7938B89-61FC-5120-65E4-6F782AAA316D}"/>
+                </a:ext>
+              </a:extLst>
+            </p:cNvPr>
+            <p:cNvSpPr/>
+            <p:nvPr/>
+          </p:nvSpPr>
+          <p:spPr>
+            <a:xfrm>
+              <a:off x="732643" y="4401502"/>
+              <a:ext cx="2330552" cy="1966451"/>
+            </a:xfrm>
+            <a:prstGeom prst="roundRect">
+              <a:avLst>
+                <a:gd name="adj" fmla="val 0"/>
+              </a:avLst>
+            </a:prstGeom>
+            <a:noFill/>
+            <a:ln w="161925">
+              <a:solidFill>
+                <a:schemeClr val="tx1"/>
+              </a:solidFill>
+            </a:ln>
+          </p:spPr>
+          <p:style>
+            <a:lnRef idx="2">
+              <a:schemeClr val="accent1">
+                <a:shade val="15000"/>
+              </a:schemeClr>
+            </a:lnRef>
+            <a:fillRef idx="1">
+              <a:schemeClr val="accent1"/>
+            </a:fillRef>
+            <a:effectRef idx="0">
+              <a:schemeClr val="accent1"/>
+            </a:effectRef>
+            <a:fontRef idx="minor">
+              <a:schemeClr val="lt1"/>
+            </a:fontRef>
+          </p:style>
+          <p:txBody>
+            <a:bodyPr rtlCol="0" anchor="ctr"/>
+            <a:lstStyle/>
+            <a:p>
+              <a:pPr algn="ctr"/>
+              <a:endParaRPr lang="fr-CA"/>
+            </a:p>
+          </p:txBody>
+        </p:sp>
+        <p:sp>
+          <p:nvSpPr>
+            <p:cNvPr id="52" name="Rectangle : coins arrondis 51">
+              <a:extLst>
+                <a:ext uri="{FF2B5EF4-FFF2-40B4-BE49-F238E27FC236}">
+                  <a16:creationId xmlns:a16="http://schemas.microsoft.com/office/drawing/2014/main" id="{B8886DF8-443B-7282-9A75-D673B5E76555}"/>
+                </a:ext>
+              </a:extLst>
+            </p:cNvPr>
+            <p:cNvSpPr/>
+            <p:nvPr/>
+          </p:nvSpPr>
+          <p:spPr>
+            <a:xfrm>
+              <a:off x="732642" y="4401501"/>
+              <a:ext cx="521267" cy="1966451"/>
+            </a:xfrm>
+            <a:prstGeom prst="roundRect">
+              <a:avLst>
+                <a:gd name="adj" fmla="val 0"/>
+              </a:avLst>
+            </a:prstGeom>
+            <a:solidFill>
+              <a:schemeClr val="accent1">
+                <a:lumMod val="60000"/>
+                <a:lumOff val="40000"/>
+              </a:schemeClr>
+            </a:solidFill>
+            <a:ln w="161925">
+              <a:solidFill>
+                <a:schemeClr val="tx1"/>
+              </a:solidFill>
+            </a:ln>
+          </p:spPr>
+          <p:style>
+            <a:lnRef idx="2">
+              <a:schemeClr val="accent1">
+                <a:shade val="15000"/>
+              </a:schemeClr>
+            </a:lnRef>
+            <a:fillRef idx="1">
+              <a:schemeClr val="accent1"/>
+            </a:fillRef>
+            <a:effectRef idx="0">
+              <a:schemeClr val="accent1"/>
+            </a:effectRef>
+            <a:fontRef idx="minor">
+              <a:schemeClr val="lt1"/>
+            </a:fontRef>
+          </p:style>
+          <p:txBody>
+            <a:bodyPr rtlCol="0" anchor="ctr"/>
+            <a:lstStyle/>
+            <a:p>
+              <a:pPr algn="ctr"/>
+              <a:endParaRPr lang="fr-CA"/>
+            </a:p>
+          </p:txBody>
+        </p:sp>
+      </p:grpSp>
+      <p:grpSp>
+        <p:nvGrpSpPr>
+          <p:cNvPr id="53" name="Groupe 52">
+            <a:extLst>
+              <a:ext uri="{FF2B5EF4-FFF2-40B4-BE49-F238E27FC236}">
+                <a16:creationId xmlns:a16="http://schemas.microsoft.com/office/drawing/2014/main" id="{EB9D13D1-BCE4-C7BF-C633-60632C00D164}"/>
+              </a:ext>
+            </a:extLst>
+          </p:cNvPr>
+          <p:cNvGrpSpPr/>
+          <p:nvPr/>
+        </p:nvGrpSpPr>
+        <p:grpSpPr>
+          <a:xfrm>
+            <a:off x="8832808" y="4432784"/>
+            <a:ext cx="2330552" cy="1966451"/>
+            <a:chOff x="732643" y="4401502"/>
+            <a:chExt cx="2330552" cy="1966451"/>
+          </a:xfrm>
+        </p:grpSpPr>
+        <p:sp>
+          <p:nvSpPr>
+            <p:cNvPr id="54" name="Rectangle : coins arrondis 53">
+              <a:extLst>
+                <a:ext uri="{FF2B5EF4-FFF2-40B4-BE49-F238E27FC236}">
+                  <a16:creationId xmlns:a16="http://schemas.microsoft.com/office/drawing/2014/main" id="{B3F952B4-A230-A9A5-1767-A4C96F229CB4}"/>
+                </a:ext>
+              </a:extLst>
+            </p:cNvPr>
+            <p:cNvSpPr/>
+            <p:nvPr/>
+          </p:nvSpPr>
+          <p:spPr>
+            <a:xfrm>
+              <a:off x="732643" y="4401502"/>
+              <a:ext cx="2330552" cy="1966451"/>
+            </a:xfrm>
+            <a:prstGeom prst="roundRect">
+              <a:avLst>
+                <a:gd name="adj" fmla="val 0"/>
+              </a:avLst>
+            </a:prstGeom>
+            <a:noFill/>
+            <a:ln w="161925">
+              <a:solidFill>
+                <a:schemeClr val="tx1"/>
+              </a:solidFill>
+            </a:ln>
+          </p:spPr>
+          <p:style>
+            <a:lnRef idx="2">
+              <a:schemeClr val="accent1">
+                <a:shade val="15000"/>
+              </a:schemeClr>
+            </a:lnRef>
+            <a:fillRef idx="1">
+              <a:schemeClr val="accent1"/>
+            </a:fillRef>
+            <a:effectRef idx="0">
+              <a:schemeClr val="accent1"/>
+            </a:effectRef>
+            <a:fontRef idx="minor">
+              <a:schemeClr val="lt1"/>
+            </a:fontRef>
+          </p:style>
+          <p:txBody>
+            <a:bodyPr rtlCol="0" anchor="ctr"/>
+            <a:lstStyle/>
+            <a:p>
+              <a:pPr algn="ctr"/>
+              <a:endParaRPr lang="fr-CA"/>
+            </a:p>
+          </p:txBody>
+        </p:sp>
+        <p:sp>
+          <p:nvSpPr>
+            <p:cNvPr id="55" name="Rectangle : coins arrondis 54">
+              <a:extLst>
+                <a:ext uri="{FF2B5EF4-FFF2-40B4-BE49-F238E27FC236}">
+                  <a16:creationId xmlns:a16="http://schemas.microsoft.com/office/drawing/2014/main" id="{D5915698-0D9B-41F4-C6DB-71854BCEBAB4}"/>
+                </a:ext>
+              </a:extLst>
+            </p:cNvPr>
+            <p:cNvSpPr/>
+            <p:nvPr/>
+          </p:nvSpPr>
+          <p:spPr>
+            <a:xfrm>
+              <a:off x="2541929" y="4410669"/>
+              <a:ext cx="521266" cy="1952671"/>
+            </a:xfrm>
+            <a:prstGeom prst="roundRect">
+              <a:avLst>
+                <a:gd name="adj" fmla="val 0"/>
+              </a:avLst>
+            </a:prstGeom>
+            <a:solidFill>
+              <a:schemeClr val="accent1">
+                <a:lumMod val="60000"/>
+                <a:lumOff val="40000"/>
+              </a:schemeClr>
+            </a:solidFill>
+            <a:ln w="161925">
+              <a:solidFill>
+                <a:schemeClr val="tx1"/>
+              </a:solidFill>
+            </a:ln>
+          </p:spPr>
+          <p:style>
+            <a:lnRef idx="2">
+              <a:schemeClr val="accent1">
+                <a:shade val="15000"/>
+              </a:schemeClr>
+            </a:lnRef>
+            <a:fillRef idx="1">
+              <a:schemeClr val="accent1"/>
+            </a:fillRef>
+            <a:effectRef idx="0">
+              <a:schemeClr val="accent1"/>
+            </a:effectRef>
+            <a:fontRef idx="minor">
+              <a:schemeClr val="lt1"/>
+            </a:fontRef>
+          </p:style>
+          <p:txBody>
+            <a:bodyPr rtlCol="0" anchor="ctr"/>
+            <a:lstStyle/>
+            <a:p>
+              <a:pPr algn="ctr"/>
+              <a:endParaRPr lang="fr-CA"/>
             </a:p>
           </p:txBody>
         </p:sp>

--- a/graphics/graphics.pptx
+++ b/graphics/graphics.pptx
@@ -6,7 +6,7 @@
     <p:sldMasterId id="2147483660" r:id="rId2"/>
   </p:sldMasterIdLst>
   <p:notesMasterIdLst>
-    <p:notesMasterId r:id="rId9"/>
+    <p:notesMasterId r:id="rId10"/>
   </p:notesMasterIdLst>
   <p:sldIdLst>
     <p:sldId id="259" r:id="rId3"/>
@@ -15,6 +15,7 @@
     <p:sldId id="256" r:id="rId6"/>
     <p:sldId id="262" r:id="rId7"/>
     <p:sldId id="263" r:id="rId8"/>
+    <p:sldId id="264" r:id="rId9"/>
   </p:sldIdLst>
   <p:sldSz cx="12192000" cy="6858000"/>
   <p:notesSz cx="6858000" cy="9144000"/>
@@ -203,7 +204,7 @@
           <a:p>
             <a:fld id="{B8404A9E-F80D-47A3-9ABE-4E375F8C7A58}" type="datetimeFigureOut">
               <a:rPr lang="fr-CA" smtClean="0"/>
-              <a:t>2025-05-02</a:t>
+              <a:t>2025-05-18</a:t>
             </a:fld>
             <a:endParaRPr lang="fr-CA"/>
           </a:p>
@@ -620,7 +621,7 @@
           <a:p>
             <a:fld id="{B1B97C2F-ED53-40B2-8245-274A53568F1F}" type="datetimeFigureOut">
               <a:rPr lang="fr-CA" smtClean="0"/>
-              <a:t>2025-05-02</a:t>
+              <a:t>2025-05-18</a:t>
             </a:fld>
             <a:endParaRPr lang="fr-CA"/>
           </a:p>
@@ -820,7 +821,7 @@
           <a:p>
             <a:fld id="{B1B97C2F-ED53-40B2-8245-274A53568F1F}" type="datetimeFigureOut">
               <a:rPr lang="fr-CA" smtClean="0"/>
-              <a:t>2025-05-02</a:t>
+              <a:t>2025-05-18</a:t>
             </a:fld>
             <a:endParaRPr lang="fr-CA"/>
           </a:p>
@@ -1030,7 +1031,7 @@
           <a:p>
             <a:fld id="{B1B97C2F-ED53-40B2-8245-274A53568F1F}" type="datetimeFigureOut">
               <a:rPr lang="fr-CA" smtClean="0"/>
-              <a:t>2025-05-02</a:t>
+              <a:t>2025-05-18</a:t>
             </a:fld>
             <a:endParaRPr lang="fr-CA"/>
           </a:p>
@@ -1252,7 +1253,7 @@
           <a:p>
             <a:fld id="{3CFA78C3-2C03-4D26-BA08-5201FB292C09}" type="datetimeFigureOut">
               <a:rPr lang="fr-CA" smtClean="0"/>
-              <a:t>2025-05-02</a:t>
+              <a:t>2025-05-18</a:t>
             </a:fld>
             <a:endParaRPr lang="fr-CA"/>
           </a:p>
@@ -1452,7 +1453,7 @@
           <a:p>
             <a:fld id="{3CFA78C3-2C03-4D26-BA08-5201FB292C09}" type="datetimeFigureOut">
               <a:rPr lang="fr-CA" smtClean="0"/>
-              <a:t>2025-05-02</a:t>
+              <a:t>2025-05-18</a:t>
             </a:fld>
             <a:endParaRPr lang="fr-CA"/>
           </a:p>
@@ -1728,7 +1729,7 @@
           <a:p>
             <a:fld id="{3CFA78C3-2C03-4D26-BA08-5201FB292C09}" type="datetimeFigureOut">
               <a:rPr lang="fr-CA" smtClean="0"/>
-              <a:t>2025-05-02</a:t>
+              <a:t>2025-05-18</a:t>
             </a:fld>
             <a:endParaRPr lang="fr-CA"/>
           </a:p>
@@ -1996,7 +1997,7 @@
           <a:p>
             <a:fld id="{3CFA78C3-2C03-4D26-BA08-5201FB292C09}" type="datetimeFigureOut">
               <a:rPr lang="fr-CA" smtClean="0"/>
-              <a:t>2025-05-02</a:t>
+              <a:t>2025-05-18</a:t>
             </a:fld>
             <a:endParaRPr lang="fr-CA"/>
           </a:p>
@@ -2411,7 +2412,7 @@
           <a:p>
             <a:fld id="{3CFA78C3-2C03-4D26-BA08-5201FB292C09}" type="datetimeFigureOut">
               <a:rPr lang="fr-CA" smtClean="0"/>
-              <a:t>2025-05-02</a:t>
+              <a:t>2025-05-18</a:t>
             </a:fld>
             <a:endParaRPr lang="fr-CA"/>
           </a:p>
@@ -2553,7 +2554,7 @@
           <a:p>
             <a:fld id="{3CFA78C3-2C03-4D26-BA08-5201FB292C09}" type="datetimeFigureOut">
               <a:rPr lang="fr-CA" smtClean="0"/>
-              <a:t>2025-05-02</a:t>
+              <a:t>2025-05-18</a:t>
             </a:fld>
             <a:endParaRPr lang="fr-CA"/>
           </a:p>
@@ -2666,7 +2667,7 @@
           <a:p>
             <a:fld id="{3CFA78C3-2C03-4D26-BA08-5201FB292C09}" type="datetimeFigureOut">
               <a:rPr lang="fr-CA" smtClean="0"/>
-              <a:t>2025-05-02</a:t>
+              <a:t>2025-05-18</a:t>
             </a:fld>
             <a:endParaRPr lang="fr-CA"/>
           </a:p>
@@ -2979,7 +2980,7 @@
           <a:p>
             <a:fld id="{3CFA78C3-2C03-4D26-BA08-5201FB292C09}" type="datetimeFigureOut">
               <a:rPr lang="fr-CA" smtClean="0"/>
-              <a:t>2025-05-02</a:t>
+              <a:t>2025-05-18</a:t>
             </a:fld>
             <a:endParaRPr lang="fr-CA"/>
           </a:p>
@@ -3179,7 +3180,7 @@
           <a:p>
             <a:fld id="{B1B97C2F-ED53-40B2-8245-274A53568F1F}" type="datetimeFigureOut">
               <a:rPr lang="fr-CA" smtClean="0"/>
-              <a:t>2025-05-02</a:t>
+              <a:t>2025-05-18</a:t>
             </a:fld>
             <a:endParaRPr lang="fr-CA"/>
           </a:p>
@@ -3468,7 +3469,7 @@
           <a:p>
             <a:fld id="{3CFA78C3-2C03-4D26-BA08-5201FB292C09}" type="datetimeFigureOut">
               <a:rPr lang="fr-CA" smtClean="0"/>
-              <a:t>2025-05-02</a:t>
+              <a:t>2025-05-18</a:t>
             </a:fld>
             <a:endParaRPr lang="fr-CA"/>
           </a:p>
@@ -3668,7 +3669,7 @@
           <a:p>
             <a:fld id="{3CFA78C3-2C03-4D26-BA08-5201FB292C09}" type="datetimeFigureOut">
               <a:rPr lang="fr-CA" smtClean="0"/>
-              <a:t>2025-05-02</a:t>
+              <a:t>2025-05-18</a:t>
             </a:fld>
             <a:endParaRPr lang="fr-CA"/>
           </a:p>
@@ -3878,7 +3879,7 @@
           <a:p>
             <a:fld id="{3CFA78C3-2C03-4D26-BA08-5201FB292C09}" type="datetimeFigureOut">
               <a:rPr lang="fr-CA" smtClean="0"/>
-              <a:t>2025-05-02</a:t>
+              <a:t>2025-05-18</a:t>
             </a:fld>
             <a:endParaRPr lang="fr-CA"/>
           </a:p>
@@ -4154,7 +4155,7 @@
           <a:p>
             <a:fld id="{B1B97C2F-ED53-40B2-8245-274A53568F1F}" type="datetimeFigureOut">
               <a:rPr lang="fr-CA" smtClean="0"/>
-              <a:t>2025-05-02</a:t>
+              <a:t>2025-05-18</a:t>
             </a:fld>
             <a:endParaRPr lang="fr-CA"/>
           </a:p>
@@ -4422,7 +4423,7 @@
           <a:p>
             <a:fld id="{B1B97C2F-ED53-40B2-8245-274A53568F1F}" type="datetimeFigureOut">
               <a:rPr lang="fr-CA" smtClean="0"/>
-              <a:t>2025-05-02</a:t>
+              <a:t>2025-05-18</a:t>
             </a:fld>
             <a:endParaRPr lang="fr-CA"/>
           </a:p>
@@ -4837,7 +4838,7 @@
           <a:p>
             <a:fld id="{B1B97C2F-ED53-40B2-8245-274A53568F1F}" type="datetimeFigureOut">
               <a:rPr lang="fr-CA" smtClean="0"/>
-              <a:t>2025-05-02</a:t>
+              <a:t>2025-05-18</a:t>
             </a:fld>
             <a:endParaRPr lang="fr-CA"/>
           </a:p>
@@ -4979,7 +4980,7 @@
           <a:p>
             <a:fld id="{B1B97C2F-ED53-40B2-8245-274A53568F1F}" type="datetimeFigureOut">
               <a:rPr lang="fr-CA" smtClean="0"/>
-              <a:t>2025-05-02</a:t>
+              <a:t>2025-05-18</a:t>
             </a:fld>
             <a:endParaRPr lang="fr-CA"/>
           </a:p>
@@ -5092,7 +5093,7 @@
           <a:p>
             <a:fld id="{B1B97C2F-ED53-40B2-8245-274A53568F1F}" type="datetimeFigureOut">
               <a:rPr lang="fr-CA" smtClean="0"/>
-              <a:t>2025-05-02</a:t>
+              <a:t>2025-05-18</a:t>
             </a:fld>
             <a:endParaRPr lang="fr-CA"/>
           </a:p>
@@ -5405,7 +5406,7 @@
           <a:p>
             <a:fld id="{B1B97C2F-ED53-40B2-8245-274A53568F1F}" type="datetimeFigureOut">
               <a:rPr lang="fr-CA" smtClean="0"/>
-              <a:t>2025-05-02</a:t>
+              <a:t>2025-05-18</a:t>
             </a:fld>
             <a:endParaRPr lang="fr-CA"/>
           </a:p>
@@ -5694,7 +5695,7 @@
           <a:p>
             <a:fld id="{B1B97C2F-ED53-40B2-8245-274A53568F1F}" type="datetimeFigureOut">
               <a:rPr lang="fr-CA" smtClean="0"/>
-              <a:t>2025-05-02</a:t>
+              <a:t>2025-05-18</a:t>
             </a:fld>
             <a:endParaRPr lang="fr-CA"/>
           </a:p>
@@ -5937,7 +5938,7 @@
           <a:p>
             <a:fld id="{B1B97C2F-ED53-40B2-8245-274A53568F1F}" type="datetimeFigureOut">
               <a:rPr lang="fr-CA" smtClean="0"/>
-              <a:t>2025-05-02</a:t>
+              <a:t>2025-05-18</a:t>
             </a:fld>
             <a:endParaRPr lang="fr-CA"/>
           </a:p>
@@ -6507,7 +6508,7 @@
           <a:p>
             <a:fld id="{3CFA78C3-2C03-4D26-BA08-5201FB292C09}" type="datetimeFigureOut">
               <a:rPr lang="fr-CA" smtClean="0"/>
-              <a:t>2025-05-02</a:t>
+              <a:t>2025-05-18</a:t>
             </a:fld>
             <a:endParaRPr lang="fr-CA"/>
           </a:p>
@@ -10059,9 +10060,9 @@
         <p:grpSpPr>
           <a:xfrm>
             <a:off x="7468941" y="151175"/>
-            <a:ext cx="3690897" cy="3245524"/>
+            <a:ext cx="3690897" cy="3245523"/>
             <a:chOff x="8278846" y="173446"/>
-            <a:chExt cx="3723995" cy="3418614"/>
+            <a:chExt cx="3723995" cy="3418613"/>
           </a:xfrm>
         </p:grpSpPr>
         <p:grpSp>
@@ -10220,7 +10221,7 @@
           <p:spPr>
             <a:xfrm>
               <a:off x="8278846" y="2124528"/>
-              <a:ext cx="3723995" cy="1467532"/>
+              <a:ext cx="3723995" cy="1467531"/>
             </a:xfrm>
             <a:prstGeom prst="rect">
               <a:avLst/>
@@ -10510,7 +10511,7 @@
         </p:nvGrpSpPr>
         <p:grpSpPr>
           <a:xfrm>
-            <a:off x="8738781" y="3839941"/>
+            <a:off x="7244922" y="3891634"/>
             <a:ext cx="2057038" cy="1975524"/>
             <a:chOff x="8738781" y="3839941"/>
             <a:chExt cx="2057038" cy="1975524"/>
@@ -10724,6 +10725,309 @@
           </p:style>
         </p:cxnSp>
       </p:grpSp>
+      <p:grpSp>
+        <p:nvGrpSpPr>
+          <p:cNvPr id="20" name="Groupe 19">
+            <a:extLst>
+              <a:ext uri="{FF2B5EF4-FFF2-40B4-BE49-F238E27FC236}">
+                <a16:creationId xmlns:a16="http://schemas.microsoft.com/office/drawing/2014/main" id="{1A51F401-5065-5941-EF37-C3F1DD887262}"/>
+              </a:ext>
+            </a:extLst>
+          </p:cNvPr>
+          <p:cNvGrpSpPr/>
+          <p:nvPr/>
+        </p:nvGrpSpPr>
+        <p:grpSpPr>
+          <a:xfrm>
+            <a:off x="9520244" y="4010534"/>
+            <a:ext cx="2057038" cy="1975524"/>
+            <a:chOff x="9520244" y="4010534"/>
+            <a:chExt cx="2057038" cy="1975524"/>
+          </a:xfrm>
+        </p:grpSpPr>
+        <p:grpSp>
+          <p:nvGrpSpPr>
+            <p:cNvPr id="2" name="Groupe 1">
+              <a:extLst>
+                <a:ext uri="{FF2B5EF4-FFF2-40B4-BE49-F238E27FC236}">
+                  <a16:creationId xmlns:a16="http://schemas.microsoft.com/office/drawing/2014/main" id="{DF0CD381-5013-5291-1AB8-3F734FCFDA28}"/>
+                </a:ext>
+              </a:extLst>
+            </p:cNvPr>
+            <p:cNvGrpSpPr/>
+            <p:nvPr/>
+          </p:nvGrpSpPr>
+          <p:grpSpPr>
+            <a:xfrm>
+              <a:off x="9520244" y="4010534"/>
+              <a:ext cx="2057038" cy="1975524"/>
+              <a:chOff x="8738781" y="3839941"/>
+              <a:chExt cx="2057038" cy="1975524"/>
+            </a:xfrm>
+          </p:grpSpPr>
+          <p:grpSp>
+            <p:nvGrpSpPr>
+              <p:cNvPr id="5" name="Groupe 4">
+                <a:extLst>
+                  <a:ext uri="{FF2B5EF4-FFF2-40B4-BE49-F238E27FC236}">
+                    <a16:creationId xmlns:a16="http://schemas.microsoft.com/office/drawing/2014/main" id="{61AE95F2-D728-97F5-DB82-800A2899ADBD}"/>
+                  </a:ext>
+                </a:extLst>
+              </p:cNvPr>
+              <p:cNvGrpSpPr/>
+              <p:nvPr/>
+            </p:nvGrpSpPr>
+            <p:grpSpPr>
+              <a:xfrm>
+                <a:off x="8738781" y="3839941"/>
+                <a:ext cx="2057038" cy="1975524"/>
+                <a:chOff x="8738781" y="3839941"/>
+                <a:chExt cx="2057038" cy="1975524"/>
+              </a:xfrm>
+            </p:grpSpPr>
+            <p:grpSp>
+              <p:nvGrpSpPr>
+                <p:cNvPr id="9" name="Groupe 8">
+                  <a:extLst>
+                    <a:ext uri="{FF2B5EF4-FFF2-40B4-BE49-F238E27FC236}">
+                      <a16:creationId xmlns:a16="http://schemas.microsoft.com/office/drawing/2014/main" id="{30671D76-A8F8-D31D-4DF9-5E46BB275D66}"/>
+                    </a:ext>
+                  </a:extLst>
+                </p:cNvPr>
+                <p:cNvGrpSpPr/>
+                <p:nvPr/>
+              </p:nvGrpSpPr>
+              <p:grpSpPr>
+                <a:xfrm>
+                  <a:off x="8738781" y="3839941"/>
+                  <a:ext cx="2057038" cy="1975524"/>
+                  <a:chOff x="5424610" y="4695347"/>
+                  <a:chExt cx="1185740" cy="1138753"/>
+                </a:xfrm>
+              </p:grpSpPr>
+              <p:pic>
+                <p:nvPicPr>
+                  <p:cNvPr id="12" name="Graphique 11" descr="Épingle avec un remplissage uni">
+                    <a:extLst>
+                      <a:ext uri="{FF2B5EF4-FFF2-40B4-BE49-F238E27FC236}">
+                        <a16:creationId xmlns:a16="http://schemas.microsoft.com/office/drawing/2014/main" id="{2F2F6C49-3C48-20F9-B815-661FF64F05A0}"/>
+                      </a:ext>
+                    </a:extLst>
+                  </p:cNvPr>
+                  <p:cNvPicPr>
+                    <a:picLocks noChangeAspect="1"/>
+                  </p:cNvPicPr>
+                  <p:nvPr/>
+                </p:nvPicPr>
+                <p:blipFill>
+                  <a:blip r:embed="rId2">
+                    <a:extLst>
+                      <a:ext uri="{96DAC541-7B7A-43D3-8B79-37D633B846F1}">
+                        <asvg:svgBlip xmlns:asvg="http://schemas.microsoft.com/office/drawing/2016/SVG/main" r:embed="rId3"/>
+                      </a:ext>
+                    </a:extLst>
+                  </a:blip>
+                  <a:stretch>
+                    <a:fillRect/>
+                  </a:stretch>
+                </p:blipFill>
+                <p:spPr>
+                  <a:xfrm flipH="1">
+                    <a:off x="5424610" y="4695347"/>
+                    <a:ext cx="1185740" cy="1138753"/>
+                  </a:xfrm>
+                  <a:prstGeom prst="rect">
+                    <a:avLst/>
+                  </a:prstGeom>
+                </p:spPr>
+              </p:pic>
+              <p:cxnSp>
+                <p:nvCxnSpPr>
+                  <p:cNvPr id="13" name="Connecteur droit 12">
+                    <a:extLst>
+                      <a:ext uri="{FF2B5EF4-FFF2-40B4-BE49-F238E27FC236}">
+                        <a16:creationId xmlns:a16="http://schemas.microsoft.com/office/drawing/2014/main" id="{62B614ED-AB2E-605A-B681-B5CE815E1920}"/>
+                      </a:ext>
+                    </a:extLst>
+                  </p:cNvPr>
+                  <p:cNvCxnSpPr>
+                    <a:cxnSpLocks/>
+                  </p:cNvCxnSpPr>
+                  <p:nvPr/>
+                </p:nvCxnSpPr>
+                <p:spPr>
+                  <a:xfrm>
+                    <a:off x="5741194" y="5384727"/>
+                    <a:ext cx="159544" cy="149298"/>
+                  </a:xfrm>
+                  <a:prstGeom prst="line">
+                    <a:avLst/>
+                  </a:prstGeom>
+                  <a:ln w="57150">
+                    <a:solidFill>
+                      <a:schemeClr val="tx1"/>
+                    </a:solidFill>
+                  </a:ln>
+                </p:spPr>
+                <p:style>
+                  <a:lnRef idx="1">
+                    <a:schemeClr val="accent1"/>
+                  </a:lnRef>
+                  <a:fillRef idx="0">
+                    <a:schemeClr val="accent1"/>
+                  </a:fillRef>
+                  <a:effectRef idx="0">
+                    <a:schemeClr val="accent1"/>
+                  </a:effectRef>
+                  <a:fontRef idx="minor">
+                    <a:schemeClr val="tx1"/>
+                  </a:fontRef>
+                </p:style>
+              </p:cxnSp>
+            </p:grpSp>
+            <p:cxnSp>
+              <p:nvCxnSpPr>
+                <p:cNvPr id="10" name="Connecteur droit 9">
+                  <a:extLst>
+                    <a:ext uri="{FF2B5EF4-FFF2-40B4-BE49-F238E27FC236}">
+                      <a16:creationId xmlns:a16="http://schemas.microsoft.com/office/drawing/2014/main" id="{FFE2E0B8-A7FF-E8A7-8663-51D4E6923A73}"/>
+                    </a:ext>
+                  </a:extLst>
+                </p:cNvPr>
+                <p:cNvCxnSpPr>
+                  <a:cxnSpLocks/>
+                </p:cNvCxnSpPr>
+                <p:nvPr/>
+              </p:nvCxnSpPr>
+              <p:spPr>
+                <a:xfrm>
+                  <a:off x="9391650" y="4733925"/>
+                  <a:ext cx="461963" cy="425357"/>
+                </a:xfrm>
+                <a:prstGeom prst="line">
+                  <a:avLst/>
+                </a:prstGeom>
+                <a:ln w="57150">
+                  <a:solidFill>
+                    <a:schemeClr val="tx1"/>
+                  </a:solidFill>
+                </a:ln>
+              </p:spPr>
+              <p:style>
+                <a:lnRef idx="1">
+                  <a:schemeClr val="accent1"/>
+                </a:lnRef>
+                <a:fillRef idx="0">
+                  <a:schemeClr val="accent1"/>
+                </a:fillRef>
+                <a:effectRef idx="0">
+                  <a:schemeClr val="accent1"/>
+                </a:effectRef>
+                <a:fontRef idx="minor">
+                  <a:schemeClr val="tx1"/>
+                </a:fontRef>
+              </p:style>
+            </p:cxnSp>
+          </p:grpSp>
+          <p:cxnSp>
+            <p:nvCxnSpPr>
+              <p:cNvPr id="6" name="Connecteur droit 5">
+                <a:extLst>
+                  <a:ext uri="{FF2B5EF4-FFF2-40B4-BE49-F238E27FC236}">
+                    <a16:creationId xmlns:a16="http://schemas.microsoft.com/office/drawing/2014/main" id="{B3B24AB5-834F-01CC-4D7E-E086DA5F4ECD}"/>
+                  </a:ext>
+                </a:extLst>
+              </p:cNvPr>
+              <p:cNvCxnSpPr>
+                <a:cxnSpLocks/>
+              </p:cNvCxnSpPr>
+              <p:nvPr/>
+            </p:nvCxnSpPr>
+            <p:spPr>
+              <a:xfrm>
+                <a:off x="9853613" y="4398169"/>
+                <a:ext cx="361950" cy="335756"/>
+              </a:xfrm>
+              <a:prstGeom prst="line">
+                <a:avLst/>
+              </a:prstGeom>
+              <a:ln w="57150">
+                <a:solidFill>
+                  <a:schemeClr val="tx1"/>
+                </a:solidFill>
+              </a:ln>
+            </p:spPr>
+            <p:style>
+              <a:lnRef idx="1">
+                <a:schemeClr val="accent1"/>
+              </a:lnRef>
+              <a:fillRef idx="0">
+                <a:schemeClr val="accent1"/>
+              </a:fillRef>
+              <a:effectRef idx="0">
+                <a:schemeClr val="accent1"/>
+              </a:effectRef>
+              <a:fontRef idx="minor">
+                <a:schemeClr val="tx1"/>
+              </a:fontRef>
+            </p:style>
+          </p:cxnSp>
+        </p:grpSp>
+        <p:sp>
+          <p:nvSpPr>
+            <p:cNvPr id="16" name="Rectangle 15">
+              <a:extLst>
+                <a:ext uri="{FF2B5EF4-FFF2-40B4-BE49-F238E27FC236}">
+                  <a16:creationId xmlns:a16="http://schemas.microsoft.com/office/drawing/2014/main" id="{3CC986E8-A64A-A292-D2BC-66F56EA33301}"/>
+                </a:ext>
+              </a:extLst>
+            </p:cNvPr>
+            <p:cNvSpPr/>
+            <p:nvPr/>
+          </p:nvSpPr>
+          <p:spPr>
+            <a:xfrm rot="15159515">
+              <a:off x="9742623" y="4871346"/>
+              <a:ext cx="1617727" cy="249211"/>
+            </a:xfrm>
+            <a:prstGeom prst="rect">
+              <a:avLst/>
+            </a:prstGeom>
+            <a:solidFill>
+              <a:schemeClr val="tx1"/>
+            </a:solidFill>
+            <a:ln w="149225">
+              <a:solidFill>
+                <a:schemeClr val="bg1"/>
+              </a:solidFill>
+            </a:ln>
+          </p:spPr>
+          <p:style>
+            <a:lnRef idx="2">
+              <a:schemeClr val="accent1">
+                <a:shade val="15000"/>
+              </a:schemeClr>
+            </a:lnRef>
+            <a:fillRef idx="1">
+              <a:schemeClr val="accent1"/>
+            </a:fillRef>
+            <a:effectRef idx="0">
+              <a:schemeClr val="accent1"/>
+            </a:effectRef>
+            <a:fontRef idx="minor">
+              <a:schemeClr val="lt1"/>
+            </a:fontRef>
+          </p:style>
+          <p:txBody>
+            <a:bodyPr rtlCol="0" anchor="ctr"/>
+            <a:lstStyle/>
+            <a:p>
+              <a:pPr algn="ctr"/>
+              <a:endParaRPr lang="fr-CA" dirty="0"/>
+            </a:p>
+          </p:txBody>
+        </p:sp>
+      </p:grpSp>
     </p:spTree>
     <p:extLst>
       <p:ext uri="{BB962C8B-B14F-4D97-AF65-F5344CB8AC3E}">
@@ -10754,55 +11058,6 @@
           <a:chExt cx="0" cy="0"/>
         </a:xfrm>
       </p:grpSpPr>
-      <p:sp>
-        <p:nvSpPr>
-          <p:cNvPr id="23" name="Rectangle 22">
-            <a:extLst>
-              <a:ext uri="{FF2B5EF4-FFF2-40B4-BE49-F238E27FC236}">
-                <a16:creationId xmlns:a16="http://schemas.microsoft.com/office/drawing/2014/main" id="{07DB5CEE-C74F-1494-2D75-3697DB6251A2}"/>
-              </a:ext>
-            </a:extLst>
-          </p:cNvPr>
-          <p:cNvSpPr/>
-          <p:nvPr/>
-        </p:nvSpPr>
-        <p:spPr>
-          <a:xfrm>
-            <a:off x="4732021" y="3520440"/>
-            <a:ext cx="4427220" cy="3070860"/>
-          </a:xfrm>
-          <a:prstGeom prst="rect">
-            <a:avLst/>
-          </a:prstGeom>
-          <a:solidFill>
-            <a:schemeClr val="bg1"/>
-          </a:solidFill>
-        </p:spPr>
-        <p:style>
-          <a:lnRef idx="2">
-            <a:schemeClr val="accent3">
-              <a:shade val="15000"/>
-            </a:schemeClr>
-          </a:lnRef>
-          <a:fillRef idx="1">
-            <a:schemeClr val="accent3"/>
-          </a:fillRef>
-          <a:effectRef idx="0">
-            <a:schemeClr val="accent3"/>
-          </a:effectRef>
-          <a:fontRef idx="minor">
-            <a:schemeClr val="lt1"/>
-          </a:fontRef>
-        </p:style>
-        <p:txBody>
-          <a:bodyPr rtlCol="0" anchor="ctr"/>
-          <a:lstStyle/>
-          <a:p>
-            <a:pPr algn="ctr"/>
-            <a:endParaRPr lang="fr-CA"/>
-          </a:p>
-        </p:txBody>
-      </p:sp>
       <p:grpSp>
         <p:nvGrpSpPr>
           <p:cNvPr id="6" name="Groupe 5">
@@ -10822,6 +11077,9 @@
             <a:chOff x="40141" y="599354"/>
             <a:chExt cx="2800102" cy="1681291"/>
           </a:xfrm>
+          <a:solidFill>
+            <a:schemeClr val="tx1"/>
+          </a:solidFill>
         </p:grpSpPr>
         <p:sp>
           <p:nvSpPr>
@@ -11067,9 +11325,7 @@
                 </a:path>
               </a:pathLst>
             </a:custGeom>
-            <a:solidFill>
-              <a:srgbClr val="000000"/>
-            </a:solidFill>
+            <a:grpFill/>
             <a:ln w="35024" cap="flat">
               <a:noFill/>
               <a:prstDash val="solid"/>
@@ -11163,9 +11419,7 @@
                 </a:path>
               </a:pathLst>
             </a:custGeom>
-            <a:solidFill>
-              <a:srgbClr val="000000"/>
-            </a:solidFill>
+            <a:grpFill/>
             <a:ln w="35024" cap="flat">
               <a:noFill/>
               <a:prstDash val="solid"/>
@@ -11613,42 +11867,117 @@
           </p:txBody>
         </p:sp>
       </p:grpSp>
-      <p:pic>
-        <p:nvPicPr>
-          <p:cNvPr id="25" name="Graphique 24" descr="Image avec un remplissage uni">
+      <p:grpSp>
+        <p:nvGrpSpPr>
+          <p:cNvPr id="17" name="Groupe 16">
             <a:extLst>
               <a:ext uri="{FF2B5EF4-FFF2-40B4-BE49-F238E27FC236}">
-                <a16:creationId xmlns:a16="http://schemas.microsoft.com/office/drawing/2014/main" id="{1FB6A532-84C6-9C0B-B58D-C897F76D4CD5}"/>
+                <a16:creationId xmlns:a16="http://schemas.microsoft.com/office/drawing/2014/main" id="{EEC34718-C941-A70D-4885-CE4592D1BB07}"/>
               </a:ext>
             </a:extLst>
           </p:cNvPr>
-          <p:cNvPicPr>
-            <a:picLocks noChangeAspect="1"/>
-          </p:cNvPicPr>
+          <p:cNvGrpSpPr/>
           <p:nvPr/>
-        </p:nvPicPr>
-        <p:blipFill>
-          <a:blip r:embed="rId2">
-            <a:extLst>
-              <a:ext uri="{96DAC541-7B7A-43D3-8B79-37D633B846F1}">
-                <asvg:svgBlip xmlns:asvg="http://schemas.microsoft.com/office/drawing/2016/SVG/main" r:embed="rId3"/>
-              </a:ext>
-            </a:extLst>
-          </a:blip>
-          <a:stretch>
-            <a:fillRect/>
-          </a:stretch>
-        </p:blipFill>
-        <p:spPr>
+        </p:nvGrpSpPr>
+        <p:grpSpPr>
           <a:xfrm>
             <a:off x="5990179" y="-241292"/>
             <a:ext cx="3362583" cy="3362583"/>
+            <a:chOff x="5990179" y="-241292"/>
+            <a:chExt cx="3362583" cy="3362583"/>
           </a:xfrm>
-          <a:prstGeom prst="rect">
-            <a:avLst/>
-          </a:prstGeom>
-        </p:spPr>
-      </p:pic>
+        </p:grpSpPr>
+        <p:sp>
+          <p:nvSpPr>
+            <p:cNvPr id="15" name="Rectangle 14">
+              <a:extLst>
+                <a:ext uri="{FF2B5EF4-FFF2-40B4-BE49-F238E27FC236}">
+                  <a16:creationId xmlns:a16="http://schemas.microsoft.com/office/drawing/2014/main" id="{EC61E646-ADBF-E747-0F9F-6CF4D944A173}"/>
+                </a:ext>
+              </a:extLst>
+            </p:cNvPr>
+            <p:cNvSpPr/>
+            <p:nvPr/>
+          </p:nvSpPr>
+          <p:spPr>
+            <a:xfrm>
+              <a:off x="6420465" y="511277"/>
+              <a:ext cx="2526890" cy="1953190"/>
+            </a:xfrm>
+            <a:prstGeom prst="rect">
+              <a:avLst/>
+            </a:prstGeom>
+            <a:solidFill>
+              <a:schemeClr val="bg1"/>
+            </a:solidFill>
+            <a:ln>
+              <a:solidFill>
+                <a:schemeClr val="bg1"/>
+              </a:solidFill>
+            </a:ln>
+          </p:spPr>
+          <p:style>
+            <a:lnRef idx="2">
+              <a:schemeClr val="accent1">
+                <a:shade val="15000"/>
+              </a:schemeClr>
+            </a:lnRef>
+            <a:fillRef idx="1">
+              <a:schemeClr val="accent1"/>
+            </a:fillRef>
+            <a:effectRef idx="0">
+              <a:schemeClr val="accent1"/>
+            </a:effectRef>
+            <a:fontRef idx="minor">
+              <a:schemeClr val="lt1"/>
+            </a:fontRef>
+          </p:style>
+          <p:txBody>
+            <a:bodyPr rtlCol="0" anchor="ctr"/>
+            <a:lstStyle/>
+            <a:p>
+              <a:pPr algn="ctr"/>
+              <a:endParaRPr lang="fr-CA"/>
+            </a:p>
+          </p:txBody>
+        </p:sp>
+        <p:pic>
+          <p:nvPicPr>
+            <p:cNvPr id="25" name="Graphique 24" descr="Image avec un remplissage uni">
+              <a:extLst>
+                <a:ext uri="{FF2B5EF4-FFF2-40B4-BE49-F238E27FC236}">
+                  <a16:creationId xmlns:a16="http://schemas.microsoft.com/office/drawing/2014/main" id="{1FB6A532-84C6-9C0B-B58D-C897F76D4CD5}"/>
+                </a:ext>
+              </a:extLst>
+            </p:cNvPr>
+            <p:cNvPicPr>
+              <a:picLocks noChangeAspect="1"/>
+            </p:cNvPicPr>
+            <p:nvPr/>
+          </p:nvPicPr>
+          <p:blipFill>
+            <a:blip r:embed="rId2">
+              <a:extLst>
+                <a:ext uri="{96DAC541-7B7A-43D3-8B79-37D633B846F1}">
+                  <asvg:svgBlip xmlns:asvg="http://schemas.microsoft.com/office/drawing/2016/SVG/main" r:embed="rId3"/>
+                </a:ext>
+              </a:extLst>
+            </a:blip>
+            <a:stretch>
+              <a:fillRect/>
+            </a:stretch>
+          </p:blipFill>
+          <p:spPr>
+            <a:xfrm>
+              <a:off x="5990179" y="-241292"/>
+              <a:ext cx="3362583" cy="3362583"/>
+            </a:xfrm>
+            <a:prstGeom prst="rect">
+              <a:avLst/>
+            </a:prstGeom>
+          </p:spPr>
+        </p:pic>
+      </p:grpSp>
       <p:grpSp>
         <p:nvGrpSpPr>
           <p:cNvPr id="14" name="Groupe 13">
@@ -11889,382 +12218,6 @@
           </p:txBody>
         </p:sp>
       </p:grpSp>
-      <p:sp>
-        <p:nvSpPr>
-          <p:cNvPr id="3" name="Rectangle : coins arrondis 2">
-            <a:extLst>
-              <a:ext uri="{FF2B5EF4-FFF2-40B4-BE49-F238E27FC236}">
-                <a16:creationId xmlns:a16="http://schemas.microsoft.com/office/drawing/2014/main" id="{31CE8F6F-9C94-C98A-8B44-59287BC7DA3F}"/>
-              </a:ext>
-            </a:extLst>
-          </p:cNvPr>
-          <p:cNvSpPr/>
-          <p:nvPr/>
-        </p:nvSpPr>
-        <p:spPr>
-          <a:xfrm>
-            <a:off x="4732021" y="3465534"/>
-            <a:ext cx="4427220" cy="3070860"/>
-          </a:xfrm>
-          <a:prstGeom prst="roundRect">
-            <a:avLst>
-              <a:gd name="adj" fmla="val 0"/>
-            </a:avLst>
-          </a:prstGeom>
-          <a:noFill/>
-          <a:ln w="190500">
-            <a:solidFill>
-              <a:srgbClr val="8FAADC"/>
-            </a:solidFill>
-          </a:ln>
-        </p:spPr>
-        <p:style>
-          <a:lnRef idx="2">
-            <a:schemeClr val="accent5">
-              <a:shade val="15000"/>
-            </a:schemeClr>
-          </a:lnRef>
-          <a:fillRef idx="1">
-            <a:schemeClr val="accent5"/>
-          </a:fillRef>
-          <a:effectRef idx="0">
-            <a:schemeClr val="accent5"/>
-          </a:effectRef>
-          <a:fontRef idx="minor">
-            <a:schemeClr val="lt1"/>
-          </a:fontRef>
-        </p:style>
-        <p:txBody>
-          <a:bodyPr rtlCol="0" anchor="ctr"/>
-          <a:lstStyle/>
-          <a:p>
-            <a:pPr algn="ctr"/>
-            <a:endParaRPr lang="fr-CA"/>
-          </a:p>
-        </p:txBody>
-      </p:sp>
-      <p:sp>
-        <p:nvSpPr>
-          <p:cNvPr id="16" name="Rectangle : coins arrondis 15">
-            <a:extLst>
-              <a:ext uri="{FF2B5EF4-FFF2-40B4-BE49-F238E27FC236}">
-                <a16:creationId xmlns:a16="http://schemas.microsoft.com/office/drawing/2014/main" id="{E93E2FEA-A730-DEF7-574D-6E5CDEACC351}"/>
-              </a:ext>
-            </a:extLst>
-          </p:cNvPr>
-          <p:cNvSpPr/>
-          <p:nvPr/>
-        </p:nvSpPr>
-        <p:spPr>
-          <a:xfrm>
-            <a:off x="5182596" y="3791592"/>
-            <a:ext cx="3526069" cy="1743735"/>
-          </a:xfrm>
-          <a:prstGeom prst="roundRect">
-            <a:avLst/>
-          </a:prstGeom>
-          <a:solidFill>
-            <a:srgbClr val="C9E2B8"/>
-          </a:solidFill>
-          <a:ln w="76200">
-            <a:solidFill>
-              <a:schemeClr val="tx1"/>
-            </a:solidFill>
-          </a:ln>
-        </p:spPr>
-        <p:style>
-          <a:lnRef idx="2">
-            <a:schemeClr val="accent5">
-              <a:shade val="15000"/>
-            </a:schemeClr>
-          </a:lnRef>
-          <a:fillRef idx="1">
-            <a:schemeClr val="accent5"/>
-          </a:fillRef>
-          <a:effectRef idx="0">
-            <a:schemeClr val="accent5"/>
-          </a:effectRef>
-          <a:fontRef idx="minor">
-            <a:schemeClr val="lt1"/>
-          </a:fontRef>
-        </p:style>
-        <p:txBody>
-          <a:bodyPr rtlCol="0" anchor="ctr"/>
-          <a:lstStyle/>
-          <a:p>
-            <a:pPr algn="ctr"/>
-            <a:endParaRPr lang="fr-CA" dirty="0"/>
-          </a:p>
-        </p:txBody>
-      </p:sp>
-      <p:sp>
-        <p:nvSpPr>
-          <p:cNvPr id="18" name="Ellipse 17">
-            <a:extLst>
-              <a:ext uri="{FF2B5EF4-FFF2-40B4-BE49-F238E27FC236}">
-                <a16:creationId xmlns:a16="http://schemas.microsoft.com/office/drawing/2014/main" id="{74DCE8C1-97EF-4F94-F089-18B6F59E8847}"/>
-              </a:ext>
-            </a:extLst>
-          </p:cNvPr>
-          <p:cNvSpPr/>
-          <p:nvPr/>
-        </p:nvSpPr>
-        <p:spPr>
-          <a:xfrm>
-            <a:off x="5218302" y="5802132"/>
-            <a:ext cx="472909" cy="472909"/>
-          </a:xfrm>
-          <a:prstGeom prst="ellipse">
-            <a:avLst/>
-          </a:prstGeom>
-        </p:spPr>
-        <p:style>
-          <a:lnRef idx="2">
-            <a:schemeClr val="dk1">
-              <a:shade val="15000"/>
-            </a:schemeClr>
-          </a:lnRef>
-          <a:fillRef idx="1">
-            <a:schemeClr val="dk1"/>
-          </a:fillRef>
-          <a:effectRef idx="0">
-            <a:schemeClr val="dk1"/>
-          </a:effectRef>
-          <a:fontRef idx="minor">
-            <a:schemeClr val="lt1"/>
-          </a:fontRef>
-        </p:style>
-        <p:txBody>
-          <a:bodyPr rtlCol="0" anchor="ctr"/>
-          <a:lstStyle/>
-          <a:p>
-            <a:pPr algn="ctr"/>
-            <a:endParaRPr lang="fr-CA"/>
-          </a:p>
-        </p:txBody>
-      </p:sp>
-      <p:sp>
-        <p:nvSpPr>
-          <p:cNvPr id="19" name="Ellipse 18">
-            <a:extLst>
-              <a:ext uri="{FF2B5EF4-FFF2-40B4-BE49-F238E27FC236}">
-                <a16:creationId xmlns:a16="http://schemas.microsoft.com/office/drawing/2014/main" id="{BA6D0C56-FCDE-5E25-510D-FFA18B2BE0DE}"/>
-              </a:ext>
-            </a:extLst>
-          </p:cNvPr>
-          <p:cNvSpPr/>
-          <p:nvPr/>
-        </p:nvSpPr>
-        <p:spPr>
-          <a:xfrm>
-            <a:off x="6715862" y="5799406"/>
-            <a:ext cx="472909" cy="472909"/>
-          </a:xfrm>
-          <a:prstGeom prst="ellipse">
-            <a:avLst/>
-          </a:prstGeom>
-        </p:spPr>
-        <p:style>
-          <a:lnRef idx="2">
-            <a:schemeClr val="dk1">
-              <a:shade val="15000"/>
-            </a:schemeClr>
-          </a:lnRef>
-          <a:fillRef idx="1">
-            <a:schemeClr val="dk1"/>
-          </a:fillRef>
-          <a:effectRef idx="0">
-            <a:schemeClr val="dk1"/>
-          </a:effectRef>
-          <a:fontRef idx="minor">
-            <a:schemeClr val="lt1"/>
-          </a:fontRef>
-        </p:style>
-        <p:txBody>
-          <a:bodyPr rtlCol="0" anchor="ctr"/>
-          <a:lstStyle/>
-          <a:p>
-            <a:pPr algn="ctr"/>
-            <a:endParaRPr lang="fr-CA"/>
-          </a:p>
-        </p:txBody>
-      </p:sp>
-      <p:sp>
-        <p:nvSpPr>
-          <p:cNvPr id="20" name="Ellipse 19">
-            <a:extLst>
-              <a:ext uri="{FF2B5EF4-FFF2-40B4-BE49-F238E27FC236}">
-                <a16:creationId xmlns:a16="http://schemas.microsoft.com/office/drawing/2014/main" id="{342CC096-E104-8AA7-F1E7-D5C46634BC00}"/>
-              </a:ext>
-            </a:extLst>
-          </p:cNvPr>
-          <p:cNvSpPr/>
-          <p:nvPr/>
-        </p:nvSpPr>
-        <p:spPr>
-          <a:xfrm>
-            <a:off x="8152931" y="5799407"/>
-            <a:ext cx="472909" cy="472909"/>
-          </a:xfrm>
-          <a:prstGeom prst="ellipse">
-            <a:avLst/>
-          </a:prstGeom>
-        </p:spPr>
-        <p:style>
-          <a:lnRef idx="2">
-            <a:schemeClr val="dk1">
-              <a:shade val="15000"/>
-            </a:schemeClr>
-          </a:lnRef>
-          <a:fillRef idx="1">
-            <a:schemeClr val="dk1"/>
-          </a:fillRef>
-          <a:effectRef idx="0">
-            <a:schemeClr val="dk1"/>
-          </a:effectRef>
-          <a:fontRef idx="minor">
-            <a:schemeClr val="lt1"/>
-          </a:fontRef>
-        </p:style>
-        <p:txBody>
-          <a:bodyPr rtlCol="0" anchor="ctr"/>
-          <a:lstStyle/>
-          <a:p>
-            <a:pPr algn="ctr"/>
-            <a:endParaRPr lang="fr-CA"/>
-          </a:p>
-        </p:txBody>
-      </p:sp>
-      <p:sp>
-        <p:nvSpPr>
-          <p:cNvPr id="22" name="Forme libre : forme 21">
-            <a:extLst>
-              <a:ext uri="{FF2B5EF4-FFF2-40B4-BE49-F238E27FC236}">
-                <a16:creationId xmlns:a16="http://schemas.microsoft.com/office/drawing/2014/main" id="{54E60447-18D0-A6F2-4DE5-5D61C0CCA470}"/>
-              </a:ext>
-            </a:extLst>
-          </p:cNvPr>
-          <p:cNvSpPr/>
-          <p:nvPr/>
-        </p:nvSpPr>
-        <p:spPr>
-          <a:xfrm>
-            <a:off x="5218302" y="4029524"/>
-            <a:ext cx="3460878" cy="1228276"/>
-          </a:xfrm>
-          <a:custGeom>
-            <a:avLst/>
-            <a:gdLst>
-              <a:gd name="connsiteX0" fmla="*/ 0 w 3500284"/>
-              <a:gd name="connsiteY0" fmla="*/ 1239964 h 1426790"/>
-              <a:gd name="connsiteX1" fmla="*/ 668593 w 3500284"/>
-              <a:gd name="connsiteY1" fmla="*/ 1100 h 1426790"/>
-              <a:gd name="connsiteX2" fmla="*/ 1297858 w 3500284"/>
-              <a:gd name="connsiteY2" fmla="*/ 1426777 h 1426790"/>
-              <a:gd name="connsiteX3" fmla="*/ 1887793 w 3500284"/>
-              <a:gd name="connsiteY3" fmla="*/ 30596 h 1426790"/>
-              <a:gd name="connsiteX4" fmla="*/ 2507226 w 3500284"/>
-              <a:gd name="connsiteY4" fmla="*/ 1426777 h 1426790"/>
-              <a:gd name="connsiteX5" fmla="*/ 2930013 w 3500284"/>
-              <a:gd name="connsiteY5" fmla="*/ 60093 h 1426790"/>
-              <a:gd name="connsiteX6" fmla="*/ 3500284 w 3500284"/>
-              <a:gd name="connsiteY6" fmla="*/ 974493 h 1426790"/>
-            </a:gdLst>
-            <a:ahLst/>
-            <a:cxnLst>
-              <a:cxn ang="0">
-                <a:pos x="connsiteX0" y="connsiteY0"/>
-              </a:cxn>
-              <a:cxn ang="0">
-                <a:pos x="connsiteX1" y="connsiteY1"/>
-              </a:cxn>
-              <a:cxn ang="0">
-                <a:pos x="connsiteX2" y="connsiteY2"/>
-              </a:cxn>
-              <a:cxn ang="0">
-                <a:pos x="connsiteX3" y="connsiteY3"/>
-              </a:cxn>
-              <a:cxn ang="0">
-                <a:pos x="connsiteX4" y="connsiteY4"/>
-              </a:cxn>
-              <a:cxn ang="0">
-                <a:pos x="connsiteX5" y="connsiteY5"/>
-              </a:cxn>
-              <a:cxn ang="0">
-                <a:pos x="connsiteX6" y="connsiteY6"/>
-              </a:cxn>
-            </a:cxnLst>
-            <a:rect l="l" t="t" r="r" b="b"/>
-            <a:pathLst>
-              <a:path w="3500284" h="1426790">
-                <a:moveTo>
-                  <a:pt x="0" y="1239964"/>
-                </a:moveTo>
-                <a:cubicBezTo>
-                  <a:pt x="226141" y="604964"/>
-                  <a:pt x="452283" y="-30035"/>
-                  <a:pt x="668593" y="1100"/>
-                </a:cubicBezTo>
-                <a:cubicBezTo>
-                  <a:pt x="884903" y="32235"/>
-                  <a:pt x="1094658" y="1421861"/>
-                  <a:pt x="1297858" y="1426777"/>
-                </a:cubicBezTo>
-                <a:cubicBezTo>
-                  <a:pt x="1501058" y="1431693"/>
-                  <a:pt x="1686232" y="30596"/>
-                  <a:pt x="1887793" y="30596"/>
-                </a:cubicBezTo>
-                <a:cubicBezTo>
-                  <a:pt x="2089354" y="30596"/>
-                  <a:pt x="2333523" y="1421861"/>
-                  <a:pt x="2507226" y="1426777"/>
-                </a:cubicBezTo>
-                <a:cubicBezTo>
-                  <a:pt x="2680929" y="1431693"/>
-                  <a:pt x="2764503" y="135474"/>
-                  <a:pt x="2930013" y="60093"/>
-                </a:cubicBezTo>
-                <a:cubicBezTo>
-                  <a:pt x="3095523" y="-15288"/>
-                  <a:pt x="3351162" y="825370"/>
-                  <a:pt x="3500284" y="974493"/>
-                </a:cubicBezTo>
-              </a:path>
-            </a:pathLst>
-          </a:custGeom>
-          <a:noFill/>
-          <a:ln w="127000" cap="rnd">
-            <a:solidFill>
-              <a:schemeClr val="tx1"/>
-            </a:solidFill>
-          </a:ln>
-        </p:spPr>
-        <p:style>
-          <a:lnRef idx="2">
-            <a:schemeClr val="accent1">
-              <a:shade val="15000"/>
-            </a:schemeClr>
-          </a:lnRef>
-          <a:fillRef idx="1">
-            <a:schemeClr val="accent1"/>
-          </a:fillRef>
-          <a:effectRef idx="0">
-            <a:schemeClr val="accent1"/>
-          </a:effectRef>
-          <a:fontRef idx="minor">
-            <a:schemeClr val="lt1"/>
-          </a:fontRef>
-        </p:style>
-        <p:txBody>
-          <a:bodyPr rtlCol="0" anchor="ctr"/>
-          <a:lstStyle/>
-          <a:p>
-            <a:pPr algn="ctr"/>
-            <a:endParaRPr lang="fr-CA"/>
-          </a:p>
-        </p:txBody>
-      </p:sp>
     </p:spTree>
     <p:extLst>
       <p:ext uri="{BB962C8B-B14F-4D97-AF65-F5344CB8AC3E}">
@@ -13660,6 +13613,2823 @@
 </p:sld>
 </file>
 
+<file path=ppt/slides/slide7.xml><?xml version="1.0" encoding="utf-8"?>
+<p:sld xmlns:a="http://schemas.openxmlformats.org/drawingml/2006/main" xmlns:r="http://schemas.openxmlformats.org/officeDocument/2006/relationships" xmlns:p="http://schemas.openxmlformats.org/presentationml/2006/main">
+  <p:cSld>
+    <p:spTree>
+      <p:nvGrpSpPr>
+        <p:cNvPr id="1" name=""/>
+        <p:cNvGrpSpPr/>
+        <p:nvPr/>
+      </p:nvGrpSpPr>
+      <p:grpSpPr>
+        <a:xfrm>
+          <a:off x="0" y="0"/>
+          <a:ext cx="0" cy="0"/>
+          <a:chOff x="0" y="0"/>
+          <a:chExt cx="0" cy="0"/>
+        </a:xfrm>
+      </p:grpSpPr>
+      <p:grpSp>
+        <p:nvGrpSpPr>
+          <p:cNvPr id="17" name="Groupe 16">
+            <a:extLst>
+              <a:ext uri="{FF2B5EF4-FFF2-40B4-BE49-F238E27FC236}">
+                <a16:creationId xmlns:a16="http://schemas.microsoft.com/office/drawing/2014/main" id="{037151EF-1148-E64C-960B-4795C52F0D44}"/>
+              </a:ext>
+            </a:extLst>
+          </p:cNvPr>
+          <p:cNvGrpSpPr/>
+          <p:nvPr/>
+        </p:nvGrpSpPr>
+        <p:grpSpPr>
+          <a:xfrm>
+            <a:off x="211003" y="237163"/>
+            <a:ext cx="2111604" cy="2124172"/>
+            <a:chOff x="1140643" y="641023"/>
+            <a:chExt cx="2111604" cy="2124172"/>
+          </a:xfrm>
+        </p:grpSpPr>
+        <p:sp>
+          <p:nvSpPr>
+            <p:cNvPr id="4" name="Rectangle : coins arrondis 3">
+              <a:extLst>
+                <a:ext uri="{FF2B5EF4-FFF2-40B4-BE49-F238E27FC236}">
+                  <a16:creationId xmlns:a16="http://schemas.microsoft.com/office/drawing/2014/main" id="{320BDABD-FF33-53AD-CA18-DD41782A45F0}"/>
+                </a:ext>
+              </a:extLst>
+            </p:cNvPr>
+            <p:cNvSpPr/>
+            <p:nvPr/>
+          </p:nvSpPr>
+          <p:spPr>
+            <a:xfrm>
+              <a:off x="1140643" y="641023"/>
+              <a:ext cx="1055802" cy="537328"/>
+            </a:xfrm>
+            <a:prstGeom prst="roundRect">
+              <a:avLst/>
+            </a:prstGeom>
+            <a:solidFill>
+              <a:srgbClr val="8FAADC"/>
+            </a:solidFill>
+            <a:ln w="76200">
+              <a:solidFill>
+                <a:schemeClr val="tx1">
+                  <a:lumMod val="85000"/>
+                  <a:lumOff val="15000"/>
+                </a:schemeClr>
+              </a:solidFill>
+            </a:ln>
+          </p:spPr>
+          <p:style>
+            <a:lnRef idx="2">
+              <a:schemeClr val="accent1">
+                <a:shade val="15000"/>
+              </a:schemeClr>
+            </a:lnRef>
+            <a:fillRef idx="1">
+              <a:schemeClr val="accent1"/>
+            </a:fillRef>
+            <a:effectRef idx="0">
+              <a:schemeClr val="accent1"/>
+            </a:effectRef>
+            <a:fontRef idx="minor">
+              <a:schemeClr val="lt1"/>
+            </a:fontRef>
+          </p:style>
+          <p:txBody>
+            <a:bodyPr rtlCol="0" anchor="ctr"/>
+            <a:lstStyle/>
+            <a:p>
+              <a:pPr algn="ctr"/>
+              <a:endParaRPr lang="fr-CA"/>
+            </a:p>
+          </p:txBody>
+        </p:sp>
+        <p:sp>
+          <p:nvSpPr>
+            <p:cNvPr id="5" name="Rectangle : coins arrondis 4">
+              <a:extLst>
+                <a:ext uri="{FF2B5EF4-FFF2-40B4-BE49-F238E27FC236}">
+                  <a16:creationId xmlns:a16="http://schemas.microsoft.com/office/drawing/2014/main" id="{136F4F41-1557-A4C4-EF3C-E0D89D7EC55D}"/>
+                </a:ext>
+              </a:extLst>
+            </p:cNvPr>
+            <p:cNvSpPr/>
+            <p:nvPr/>
+          </p:nvSpPr>
+          <p:spPr>
+            <a:xfrm>
+              <a:off x="2196445" y="1415590"/>
+              <a:ext cx="1055802" cy="537328"/>
+            </a:xfrm>
+            <a:prstGeom prst="roundRect">
+              <a:avLst/>
+            </a:prstGeom>
+            <a:solidFill>
+              <a:srgbClr val="ABD190"/>
+            </a:solidFill>
+            <a:ln w="76200">
+              <a:solidFill>
+                <a:schemeClr val="tx1">
+                  <a:lumMod val="85000"/>
+                  <a:lumOff val="15000"/>
+                </a:schemeClr>
+              </a:solidFill>
+            </a:ln>
+          </p:spPr>
+          <p:style>
+            <a:lnRef idx="2">
+              <a:schemeClr val="accent1">
+                <a:shade val="15000"/>
+              </a:schemeClr>
+            </a:lnRef>
+            <a:fillRef idx="1">
+              <a:schemeClr val="accent1"/>
+            </a:fillRef>
+            <a:effectRef idx="0">
+              <a:schemeClr val="accent1"/>
+            </a:effectRef>
+            <a:fontRef idx="minor">
+              <a:schemeClr val="lt1"/>
+            </a:fontRef>
+          </p:style>
+          <p:txBody>
+            <a:bodyPr rtlCol="0" anchor="ctr"/>
+            <a:lstStyle/>
+            <a:p>
+              <a:pPr algn="ctr"/>
+              <a:endParaRPr lang="fr-CA"/>
+            </a:p>
+          </p:txBody>
+        </p:sp>
+        <p:sp>
+          <p:nvSpPr>
+            <p:cNvPr id="6" name="Rectangle : coins arrondis 5">
+              <a:extLst>
+                <a:ext uri="{FF2B5EF4-FFF2-40B4-BE49-F238E27FC236}">
+                  <a16:creationId xmlns:a16="http://schemas.microsoft.com/office/drawing/2014/main" id="{C260735A-3A6A-4A61-B479-61D280801E28}"/>
+                </a:ext>
+              </a:extLst>
+            </p:cNvPr>
+            <p:cNvSpPr/>
+            <p:nvPr/>
+          </p:nvSpPr>
+          <p:spPr>
+            <a:xfrm>
+              <a:off x="2196445" y="2227867"/>
+              <a:ext cx="1055802" cy="537328"/>
+            </a:xfrm>
+            <a:prstGeom prst="roundRect">
+              <a:avLst/>
+            </a:prstGeom>
+            <a:solidFill>
+              <a:srgbClr val="8FAADC"/>
+            </a:solidFill>
+            <a:ln w="76200">
+              <a:solidFill>
+                <a:schemeClr val="tx1">
+                  <a:lumMod val="85000"/>
+                  <a:lumOff val="15000"/>
+                </a:schemeClr>
+              </a:solidFill>
+            </a:ln>
+          </p:spPr>
+          <p:style>
+            <a:lnRef idx="2">
+              <a:schemeClr val="accent1">
+                <a:shade val="15000"/>
+              </a:schemeClr>
+            </a:lnRef>
+            <a:fillRef idx="1">
+              <a:schemeClr val="accent1"/>
+            </a:fillRef>
+            <a:effectRef idx="0">
+              <a:schemeClr val="accent1"/>
+            </a:effectRef>
+            <a:fontRef idx="minor">
+              <a:schemeClr val="lt1"/>
+            </a:fontRef>
+          </p:style>
+          <p:txBody>
+            <a:bodyPr rtlCol="0" anchor="ctr"/>
+            <a:lstStyle/>
+            <a:p>
+              <a:pPr algn="ctr"/>
+              <a:endParaRPr lang="fr-CA"/>
+            </a:p>
+          </p:txBody>
+        </p:sp>
+        <p:cxnSp>
+          <p:nvCxnSpPr>
+            <p:cNvPr id="8" name="Connecteur droit 7">
+              <a:extLst>
+                <a:ext uri="{FF2B5EF4-FFF2-40B4-BE49-F238E27FC236}">
+                  <a16:creationId xmlns:a16="http://schemas.microsoft.com/office/drawing/2014/main" id="{05CED3E5-AEB8-7D66-6AA6-0DD2DAFDFA80}"/>
+                </a:ext>
+              </a:extLst>
+            </p:cNvPr>
+            <p:cNvCxnSpPr>
+              <a:cxnSpLocks/>
+            </p:cNvCxnSpPr>
+            <p:nvPr/>
+          </p:nvCxnSpPr>
+          <p:spPr>
+            <a:xfrm>
+              <a:off x="1668544" y="1318260"/>
+              <a:ext cx="0" cy="1178271"/>
+            </a:xfrm>
+            <a:prstGeom prst="line">
+              <a:avLst/>
+            </a:prstGeom>
+            <a:ln w="152400" cap="sq">
+              <a:solidFill>
+                <a:schemeClr val="tx1">
+                  <a:lumMod val="85000"/>
+                  <a:lumOff val="15000"/>
+                </a:schemeClr>
+              </a:solidFill>
+            </a:ln>
+          </p:spPr>
+          <p:style>
+            <a:lnRef idx="1">
+              <a:schemeClr val="accent1"/>
+            </a:lnRef>
+            <a:fillRef idx="0">
+              <a:schemeClr val="accent1"/>
+            </a:fillRef>
+            <a:effectRef idx="0">
+              <a:schemeClr val="accent1"/>
+            </a:effectRef>
+            <a:fontRef idx="minor">
+              <a:schemeClr val="tx1"/>
+            </a:fontRef>
+          </p:style>
+        </p:cxnSp>
+        <p:cxnSp>
+          <p:nvCxnSpPr>
+            <p:cNvPr id="10" name="Connecteur droit 9">
+              <a:extLst>
+                <a:ext uri="{FF2B5EF4-FFF2-40B4-BE49-F238E27FC236}">
+                  <a16:creationId xmlns:a16="http://schemas.microsoft.com/office/drawing/2014/main" id="{403A51BD-AF70-FDD5-1455-E5458E89CF02}"/>
+                </a:ext>
+              </a:extLst>
+            </p:cNvPr>
+            <p:cNvCxnSpPr>
+              <a:cxnSpLocks/>
+            </p:cNvCxnSpPr>
+            <p:nvPr/>
+          </p:nvCxnSpPr>
+          <p:spPr>
+            <a:xfrm>
+              <a:off x="1668544" y="2496531"/>
+              <a:ext cx="350756" cy="0"/>
+            </a:xfrm>
+            <a:prstGeom prst="line">
+              <a:avLst/>
+            </a:prstGeom>
+            <a:ln w="152400" cap="sq">
+              <a:solidFill>
+                <a:schemeClr val="tx1">
+                  <a:lumMod val="85000"/>
+                  <a:lumOff val="15000"/>
+                </a:schemeClr>
+              </a:solidFill>
+            </a:ln>
+          </p:spPr>
+          <p:style>
+            <a:lnRef idx="1">
+              <a:schemeClr val="accent1"/>
+            </a:lnRef>
+            <a:fillRef idx="0">
+              <a:schemeClr val="accent1"/>
+            </a:fillRef>
+            <a:effectRef idx="0">
+              <a:schemeClr val="accent1"/>
+            </a:effectRef>
+            <a:fontRef idx="minor">
+              <a:schemeClr val="tx1"/>
+            </a:fontRef>
+          </p:style>
+        </p:cxnSp>
+        <p:cxnSp>
+          <p:nvCxnSpPr>
+            <p:cNvPr id="11" name="Connecteur droit 10">
+              <a:extLst>
+                <a:ext uri="{FF2B5EF4-FFF2-40B4-BE49-F238E27FC236}">
+                  <a16:creationId xmlns:a16="http://schemas.microsoft.com/office/drawing/2014/main" id="{81BCBDC9-0ECD-4FCA-BF73-214A0DBF257A}"/>
+                </a:ext>
+              </a:extLst>
+            </p:cNvPr>
+            <p:cNvCxnSpPr>
+              <a:cxnSpLocks/>
+            </p:cNvCxnSpPr>
+            <p:nvPr/>
+          </p:nvCxnSpPr>
+          <p:spPr>
+            <a:xfrm>
+              <a:off x="1668544" y="1684254"/>
+              <a:ext cx="350756" cy="0"/>
+            </a:xfrm>
+            <a:prstGeom prst="line">
+              <a:avLst/>
+            </a:prstGeom>
+            <a:ln w="152400" cap="sq">
+              <a:solidFill>
+                <a:schemeClr val="tx1">
+                  <a:lumMod val="85000"/>
+                  <a:lumOff val="15000"/>
+                </a:schemeClr>
+              </a:solidFill>
+            </a:ln>
+          </p:spPr>
+          <p:style>
+            <a:lnRef idx="1">
+              <a:schemeClr val="accent1"/>
+            </a:lnRef>
+            <a:fillRef idx="0">
+              <a:schemeClr val="accent1"/>
+            </a:fillRef>
+            <a:effectRef idx="0">
+              <a:schemeClr val="accent1"/>
+            </a:effectRef>
+            <a:fontRef idx="minor">
+              <a:schemeClr val="tx1"/>
+            </a:fontRef>
+          </p:style>
+        </p:cxnSp>
+      </p:grpSp>
+      <p:grpSp>
+        <p:nvGrpSpPr>
+          <p:cNvPr id="147" name="Groupe 146">
+            <a:extLst>
+              <a:ext uri="{FF2B5EF4-FFF2-40B4-BE49-F238E27FC236}">
+                <a16:creationId xmlns:a16="http://schemas.microsoft.com/office/drawing/2014/main" id="{B9A4F7D8-EC59-54DC-5C60-A28B3E1F3AB4}"/>
+              </a:ext>
+            </a:extLst>
+          </p:cNvPr>
+          <p:cNvGrpSpPr/>
+          <p:nvPr/>
+        </p:nvGrpSpPr>
+        <p:grpSpPr>
+          <a:xfrm>
+            <a:off x="914282" y="3036092"/>
+            <a:ext cx="3363501" cy="2577850"/>
+            <a:chOff x="1654194" y="3932581"/>
+            <a:chExt cx="3363501" cy="2577850"/>
+          </a:xfrm>
+        </p:grpSpPr>
+        <p:grpSp>
+          <p:nvGrpSpPr>
+            <p:cNvPr id="134" name="Groupe 133">
+              <a:extLst>
+                <a:ext uri="{FF2B5EF4-FFF2-40B4-BE49-F238E27FC236}">
+                  <a16:creationId xmlns:a16="http://schemas.microsoft.com/office/drawing/2014/main" id="{5E2BE92A-8E9A-DAFD-DE60-D72E5617D0D1}"/>
+                </a:ext>
+              </a:extLst>
+            </p:cNvPr>
+            <p:cNvGrpSpPr/>
+            <p:nvPr/>
+          </p:nvGrpSpPr>
+          <p:grpSpPr>
+            <a:xfrm>
+              <a:off x="2263999" y="4318709"/>
+              <a:ext cx="2538036" cy="1710311"/>
+              <a:chOff x="2141221" y="3174801"/>
+              <a:chExt cx="2514944" cy="1954496"/>
+            </a:xfrm>
+          </p:grpSpPr>
+          <p:cxnSp>
+            <p:nvCxnSpPr>
+              <p:cNvPr id="136" name="Connecteur droit 135">
+                <a:extLst>
+                  <a:ext uri="{FF2B5EF4-FFF2-40B4-BE49-F238E27FC236}">
+                    <a16:creationId xmlns:a16="http://schemas.microsoft.com/office/drawing/2014/main" id="{DB9CB8E3-7C75-6CA6-EC8B-EFC8F1D17DA3}"/>
+                  </a:ext>
+                </a:extLst>
+              </p:cNvPr>
+              <p:cNvCxnSpPr>
+                <a:cxnSpLocks/>
+              </p:cNvCxnSpPr>
+              <p:nvPr/>
+            </p:nvCxnSpPr>
+            <p:spPr>
+              <a:xfrm flipH="1">
+                <a:off x="2935662" y="3434111"/>
+                <a:ext cx="846253" cy="1581241"/>
+              </a:xfrm>
+              <a:prstGeom prst="line">
+                <a:avLst/>
+              </a:prstGeom>
+              <a:ln w="168275" cap="rnd">
+                <a:solidFill>
+                  <a:schemeClr val="accent2"/>
+                </a:solidFill>
+              </a:ln>
+            </p:spPr>
+            <p:style>
+              <a:lnRef idx="1">
+                <a:schemeClr val="accent1"/>
+              </a:lnRef>
+              <a:fillRef idx="0">
+                <a:schemeClr val="accent1"/>
+              </a:fillRef>
+              <a:effectRef idx="0">
+                <a:schemeClr val="accent1"/>
+              </a:effectRef>
+              <a:fontRef idx="minor">
+                <a:schemeClr val="tx1"/>
+              </a:fontRef>
+            </p:style>
+          </p:cxnSp>
+          <p:cxnSp>
+            <p:nvCxnSpPr>
+              <p:cNvPr id="135" name="Connecteur droit 134">
+                <a:extLst>
+                  <a:ext uri="{FF2B5EF4-FFF2-40B4-BE49-F238E27FC236}">
+                    <a16:creationId xmlns:a16="http://schemas.microsoft.com/office/drawing/2014/main" id="{45286D05-A1E2-DC48-EB35-FE0CDD29AA52}"/>
+                  </a:ext>
+                </a:extLst>
+              </p:cNvPr>
+              <p:cNvCxnSpPr>
+                <a:cxnSpLocks/>
+              </p:cNvCxnSpPr>
+              <p:nvPr/>
+            </p:nvCxnSpPr>
+            <p:spPr>
+              <a:xfrm flipV="1">
+                <a:off x="2141221" y="5015353"/>
+                <a:ext cx="794441" cy="113944"/>
+              </a:xfrm>
+              <a:prstGeom prst="line">
+                <a:avLst/>
+              </a:prstGeom>
+              <a:ln w="168275" cap="rnd">
+                <a:solidFill>
+                  <a:schemeClr val="accent2"/>
+                </a:solidFill>
+              </a:ln>
+            </p:spPr>
+            <p:style>
+              <a:lnRef idx="1">
+                <a:schemeClr val="accent1"/>
+              </a:lnRef>
+              <a:fillRef idx="0">
+                <a:schemeClr val="accent1"/>
+              </a:fillRef>
+              <a:effectRef idx="0">
+                <a:schemeClr val="accent1"/>
+              </a:effectRef>
+              <a:fontRef idx="minor">
+                <a:schemeClr val="tx1"/>
+              </a:fontRef>
+            </p:style>
+          </p:cxnSp>
+          <p:cxnSp>
+            <p:nvCxnSpPr>
+              <p:cNvPr id="137" name="Connecteur droit 136">
+                <a:extLst>
+                  <a:ext uri="{FF2B5EF4-FFF2-40B4-BE49-F238E27FC236}">
+                    <a16:creationId xmlns:a16="http://schemas.microsoft.com/office/drawing/2014/main" id="{79FBFEEB-0159-79CA-7C18-874D29FE2A20}"/>
+                  </a:ext>
+                </a:extLst>
+              </p:cNvPr>
+              <p:cNvCxnSpPr>
+                <a:cxnSpLocks/>
+              </p:cNvCxnSpPr>
+              <p:nvPr/>
+            </p:nvCxnSpPr>
+            <p:spPr>
+              <a:xfrm flipV="1">
+                <a:off x="3781914" y="3174801"/>
+                <a:ext cx="874251" cy="259310"/>
+              </a:xfrm>
+              <a:prstGeom prst="line">
+                <a:avLst/>
+              </a:prstGeom>
+              <a:ln w="168275" cap="rnd">
+                <a:solidFill>
+                  <a:schemeClr val="accent2"/>
+                </a:solidFill>
+              </a:ln>
+            </p:spPr>
+            <p:style>
+              <a:lnRef idx="1">
+                <a:schemeClr val="accent1"/>
+              </a:lnRef>
+              <a:fillRef idx="0">
+                <a:schemeClr val="accent1"/>
+              </a:fillRef>
+              <a:effectRef idx="0">
+                <a:schemeClr val="accent1"/>
+              </a:effectRef>
+              <a:fontRef idx="minor">
+                <a:schemeClr val="tx1"/>
+              </a:fontRef>
+            </p:style>
+          </p:cxnSp>
+        </p:grpSp>
+        <p:grpSp>
+          <p:nvGrpSpPr>
+            <p:cNvPr id="122" name="Groupe 121">
+              <a:extLst>
+                <a:ext uri="{FF2B5EF4-FFF2-40B4-BE49-F238E27FC236}">
+                  <a16:creationId xmlns:a16="http://schemas.microsoft.com/office/drawing/2014/main" id="{77DD1A81-E5A4-539D-7782-BB96FEC1F3E1}"/>
+                </a:ext>
+              </a:extLst>
+            </p:cNvPr>
+            <p:cNvGrpSpPr/>
+            <p:nvPr/>
+          </p:nvGrpSpPr>
+          <p:grpSpPr>
+            <a:xfrm>
+              <a:off x="2249872" y="5293034"/>
+              <a:ext cx="2552995" cy="429104"/>
+              <a:chOff x="2141221" y="4722264"/>
+              <a:chExt cx="2529766" cy="490368"/>
+            </a:xfrm>
+          </p:grpSpPr>
+          <p:cxnSp>
+            <p:nvCxnSpPr>
+              <p:cNvPr id="123" name="Connecteur droit 122">
+                <a:extLst>
+                  <a:ext uri="{FF2B5EF4-FFF2-40B4-BE49-F238E27FC236}">
+                    <a16:creationId xmlns:a16="http://schemas.microsoft.com/office/drawing/2014/main" id="{79555A48-8219-5F48-3E39-8090B9401E74}"/>
+                  </a:ext>
+                </a:extLst>
+              </p:cNvPr>
+              <p:cNvCxnSpPr>
+                <a:cxnSpLocks/>
+              </p:cNvCxnSpPr>
+              <p:nvPr/>
+            </p:nvCxnSpPr>
+            <p:spPr>
+              <a:xfrm flipV="1">
+                <a:off x="2141221" y="5015353"/>
+                <a:ext cx="794441" cy="113944"/>
+              </a:xfrm>
+              <a:prstGeom prst="line">
+                <a:avLst/>
+              </a:prstGeom>
+              <a:ln w="168275" cap="rnd">
+                <a:solidFill>
+                  <a:schemeClr val="accent6"/>
+                </a:solidFill>
+              </a:ln>
+            </p:spPr>
+            <p:style>
+              <a:lnRef idx="1">
+                <a:schemeClr val="accent1"/>
+              </a:lnRef>
+              <a:fillRef idx="0">
+                <a:schemeClr val="accent1"/>
+              </a:fillRef>
+              <a:effectRef idx="0">
+                <a:schemeClr val="accent1"/>
+              </a:effectRef>
+              <a:fontRef idx="minor">
+                <a:schemeClr val="tx1"/>
+              </a:fontRef>
+            </p:style>
+          </p:cxnSp>
+          <p:cxnSp>
+            <p:nvCxnSpPr>
+              <p:cNvPr id="124" name="Connecteur droit 123">
+                <a:extLst>
+                  <a:ext uri="{FF2B5EF4-FFF2-40B4-BE49-F238E27FC236}">
+                    <a16:creationId xmlns:a16="http://schemas.microsoft.com/office/drawing/2014/main" id="{42FF8CF4-D379-FA50-8D2A-EC646B59C5AC}"/>
+                  </a:ext>
+                </a:extLst>
+              </p:cNvPr>
+              <p:cNvCxnSpPr>
+                <a:cxnSpLocks/>
+              </p:cNvCxnSpPr>
+              <p:nvPr/>
+            </p:nvCxnSpPr>
+            <p:spPr>
+              <a:xfrm flipH="1">
+                <a:off x="2935662" y="4722264"/>
+                <a:ext cx="600478" cy="293089"/>
+              </a:xfrm>
+              <a:prstGeom prst="line">
+                <a:avLst/>
+              </a:prstGeom>
+              <a:ln w="168275" cap="rnd">
+                <a:solidFill>
+                  <a:schemeClr val="accent6"/>
+                </a:solidFill>
+              </a:ln>
+            </p:spPr>
+            <p:style>
+              <a:lnRef idx="1">
+                <a:schemeClr val="accent1"/>
+              </a:lnRef>
+              <a:fillRef idx="0">
+                <a:schemeClr val="accent1"/>
+              </a:fillRef>
+              <a:effectRef idx="0">
+                <a:schemeClr val="accent1"/>
+              </a:effectRef>
+              <a:fontRef idx="minor">
+                <a:schemeClr val="tx1"/>
+              </a:fontRef>
+            </p:style>
+          </p:cxnSp>
+          <p:cxnSp>
+            <p:nvCxnSpPr>
+              <p:cNvPr id="125" name="Connecteur droit 124">
+                <a:extLst>
+                  <a:ext uri="{FF2B5EF4-FFF2-40B4-BE49-F238E27FC236}">
+                    <a16:creationId xmlns:a16="http://schemas.microsoft.com/office/drawing/2014/main" id="{B1BD3546-9FBB-C0FB-930F-86A69E35302C}"/>
+                  </a:ext>
+                </a:extLst>
+              </p:cNvPr>
+              <p:cNvCxnSpPr>
+                <a:cxnSpLocks/>
+              </p:cNvCxnSpPr>
+              <p:nvPr/>
+            </p:nvCxnSpPr>
+            <p:spPr>
+              <a:xfrm>
+                <a:off x="3536141" y="4722264"/>
+                <a:ext cx="1134846" cy="490368"/>
+              </a:xfrm>
+              <a:prstGeom prst="line">
+                <a:avLst/>
+              </a:prstGeom>
+              <a:ln w="168275" cap="rnd">
+                <a:solidFill>
+                  <a:schemeClr val="accent6"/>
+                </a:solidFill>
+              </a:ln>
+            </p:spPr>
+            <p:style>
+              <a:lnRef idx="1">
+                <a:schemeClr val="accent1"/>
+              </a:lnRef>
+              <a:fillRef idx="0">
+                <a:schemeClr val="accent1"/>
+              </a:fillRef>
+              <a:effectRef idx="0">
+                <a:schemeClr val="accent1"/>
+              </a:effectRef>
+              <a:fontRef idx="minor">
+                <a:schemeClr val="tx1"/>
+              </a:fontRef>
+            </p:style>
+          </p:cxnSp>
+        </p:grpSp>
+        <p:grpSp>
+          <p:nvGrpSpPr>
+            <p:cNvPr id="120" name="Groupe 119">
+              <a:extLst>
+                <a:ext uri="{FF2B5EF4-FFF2-40B4-BE49-F238E27FC236}">
+                  <a16:creationId xmlns:a16="http://schemas.microsoft.com/office/drawing/2014/main" id="{86366F42-ED49-611B-E812-D01F9585C3EA}"/>
+                </a:ext>
+              </a:extLst>
+            </p:cNvPr>
+            <p:cNvGrpSpPr/>
+            <p:nvPr/>
+          </p:nvGrpSpPr>
+          <p:grpSpPr>
+            <a:xfrm>
+              <a:off x="2183458" y="4546655"/>
+              <a:ext cx="2710635" cy="830580"/>
+              <a:chOff x="2141220" y="4450080"/>
+              <a:chExt cx="2710635" cy="830580"/>
+            </a:xfrm>
+          </p:grpSpPr>
+          <p:cxnSp>
+            <p:nvCxnSpPr>
+              <p:cNvPr id="114" name="Connecteur droit 113">
+                <a:extLst>
+                  <a:ext uri="{FF2B5EF4-FFF2-40B4-BE49-F238E27FC236}">
+                    <a16:creationId xmlns:a16="http://schemas.microsoft.com/office/drawing/2014/main" id="{190C21B6-8AE1-4AE5-3799-A0386782B4AA}"/>
+                  </a:ext>
+                </a:extLst>
+              </p:cNvPr>
+              <p:cNvCxnSpPr/>
+              <p:nvPr/>
+            </p:nvCxnSpPr>
+            <p:spPr>
+              <a:xfrm flipV="1">
+                <a:off x="2141220" y="4450080"/>
+                <a:ext cx="944880" cy="830580"/>
+              </a:xfrm>
+              <a:prstGeom prst="line">
+                <a:avLst/>
+              </a:prstGeom>
+              <a:ln w="168275" cap="rnd">
+                <a:solidFill>
+                  <a:schemeClr val="accent1"/>
+                </a:solidFill>
+              </a:ln>
+            </p:spPr>
+            <p:style>
+              <a:lnRef idx="1">
+                <a:schemeClr val="accent1"/>
+              </a:lnRef>
+              <a:fillRef idx="0">
+                <a:schemeClr val="accent1"/>
+              </a:fillRef>
+              <a:effectRef idx="0">
+                <a:schemeClr val="accent1"/>
+              </a:effectRef>
+              <a:fontRef idx="minor">
+                <a:schemeClr val="tx1"/>
+              </a:fontRef>
+            </p:style>
+          </p:cxnSp>
+          <p:cxnSp>
+            <p:nvCxnSpPr>
+              <p:cNvPr id="115" name="Connecteur droit 114">
+                <a:extLst>
+                  <a:ext uri="{FF2B5EF4-FFF2-40B4-BE49-F238E27FC236}">
+                    <a16:creationId xmlns:a16="http://schemas.microsoft.com/office/drawing/2014/main" id="{89976F1A-D376-B4D5-85EF-6171459026B9}"/>
+                  </a:ext>
+                </a:extLst>
+              </p:cNvPr>
+              <p:cNvCxnSpPr>
+                <a:cxnSpLocks/>
+              </p:cNvCxnSpPr>
+              <p:nvPr/>
+            </p:nvCxnSpPr>
+            <p:spPr>
+              <a:xfrm flipH="1" flipV="1">
+                <a:off x="3086100" y="4450080"/>
+                <a:ext cx="925716" cy="594360"/>
+              </a:xfrm>
+              <a:prstGeom prst="line">
+                <a:avLst/>
+              </a:prstGeom>
+              <a:ln w="168275" cap="rnd">
+                <a:solidFill>
+                  <a:schemeClr val="accent1"/>
+                </a:solidFill>
+              </a:ln>
+            </p:spPr>
+            <p:style>
+              <a:lnRef idx="1">
+                <a:schemeClr val="accent1"/>
+              </a:lnRef>
+              <a:fillRef idx="0">
+                <a:schemeClr val="accent1"/>
+              </a:fillRef>
+              <a:effectRef idx="0">
+                <a:schemeClr val="accent1"/>
+              </a:effectRef>
+              <a:fontRef idx="minor">
+                <a:schemeClr val="tx1"/>
+              </a:fontRef>
+            </p:style>
+          </p:cxnSp>
+          <p:cxnSp>
+            <p:nvCxnSpPr>
+              <p:cNvPr id="118" name="Connecteur droit 117">
+                <a:extLst>
+                  <a:ext uri="{FF2B5EF4-FFF2-40B4-BE49-F238E27FC236}">
+                    <a16:creationId xmlns:a16="http://schemas.microsoft.com/office/drawing/2014/main" id="{86A876F7-C436-F136-7C68-71C4230E3B29}"/>
+                  </a:ext>
+                </a:extLst>
+              </p:cNvPr>
+              <p:cNvCxnSpPr>
+                <a:cxnSpLocks/>
+              </p:cNvCxnSpPr>
+              <p:nvPr/>
+            </p:nvCxnSpPr>
+            <p:spPr>
+              <a:xfrm flipV="1">
+                <a:off x="4030980" y="4798274"/>
+                <a:ext cx="820875" cy="246166"/>
+              </a:xfrm>
+              <a:prstGeom prst="line">
+                <a:avLst/>
+              </a:prstGeom>
+              <a:ln w="168275" cap="rnd">
+                <a:solidFill>
+                  <a:schemeClr val="accent1"/>
+                </a:solidFill>
+              </a:ln>
+            </p:spPr>
+            <p:style>
+              <a:lnRef idx="1">
+                <a:schemeClr val="accent1"/>
+              </a:lnRef>
+              <a:fillRef idx="0">
+                <a:schemeClr val="accent1"/>
+              </a:fillRef>
+              <a:effectRef idx="0">
+                <a:schemeClr val="accent1"/>
+              </a:effectRef>
+              <a:fontRef idx="minor">
+                <a:schemeClr val="tx1"/>
+              </a:fontRef>
+            </p:style>
+          </p:cxnSp>
+        </p:grpSp>
+        <p:sp>
+          <p:nvSpPr>
+            <p:cNvPr id="144" name="Flèche : bas 143">
+              <a:extLst>
+                <a:ext uri="{FF2B5EF4-FFF2-40B4-BE49-F238E27FC236}">
+                  <a16:creationId xmlns:a16="http://schemas.microsoft.com/office/drawing/2014/main" id="{29DD852A-E019-7C03-2625-0EE810A208A4}"/>
+                </a:ext>
+              </a:extLst>
+            </p:cNvPr>
+            <p:cNvSpPr/>
+            <p:nvPr/>
+          </p:nvSpPr>
+          <p:spPr>
+            <a:xfrm rot="10800000">
+              <a:off x="1654194" y="3932581"/>
+              <a:ext cx="423867" cy="2416865"/>
+            </a:xfrm>
+            <a:prstGeom prst="downArrow">
+              <a:avLst>
+                <a:gd name="adj1" fmla="val 50000"/>
+                <a:gd name="adj2" fmla="val 63809"/>
+              </a:avLst>
+            </a:prstGeom>
+            <a:solidFill>
+              <a:schemeClr val="tx1">
+                <a:lumMod val="85000"/>
+                <a:lumOff val="15000"/>
+              </a:schemeClr>
+            </a:solidFill>
+            <a:ln cap="sq">
+              <a:solidFill>
+                <a:schemeClr val="tx1">
+                  <a:lumMod val="85000"/>
+                  <a:lumOff val="15000"/>
+                </a:schemeClr>
+              </a:solidFill>
+            </a:ln>
+          </p:spPr>
+          <p:style>
+            <a:lnRef idx="2">
+              <a:schemeClr val="accent1">
+                <a:shade val="15000"/>
+              </a:schemeClr>
+            </a:lnRef>
+            <a:fillRef idx="1">
+              <a:schemeClr val="accent1"/>
+            </a:fillRef>
+            <a:effectRef idx="0">
+              <a:schemeClr val="accent1"/>
+            </a:effectRef>
+            <a:fontRef idx="minor">
+              <a:schemeClr val="lt1"/>
+            </a:fontRef>
+          </p:style>
+          <p:txBody>
+            <a:bodyPr rtlCol="0" anchor="ctr"/>
+            <a:lstStyle/>
+            <a:p>
+              <a:pPr algn="ctr"/>
+              <a:endParaRPr lang="fr-CA" dirty="0"/>
+            </a:p>
+          </p:txBody>
+        </p:sp>
+        <p:sp>
+          <p:nvSpPr>
+            <p:cNvPr id="145" name="Flèche : bas 144">
+              <a:extLst>
+                <a:ext uri="{FF2B5EF4-FFF2-40B4-BE49-F238E27FC236}">
+                  <a16:creationId xmlns:a16="http://schemas.microsoft.com/office/drawing/2014/main" id="{56664A3A-6616-2D4F-83B5-57C8BBE93847}"/>
+                </a:ext>
+              </a:extLst>
+            </p:cNvPr>
+            <p:cNvSpPr/>
+            <p:nvPr/>
+          </p:nvSpPr>
+          <p:spPr>
+            <a:xfrm rot="16200000">
+              <a:off x="3178216" y="4670952"/>
+              <a:ext cx="429103" cy="3249855"/>
+            </a:xfrm>
+            <a:prstGeom prst="downArrow">
+              <a:avLst>
+                <a:gd name="adj1" fmla="val 50000"/>
+                <a:gd name="adj2" fmla="val 55130"/>
+              </a:avLst>
+            </a:prstGeom>
+            <a:solidFill>
+              <a:schemeClr val="tx1">
+                <a:lumMod val="85000"/>
+                <a:lumOff val="15000"/>
+              </a:schemeClr>
+            </a:solidFill>
+            <a:ln cap="sq">
+              <a:solidFill>
+                <a:schemeClr val="tx1">
+                  <a:lumMod val="85000"/>
+                  <a:lumOff val="15000"/>
+                </a:schemeClr>
+              </a:solidFill>
+            </a:ln>
+          </p:spPr>
+          <p:style>
+            <a:lnRef idx="2">
+              <a:schemeClr val="accent1">
+                <a:shade val="15000"/>
+              </a:schemeClr>
+            </a:lnRef>
+            <a:fillRef idx="1">
+              <a:schemeClr val="accent1"/>
+            </a:fillRef>
+            <a:effectRef idx="0">
+              <a:schemeClr val="accent1"/>
+            </a:effectRef>
+            <a:fontRef idx="minor">
+              <a:schemeClr val="lt1"/>
+            </a:fontRef>
+          </p:style>
+          <p:txBody>
+            <a:bodyPr rtlCol="0" anchor="ctr"/>
+            <a:lstStyle/>
+            <a:p>
+              <a:pPr algn="ctr"/>
+              <a:endParaRPr lang="fr-CA"/>
+            </a:p>
+          </p:txBody>
+        </p:sp>
+      </p:grpSp>
+      <p:grpSp>
+        <p:nvGrpSpPr>
+          <p:cNvPr id="80" name="Groupe 79">
+            <a:extLst>
+              <a:ext uri="{FF2B5EF4-FFF2-40B4-BE49-F238E27FC236}">
+                <a16:creationId xmlns:a16="http://schemas.microsoft.com/office/drawing/2014/main" id="{203AE88D-C269-2775-0738-BF4B087416E6}"/>
+              </a:ext>
+            </a:extLst>
+          </p:cNvPr>
+          <p:cNvGrpSpPr/>
+          <p:nvPr/>
+        </p:nvGrpSpPr>
+        <p:grpSpPr>
+          <a:xfrm>
+            <a:off x="3358606" y="289140"/>
+            <a:ext cx="1762622" cy="1982508"/>
+            <a:chOff x="4579620" y="378827"/>
+            <a:chExt cx="2545082" cy="2862580"/>
+          </a:xfrm>
+        </p:grpSpPr>
+        <p:sp>
+          <p:nvSpPr>
+            <p:cNvPr id="18" name="Ellipse 17">
+              <a:extLst>
+                <a:ext uri="{FF2B5EF4-FFF2-40B4-BE49-F238E27FC236}">
+                  <a16:creationId xmlns:a16="http://schemas.microsoft.com/office/drawing/2014/main" id="{10847B5F-97E2-7942-3DE0-B0A0782F49B2}"/>
+                </a:ext>
+              </a:extLst>
+            </p:cNvPr>
+            <p:cNvSpPr/>
+            <p:nvPr/>
+          </p:nvSpPr>
+          <p:spPr>
+            <a:xfrm>
+              <a:off x="4579620" y="696327"/>
+              <a:ext cx="2545080" cy="2545080"/>
+            </a:xfrm>
+            <a:prstGeom prst="ellipse">
+              <a:avLst/>
+            </a:prstGeom>
+            <a:solidFill>
+              <a:schemeClr val="bg1"/>
+            </a:solidFill>
+            <a:ln w="152400">
+              <a:solidFill>
+                <a:schemeClr val="tx1">
+                  <a:lumMod val="85000"/>
+                  <a:lumOff val="15000"/>
+                </a:schemeClr>
+              </a:solidFill>
+            </a:ln>
+          </p:spPr>
+          <p:style>
+            <a:lnRef idx="2">
+              <a:schemeClr val="accent1">
+                <a:shade val="15000"/>
+              </a:schemeClr>
+            </a:lnRef>
+            <a:fillRef idx="1">
+              <a:schemeClr val="accent1"/>
+            </a:fillRef>
+            <a:effectRef idx="0">
+              <a:schemeClr val="accent1"/>
+            </a:effectRef>
+            <a:fontRef idx="minor">
+              <a:schemeClr val="lt1"/>
+            </a:fontRef>
+          </p:style>
+          <p:txBody>
+            <a:bodyPr rtlCol="0" anchor="ctr"/>
+            <a:lstStyle/>
+            <a:p>
+              <a:pPr algn="ctr"/>
+              <a:endParaRPr lang="fr-CA"/>
+            </a:p>
+          </p:txBody>
+        </p:sp>
+        <p:sp>
+          <p:nvSpPr>
+            <p:cNvPr id="19" name="Ellipse 18">
+              <a:extLst>
+                <a:ext uri="{FF2B5EF4-FFF2-40B4-BE49-F238E27FC236}">
+                  <a16:creationId xmlns:a16="http://schemas.microsoft.com/office/drawing/2014/main" id="{E210A78D-28A9-1E6C-C50E-E94997FD53FA}"/>
+                </a:ext>
+              </a:extLst>
+            </p:cNvPr>
+            <p:cNvSpPr/>
+            <p:nvPr/>
+          </p:nvSpPr>
+          <p:spPr>
+            <a:xfrm>
+              <a:off x="5697403" y="1814110"/>
+              <a:ext cx="309513" cy="309513"/>
+            </a:xfrm>
+            <a:prstGeom prst="ellipse">
+              <a:avLst/>
+            </a:prstGeom>
+            <a:solidFill>
+              <a:schemeClr val="bg1"/>
+            </a:solidFill>
+            <a:ln w="76200">
+              <a:solidFill>
+                <a:schemeClr val="tx1"/>
+              </a:solidFill>
+            </a:ln>
+          </p:spPr>
+          <p:style>
+            <a:lnRef idx="2">
+              <a:schemeClr val="accent1">
+                <a:shade val="15000"/>
+              </a:schemeClr>
+            </a:lnRef>
+            <a:fillRef idx="1">
+              <a:schemeClr val="accent1"/>
+            </a:fillRef>
+            <a:effectRef idx="0">
+              <a:schemeClr val="accent1"/>
+            </a:effectRef>
+            <a:fontRef idx="minor">
+              <a:schemeClr val="lt1"/>
+            </a:fontRef>
+          </p:style>
+          <p:txBody>
+            <a:bodyPr rtlCol="0" anchor="ctr"/>
+            <a:lstStyle/>
+            <a:p>
+              <a:pPr algn="ctr"/>
+              <a:endParaRPr lang="fr-CA"/>
+            </a:p>
+          </p:txBody>
+        </p:sp>
+        <p:cxnSp>
+          <p:nvCxnSpPr>
+            <p:cNvPr id="21" name="Connecteur droit 20">
+              <a:extLst>
+                <a:ext uri="{FF2B5EF4-FFF2-40B4-BE49-F238E27FC236}">
+                  <a16:creationId xmlns:a16="http://schemas.microsoft.com/office/drawing/2014/main" id="{A3BF0406-6673-BC28-B74B-A4E2CF35F826}"/>
+                </a:ext>
+              </a:extLst>
+            </p:cNvPr>
+            <p:cNvCxnSpPr>
+              <a:cxnSpLocks/>
+              <a:stCxn id="19" idx="0"/>
+            </p:cNvCxnSpPr>
+            <p:nvPr/>
+          </p:nvCxnSpPr>
+          <p:spPr>
+            <a:xfrm flipH="1" flipV="1">
+              <a:off x="5852159" y="914400"/>
+              <a:ext cx="1" cy="899710"/>
+            </a:xfrm>
+            <a:prstGeom prst="line">
+              <a:avLst/>
+            </a:prstGeom>
+            <a:ln w="57150">
+              <a:solidFill>
+                <a:schemeClr val="tx1"/>
+              </a:solidFill>
+            </a:ln>
+          </p:spPr>
+          <p:style>
+            <a:lnRef idx="1">
+              <a:schemeClr val="accent1"/>
+            </a:lnRef>
+            <a:fillRef idx="0">
+              <a:schemeClr val="accent1"/>
+            </a:fillRef>
+            <a:effectRef idx="0">
+              <a:schemeClr val="accent1"/>
+            </a:effectRef>
+            <a:fontRef idx="minor">
+              <a:schemeClr val="tx1"/>
+            </a:fontRef>
+          </p:style>
+        </p:cxnSp>
+        <p:cxnSp>
+          <p:nvCxnSpPr>
+            <p:cNvPr id="22" name="Connecteur droit 21">
+              <a:extLst>
+                <a:ext uri="{FF2B5EF4-FFF2-40B4-BE49-F238E27FC236}">
+                  <a16:creationId xmlns:a16="http://schemas.microsoft.com/office/drawing/2014/main" id="{847CBA0D-DEC7-5E51-6F43-A32C3538068B}"/>
+                </a:ext>
+              </a:extLst>
+            </p:cNvPr>
+            <p:cNvCxnSpPr>
+              <a:cxnSpLocks/>
+              <a:endCxn id="18" idx="0"/>
+            </p:cNvCxnSpPr>
+            <p:nvPr/>
+          </p:nvCxnSpPr>
+          <p:spPr>
+            <a:xfrm flipV="1">
+              <a:off x="5852160" y="696327"/>
+              <a:ext cx="0" cy="2545079"/>
+            </a:xfrm>
+            <a:prstGeom prst="line">
+              <a:avLst/>
+            </a:prstGeom>
+            <a:ln w="57150">
+              <a:solidFill>
+                <a:schemeClr val="tx1">
+                  <a:lumMod val="85000"/>
+                  <a:lumOff val="15000"/>
+                </a:schemeClr>
+              </a:solidFill>
+            </a:ln>
+          </p:spPr>
+          <p:style>
+            <a:lnRef idx="1">
+              <a:schemeClr val="accent1"/>
+            </a:lnRef>
+            <a:fillRef idx="0">
+              <a:schemeClr val="accent1"/>
+            </a:fillRef>
+            <a:effectRef idx="0">
+              <a:schemeClr val="accent1"/>
+            </a:effectRef>
+            <a:fontRef idx="minor">
+              <a:schemeClr val="tx1"/>
+            </a:fontRef>
+          </p:style>
+        </p:cxnSp>
+        <p:cxnSp>
+          <p:nvCxnSpPr>
+            <p:cNvPr id="27" name="Connecteur droit 26">
+              <a:extLst>
+                <a:ext uri="{FF2B5EF4-FFF2-40B4-BE49-F238E27FC236}">
+                  <a16:creationId xmlns:a16="http://schemas.microsoft.com/office/drawing/2014/main" id="{2B4F90E2-B34E-A27B-516A-84F22872968C}"/>
+                </a:ext>
+              </a:extLst>
+            </p:cNvPr>
+            <p:cNvCxnSpPr>
+              <a:cxnSpLocks/>
+              <a:stCxn id="18" idx="5"/>
+              <a:endCxn id="18" idx="1"/>
+            </p:cNvCxnSpPr>
+            <p:nvPr/>
+          </p:nvCxnSpPr>
+          <p:spPr>
+            <a:xfrm flipH="1" flipV="1">
+              <a:off x="4952338" y="1069045"/>
+              <a:ext cx="1799644" cy="1799644"/>
+            </a:xfrm>
+            <a:prstGeom prst="line">
+              <a:avLst/>
+            </a:prstGeom>
+            <a:ln w="57150">
+              <a:solidFill>
+                <a:schemeClr val="tx1">
+                  <a:lumMod val="85000"/>
+                  <a:lumOff val="15000"/>
+                </a:schemeClr>
+              </a:solidFill>
+            </a:ln>
+          </p:spPr>
+          <p:style>
+            <a:lnRef idx="1">
+              <a:schemeClr val="accent1"/>
+            </a:lnRef>
+            <a:fillRef idx="0">
+              <a:schemeClr val="accent1"/>
+            </a:fillRef>
+            <a:effectRef idx="0">
+              <a:schemeClr val="accent1"/>
+            </a:effectRef>
+            <a:fontRef idx="minor">
+              <a:schemeClr val="tx1"/>
+            </a:fontRef>
+          </p:style>
+        </p:cxnSp>
+        <p:cxnSp>
+          <p:nvCxnSpPr>
+            <p:cNvPr id="30" name="Connecteur droit 29">
+              <a:extLst>
+                <a:ext uri="{FF2B5EF4-FFF2-40B4-BE49-F238E27FC236}">
+                  <a16:creationId xmlns:a16="http://schemas.microsoft.com/office/drawing/2014/main" id="{D9CA6F16-A2F2-3A8B-A0BA-E78FF138BA40}"/>
+                </a:ext>
+              </a:extLst>
+            </p:cNvPr>
+            <p:cNvCxnSpPr>
+              <a:cxnSpLocks/>
+              <a:stCxn id="18" idx="6"/>
+              <a:endCxn id="18" idx="2"/>
+            </p:cNvCxnSpPr>
+            <p:nvPr/>
+          </p:nvCxnSpPr>
+          <p:spPr>
+            <a:xfrm flipH="1">
+              <a:off x="4579620" y="1968867"/>
+              <a:ext cx="2545080" cy="0"/>
+            </a:xfrm>
+            <a:prstGeom prst="line">
+              <a:avLst/>
+            </a:prstGeom>
+            <a:ln w="57150">
+              <a:solidFill>
+                <a:schemeClr val="tx1">
+                  <a:lumMod val="85000"/>
+                  <a:lumOff val="15000"/>
+                </a:schemeClr>
+              </a:solidFill>
+            </a:ln>
+          </p:spPr>
+          <p:style>
+            <a:lnRef idx="1">
+              <a:schemeClr val="accent1"/>
+            </a:lnRef>
+            <a:fillRef idx="0">
+              <a:schemeClr val="accent1"/>
+            </a:fillRef>
+            <a:effectRef idx="0">
+              <a:schemeClr val="accent1"/>
+            </a:effectRef>
+            <a:fontRef idx="minor">
+              <a:schemeClr val="tx1"/>
+            </a:fontRef>
+          </p:style>
+        </p:cxnSp>
+        <p:cxnSp>
+          <p:nvCxnSpPr>
+            <p:cNvPr id="33" name="Connecteur droit 32">
+              <a:extLst>
+                <a:ext uri="{FF2B5EF4-FFF2-40B4-BE49-F238E27FC236}">
+                  <a16:creationId xmlns:a16="http://schemas.microsoft.com/office/drawing/2014/main" id="{2DF7C066-12CF-1DE5-B8CD-1C49B8A63945}"/>
+                </a:ext>
+              </a:extLst>
+            </p:cNvPr>
+            <p:cNvCxnSpPr>
+              <a:cxnSpLocks/>
+              <a:stCxn id="18" idx="7"/>
+              <a:endCxn id="18" idx="3"/>
+            </p:cNvCxnSpPr>
+            <p:nvPr/>
+          </p:nvCxnSpPr>
+          <p:spPr>
+            <a:xfrm flipH="1">
+              <a:off x="4952338" y="1069045"/>
+              <a:ext cx="1799644" cy="1799644"/>
+            </a:xfrm>
+            <a:prstGeom prst="line">
+              <a:avLst/>
+            </a:prstGeom>
+            <a:ln w="57150">
+              <a:solidFill>
+                <a:schemeClr val="tx1">
+                  <a:lumMod val="85000"/>
+                  <a:lumOff val="15000"/>
+                </a:schemeClr>
+              </a:solidFill>
+            </a:ln>
+          </p:spPr>
+          <p:style>
+            <a:lnRef idx="1">
+              <a:schemeClr val="accent1"/>
+            </a:lnRef>
+            <a:fillRef idx="0">
+              <a:schemeClr val="accent1"/>
+            </a:fillRef>
+            <a:effectRef idx="0">
+              <a:schemeClr val="accent1"/>
+            </a:effectRef>
+            <a:fontRef idx="minor">
+              <a:schemeClr val="tx1"/>
+            </a:fontRef>
+          </p:style>
+        </p:cxnSp>
+        <p:cxnSp>
+          <p:nvCxnSpPr>
+            <p:cNvPr id="36" name="Connecteur droit 35">
+              <a:extLst>
+                <a:ext uri="{FF2B5EF4-FFF2-40B4-BE49-F238E27FC236}">
+                  <a16:creationId xmlns:a16="http://schemas.microsoft.com/office/drawing/2014/main" id="{0C593E14-B226-C800-9664-ECC65B685F1A}"/>
+                </a:ext>
+              </a:extLst>
+            </p:cNvPr>
+            <p:cNvCxnSpPr>
+              <a:cxnSpLocks/>
+            </p:cNvCxnSpPr>
+            <p:nvPr/>
+          </p:nvCxnSpPr>
+          <p:spPr>
+            <a:xfrm rot="900000" flipV="1">
+              <a:off x="5852160" y="696215"/>
+              <a:ext cx="0" cy="2545079"/>
+            </a:xfrm>
+            <a:prstGeom prst="line">
+              <a:avLst/>
+            </a:prstGeom>
+            <a:ln w="57150">
+              <a:solidFill>
+                <a:schemeClr val="tx1">
+                  <a:lumMod val="85000"/>
+                  <a:lumOff val="15000"/>
+                </a:schemeClr>
+              </a:solidFill>
+            </a:ln>
+          </p:spPr>
+          <p:style>
+            <a:lnRef idx="1">
+              <a:schemeClr val="accent1"/>
+            </a:lnRef>
+            <a:fillRef idx="0">
+              <a:schemeClr val="accent1"/>
+            </a:fillRef>
+            <a:effectRef idx="0">
+              <a:schemeClr val="accent1"/>
+            </a:effectRef>
+            <a:fontRef idx="minor">
+              <a:schemeClr val="tx1"/>
+            </a:fontRef>
+          </p:style>
+        </p:cxnSp>
+        <p:cxnSp>
+          <p:nvCxnSpPr>
+            <p:cNvPr id="37" name="Connecteur droit 36">
+              <a:extLst>
+                <a:ext uri="{FF2B5EF4-FFF2-40B4-BE49-F238E27FC236}">
+                  <a16:creationId xmlns:a16="http://schemas.microsoft.com/office/drawing/2014/main" id="{2F0E824B-61F7-18E1-5C6B-BDE379DB2ACF}"/>
+                </a:ext>
+              </a:extLst>
+            </p:cNvPr>
+            <p:cNvCxnSpPr>
+              <a:cxnSpLocks/>
+            </p:cNvCxnSpPr>
+            <p:nvPr/>
+          </p:nvCxnSpPr>
+          <p:spPr>
+            <a:xfrm rot="900000" flipH="1" flipV="1">
+              <a:off x="4952338" y="1068933"/>
+              <a:ext cx="1799644" cy="1799644"/>
+            </a:xfrm>
+            <a:prstGeom prst="line">
+              <a:avLst/>
+            </a:prstGeom>
+            <a:ln w="57150">
+              <a:solidFill>
+                <a:schemeClr val="tx1">
+                  <a:lumMod val="85000"/>
+                  <a:lumOff val="15000"/>
+                </a:schemeClr>
+              </a:solidFill>
+            </a:ln>
+          </p:spPr>
+          <p:style>
+            <a:lnRef idx="1">
+              <a:schemeClr val="accent1"/>
+            </a:lnRef>
+            <a:fillRef idx="0">
+              <a:schemeClr val="accent1"/>
+            </a:fillRef>
+            <a:effectRef idx="0">
+              <a:schemeClr val="accent1"/>
+            </a:effectRef>
+            <a:fontRef idx="minor">
+              <a:schemeClr val="tx1"/>
+            </a:fontRef>
+          </p:style>
+        </p:cxnSp>
+        <p:cxnSp>
+          <p:nvCxnSpPr>
+            <p:cNvPr id="38" name="Connecteur droit 37">
+              <a:extLst>
+                <a:ext uri="{FF2B5EF4-FFF2-40B4-BE49-F238E27FC236}">
+                  <a16:creationId xmlns:a16="http://schemas.microsoft.com/office/drawing/2014/main" id="{1E7FD6E1-22CF-2E50-B765-28798A7E07DD}"/>
+                </a:ext>
+              </a:extLst>
+            </p:cNvPr>
+            <p:cNvCxnSpPr>
+              <a:cxnSpLocks/>
+            </p:cNvCxnSpPr>
+            <p:nvPr/>
+          </p:nvCxnSpPr>
+          <p:spPr>
+            <a:xfrm rot="900000" flipH="1">
+              <a:off x="4579620" y="1968755"/>
+              <a:ext cx="2545080" cy="0"/>
+            </a:xfrm>
+            <a:prstGeom prst="line">
+              <a:avLst/>
+            </a:prstGeom>
+            <a:ln w="57150">
+              <a:solidFill>
+                <a:schemeClr val="tx1">
+                  <a:lumMod val="85000"/>
+                  <a:lumOff val="15000"/>
+                </a:schemeClr>
+              </a:solidFill>
+            </a:ln>
+          </p:spPr>
+          <p:style>
+            <a:lnRef idx="1">
+              <a:schemeClr val="accent1"/>
+            </a:lnRef>
+            <a:fillRef idx="0">
+              <a:schemeClr val="accent1"/>
+            </a:fillRef>
+            <a:effectRef idx="0">
+              <a:schemeClr val="accent1"/>
+            </a:effectRef>
+            <a:fontRef idx="minor">
+              <a:schemeClr val="tx1"/>
+            </a:fontRef>
+          </p:style>
+        </p:cxnSp>
+        <p:cxnSp>
+          <p:nvCxnSpPr>
+            <p:cNvPr id="39" name="Connecteur droit 38">
+              <a:extLst>
+                <a:ext uri="{FF2B5EF4-FFF2-40B4-BE49-F238E27FC236}">
+                  <a16:creationId xmlns:a16="http://schemas.microsoft.com/office/drawing/2014/main" id="{136BE5A5-22FF-03E1-972B-FC5D14FB68F4}"/>
+                </a:ext>
+              </a:extLst>
+            </p:cNvPr>
+            <p:cNvCxnSpPr>
+              <a:cxnSpLocks/>
+            </p:cNvCxnSpPr>
+            <p:nvPr/>
+          </p:nvCxnSpPr>
+          <p:spPr>
+            <a:xfrm rot="900000" flipH="1">
+              <a:off x="4952338" y="1068933"/>
+              <a:ext cx="1799644" cy="1799644"/>
+            </a:xfrm>
+            <a:prstGeom prst="line">
+              <a:avLst/>
+            </a:prstGeom>
+            <a:ln w="57150">
+              <a:solidFill>
+                <a:schemeClr val="tx1">
+                  <a:lumMod val="85000"/>
+                  <a:lumOff val="15000"/>
+                </a:schemeClr>
+              </a:solidFill>
+            </a:ln>
+          </p:spPr>
+          <p:style>
+            <a:lnRef idx="1">
+              <a:schemeClr val="accent1"/>
+            </a:lnRef>
+            <a:fillRef idx="0">
+              <a:schemeClr val="accent1"/>
+            </a:fillRef>
+            <a:effectRef idx="0">
+              <a:schemeClr val="accent1"/>
+            </a:effectRef>
+            <a:fontRef idx="minor">
+              <a:schemeClr val="tx1"/>
+            </a:fontRef>
+          </p:style>
+        </p:cxnSp>
+        <p:cxnSp>
+          <p:nvCxnSpPr>
+            <p:cNvPr id="40" name="Connecteur droit 39">
+              <a:extLst>
+                <a:ext uri="{FF2B5EF4-FFF2-40B4-BE49-F238E27FC236}">
+                  <a16:creationId xmlns:a16="http://schemas.microsoft.com/office/drawing/2014/main" id="{89AE2E14-F656-7A63-FBC6-B90728EB99BA}"/>
+                </a:ext>
+              </a:extLst>
+            </p:cNvPr>
+            <p:cNvCxnSpPr>
+              <a:cxnSpLocks/>
+            </p:cNvCxnSpPr>
+            <p:nvPr/>
+          </p:nvCxnSpPr>
+          <p:spPr>
+            <a:xfrm rot="1800000" flipV="1">
+              <a:off x="5852162" y="696216"/>
+              <a:ext cx="0" cy="2545079"/>
+            </a:xfrm>
+            <a:prstGeom prst="line">
+              <a:avLst/>
+            </a:prstGeom>
+            <a:ln w="57150">
+              <a:solidFill>
+                <a:schemeClr val="tx1">
+                  <a:lumMod val="85000"/>
+                  <a:lumOff val="15000"/>
+                </a:schemeClr>
+              </a:solidFill>
+            </a:ln>
+          </p:spPr>
+          <p:style>
+            <a:lnRef idx="1">
+              <a:schemeClr val="accent1"/>
+            </a:lnRef>
+            <a:fillRef idx="0">
+              <a:schemeClr val="accent1"/>
+            </a:fillRef>
+            <a:effectRef idx="0">
+              <a:schemeClr val="accent1"/>
+            </a:effectRef>
+            <a:fontRef idx="minor">
+              <a:schemeClr val="tx1"/>
+            </a:fontRef>
+          </p:style>
+        </p:cxnSp>
+        <p:cxnSp>
+          <p:nvCxnSpPr>
+            <p:cNvPr id="41" name="Connecteur droit 40">
+              <a:extLst>
+                <a:ext uri="{FF2B5EF4-FFF2-40B4-BE49-F238E27FC236}">
+                  <a16:creationId xmlns:a16="http://schemas.microsoft.com/office/drawing/2014/main" id="{0ECF9B88-88B2-F6A1-562A-BD939C49C687}"/>
+                </a:ext>
+              </a:extLst>
+            </p:cNvPr>
+            <p:cNvCxnSpPr>
+              <a:cxnSpLocks/>
+            </p:cNvCxnSpPr>
+            <p:nvPr/>
+          </p:nvCxnSpPr>
+          <p:spPr>
+            <a:xfrm rot="1800000" flipH="1" flipV="1">
+              <a:off x="4952340" y="1068934"/>
+              <a:ext cx="1799644" cy="1799644"/>
+            </a:xfrm>
+            <a:prstGeom prst="line">
+              <a:avLst/>
+            </a:prstGeom>
+            <a:ln w="57150">
+              <a:solidFill>
+                <a:schemeClr val="tx1">
+                  <a:lumMod val="85000"/>
+                  <a:lumOff val="15000"/>
+                </a:schemeClr>
+              </a:solidFill>
+            </a:ln>
+          </p:spPr>
+          <p:style>
+            <a:lnRef idx="1">
+              <a:schemeClr val="accent1"/>
+            </a:lnRef>
+            <a:fillRef idx="0">
+              <a:schemeClr val="accent1"/>
+            </a:fillRef>
+            <a:effectRef idx="0">
+              <a:schemeClr val="accent1"/>
+            </a:effectRef>
+            <a:fontRef idx="minor">
+              <a:schemeClr val="tx1"/>
+            </a:fontRef>
+          </p:style>
+        </p:cxnSp>
+        <p:cxnSp>
+          <p:nvCxnSpPr>
+            <p:cNvPr id="42" name="Connecteur droit 41">
+              <a:extLst>
+                <a:ext uri="{FF2B5EF4-FFF2-40B4-BE49-F238E27FC236}">
+                  <a16:creationId xmlns:a16="http://schemas.microsoft.com/office/drawing/2014/main" id="{68ED10A9-89EA-A752-2A5F-8FB7F846F502}"/>
+                </a:ext>
+              </a:extLst>
+            </p:cNvPr>
+            <p:cNvCxnSpPr>
+              <a:cxnSpLocks/>
+            </p:cNvCxnSpPr>
+            <p:nvPr/>
+          </p:nvCxnSpPr>
+          <p:spPr>
+            <a:xfrm rot="1800000" flipH="1">
+              <a:off x="4579622" y="1968756"/>
+              <a:ext cx="2545080" cy="0"/>
+            </a:xfrm>
+            <a:prstGeom prst="line">
+              <a:avLst/>
+            </a:prstGeom>
+            <a:ln w="57150">
+              <a:solidFill>
+                <a:schemeClr val="tx1">
+                  <a:lumMod val="85000"/>
+                  <a:lumOff val="15000"/>
+                </a:schemeClr>
+              </a:solidFill>
+            </a:ln>
+          </p:spPr>
+          <p:style>
+            <a:lnRef idx="1">
+              <a:schemeClr val="accent1"/>
+            </a:lnRef>
+            <a:fillRef idx="0">
+              <a:schemeClr val="accent1"/>
+            </a:fillRef>
+            <a:effectRef idx="0">
+              <a:schemeClr val="accent1"/>
+            </a:effectRef>
+            <a:fontRef idx="minor">
+              <a:schemeClr val="tx1"/>
+            </a:fontRef>
+          </p:style>
+        </p:cxnSp>
+        <p:cxnSp>
+          <p:nvCxnSpPr>
+            <p:cNvPr id="43" name="Connecteur droit 42">
+              <a:extLst>
+                <a:ext uri="{FF2B5EF4-FFF2-40B4-BE49-F238E27FC236}">
+                  <a16:creationId xmlns:a16="http://schemas.microsoft.com/office/drawing/2014/main" id="{EF475C15-39D8-4CE0-F7A8-D3F840B9E118}"/>
+                </a:ext>
+              </a:extLst>
+            </p:cNvPr>
+            <p:cNvCxnSpPr>
+              <a:cxnSpLocks/>
+            </p:cNvCxnSpPr>
+            <p:nvPr/>
+          </p:nvCxnSpPr>
+          <p:spPr>
+            <a:xfrm rot="1800000" flipH="1">
+              <a:off x="4952340" y="1068934"/>
+              <a:ext cx="1799644" cy="1799644"/>
+            </a:xfrm>
+            <a:prstGeom prst="line">
+              <a:avLst/>
+            </a:prstGeom>
+            <a:ln w="57150">
+              <a:solidFill>
+                <a:schemeClr val="tx1">
+                  <a:lumMod val="85000"/>
+                  <a:lumOff val="15000"/>
+                </a:schemeClr>
+              </a:solidFill>
+            </a:ln>
+          </p:spPr>
+          <p:style>
+            <a:lnRef idx="1">
+              <a:schemeClr val="accent1"/>
+            </a:lnRef>
+            <a:fillRef idx="0">
+              <a:schemeClr val="accent1"/>
+            </a:fillRef>
+            <a:effectRef idx="0">
+              <a:schemeClr val="accent1"/>
+            </a:effectRef>
+            <a:fontRef idx="minor">
+              <a:schemeClr val="tx1"/>
+            </a:fontRef>
+          </p:style>
+        </p:cxnSp>
+        <p:sp>
+          <p:nvSpPr>
+            <p:cNvPr id="49" name="Ellipse 48">
+              <a:extLst>
+                <a:ext uri="{FF2B5EF4-FFF2-40B4-BE49-F238E27FC236}">
+                  <a16:creationId xmlns:a16="http://schemas.microsoft.com/office/drawing/2014/main" id="{24B465B2-DAAF-0D10-A937-827ABF7E1AAE}"/>
+                </a:ext>
+              </a:extLst>
+            </p:cNvPr>
+            <p:cNvSpPr/>
+            <p:nvPr/>
+          </p:nvSpPr>
+          <p:spPr>
+            <a:xfrm>
+              <a:off x="4952339" y="1068933"/>
+              <a:ext cx="1822886" cy="1822886"/>
+            </a:xfrm>
+            <a:prstGeom prst="ellipse">
+              <a:avLst/>
+            </a:prstGeom>
+            <a:solidFill>
+              <a:schemeClr val="bg1"/>
+            </a:solidFill>
+            <a:ln w="76200">
+              <a:solidFill>
+                <a:schemeClr val="bg1"/>
+              </a:solidFill>
+            </a:ln>
+          </p:spPr>
+          <p:style>
+            <a:lnRef idx="2">
+              <a:schemeClr val="accent1">
+                <a:shade val="15000"/>
+              </a:schemeClr>
+            </a:lnRef>
+            <a:fillRef idx="1">
+              <a:schemeClr val="accent1"/>
+            </a:fillRef>
+            <a:effectRef idx="0">
+              <a:schemeClr val="accent1"/>
+            </a:effectRef>
+            <a:fontRef idx="minor">
+              <a:schemeClr val="lt1"/>
+            </a:fontRef>
+          </p:style>
+          <p:txBody>
+            <a:bodyPr rtlCol="0" anchor="ctr"/>
+            <a:lstStyle/>
+            <a:p>
+              <a:pPr algn="ctr"/>
+              <a:endParaRPr lang="fr-CA">
+                <a:noFill/>
+              </a:endParaRPr>
+            </a:p>
+          </p:txBody>
+        </p:sp>
+        <p:cxnSp>
+          <p:nvCxnSpPr>
+            <p:cNvPr id="54" name="Connecteur droit 53">
+              <a:extLst>
+                <a:ext uri="{FF2B5EF4-FFF2-40B4-BE49-F238E27FC236}">
+                  <a16:creationId xmlns:a16="http://schemas.microsoft.com/office/drawing/2014/main" id="{361364BC-60C4-7087-2F49-9A947128F9F3}"/>
+                </a:ext>
+              </a:extLst>
+            </p:cNvPr>
+            <p:cNvCxnSpPr>
+              <a:cxnSpLocks/>
+            </p:cNvCxnSpPr>
+            <p:nvPr/>
+          </p:nvCxnSpPr>
+          <p:spPr>
+            <a:xfrm>
+              <a:off x="5846953" y="1179022"/>
+              <a:ext cx="0" cy="788804"/>
+            </a:xfrm>
+            <a:prstGeom prst="line">
+              <a:avLst/>
+            </a:prstGeom>
+            <a:ln w="133350" cap="rnd">
+              <a:solidFill>
+                <a:schemeClr val="tx1">
+                  <a:lumMod val="85000"/>
+                  <a:lumOff val="15000"/>
+                </a:schemeClr>
+              </a:solidFill>
+            </a:ln>
+          </p:spPr>
+          <p:style>
+            <a:lnRef idx="1">
+              <a:schemeClr val="accent1"/>
+            </a:lnRef>
+            <a:fillRef idx="0">
+              <a:schemeClr val="accent1"/>
+            </a:fillRef>
+            <a:effectRef idx="0">
+              <a:schemeClr val="accent1"/>
+            </a:effectRef>
+            <a:fontRef idx="minor">
+              <a:schemeClr val="tx1"/>
+            </a:fontRef>
+          </p:style>
+        </p:cxnSp>
+        <p:cxnSp>
+          <p:nvCxnSpPr>
+            <p:cNvPr id="56" name="Connecteur droit 55">
+              <a:extLst>
+                <a:ext uri="{FF2B5EF4-FFF2-40B4-BE49-F238E27FC236}">
+                  <a16:creationId xmlns:a16="http://schemas.microsoft.com/office/drawing/2014/main" id="{AE6378D5-6799-137E-38A0-93E8FC6FE90C}"/>
+                </a:ext>
+              </a:extLst>
+            </p:cNvPr>
+            <p:cNvCxnSpPr>
+              <a:cxnSpLocks/>
+            </p:cNvCxnSpPr>
+            <p:nvPr/>
+          </p:nvCxnSpPr>
+          <p:spPr>
+            <a:xfrm>
+              <a:off x="5846953" y="450850"/>
+              <a:ext cx="0" cy="245477"/>
+            </a:xfrm>
+            <a:prstGeom prst="line">
+              <a:avLst/>
+            </a:prstGeom>
+            <a:ln w="228600">
+              <a:solidFill>
+                <a:schemeClr val="tx1">
+                  <a:lumMod val="85000"/>
+                  <a:lumOff val="15000"/>
+                </a:schemeClr>
+              </a:solidFill>
+            </a:ln>
+          </p:spPr>
+          <p:style>
+            <a:lnRef idx="1">
+              <a:schemeClr val="accent1"/>
+            </a:lnRef>
+            <a:fillRef idx="0">
+              <a:schemeClr val="accent1"/>
+            </a:fillRef>
+            <a:effectRef idx="0">
+              <a:schemeClr val="accent1"/>
+            </a:effectRef>
+            <a:fontRef idx="minor">
+              <a:schemeClr val="tx1"/>
+            </a:fontRef>
+          </p:style>
+        </p:cxnSp>
+        <p:cxnSp>
+          <p:nvCxnSpPr>
+            <p:cNvPr id="58" name="Connecteur droit 57">
+              <a:extLst>
+                <a:ext uri="{FF2B5EF4-FFF2-40B4-BE49-F238E27FC236}">
+                  <a16:creationId xmlns:a16="http://schemas.microsoft.com/office/drawing/2014/main" id="{5B821ACE-C4D4-424E-6CA9-E52F207A9086}"/>
+                </a:ext>
+              </a:extLst>
+            </p:cNvPr>
+            <p:cNvCxnSpPr>
+              <a:cxnSpLocks/>
+            </p:cNvCxnSpPr>
+            <p:nvPr/>
+          </p:nvCxnSpPr>
+          <p:spPr>
+            <a:xfrm flipH="1">
+              <a:off x="5599393" y="378827"/>
+              <a:ext cx="495120" cy="0"/>
+            </a:xfrm>
+            <a:prstGeom prst="line">
+              <a:avLst/>
+            </a:prstGeom>
+            <a:ln w="187325">
+              <a:solidFill>
+                <a:schemeClr val="tx1">
+                  <a:lumMod val="85000"/>
+                  <a:lumOff val="15000"/>
+                </a:schemeClr>
+              </a:solidFill>
+            </a:ln>
+          </p:spPr>
+          <p:style>
+            <a:lnRef idx="1">
+              <a:schemeClr val="accent1"/>
+            </a:lnRef>
+            <a:fillRef idx="0">
+              <a:schemeClr val="accent1"/>
+            </a:fillRef>
+            <a:effectRef idx="0">
+              <a:schemeClr val="accent1"/>
+            </a:effectRef>
+            <a:fontRef idx="minor">
+              <a:schemeClr val="tx1"/>
+            </a:fontRef>
+          </p:style>
+        </p:cxnSp>
+        <p:cxnSp>
+          <p:nvCxnSpPr>
+            <p:cNvPr id="67" name="Connecteur droit 66">
+              <a:extLst>
+                <a:ext uri="{FF2B5EF4-FFF2-40B4-BE49-F238E27FC236}">
+                  <a16:creationId xmlns:a16="http://schemas.microsoft.com/office/drawing/2014/main" id="{826C4F1C-4407-B7ED-5515-B4FC14EEE210}"/>
+                </a:ext>
+              </a:extLst>
+            </p:cNvPr>
+            <p:cNvCxnSpPr>
+              <a:cxnSpLocks/>
+            </p:cNvCxnSpPr>
+            <p:nvPr/>
+          </p:nvCxnSpPr>
+          <p:spPr>
+            <a:xfrm rot="2400000" flipH="1">
+              <a:off x="6623883" y="904309"/>
+              <a:ext cx="351610" cy="0"/>
+            </a:xfrm>
+            <a:prstGeom prst="line">
+              <a:avLst/>
+            </a:prstGeom>
+            <a:ln w="228600">
+              <a:solidFill>
+                <a:schemeClr val="tx1">
+                  <a:lumMod val="85000"/>
+                  <a:lumOff val="15000"/>
+                </a:schemeClr>
+              </a:solidFill>
+            </a:ln>
+          </p:spPr>
+          <p:style>
+            <a:lnRef idx="1">
+              <a:schemeClr val="accent1"/>
+            </a:lnRef>
+            <a:fillRef idx="0">
+              <a:schemeClr val="accent1"/>
+            </a:fillRef>
+            <a:effectRef idx="0">
+              <a:schemeClr val="accent1"/>
+            </a:effectRef>
+            <a:fontRef idx="minor">
+              <a:schemeClr val="tx1"/>
+            </a:fontRef>
+          </p:style>
+        </p:cxnSp>
+        <p:cxnSp>
+          <p:nvCxnSpPr>
+            <p:cNvPr id="68" name="Connecteur droit 67">
+              <a:extLst>
+                <a:ext uri="{FF2B5EF4-FFF2-40B4-BE49-F238E27FC236}">
+                  <a16:creationId xmlns:a16="http://schemas.microsoft.com/office/drawing/2014/main" id="{392139B8-5989-4721-117E-7DB6180E36FB}"/>
+                </a:ext>
+              </a:extLst>
+            </p:cNvPr>
+            <p:cNvCxnSpPr>
+              <a:cxnSpLocks/>
+            </p:cNvCxnSpPr>
+            <p:nvPr/>
+          </p:nvCxnSpPr>
+          <p:spPr>
+            <a:xfrm rot="-2400000" flipH="1">
+              <a:off x="4778284" y="852427"/>
+              <a:ext cx="351610" cy="0"/>
+            </a:xfrm>
+            <a:prstGeom prst="line">
+              <a:avLst/>
+            </a:prstGeom>
+            <a:ln w="228600">
+              <a:solidFill>
+                <a:schemeClr val="tx1">
+                  <a:lumMod val="85000"/>
+                  <a:lumOff val="15000"/>
+                </a:schemeClr>
+              </a:solidFill>
+            </a:ln>
+          </p:spPr>
+          <p:style>
+            <a:lnRef idx="1">
+              <a:schemeClr val="accent1"/>
+            </a:lnRef>
+            <a:fillRef idx="0">
+              <a:schemeClr val="accent1"/>
+            </a:fillRef>
+            <a:effectRef idx="0">
+              <a:schemeClr val="accent1"/>
+            </a:effectRef>
+            <a:fontRef idx="minor">
+              <a:schemeClr val="tx1"/>
+            </a:fontRef>
+          </p:style>
+        </p:cxnSp>
+        <p:cxnSp>
+          <p:nvCxnSpPr>
+            <p:cNvPr id="69" name="Connecteur droit 68">
+              <a:extLst>
+                <a:ext uri="{FF2B5EF4-FFF2-40B4-BE49-F238E27FC236}">
+                  <a16:creationId xmlns:a16="http://schemas.microsoft.com/office/drawing/2014/main" id="{C3CB3D6C-0F8E-A030-AD50-A2FB612D0F03}"/>
+                </a:ext>
+              </a:extLst>
+            </p:cNvPr>
+            <p:cNvCxnSpPr>
+              <a:cxnSpLocks/>
+            </p:cNvCxnSpPr>
+            <p:nvPr/>
+          </p:nvCxnSpPr>
+          <p:spPr>
+            <a:xfrm flipH="1">
+              <a:off x="5846953" y="1598059"/>
+              <a:ext cx="632380" cy="365488"/>
+            </a:xfrm>
+            <a:prstGeom prst="line">
+              <a:avLst/>
+            </a:prstGeom>
+            <a:ln w="133350" cap="rnd">
+              <a:solidFill>
+                <a:schemeClr val="tx1">
+                  <a:lumMod val="85000"/>
+                  <a:lumOff val="15000"/>
+                </a:schemeClr>
+              </a:solidFill>
+            </a:ln>
+          </p:spPr>
+          <p:style>
+            <a:lnRef idx="1">
+              <a:schemeClr val="accent1"/>
+            </a:lnRef>
+            <a:fillRef idx="0">
+              <a:schemeClr val="accent1"/>
+            </a:fillRef>
+            <a:effectRef idx="0">
+              <a:schemeClr val="accent1"/>
+            </a:effectRef>
+            <a:fontRef idx="minor">
+              <a:schemeClr val="tx1"/>
+            </a:fontRef>
+          </p:style>
+        </p:cxnSp>
+        <p:sp>
+          <p:nvSpPr>
+            <p:cNvPr id="50" name="Ellipse 49">
+              <a:extLst>
+                <a:ext uri="{FF2B5EF4-FFF2-40B4-BE49-F238E27FC236}">
+                  <a16:creationId xmlns:a16="http://schemas.microsoft.com/office/drawing/2014/main" id="{7864D0D5-28D8-B180-69BD-E2A451153C43}"/>
+                </a:ext>
+              </a:extLst>
+            </p:cNvPr>
+            <p:cNvSpPr/>
+            <p:nvPr/>
+          </p:nvSpPr>
+          <p:spPr>
+            <a:xfrm>
+              <a:off x="5715618" y="1836071"/>
+              <a:ext cx="262670" cy="262670"/>
+            </a:xfrm>
+            <a:prstGeom prst="ellipse">
+              <a:avLst/>
+            </a:prstGeom>
+            <a:solidFill>
+              <a:schemeClr val="bg1"/>
+            </a:solidFill>
+            <a:ln w="76200">
+              <a:solidFill>
+                <a:schemeClr val="tx1">
+                  <a:lumMod val="85000"/>
+                  <a:lumOff val="15000"/>
+                </a:schemeClr>
+              </a:solidFill>
+            </a:ln>
+          </p:spPr>
+          <p:style>
+            <a:lnRef idx="2">
+              <a:schemeClr val="accent1">
+                <a:shade val="15000"/>
+              </a:schemeClr>
+            </a:lnRef>
+            <a:fillRef idx="1">
+              <a:schemeClr val="accent1"/>
+            </a:fillRef>
+            <a:effectRef idx="0">
+              <a:schemeClr val="accent1"/>
+            </a:effectRef>
+            <a:fontRef idx="minor">
+              <a:schemeClr val="lt1"/>
+            </a:fontRef>
+          </p:style>
+          <p:txBody>
+            <a:bodyPr rtlCol="0" anchor="ctr"/>
+            <a:lstStyle/>
+            <a:p>
+              <a:pPr algn="ctr"/>
+              <a:endParaRPr lang="fr-CA"/>
+            </a:p>
+          </p:txBody>
+        </p:sp>
+      </p:grpSp>
+      <p:grpSp>
+        <p:nvGrpSpPr>
+          <p:cNvPr id="160" name="Groupe 159">
+            <a:extLst>
+              <a:ext uri="{FF2B5EF4-FFF2-40B4-BE49-F238E27FC236}">
+                <a16:creationId xmlns:a16="http://schemas.microsoft.com/office/drawing/2014/main" id="{BCBA2907-EACF-71D5-8778-4D19F605346C}"/>
+              </a:ext>
+            </a:extLst>
+          </p:cNvPr>
+          <p:cNvGrpSpPr/>
+          <p:nvPr/>
+        </p:nvGrpSpPr>
+        <p:grpSpPr>
+          <a:xfrm>
+            <a:off x="8696100" y="-175400"/>
+            <a:ext cx="3159354" cy="4894095"/>
+            <a:chOff x="5986431" y="1491165"/>
+            <a:chExt cx="3159354" cy="4894095"/>
+          </a:xfrm>
+        </p:grpSpPr>
+        <p:grpSp>
+          <p:nvGrpSpPr>
+            <p:cNvPr id="156" name="Groupe 155">
+              <a:extLst>
+                <a:ext uri="{FF2B5EF4-FFF2-40B4-BE49-F238E27FC236}">
+                  <a16:creationId xmlns:a16="http://schemas.microsoft.com/office/drawing/2014/main" id="{10BE723F-34CB-B884-225C-52DC798968DD}"/>
+                </a:ext>
+              </a:extLst>
+            </p:cNvPr>
+            <p:cNvGrpSpPr/>
+            <p:nvPr/>
+          </p:nvGrpSpPr>
+          <p:grpSpPr>
+            <a:xfrm>
+              <a:off x="5986431" y="1491165"/>
+              <a:ext cx="3159354" cy="4894095"/>
+              <a:chOff x="6523106" y="1765931"/>
+              <a:chExt cx="2810878" cy="4354277"/>
+            </a:xfrm>
+          </p:grpSpPr>
+          <p:sp>
+            <p:nvSpPr>
+              <p:cNvPr id="152" name="Arc 151">
+                <a:extLst>
+                  <a:ext uri="{FF2B5EF4-FFF2-40B4-BE49-F238E27FC236}">
+                    <a16:creationId xmlns:a16="http://schemas.microsoft.com/office/drawing/2014/main" id="{A2072CB2-6AA1-FF48-AB4F-DABC8ACC600F}"/>
+                  </a:ext>
+                </a:extLst>
+              </p:cNvPr>
+              <p:cNvSpPr/>
+              <p:nvPr/>
+            </p:nvSpPr>
+            <p:spPr>
+              <a:xfrm>
+                <a:off x="6523106" y="1765931"/>
+                <a:ext cx="2804012" cy="2804012"/>
+              </a:xfrm>
+              <a:prstGeom prst="arc">
+                <a:avLst>
+                  <a:gd name="adj1" fmla="val 2035339"/>
+                  <a:gd name="adj2" fmla="val 8755019"/>
+                </a:avLst>
+              </a:prstGeom>
+              <a:ln w="120650" cap="rnd">
+                <a:solidFill>
+                  <a:schemeClr val="tx1">
+                    <a:lumMod val="85000"/>
+                    <a:lumOff val="15000"/>
+                  </a:schemeClr>
+                </a:solidFill>
+                <a:miter lim="800000"/>
+              </a:ln>
+            </p:spPr>
+            <p:style>
+              <a:lnRef idx="1">
+                <a:schemeClr val="accent1"/>
+              </a:lnRef>
+              <a:fillRef idx="0">
+                <a:schemeClr val="accent1"/>
+              </a:fillRef>
+              <a:effectRef idx="0">
+                <a:schemeClr val="accent1"/>
+              </a:effectRef>
+              <a:fontRef idx="minor">
+                <a:schemeClr val="tx1"/>
+              </a:fontRef>
+            </p:style>
+            <p:txBody>
+              <a:bodyPr rtlCol="0" anchor="ctr"/>
+              <a:lstStyle/>
+              <a:p>
+                <a:pPr algn="ctr"/>
+                <a:endParaRPr lang="fr-CA"/>
+              </a:p>
+            </p:txBody>
+          </p:sp>
+          <p:sp>
+            <p:nvSpPr>
+              <p:cNvPr id="153" name="Arc 152">
+                <a:extLst>
+                  <a:ext uri="{FF2B5EF4-FFF2-40B4-BE49-F238E27FC236}">
+                    <a16:creationId xmlns:a16="http://schemas.microsoft.com/office/drawing/2014/main" id="{40A0BF04-EB0A-57FA-B54E-BB6F5E34FF76}"/>
+                  </a:ext>
+                </a:extLst>
+              </p:cNvPr>
+              <p:cNvSpPr/>
+              <p:nvPr/>
+            </p:nvSpPr>
+            <p:spPr>
+              <a:xfrm rot="10800000">
+                <a:off x="6529972" y="3316196"/>
+                <a:ext cx="2804012" cy="2804012"/>
+              </a:xfrm>
+              <a:prstGeom prst="arc">
+                <a:avLst>
+                  <a:gd name="adj1" fmla="val 2026710"/>
+                  <a:gd name="adj2" fmla="val 8748065"/>
+                </a:avLst>
+              </a:prstGeom>
+              <a:ln w="120650" cap="rnd">
+                <a:solidFill>
+                  <a:schemeClr val="tx1">
+                    <a:lumMod val="85000"/>
+                    <a:lumOff val="15000"/>
+                  </a:schemeClr>
+                </a:solidFill>
+                <a:miter lim="800000"/>
+              </a:ln>
+            </p:spPr>
+            <p:style>
+              <a:lnRef idx="1">
+                <a:schemeClr val="accent1"/>
+              </a:lnRef>
+              <a:fillRef idx="0">
+                <a:schemeClr val="accent1"/>
+              </a:fillRef>
+              <a:effectRef idx="0">
+                <a:schemeClr val="accent1"/>
+              </a:effectRef>
+              <a:fontRef idx="minor">
+                <a:schemeClr val="tx1"/>
+              </a:fontRef>
+            </p:style>
+            <p:txBody>
+              <a:bodyPr rtlCol="0" anchor="ctr"/>
+              <a:lstStyle/>
+              <a:p>
+                <a:pPr algn="ctr"/>
+                <a:endParaRPr lang="fr-CA"/>
+              </a:p>
+            </p:txBody>
+          </p:sp>
+        </p:grpSp>
+        <p:grpSp>
+          <p:nvGrpSpPr>
+            <p:cNvPr id="159" name="Groupe 158">
+              <a:extLst>
+                <a:ext uri="{FF2B5EF4-FFF2-40B4-BE49-F238E27FC236}">
+                  <a16:creationId xmlns:a16="http://schemas.microsoft.com/office/drawing/2014/main" id="{0C0E2A0D-CF1B-C706-53CA-E051C04B2E5B}"/>
+                </a:ext>
+              </a:extLst>
+            </p:cNvPr>
+            <p:cNvGrpSpPr/>
+            <p:nvPr/>
+          </p:nvGrpSpPr>
+          <p:grpSpPr>
+            <a:xfrm>
+              <a:off x="6942221" y="3315838"/>
+              <a:ext cx="1247775" cy="1247775"/>
+              <a:chOff x="6942221" y="3315838"/>
+              <a:chExt cx="1247775" cy="1247775"/>
+            </a:xfrm>
+          </p:grpSpPr>
+          <p:sp>
+            <p:nvSpPr>
+              <p:cNvPr id="157" name="Ellipse 156">
+                <a:extLst>
+                  <a:ext uri="{FF2B5EF4-FFF2-40B4-BE49-F238E27FC236}">
+                    <a16:creationId xmlns:a16="http://schemas.microsoft.com/office/drawing/2014/main" id="{AD6158BE-13A8-CDB8-60F5-600B5D253159}"/>
+                  </a:ext>
+                </a:extLst>
+              </p:cNvPr>
+              <p:cNvSpPr/>
+              <p:nvPr/>
+            </p:nvSpPr>
+            <p:spPr>
+              <a:xfrm>
+                <a:off x="6942221" y="3315838"/>
+                <a:ext cx="1247775" cy="1247775"/>
+              </a:xfrm>
+              <a:prstGeom prst="ellipse">
+                <a:avLst/>
+              </a:prstGeom>
+              <a:solidFill>
+                <a:srgbClr val="8FAADC"/>
+              </a:solidFill>
+              <a:ln w="114300">
+                <a:solidFill>
+                  <a:schemeClr val="tx1">
+                    <a:lumMod val="85000"/>
+                    <a:lumOff val="15000"/>
+                  </a:schemeClr>
+                </a:solidFill>
+              </a:ln>
+            </p:spPr>
+            <p:style>
+              <a:lnRef idx="2">
+                <a:schemeClr val="accent1">
+                  <a:shade val="15000"/>
+                </a:schemeClr>
+              </a:lnRef>
+              <a:fillRef idx="1">
+                <a:schemeClr val="accent1"/>
+              </a:fillRef>
+              <a:effectRef idx="0">
+                <a:schemeClr val="accent1"/>
+              </a:effectRef>
+              <a:fontRef idx="minor">
+                <a:schemeClr val="lt1"/>
+              </a:fontRef>
+            </p:style>
+            <p:txBody>
+              <a:bodyPr rtlCol="0" anchor="ctr"/>
+              <a:lstStyle/>
+              <a:p>
+                <a:pPr algn="ctr"/>
+                <a:endParaRPr lang="fr-CA"/>
+              </a:p>
+            </p:txBody>
+          </p:sp>
+          <p:sp>
+            <p:nvSpPr>
+              <p:cNvPr id="158" name="Ellipse 157">
+                <a:extLst>
+                  <a:ext uri="{FF2B5EF4-FFF2-40B4-BE49-F238E27FC236}">
+                    <a16:creationId xmlns:a16="http://schemas.microsoft.com/office/drawing/2014/main" id="{AE42FECB-6739-6BC6-96DC-C62F36BEC133}"/>
+                  </a:ext>
+                </a:extLst>
+              </p:cNvPr>
+              <p:cNvSpPr/>
+              <p:nvPr/>
+            </p:nvSpPr>
+            <p:spPr>
+              <a:xfrm>
+                <a:off x="7343697" y="3725029"/>
+                <a:ext cx="429392" cy="429392"/>
+              </a:xfrm>
+              <a:prstGeom prst="ellipse">
+                <a:avLst/>
+              </a:prstGeom>
+              <a:solidFill>
+                <a:schemeClr val="tx1">
+                  <a:lumMod val="85000"/>
+                  <a:lumOff val="15000"/>
+                </a:schemeClr>
+              </a:solidFill>
+              <a:ln w="114300">
+                <a:solidFill>
+                  <a:schemeClr val="tx1">
+                    <a:lumMod val="85000"/>
+                    <a:lumOff val="15000"/>
+                  </a:schemeClr>
+                </a:solidFill>
+              </a:ln>
+            </p:spPr>
+            <p:style>
+              <a:lnRef idx="2">
+                <a:schemeClr val="accent1">
+                  <a:shade val="15000"/>
+                </a:schemeClr>
+              </a:lnRef>
+              <a:fillRef idx="1">
+                <a:schemeClr val="accent1"/>
+              </a:fillRef>
+              <a:effectRef idx="0">
+                <a:schemeClr val="accent1"/>
+              </a:effectRef>
+              <a:fontRef idx="minor">
+                <a:schemeClr val="lt1"/>
+              </a:fontRef>
+            </p:style>
+            <p:txBody>
+              <a:bodyPr rtlCol="0" anchor="ctr"/>
+              <a:lstStyle/>
+              <a:p>
+                <a:pPr algn="ctr"/>
+                <a:endParaRPr lang="fr-CA"/>
+              </a:p>
+            </p:txBody>
+          </p:sp>
+        </p:grpSp>
+      </p:grpSp>
+      <p:grpSp>
+        <p:nvGrpSpPr>
+          <p:cNvPr id="161" name="Groupe 160">
+            <a:extLst>
+              <a:ext uri="{FF2B5EF4-FFF2-40B4-BE49-F238E27FC236}">
+                <a16:creationId xmlns:a16="http://schemas.microsoft.com/office/drawing/2014/main" id="{F54DB141-C657-DC74-F0CA-BE3413C3C7DC}"/>
+              </a:ext>
+            </a:extLst>
+          </p:cNvPr>
+          <p:cNvGrpSpPr/>
+          <p:nvPr/>
+        </p:nvGrpSpPr>
+        <p:grpSpPr>
+          <a:xfrm>
+            <a:off x="5379058" y="3848285"/>
+            <a:ext cx="3423160" cy="2416866"/>
+            <a:chOff x="4732021" y="3465534"/>
+            <a:chExt cx="4427220" cy="3125766"/>
+          </a:xfrm>
+        </p:grpSpPr>
+        <p:sp>
+          <p:nvSpPr>
+            <p:cNvPr id="162" name="Rectangle 161">
+              <a:extLst>
+                <a:ext uri="{FF2B5EF4-FFF2-40B4-BE49-F238E27FC236}">
+                  <a16:creationId xmlns:a16="http://schemas.microsoft.com/office/drawing/2014/main" id="{07DB5CEE-C74F-1494-2D75-3697DB6251A2}"/>
+                </a:ext>
+              </a:extLst>
+            </p:cNvPr>
+            <p:cNvSpPr/>
+            <p:nvPr/>
+          </p:nvSpPr>
+          <p:spPr>
+            <a:xfrm>
+              <a:off x="4732021" y="3520440"/>
+              <a:ext cx="4427220" cy="3070860"/>
+            </a:xfrm>
+            <a:prstGeom prst="rect">
+              <a:avLst/>
+            </a:prstGeom>
+            <a:solidFill>
+              <a:schemeClr val="bg1"/>
+            </a:solidFill>
+          </p:spPr>
+          <p:style>
+            <a:lnRef idx="2">
+              <a:schemeClr val="accent3">
+                <a:shade val="15000"/>
+              </a:schemeClr>
+            </a:lnRef>
+            <a:fillRef idx="1">
+              <a:schemeClr val="accent3"/>
+            </a:fillRef>
+            <a:effectRef idx="0">
+              <a:schemeClr val="accent3"/>
+            </a:effectRef>
+            <a:fontRef idx="minor">
+              <a:schemeClr val="lt1"/>
+            </a:fontRef>
+          </p:style>
+          <p:txBody>
+            <a:bodyPr rtlCol="0" anchor="ctr"/>
+            <a:lstStyle/>
+            <a:p>
+              <a:pPr algn="ctr"/>
+              <a:endParaRPr lang="fr-CA"/>
+            </a:p>
+          </p:txBody>
+        </p:sp>
+        <p:sp>
+          <p:nvSpPr>
+            <p:cNvPr id="163" name="Rectangle : coins arrondis 162">
+              <a:extLst>
+                <a:ext uri="{FF2B5EF4-FFF2-40B4-BE49-F238E27FC236}">
+                  <a16:creationId xmlns:a16="http://schemas.microsoft.com/office/drawing/2014/main" id="{31CE8F6F-9C94-C98A-8B44-59287BC7DA3F}"/>
+                </a:ext>
+              </a:extLst>
+            </p:cNvPr>
+            <p:cNvSpPr/>
+            <p:nvPr/>
+          </p:nvSpPr>
+          <p:spPr>
+            <a:xfrm>
+              <a:off x="4732021" y="3465534"/>
+              <a:ext cx="4427220" cy="3070860"/>
+            </a:xfrm>
+            <a:prstGeom prst="roundRect">
+              <a:avLst>
+                <a:gd name="adj" fmla="val 0"/>
+              </a:avLst>
+            </a:prstGeom>
+            <a:noFill/>
+            <a:ln w="190500">
+              <a:solidFill>
+                <a:srgbClr val="8FAADC"/>
+              </a:solidFill>
+            </a:ln>
+          </p:spPr>
+          <p:style>
+            <a:lnRef idx="2">
+              <a:schemeClr val="accent5">
+                <a:shade val="15000"/>
+              </a:schemeClr>
+            </a:lnRef>
+            <a:fillRef idx="1">
+              <a:schemeClr val="accent5"/>
+            </a:fillRef>
+            <a:effectRef idx="0">
+              <a:schemeClr val="accent5"/>
+            </a:effectRef>
+            <a:fontRef idx="minor">
+              <a:schemeClr val="lt1"/>
+            </a:fontRef>
+          </p:style>
+          <p:txBody>
+            <a:bodyPr rtlCol="0" anchor="ctr"/>
+            <a:lstStyle/>
+            <a:p>
+              <a:pPr algn="ctr"/>
+              <a:endParaRPr lang="fr-CA"/>
+            </a:p>
+          </p:txBody>
+        </p:sp>
+        <p:sp>
+          <p:nvSpPr>
+            <p:cNvPr id="164" name="Rectangle : coins arrondis 163">
+              <a:extLst>
+                <a:ext uri="{FF2B5EF4-FFF2-40B4-BE49-F238E27FC236}">
+                  <a16:creationId xmlns:a16="http://schemas.microsoft.com/office/drawing/2014/main" id="{E93E2FEA-A730-DEF7-574D-6E5CDEACC351}"/>
+                </a:ext>
+              </a:extLst>
+            </p:cNvPr>
+            <p:cNvSpPr/>
+            <p:nvPr/>
+          </p:nvSpPr>
+          <p:spPr>
+            <a:xfrm>
+              <a:off x="5182596" y="3791592"/>
+              <a:ext cx="3526069" cy="1743735"/>
+            </a:xfrm>
+            <a:prstGeom prst="roundRect">
+              <a:avLst/>
+            </a:prstGeom>
+            <a:solidFill>
+              <a:srgbClr val="C9E2B8"/>
+            </a:solidFill>
+            <a:ln w="76200">
+              <a:solidFill>
+                <a:schemeClr val="tx1"/>
+              </a:solidFill>
+            </a:ln>
+          </p:spPr>
+          <p:style>
+            <a:lnRef idx="2">
+              <a:schemeClr val="accent5">
+                <a:shade val="15000"/>
+              </a:schemeClr>
+            </a:lnRef>
+            <a:fillRef idx="1">
+              <a:schemeClr val="accent5"/>
+            </a:fillRef>
+            <a:effectRef idx="0">
+              <a:schemeClr val="accent5"/>
+            </a:effectRef>
+            <a:fontRef idx="minor">
+              <a:schemeClr val="lt1"/>
+            </a:fontRef>
+          </p:style>
+          <p:txBody>
+            <a:bodyPr rtlCol="0" anchor="ctr"/>
+            <a:lstStyle/>
+            <a:p>
+              <a:pPr algn="ctr"/>
+              <a:endParaRPr lang="fr-CA" dirty="0"/>
+            </a:p>
+          </p:txBody>
+        </p:sp>
+        <p:sp>
+          <p:nvSpPr>
+            <p:cNvPr id="165" name="Ellipse 164">
+              <a:extLst>
+                <a:ext uri="{FF2B5EF4-FFF2-40B4-BE49-F238E27FC236}">
+                  <a16:creationId xmlns:a16="http://schemas.microsoft.com/office/drawing/2014/main" id="{74DCE8C1-97EF-4F94-F089-18B6F59E8847}"/>
+                </a:ext>
+              </a:extLst>
+            </p:cNvPr>
+            <p:cNvSpPr/>
+            <p:nvPr/>
+          </p:nvSpPr>
+          <p:spPr>
+            <a:xfrm>
+              <a:off x="5218302" y="5802132"/>
+              <a:ext cx="472909" cy="472909"/>
+            </a:xfrm>
+            <a:prstGeom prst="ellipse">
+              <a:avLst/>
+            </a:prstGeom>
+          </p:spPr>
+          <p:style>
+            <a:lnRef idx="2">
+              <a:schemeClr val="dk1">
+                <a:shade val="15000"/>
+              </a:schemeClr>
+            </a:lnRef>
+            <a:fillRef idx="1">
+              <a:schemeClr val="dk1"/>
+            </a:fillRef>
+            <a:effectRef idx="0">
+              <a:schemeClr val="dk1"/>
+            </a:effectRef>
+            <a:fontRef idx="minor">
+              <a:schemeClr val="lt1"/>
+            </a:fontRef>
+          </p:style>
+          <p:txBody>
+            <a:bodyPr rtlCol="0" anchor="ctr"/>
+            <a:lstStyle/>
+            <a:p>
+              <a:pPr algn="ctr"/>
+              <a:endParaRPr lang="fr-CA"/>
+            </a:p>
+          </p:txBody>
+        </p:sp>
+        <p:sp>
+          <p:nvSpPr>
+            <p:cNvPr id="166" name="Ellipse 165">
+              <a:extLst>
+                <a:ext uri="{FF2B5EF4-FFF2-40B4-BE49-F238E27FC236}">
+                  <a16:creationId xmlns:a16="http://schemas.microsoft.com/office/drawing/2014/main" id="{BA6D0C56-FCDE-5E25-510D-FFA18B2BE0DE}"/>
+                </a:ext>
+              </a:extLst>
+            </p:cNvPr>
+            <p:cNvSpPr/>
+            <p:nvPr/>
+          </p:nvSpPr>
+          <p:spPr>
+            <a:xfrm>
+              <a:off x="6715862" y="5799406"/>
+              <a:ext cx="472909" cy="472909"/>
+            </a:xfrm>
+            <a:prstGeom prst="ellipse">
+              <a:avLst/>
+            </a:prstGeom>
+          </p:spPr>
+          <p:style>
+            <a:lnRef idx="2">
+              <a:schemeClr val="dk1">
+                <a:shade val="15000"/>
+              </a:schemeClr>
+            </a:lnRef>
+            <a:fillRef idx="1">
+              <a:schemeClr val="dk1"/>
+            </a:fillRef>
+            <a:effectRef idx="0">
+              <a:schemeClr val="dk1"/>
+            </a:effectRef>
+            <a:fontRef idx="minor">
+              <a:schemeClr val="lt1"/>
+            </a:fontRef>
+          </p:style>
+          <p:txBody>
+            <a:bodyPr rtlCol="0" anchor="ctr"/>
+            <a:lstStyle/>
+            <a:p>
+              <a:pPr algn="ctr"/>
+              <a:endParaRPr lang="fr-CA"/>
+            </a:p>
+          </p:txBody>
+        </p:sp>
+        <p:sp>
+          <p:nvSpPr>
+            <p:cNvPr id="167" name="Ellipse 166">
+              <a:extLst>
+                <a:ext uri="{FF2B5EF4-FFF2-40B4-BE49-F238E27FC236}">
+                  <a16:creationId xmlns:a16="http://schemas.microsoft.com/office/drawing/2014/main" id="{342CC096-E104-8AA7-F1E7-D5C46634BC00}"/>
+                </a:ext>
+              </a:extLst>
+            </p:cNvPr>
+            <p:cNvSpPr/>
+            <p:nvPr/>
+          </p:nvSpPr>
+          <p:spPr>
+            <a:xfrm>
+              <a:off x="8152931" y="5799407"/>
+              <a:ext cx="472909" cy="472909"/>
+            </a:xfrm>
+            <a:prstGeom prst="ellipse">
+              <a:avLst/>
+            </a:prstGeom>
+          </p:spPr>
+          <p:style>
+            <a:lnRef idx="2">
+              <a:schemeClr val="dk1">
+                <a:shade val="15000"/>
+              </a:schemeClr>
+            </a:lnRef>
+            <a:fillRef idx="1">
+              <a:schemeClr val="dk1"/>
+            </a:fillRef>
+            <a:effectRef idx="0">
+              <a:schemeClr val="dk1"/>
+            </a:effectRef>
+            <a:fontRef idx="minor">
+              <a:schemeClr val="lt1"/>
+            </a:fontRef>
+          </p:style>
+          <p:txBody>
+            <a:bodyPr rtlCol="0" anchor="ctr"/>
+            <a:lstStyle/>
+            <a:p>
+              <a:pPr algn="ctr"/>
+              <a:endParaRPr lang="fr-CA"/>
+            </a:p>
+          </p:txBody>
+        </p:sp>
+        <p:sp>
+          <p:nvSpPr>
+            <p:cNvPr id="168" name="Forme libre : forme 167">
+              <a:extLst>
+                <a:ext uri="{FF2B5EF4-FFF2-40B4-BE49-F238E27FC236}">
+                  <a16:creationId xmlns:a16="http://schemas.microsoft.com/office/drawing/2014/main" id="{54E60447-18D0-A6F2-4DE5-5D61C0CCA470}"/>
+                </a:ext>
+              </a:extLst>
+            </p:cNvPr>
+            <p:cNvSpPr/>
+            <p:nvPr/>
+          </p:nvSpPr>
+          <p:spPr>
+            <a:xfrm>
+              <a:off x="5218302" y="4029524"/>
+              <a:ext cx="3460878" cy="1228276"/>
+            </a:xfrm>
+            <a:custGeom>
+              <a:avLst/>
+              <a:gdLst>
+                <a:gd name="connsiteX0" fmla="*/ 0 w 3500284"/>
+                <a:gd name="connsiteY0" fmla="*/ 1239964 h 1426790"/>
+                <a:gd name="connsiteX1" fmla="*/ 668593 w 3500284"/>
+                <a:gd name="connsiteY1" fmla="*/ 1100 h 1426790"/>
+                <a:gd name="connsiteX2" fmla="*/ 1297858 w 3500284"/>
+                <a:gd name="connsiteY2" fmla="*/ 1426777 h 1426790"/>
+                <a:gd name="connsiteX3" fmla="*/ 1887793 w 3500284"/>
+                <a:gd name="connsiteY3" fmla="*/ 30596 h 1426790"/>
+                <a:gd name="connsiteX4" fmla="*/ 2507226 w 3500284"/>
+                <a:gd name="connsiteY4" fmla="*/ 1426777 h 1426790"/>
+                <a:gd name="connsiteX5" fmla="*/ 2930013 w 3500284"/>
+                <a:gd name="connsiteY5" fmla="*/ 60093 h 1426790"/>
+                <a:gd name="connsiteX6" fmla="*/ 3500284 w 3500284"/>
+                <a:gd name="connsiteY6" fmla="*/ 974493 h 1426790"/>
+              </a:gdLst>
+              <a:ahLst/>
+              <a:cxnLst>
+                <a:cxn ang="0">
+                  <a:pos x="connsiteX0" y="connsiteY0"/>
+                </a:cxn>
+                <a:cxn ang="0">
+                  <a:pos x="connsiteX1" y="connsiteY1"/>
+                </a:cxn>
+                <a:cxn ang="0">
+                  <a:pos x="connsiteX2" y="connsiteY2"/>
+                </a:cxn>
+                <a:cxn ang="0">
+                  <a:pos x="connsiteX3" y="connsiteY3"/>
+                </a:cxn>
+                <a:cxn ang="0">
+                  <a:pos x="connsiteX4" y="connsiteY4"/>
+                </a:cxn>
+                <a:cxn ang="0">
+                  <a:pos x="connsiteX5" y="connsiteY5"/>
+                </a:cxn>
+                <a:cxn ang="0">
+                  <a:pos x="connsiteX6" y="connsiteY6"/>
+                </a:cxn>
+              </a:cxnLst>
+              <a:rect l="l" t="t" r="r" b="b"/>
+              <a:pathLst>
+                <a:path w="3500284" h="1426790">
+                  <a:moveTo>
+                    <a:pt x="0" y="1239964"/>
+                  </a:moveTo>
+                  <a:cubicBezTo>
+                    <a:pt x="226141" y="604964"/>
+                    <a:pt x="452283" y="-30035"/>
+                    <a:pt x="668593" y="1100"/>
+                  </a:cubicBezTo>
+                  <a:cubicBezTo>
+                    <a:pt x="884903" y="32235"/>
+                    <a:pt x="1094658" y="1421861"/>
+                    <a:pt x="1297858" y="1426777"/>
+                  </a:cubicBezTo>
+                  <a:cubicBezTo>
+                    <a:pt x="1501058" y="1431693"/>
+                    <a:pt x="1686232" y="30596"/>
+                    <a:pt x="1887793" y="30596"/>
+                  </a:cubicBezTo>
+                  <a:cubicBezTo>
+                    <a:pt x="2089354" y="30596"/>
+                    <a:pt x="2333523" y="1421861"/>
+                    <a:pt x="2507226" y="1426777"/>
+                  </a:cubicBezTo>
+                  <a:cubicBezTo>
+                    <a:pt x="2680929" y="1431693"/>
+                    <a:pt x="2764503" y="135474"/>
+                    <a:pt x="2930013" y="60093"/>
+                  </a:cubicBezTo>
+                  <a:cubicBezTo>
+                    <a:pt x="3095523" y="-15288"/>
+                    <a:pt x="3351162" y="825370"/>
+                    <a:pt x="3500284" y="974493"/>
+                  </a:cubicBezTo>
+                </a:path>
+              </a:pathLst>
+            </a:custGeom>
+            <a:noFill/>
+            <a:ln w="127000" cap="rnd">
+              <a:solidFill>
+                <a:schemeClr val="tx1"/>
+              </a:solidFill>
+            </a:ln>
+          </p:spPr>
+          <p:style>
+            <a:lnRef idx="2">
+              <a:schemeClr val="accent1">
+                <a:shade val="15000"/>
+              </a:schemeClr>
+            </a:lnRef>
+            <a:fillRef idx="1">
+              <a:schemeClr val="accent1"/>
+            </a:fillRef>
+            <a:effectRef idx="0">
+              <a:schemeClr val="accent1"/>
+            </a:effectRef>
+            <a:fontRef idx="minor">
+              <a:schemeClr val="lt1"/>
+            </a:fontRef>
+          </p:style>
+          <p:txBody>
+            <a:bodyPr rtlCol="0" anchor="ctr"/>
+            <a:lstStyle/>
+            <a:p>
+              <a:pPr algn="ctr"/>
+              <a:endParaRPr lang="fr-CA"/>
+            </a:p>
+          </p:txBody>
+        </p:sp>
+      </p:grpSp>
+    </p:spTree>
+    <p:extLst>
+      <p:ext uri="{BB962C8B-B14F-4D97-AF65-F5344CB8AC3E}">
+        <p14:creationId xmlns:p14="http://schemas.microsoft.com/office/powerpoint/2010/main" val="2956498523"/>
+      </p:ext>
+    </p:extLst>
+  </p:cSld>
+  <p:clrMapOvr>
+    <a:masterClrMapping/>
+  </p:clrMapOvr>
+</p:sld>
+</file>
+
 <file path=ppt/theme/theme1.xml><?xml version="1.0" encoding="utf-8"?>
 <a:theme xmlns:a="http://schemas.openxmlformats.org/drawingml/2006/main" name="Thème Office">
   <a:themeElements>

--- a/graphics/graphics.pptx
+++ b/graphics/graphics.pptx
@@ -204,7 +204,7 @@
           <a:p>
             <a:fld id="{B8404A9E-F80D-47A3-9ABE-4E375F8C7A58}" type="datetimeFigureOut">
               <a:rPr lang="fr-CA" smtClean="0"/>
-              <a:t>2025-05-18</a:t>
+              <a:t>2025-05-30</a:t>
             </a:fld>
             <a:endParaRPr lang="fr-CA"/>
           </a:p>
@@ -621,7 +621,7 @@
           <a:p>
             <a:fld id="{B1B97C2F-ED53-40B2-8245-274A53568F1F}" type="datetimeFigureOut">
               <a:rPr lang="fr-CA" smtClean="0"/>
-              <a:t>2025-05-18</a:t>
+              <a:t>2025-05-30</a:t>
             </a:fld>
             <a:endParaRPr lang="fr-CA"/>
           </a:p>
@@ -821,7 +821,7 @@
           <a:p>
             <a:fld id="{B1B97C2F-ED53-40B2-8245-274A53568F1F}" type="datetimeFigureOut">
               <a:rPr lang="fr-CA" smtClean="0"/>
-              <a:t>2025-05-18</a:t>
+              <a:t>2025-05-30</a:t>
             </a:fld>
             <a:endParaRPr lang="fr-CA"/>
           </a:p>
@@ -1031,7 +1031,7 @@
           <a:p>
             <a:fld id="{B1B97C2F-ED53-40B2-8245-274A53568F1F}" type="datetimeFigureOut">
               <a:rPr lang="fr-CA" smtClean="0"/>
-              <a:t>2025-05-18</a:t>
+              <a:t>2025-05-30</a:t>
             </a:fld>
             <a:endParaRPr lang="fr-CA"/>
           </a:p>
@@ -1253,7 +1253,7 @@
           <a:p>
             <a:fld id="{3CFA78C3-2C03-4D26-BA08-5201FB292C09}" type="datetimeFigureOut">
               <a:rPr lang="fr-CA" smtClean="0"/>
-              <a:t>2025-05-18</a:t>
+              <a:t>2025-05-30</a:t>
             </a:fld>
             <a:endParaRPr lang="fr-CA"/>
           </a:p>
@@ -1453,7 +1453,7 @@
           <a:p>
             <a:fld id="{3CFA78C3-2C03-4D26-BA08-5201FB292C09}" type="datetimeFigureOut">
               <a:rPr lang="fr-CA" smtClean="0"/>
-              <a:t>2025-05-18</a:t>
+              <a:t>2025-05-30</a:t>
             </a:fld>
             <a:endParaRPr lang="fr-CA"/>
           </a:p>
@@ -1729,7 +1729,7 @@
           <a:p>
             <a:fld id="{3CFA78C3-2C03-4D26-BA08-5201FB292C09}" type="datetimeFigureOut">
               <a:rPr lang="fr-CA" smtClean="0"/>
-              <a:t>2025-05-18</a:t>
+              <a:t>2025-05-30</a:t>
             </a:fld>
             <a:endParaRPr lang="fr-CA"/>
           </a:p>
@@ -1997,7 +1997,7 @@
           <a:p>
             <a:fld id="{3CFA78C3-2C03-4D26-BA08-5201FB292C09}" type="datetimeFigureOut">
               <a:rPr lang="fr-CA" smtClean="0"/>
-              <a:t>2025-05-18</a:t>
+              <a:t>2025-05-30</a:t>
             </a:fld>
             <a:endParaRPr lang="fr-CA"/>
           </a:p>
@@ -2412,7 +2412,7 @@
           <a:p>
             <a:fld id="{3CFA78C3-2C03-4D26-BA08-5201FB292C09}" type="datetimeFigureOut">
               <a:rPr lang="fr-CA" smtClean="0"/>
-              <a:t>2025-05-18</a:t>
+              <a:t>2025-05-30</a:t>
             </a:fld>
             <a:endParaRPr lang="fr-CA"/>
           </a:p>
@@ -2554,7 +2554,7 @@
           <a:p>
             <a:fld id="{3CFA78C3-2C03-4D26-BA08-5201FB292C09}" type="datetimeFigureOut">
               <a:rPr lang="fr-CA" smtClean="0"/>
-              <a:t>2025-05-18</a:t>
+              <a:t>2025-05-30</a:t>
             </a:fld>
             <a:endParaRPr lang="fr-CA"/>
           </a:p>
@@ -2667,7 +2667,7 @@
           <a:p>
             <a:fld id="{3CFA78C3-2C03-4D26-BA08-5201FB292C09}" type="datetimeFigureOut">
               <a:rPr lang="fr-CA" smtClean="0"/>
-              <a:t>2025-05-18</a:t>
+              <a:t>2025-05-30</a:t>
             </a:fld>
             <a:endParaRPr lang="fr-CA"/>
           </a:p>
@@ -2980,7 +2980,7 @@
           <a:p>
             <a:fld id="{3CFA78C3-2C03-4D26-BA08-5201FB292C09}" type="datetimeFigureOut">
               <a:rPr lang="fr-CA" smtClean="0"/>
-              <a:t>2025-05-18</a:t>
+              <a:t>2025-05-30</a:t>
             </a:fld>
             <a:endParaRPr lang="fr-CA"/>
           </a:p>
@@ -3180,7 +3180,7 @@
           <a:p>
             <a:fld id="{B1B97C2F-ED53-40B2-8245-274A53568F1F}" type="datetimeFigureOut">
               <a:rPr lang="fr-CA" smtClean="0"/>
-              <a:t>2025-05-18</a:t>
+              <a:t>2025-05-30</a:t>
             </a:fld>
             <a:endParaRPr lang="fr-CA"/>
           </a:p>
@@ -3469,7 +3469,7 @@
           <a:p>
             <a:fld id="{3CFA78C3-2C03-4D26-BA08-5201FB292C09}" type="datetimeFigureOut">
               <a:rPr lang="fr-CA" smtClean="0"/>
-              <a:t>2025-05-18</a:t>
+              <a:t>2025-05-30</a:t>
             </a:fld>
             <a:endParaRPr lang="fr-CA"/>
           </a:p>
@@ -3669,7 +3669,7 @@
           <a:p>
             <a:fld id="{3CFA78C3-2C03-4D26-BA08-5201FB292C09}" type="datetimeFigureOut">
               <a:rPr lang="fr-CA" smtClean="0"/>
-              <a:t>2025-05-18</a:t>
+              <a:t>2025-05-30</a:t>
             </a:fld>
             <a:endParaRPr lang="fr-CA"/>
           </a:p>
@@ -3879,7 +3879,7 @@
           <a:p>
             <a:fld id="{3CFA78C3-2C03-4D26-BA08-5201FB292C09}" type="datetimeFigureOut">
               <a:rPr lang="fr-CA" smtClean="0"/>
-              <a:t>2025-05-18</a:t>
+              <a:t>2025-05-30</a:t>
             </a:fld>
             <a:endParaRPr lang="fr-CA"/>
           </a:p>
@@ -4155,7 +4155,7 @@
           <a:p>
             <a:fld id="{B1B97C2F-ED53-40B2-8245-274A53568F1F}" type="datetimeFigureOut">
               <a:rPr lang="fr-CA" smtClean="0"/>
-              <a:t>2025-05-18</a:t>
+              <a:t>2025-05-30</a:t>
             </a:fld>
             <a:endParaRPr lang="fr-CA"/>
           </a:p>
@@ -4423,7 +4423,7 @@
           <a:p>
             <a:fld id="{B1B97C2F-ED53-40B2-8245-274A53568F1F}" type="datetimeFigureOut">
               <a:rPr lang="fr-CA" smtClean="0"/>
-              <a:t>2025-05-18</a:t>
+              <a:t>2025-05-30</a:t>
             </a:fld>
             <a:endParaRPr lang="fr-CA"/>
           </a:p>
@@ -4838,7 +4838,7 @@
           <a:p>
             <a:fld id="{B1B97C2F-ED53-40B2-8245-274A53568F1F}" type="datetimeFigureOut">
               <a:rPr lang="fr-CA" smtClean="0"/>
-              <a:t>2025-05-18</a:t>
+              <a:t>2025-05-30</a:t>
             </a:fld>
             <a:endParaRPr lang="fr-CA"/>
           </a:p>
@@ -4980,7 +4980,7 @@
           <a:p>
             <a:fld id="{B1B97C2F-ED53-40B2-8245-274A53568F1F}" type="datetimeFigureOut">
               <a:rPr lang="fr-CA" smtClean="0"/>
-              <a:t>2025-05-18</a:t>
+              <a:t>2025-05-30</a:t>
             </a:fld>
             <a:endParaRPr lang="fr-CA"/>
           </a:p>
@@ -5093,7 +5093,7 @@
           <a:p>
             <a:fld id="{B1B97C2F-ED53-40B2-8245-274A53568F1F}" type="datetimeFigureOut">
               <a:rPr lang="fr-CA" smtClean="0"/>
-              <a:t>2025-05-18</a:t>
+              <a:t>2025-05-30</a:t>
             </a:fld>
             <a:endParaRPr lang="fr-CA"/>
           </a:p>
@@ -5406,7 +5406,7 @@
           <a:p>
             <a:fld id="{B1B97C2F-ED53-40B2-8245-274A53568F1F}" type="datetimeFigureOut">
               <a:rPr lang="fr-CA" smtClean="0"/>
-              <a:t>2025-05-18</a:t>
+              <a:t>2025-05-30</a:t>
             </a:fld>
             <a:endParaRPr lang="fr-CA"/>
           </a:p>
@@ -5695,7 +5695,7 @@
           <a:p>
             <a:fld id="{B1B97C2F-ED53-40B2-8245-274A53568F1F}" type="datetimeFigureOut">
               <a:rPr lang="fr-CA" smtClean="0"/>
-              <a:t>2025-05-18</a:t>
+              <a:t>2025-05-30</a:t>
             </a:fld>
             <a:endParaRPr lang="fr-CA"/>
           </a:p>
@@ -5938,7 +5938,7 @@
           <a:p>
             <a:fld id="{B1B97C2F-ED53-40B2-8245-274A53568F1F}" type="datetimeFigureOut">
               <a:rPr lang="fr-CA" smtClean="0"/>
-              <a:t>2025-05-18</a:t>
+              <a:t>2025-05-30</a:t>
             </a:fld>
             <a:endParaRPr lang="fr-CA"/>
           </a:p>
@@ -6508,7 +6508,7 @@
           <a:p>
             <a:fld id="{3CFA78C3-2C03-4D26-BA08-5201FB292C09}" type="datetimeFigureOut">
               <a:rPr lang="fr-CA" smtClean="0"/>
-              <a:t>2025-05-18</a:t>
+              <a:t>2025-05-30</a:t>
             </a:fld>
             <a:endParaRPr lang="fr-CA"/>
           </a:p>
@@ -12187,6 +12187,189 @@
               <a:schemeClr val="tx1"/>
             </a:solidFill>
             <a:ln>
+              <a:solidFill>
+                <a:schemeClr val="tx1"/>
+              </a:solidFill>
+            </a:ln>
+          </p:spPr>
+          <p:style>
+            <a:lnRef idx="2">
+              <a:schemeClr val="accent1">
+                <a:shade val="15000"/>
+              </a:schemeClr>
+            </a:lnRef>
+            <a:fillRef idx="1">
+              <a:schemeClr val="accent1"/>
+            </a:fillRef>
+            <a:effectRef idx="0">
+              <a:schemeClr val="accent1"/>
+            </a:effectRef>
+            <a:fontRef idx="minor">
+              <a:schemeClr val="lt1"/>
+            </a:fontRef>
+          </p:style>
+          <p:txBody>
+            <a:bodyPr rtlCol="0" anchor="ctr"/>
+            <a:lstStyle/>
+            <a:p>
+              <a:pPr algn="ctr"/>
+              <a:endParaRPr lang="fr-CA"/>
+            </a:p>
+          </p:txBody>
+        </p:sp>
+      </p:grpSp>
+      <p:grpSp>
+        <p:nvGrpSpPr>
+          <p:cNvPr id="33" name="Groupe 32">
+            <a:extLst>
+              <a:ext uri="{FF2B5EF4-FFF2-40B4-BE49-F238E27FC236}">
+                <a16:creationId xmlns:a16="http://schemas.microsoft.com/office/drawing/2014/main" id="{48AC6DAD-98B0-FEC1-2454-6EA9F6C3E70F}"/>
+              </a:ext>
+            </a:extLst>
+          </p:cNvPr>
+          <p:cNvGrpSpPr/>
+          <p:nvPr/>
+        </p:nvGrpSpPr>
+        <p:grpSpPr>
+          <a:xfrm>
+            <a:off x="5810335" y="5056937"/>
+            <a:ext cx="3382172" cy="796046"/>
+            <a:chOff x="5043535" y="4279900"/>
+            <a:chExt cx="3382172" cy="796046"/>
+          </a:xfrm>
+        </p:grpSpPr>
+        <p:sp>
+          <p:nvSpPr>
+            <p:cNvPr id="28" name="Ellipse 27">
+              <a:extLst>
+                <a:ext uri="{FF2B5EF4-FFF2-40B4-BE49-F238E27FC236}">
+                  <a16:creationId xmlns:a16="http://schemas.microsoft.com/office/drawing/2014/main" id="{19AA4D29-A0C3-1C3C-7DA5-070C91D5B3A9}"/>
+                </a:ext>
+              </a:extLst>
+            </p:cNvPr>
+            <p:cNvSpPr/>
+            <p:nvPr/>
+          </p:nvSpPr>
+          <p:spPr>
+            <a:xfrm>
+              <a:off x="5043535" y="4279900"/>
+              <a:ext cx="796046" cy="796046"/>
+            </a:xfrm>
+            <a:prstGeom prst="ellipse">
+              <a:avLst/>
+            </a:prstGeom>
+            <a:solidFill>
+              <a:srgbClr val="8FAADC"/>
+            </a:solidFill>
+            <a:ln w="76200">
+              <a:solidFill>
+                <a:schemeClr val="tx1"/>
+              </a:solidFill>
+            </a:ln>
+          </p:spPr>
+          <p:style>
+            <a:lnRef idx="2">
+              <a:schemeClr val="accent1">
+                <a:shade val="15000"/>
+              </a:schemeClr>
+            </a:lnRef>
+            <a:fillRef idx="1">
+              <a:schemeClr val="accent1"/>
+            </a:fillRef>
+            <a:effectRef idx="0">
+              <a:schemeClr val="accent1"/>
+            </a:effectRef>
+            <a:fontRef idx="minor">
+              <a:schemeClr val="lt1"/>
+            </a:fontRef>
+          </p:style>
+          <p:txBody>
+            <a:bodyPr rtlCol="0" anchor="ctr"/>
+            <a:lstStyle/>
+            <a:p>
+              <a:pPr algn="ctr"/>
+              <a:endParaRPr lang="fr-CA"/>
+            </a:p>
+          </p:txBody>
+        </p:sp>
+        <p:sp>
+          <p:nvSpPr>
+            <p:cNvPr id="29" name="Ellipse 28">
+              <a:extLst>
+                <a:ext uri="{FF2B5EF4-FFF2-40B4-BE49-F238E27FC236}">
+                  <a16:creationId xmlns:a16="http://schemas.microsoft.com/office/drawing/2014/main" id="{667B23F0-54BB-5BAF-38CB-9B79D846CFFC}"/>
+                </a:ext>
+              </a:extLst>
+            </p:cNvPr>
+            <p:cNvSpPr/>
+            <p:nvPr/>
+          </p:nvSpPr>
+          <p:spPr>
+            <a:xfrm>
+              <a:off x="6336598" y="4279900"/>
+              <a:ext cx="796046" cy="796046"/>
+            </a:xfrm>
+            <a:prstGeom prst="ellipse">
+              <a:avLst/>
+            </a:prstGeom>
+            <a:solidFill>
+              <a:srgbClr val="8FAADC"/>
+            </a:solidFill>
+            <a:ln w="76200">
+              <a:solidFill>
+                <a:schemeClr val="tx1"/>
+              </a:solidFill>
+            </a:ln>
+          </p:spPr>
+          <p:style>
+            <a:lnRef idx="2">
+              <a:schemeClr val="accent1">
+                <a:shade val="15000"/>
+              </a:schemeClr>
+            </a:lnRef>
+            <a:fillRef idx="1">
+              <a:schemeClr val="accent1"/>
+            </a:fillRef>
+            <a:effectRef idx="0">
+              <a:schemeClr val="accent1"/>
+            </a:effectRef>
+            <a:fontRef idx="minor">
+              <a:schemeClr val="lt1"/>
+            </a:fontRef>
+          </p:style>
+          <p:txBody>
+            <a:bodyPr rtlCol="0" anchor="ctr"/>
+            <a:lstStyle/>
+            <a:p>
+              <a:pPr algn="ctr"/>
+              <a:endParaRPr lang="fr-CA"/>
+            </a:p>
+          </p:txBody>
+        </p:sp>
+        <p:sp>
+          <p:nvSpPr>
+            <p:cNvPr id="30" name="Ellipse 29">
+              <a:extLst>
+                <a:ext uri="{FF2B5EF4-FFF2-40B4-BE49-F238E27FC236}">
+                  <a16:creationId xmlns:a16="http://schemas.microsoft.com/office/drawing/2014/main" id="{B73E2AFE-3CAA-4993-5DC5-F17478AB2E0E}"/>
+                </a:ext>
+              </a:extLst>
+            </p:cNvPr>
+            <p:cNvSpPr/>
+            <p:nvPr/>
+          </p:nvSpPr>
+          <p:spPr>
+            <a:xfrm>
+              <a:off x="7629661" y="4279900"/>
+              <a:ext cx="796046" cy="796046"/>
+            </a:xfrm>
+            <a:prstGeom prst="ellipse">
+              <a:avLst/>
+            </a:prstGeom>
+            <a:solidFill>
+              <a:srgbClr val="8FAADC"/>
+            </a:solidFill>
+            <a:ln w="76200">
               <a:solidFill>
                 <a:schemeClr val="tx1"/>
               </a:solidFill>

--- a/graphics/graphics.pptx
+++ b/graphics/graphics.pptx
@@ -6,7 +6,7 @@
     <p:sldMasterId id="2147483660" r:id="rId2"/>
   </p:sldMasterIdLst>
   <p:notesMasterIdLst>
-    <p:notesMasterId r:id="rId10"/>
+    <p:notesMasterId r:id="rId11"/>
   </p:notesMasterIdLst>
   <p:sldIdLst>
     <p:sldId id="259" r:id="rId3"/>
@@ -16,6 +16,7 @@
     <p:sldId id="262" r:id="rId7"/>
     <p:sldId id="263" r:id="rId8"/>
     <p:sldId id="264" r:id="rId9"/>
+    <p:sldId id="265" r:id="rId10"/>
   </p:sldIdLst>
   <p:sldSz cx="12192000" cy="6858000"/>
   <p:notesSz cx="6858000" cy="9144000"/>
@@ -204,7 +205,7 @@
           <a:p>
             <a:fld id="{B8404A9E-F80D-47A3-9ABE-4E375F8C7A58}" type="datetimeFigureOut">
               <a:rPr lang="fr-CA" smtClean="0"/>
-              <a:t>2025-05-30</a:t>
+              <a:t>2025-07-05</a:t>
             </a:fld>
             <a:endParaRPr lang="fr-CA"/>
           </a:p>
@@ -621,7 +622,7 @@
           <a:p>
             <a:fld id="{B1B97C2F-ED53-40B2-8245-274A53568F1F}" type="datetimeFigureOut">
               <a:rPr lang="fr-CA" smtClean="0"/>
-              <a:t>2025-05-30</a:t>
+              <a:t>2025-07-05</a:t>
             </a:fld>
             <a:endParaRPr lang="fr-CA"/>
           </a:p>
@@ -821,7 +822,7 @@
           <a:p>
             <a:fld id="{B1B97C2F-ED53-40B2-8245-274A53568F1F}" type="datetimeFigureOut">
               <a:rPr lang="fr-CA" smtClean="0"/>
-              <a:t>2025-05-30</a:t>
+              <a:t>2025-07-05</a:t>
             </a:fld>
             <a:endParaRPr lang="fr-CA"/>
           </a:p>
@@ -1031,7 +1032,7 @@
           <a:p>
             <a:fld id="{B1B97C2F-ED53-40B2-8245-274A53568F1F}" type="datetimeFigureOut">
               <a:rPr lang="fr-CA" smtClean="0"/>
-              <a:t>2025-05-30</a:t>
+              <a:t>2025-07-05</a:t>
             </a:fld>
             <a:endParaRPr lang="fr-CA"/>
           </a:p>
@@ -1253,7 +1254,7 @@
           <a:p>
             <a:fld id="{3CFA78C3-2C03-4D26-BA08-5201FB292C09}" type="datetimeFigureOut">
               <a:rPr lang="fr-CA" smtClean="0"/>
-              <a:t>2025-05-30</a:t>
+              <a:t>2025-07-05</a:t>
             </a:fld>
             <a:endParaRPr lang="fr-CA"/>
           </a:p>
@@ -1453,7 +1454,7 @@
           <a:p>
             <a:fld id="{3CFA78C3-2C03-4D26-BA08-5201FB292C09}" type="datetimeFigureOut">
               <a:rPr lang="fr-CA" smtClean="0"/>
-              <a:t>2025-05-30</a:t>
+              <a:t>2025-07-05</a:t>
             </a:fld>
             <a:endParaRPr lang="fr-CA"/>
           </a:p>
@@ -1729,7 +1730,7 @@
           <a:p>
             <a:fld id="{3CFA78C3-2C03-4D26-BA08-5201FB292C09}" type="datetimeFigureOut">
               <a:rPr lang="fr-CA" smtClean="0"/>
-              <a:t>2025-05-30</a:t>
+              <a:t>2025-07-05</a:t>
             </a:fld>
             <a:endParaRPr lang="fr-CA"/>
           </a:p>
@@ -1997,7 +1998,7 @@
           <a:p>
             <a:fld id="{3CFA78C3-2C03-4D26-BA08-5201FB292C09}" type="datetimeFigureOut">
               <a:rPr lang="fr-CA" smtClean="0"/>
-              <a:t>2025-05-30</a:t>
+              <a:t>2025-07-05</a:t>
             </a:fld>
             <a:endParaRPr lang="fr-CA"/>
           </a:p>
@@ -2412,7 +2413,7 @@
           <a:p>
             <a:fld id="{3CFA78C3-2C03-4D26-BA08-5201FB292C09}" type="datetimeFigureOut">
               <a:rPr lang="fr-CA" smtClean="0"/>
-              <a:t>2025-05-30</a:t>
+              <a:t>2025-07-05</a:t>
             </a:fld>
             <a:endParaRPr lang="fr-CA"/>
           </a:p>
@@ -2554,7 +2555,7 @@
           <a:p>
             <a:fld id="{3CFA78C3-2C03-4D26-BA08-5201FB292C09}" type="datetimeFigureOut">
               <a:rPr lang="fr-CA" smtClean="0"/>
-              <a:t>2025-05-30</a:t>
+              <a:t>2025-07-05</a:t>
             </a:fld>
             <a:endParaRPr lang="fr-CA"/>
           </a:p>
@@ -2667,7 +2668,7 @@
           <a:p>
             <a:fld id="{3CFA78C3-2C03-4D26-BA08-5201FB292C09}" type="datetimeFigureOut">
               <a:rPr lang="fr-CA" smtClean="0"/>
-              <a:t>2025-05-30</a:t>
+              <a:t>2025-07-05</a:t>
             </a:fld>
             <a:endParaRPr lang="fr-CA"/>
           </a:p>
@@ -2980,7 +2981,7 @@
           <a:p>
             <a:fld id="{3CFA78C3-2C03-4D26-BA08-5201FB292C09}" type="datetimeFigureOut">
               <a:rPr lang="fr-CA" smtClean="0"/>
-              <a:t>2025-05-30</a:t>
+              <a:t>2025-07-05</a:t>
             </a:fld>
             <a:endParaRPr lang="fr-CA"/>
           </a:p>
@@ -3180,7 +3181,7 @@
           <a:p>
             <a:fld id="{B1B97C2F-ED53-40B2-8245-274A53568F1F}" type="datetimeFigureOut">
               <a:rPr lang="fr-CA" smtClean="0"/>
-              <a:t>2025-05-30</a:t>
+              <a:t>2025-07-05</a:t>
             </a:fld>
             <a:endParaRPr lang="fr-CA"/>
           </a:p>
@@ -3469,7 +3470,7 @@
           <a:p>
             <a:fld id="{3CFA78C3-2C03-4D26-BA08-5201FB292C09}" type="datetimeFigureOut">
               <a:rPr lang="fr-CA" smtClean="0"/>
-              <a:t>2025-05-30</a:t>
+              <a:t>2025-07-05</a:t>
             </a:fld>
             <a:endParaRPr lang="fr-CA"/>
           </a:p>
@@ -3669,7 +3670,7 @@
           <a:p>
             <a:fld id="{3CFA78C3-2C03-4D26-BA08-5201FB292C09}" type="datetimeFigureOut">
               <a:rPr lang="fr-CA" smtClean="0"/>
-              <a:t>2025-05-30</a:t>
+              <a:t>2025-07-05</a:t>
             </a:fld>
             <a:endParaRPr lang="fr-CA"/>
           </a:p>
@@ -3879,7 +3880,7 @@
           <a:p>
             <a:fld id="{3CFA78C3-2C03-4D26-BA08-5201FB292C09}" type="datetimeFigureOut">
               <a:rPr lang="fr-CA" smtClean="0"/>
-              <a:t>2025-05-30</a:t>
+              <a:t>2025-07-05</a:t>
             </a:fld>
             <a:endParaRPr lang="fr-CA"/>
           </a:p>
@@ -4155,7 +4156,7 @@
           <a:p>
             <a:fld id="{B1B97C2F-ED53-40B2-8245-274A53568F1F}" type="datetimeFigureOut">
               <a:rPr lang="fr-CA" smtClean="0"/>
-              <a:t>2025-05-30</a:t>
+              <a:t>2025-07-05</a:t>
             </a:fld>
             <a:endParaRPr lang="fr-CA"/>
           </a:p>
@@ -4423,7 +4424,7 @@
           <a:p>
             <a:fld id="{B1B97C2F-ED53-40B2-8245-274A53568F1F}" type="datetimeFigureOut">
               <a:rPr lang="fr-CA" smtClean="0"/>
-              <a:t>2025-05-30</a:t>
+              <a:t>2025-07-05</a:t>
             </a:fld>
             <a:endParaRPr lang="fr-CA"/>
           </a:p>
@@ -4838,7 +4839,7 @@
           <a:p>
             <a:fld id="{B1B97C2F-ED53-40B2-8245-274A53568F1F}" type="datetimeFigureOut">
               <a:rPr lang="fr-CA" smtClean="0"/>
-              <a:t>2025-05-30</a:t>
+              <a:t>2025-07-05</a:t>
             </a:fld>
             <a:endParaRPr lang="fr-CA"/>
           </a:p>
@@ -4980,7 +4981,7 @@
           <a:p>
             <a:fld id="{B1B97C2F-ED53-40B2-8245-274A53568F1F}" type="datetimeFigureOut">
               <a:rPr lang="fr-CA" smtClean="0"/>
-              <a:t>2025-05-30</a:t>
+              <a:t>2025-07-05</a:t>
             </a:fld>
             <a:endParaRPr lang="fr-CA"/>
           </a:p>
@@ -5093,7 +5094,7 @@
           <a:p>
             <a:fld id="{B1B97C2F-ED53-40B2-8245-274A53568F1F}" type="datetimeFigureOut">
               <a:rPr lang="fr-CA" smtClean="0"/>
-              <a:t>2025-05-30</a:t>
+              <a:t>2025-07-05</a:t>
             </a:fld>
             <a:endParaRPr lang="fr-CA"/>
           </a:p>
@@ -5406,7 +5407,7 @@
           <a:p>
             <a:fld id="{B1B97C2F-ED53-40B2-8245-274A53568F1F}" type="datetimeFigureOut">
               <a:rPr lang="fr-CA" smtClean="0"/>
-              <a:t>2025-05-30</a:t>
+              <a:t>2025-07-05</a:t>
             </a:fld>
             <a:endParaRPr lang="fr-CA"/>
           </a:p>
@@ -5695,7 +5696,7 @@
           <a:p>
             <a:fld id="{B1B97C2F-ED53-40B2-8245-274A53568F1F}" type="datetimeFigureOut">
               <a:rPr lang="fr-CA" smtClean="0"/>
-              <a:t>2025-05-30</a:t>
+              <a:t>2025-07-05</a:t>
             </a:fld>
             <a:endParaRPr lang="fr-CA"/>
           </a:p>
@@ -5938,7 +5939,7 @@
           <a:p>
             <a:fld id="{B1B97C2F-ED53-40B2-8245-274A53568F1F}" type="datetimeFigureOut">
               <a:rPr lang="fr-CA" smtClean="0"/>
-              <a:t>2025-05-30</a:t>
+              <a:t>2025-07-05</a:t>
             </a:fld>
             <a:endParaRPr lang="fr-CA"/>
           </a:p>
@@ -6508,7 +6509,7 @@
           <a:p>
             <a:fld id="{3CFA78C3-2C03-4D26-BA08-5201FB292C09}" type="datetimeFigureOut">
               <a:rPr lang="fr-CA" smtClean="0"/>
-              <a:t>2025-05-30</a:t>
+              <a:t>2025-07-05</a:t>
             </a:fld>
             <a:endParaRPr lang="fr-CA"/>
           </a:p>
@@ -16604,6 +16605,171 @@
     <p:extLst>
       <p:ext uri="{BB962C8B-B14F-4D97-AF65-F5344CB8AC3E}">
         <p14:creationId xmlns:p14="http://schemas.microsoft.com/office/powerpoint/2010/main" val="2956498523"/>
+      </p:ext>
+    </p:extLst>
+  </p:cSld>
+  <p:clrMapOvr>
+    <a:masterClrMapping/>
+  </p:clrMapOvr>
+</p:sld>
+</file>
+
+<file path=ppt/slides/slide8.xml><?xml version="1.0" encoding="utf-8"?>
+<p:sld xmlns:a="http://schemas.openxmlformats.org/drawingml/2006/main" xmlns:r="http://schemas.openxmlformats.org/officeDocument/2006/relationships" xmlns:p="http://schemas.openxmlformats.org/presentationml/2006/main">
+  <p:cSld>
+    <p:spTree>
+      <p:nvGrpSpPr>
+        <p:cNvPr id="1" name=""/>
+        <p:cNvGrpSpPr/>
+        <p:nvPr/>
+      </p:nvGrpSpPr>
+      <p:grpSpPr>
+        <a:xfrm>
+          <a:off x="0" y="0"/>
+          <a:ext cx="0" cy="0"/>
+          <a:chOff x="0" y="0"/>
+          <a:chExt cx="0" cy="0"/>
+        </a:xfrm>
+      </p:grpSpPr>
+      <p:grpSp>
+        <p:nvGrpSpPr>
+          <p:cNvPr id="19" name="Groupe 18">
+            <a:extLst>
+              <a:ext uri="{FF2B5EF4-FFF2-40B4-BE49-F238E27FC236}">
+                <a16:creationId xmlns:a16="http://schemas.microsoft.com/office/drawing/2014/main" id="{9349F811-D107-1F39-767D-C8A98088D159}"/>
+              </a:ext>
+            </a:extLst>
+          </p:cNvPr>
+          <p:cNvGrpSpPr/>
+          <p:nvPr/>
+        </p:nvGrpSpPr>
+        <p:grpSpPr>
+          <a:xfrm>
+            <a:off x="1137920" y="477520"/>
+            <a:ext cx="2311400" cy="2783840"/>
+            <a:chOff x="1137920" y="477520"/>
+            <a:chExt cx="2311400" cy="2783840"/>
+          </a:xfrm>
+        </p:grpSpPr>
+        <p:sp>
+          <p:nvSpPr>
+            <p:cNvPr id="4" name="Rectangle : coins arrondis 3">
+              <a:extLst>
+                <a:ext uri="{FF2B5EF4-FFF2-40B4-BE49-F238E27FC236}">
+                  <a16:creationId xmlns:a16="http://schemas.microsoft.com/office/drawing/2014/main" id="{14177AF7-95A5-BCBF-B2E7-581F23DAC846}"/>
+                </a:ext>
+              </a:extLst>
+            </p:cNvPr>
+            <p:cNvSpPr/>
+            <p:nvPr/>
+          </p:nvSpPr>
+          <p:spPr>
+            <a:xfrm>
+              <a:off x="1732280" y="477520"/>
+              <a:ext cx="1717040" cy="2255520"/>
+            </a:xfrm>
+            <a:prstGeom prst="roundRect">
+              <a:avLst>
+                <a:gd name="adj" fmla="val 3649"/>
+              </a:avLst>
+            </a:prstGeom>
+            <a:solidFill>
+              <a:schemeClr val="bg1">
+                <a:lumMod val="95000"/>
+              </a:schemeClr>
+            </a:solidFill>
+            <a:ln w="203200">
+              <a:solidFill>
+                <a:schemeClr val="tx1"/>
+              </a:solidFill>
+            </a:ln>
+          </p:spPr>
+          <p:style>
+            <a:lnRef idx="2">
+              <a:schemeClr val="accent1">
+                <a:shade val="15000"/>
+              </a:schemeClr>
+            </a:lnRef>
+            <a:fillRef idx="1">
+              <a:schemeClr val="accent1"/>
+            </a:fillRef>
+            <a:effectRef idx="0">
+              <a:schemeClr val="accent1"/>
+            </a:effectRef>
+            <a:fontRef idx="minor">
+              <a:schemeClr val="lt1"/>
+            </a:fontRef>
+          </p:style>
+          <p:txBody>
+            <a:bodyPr rtlCol="0" anchor="ctr"/>
+            <a:lstStyle/>
+            <a:p>
+              <a:pPr algn="ctr"/>
+              <a:endParaRPr lang="fr-CA"/>
+            </a:p>
+          </p:txBody>
+        </p:sp>
+        <p:sp>
+          <p:nvSpPr>
+            <p:cNvPr id="5" name="Rectangle : coins arrondis 4">
+              <a:extLst>
+                <a:ext uri="{FF2B5EF4-FFF2-40B4-BE49-F238E27FC236}">
+                  <a16:creationId xmlns:a16="http://schemas.microsoft.com/office/drawing/2014/main" id="{19288E8E-A857-EFC9-39A7-242A899E3606}"/>
+                </a:ext>
+              </a:extLst>
+            </p:cNvPr>
+            <p:cNvSpPr/>
+            <p:nvPr/>
+          </p:nvSpPr>
+          <p:spPr>
+            <a:xfrm>
+              <a:off x="1137920" y="1005840"/>
+              <a:ext cx="1717040" cy="2255520"/>
+            </a:xfrm>
+            <a:prstGeom prst="roundRect">
+              <a:avLst>
+                <a:gd name="adj" fmla="val 3649"/>
+              </a:avLst>
+            </a:prstGeom>
+            <a:solidFill>
+              <a:schemeClr val="bg1"/>
+            </a:solidFill>
+            <a:ln w="203200">
+              <a:solidFill>
+                <a:schemeClr val="tx1"/>
+              </a:solidFill>
+            </a:ln>
+          </p:spPr>
+          <p:style>
+            <a:lnRef idx="2">
+              <a:schemeClr val="accent1">
+                <a:shade val="15000"/>
+              </a:schemeClr>
+            </a:lnRef>
+            <a:fillRef idx="1">
+              <a:schemeClr val="accent1"/>
+            </a:fillRef>
+            <a:effectRef idx="0">
+              <a:schemeClr val="accent1"/>
+            </a:effectRef>
+            <a:fontRef idx="minor">
+              <a:schemeClr val="lt1"/>
+            </a:fontRef>
+          </p:style>
+          <p:txBody>
+            <a:bodyPr rtlCol="0" anchor="ctr"/>
+            <a:lstStyle/>
+            <a:p>
+              <a:pPr algn="ctr"/>
+              <a:endParaRPr lang="fr-CA"/>
+            </a:p>
+          </p:txBody>
+        </p:sp>
+      </p:grpSp>
+    </p:spTree>
+    <p:extLst>
+      <p:ext uri="{BB962C8B-B14F-4D97-AF65-F5344CB8AC3E}">
+        <p14:creationId xmlns:p14="http://schemas.microsoft.com/office/powerpoint/2010/main" val="3550470372"/>
       </p:ext>
     </p:extLst>
   </p:cSld>

--- a/graphics/graphics.pptx
+++ b/graphics/graphics.pptx
@@ -205,7 +205,7 @@
           <a:p>
             <a:fld id="{B8404A9E-F80D-47A3-9ABE-4E375F8C7A58}" type="datetimeFigureOut">
               <a:rPr lang="fr-CA" smtClean="0"/>
-              <a:t>2025-07-05</a:t>
+              <a:t>2025-09-01</a:t>
             </a:fld>
             <a:endParaRPr lang="fr-CA"/>
           </a:p>
@@ -622,7 +622,7 @@
           <a:p>
             <a:fld id="{B1B97C2F-ED53-40B2-8245-274A53568F1F}" type="datetimeFigureOut">
               <a:rPr lang="fr-CA" smtClean="0"/>
-              <a:t>2025-07-05</a:t>
+              <a:t>2025-09-01</a:t>
             </a:fld>
             <a:endParaRPr lang="fr-CA"/>
           </a:p>
@@ -822,7 +822,7 @@
           <a:p>
             <a:fld id="{B1B97C2F-ED53-40B2-8245-274A53568F1F}" type="datetimeFigureOut">
               <a:rPr lang="fr-CA" smtClean="0"/>
-              <a:t>2025-07-05</a:t>
+              <a:t>2025-09-01</a:t>
             </a:fld>
             <a:endParaRPr lang="fr-CA"/>
           </a:p>
@@ -1032,7 +1032,7 @@
           <a:p>
             <a:fld id="{B1B97C2F-ED53-40B2-8245-274A53568F1F}" type="datetimeFigureOut">
               <a:rPr lang="fr-CA" smtClean="0"/>
-              <a:t>2025-07-05</a:t>
+              <a:t>2025-09-01</a:t>
             </a:fld>
             <a:endParaRPr lang="fr-CA"/>
           </a:p>
@@ -1254,7 +1254,7 @@
           <a:p>
             <a:fld id="{3CFA78C3-2C03-4D26-BA08-5201FB292C09}" type="datetimeFigureOut">
               <a:rPr lang="fr-CA" smtClean="0"/>
-              <a:t>2025-07-05</a:t>
+              <a:t>2025-09-01</a:t>
             </a:fld>
             <a:endParaRPr lang="fr-CA"/>
           </a:p>
@@ -1454,7 +1454,7 @@
           <a:p>
             <a:fld id="{3CFA78C3-2C03-4D26-BA08-5201FB292C09}" type="datetimeFigureOut">
               <a:rPr lang="fr-CA" smtClean="0"/>
-              <a:t>2025-07-05</a:t>
+              <a:t>2025-09-01</a:t>
             </a:fld>
             <a:endParaRPr lang="fr-CA"/>
           </a:p>
@@ -1730,7 +1730,7 @@
           <a:p>
             <a:fld id="{3CFA78C3-2C03-4D26-BA08-5201FB292C09}" type="datetimeFigureOut">
               <a:rPr lang="fr-CA" smtClean="0"/>
-              <a:t>2025-07-05</a:t>
+              <a:t>2025-09-01</a:t>
             </a:fld>
             <a:endParaRPr lang="fr-CA"/>
           </a:p>
@@ -1998,7 +1998,7 @@
           <a:p>
             <a:fld id="{3CFA78C3-2C03-4D26-BA08-5201FB292C09}" type="datetimeFigureOut">
               <a:rPr lang="fr-CA" smtClean="0"/>
-              <a:t>2025-07-05</a:t>
+              <a:t>2025-09-01</a:t>
             </a:fld>
             <a:endParaRPr lang="fr-CA"/>
           </a:p>
@@ -2413,7 +2413,7 @@
           <a:p>
             <a:fld id="{3CFA78C3-2C03-4D26-BA08-5201FB292C09}" type="datetimeFigureOut">
               <a:rPr lang="fr-CA" smtClean="0"/>
-              <a:t>2025-07-05</a:t>
+              <a:t>2025-09-01</a:t>
             </a:fld>
             <a:endParaRPr lang="fr-CA"/>
           </a:p>
@@ -2555,7 +2555,7 @@
           <a:p>
             <a:fld id="{3CFA78C3-2C03-4D26-BA08-5201FB292C09}" type="datetimeFigureOut">
               <a:rPr lang="fr-CA" smtClean="0"/>
-              <a:t>2025-07-05</a:t>
+              <a:t>2025-09-01</a:t>
             </a:fld>
             <a:endParaRPr lang="fr-CA"/>
           </a:p>
@@ -2668,7 +2668,7 @@
           <a:p>
             <a:fld id="{3CFA78C3-2C03-4D26-BA08-5201FB292C09}" type="datetimeFigureOut">
               <a:rPr lang="fr-CA" smtClean="0"/>
-              <a:t>2025-07-05</a:t>
+              <a:t>2025-09-01</a:t>
             </a:fld>
             <a:endParaRPr lang="fr-CA"/>
           </a:p>
@@ -2981,7 +2981,7 @@
           <a:p>
             <a:fld id="{3CFA78C3-2C03-4D26-BA08-5201FB292C09}" type="datetimeFigureOut">
               <a:rPr lang="fr-CA" smtClean="0"/>
-              <a:t>2025-07-05</a:t>
+              <a:t>2025-09-01</a:t>
             </a:fld>
             <a:endParaRPr lang="fr-CA"/>
           </a:p>
@@ -3181,7 +3181,7 @@
           <a:p>
             <a:fld id="{B1B97C2F-ED53-40B2-8245-274A53568F1F}" type="datetimeFigureOut">
               <a:rPr lang="fr-CA" smtClean="0"/>
-              <a:t>2025-07-05</a:t>
+              <a:t>2025-09-01</a:t>
             </a:fld>
             <a:endParaRPr lang="fr-CA"/>
           </a:p>
@@ -3470,7 +3470,7 @@
           <a:p>
             <a:fld id="{3CFA78C3-2C03-4D26-BA08-5201FB292C09}" type="datetimeFigureOut">
               <a:rPr lang="fr-CA" smtClean="0"/>
-              <a:t>2025-07-05</a:t>
+              <a:t>2025-09-01</a:t>
             </a:fld>
             <a:endParaRPr lang="fr-CA"/>
           </a:p>
@@ -3670,7 +3670,7 @@
           <a:p>
             <a:fld id="{3CFA78C3-2C03-4D26-BA08-5201FB292C09}" type="datetimeFigureOut">
               <a:rPr lang="fr-CA" smtClean="0"/>
-              <a:t>2025-07-05</a:t>
+              <a:t>2025-09-01</a:t>
             </a:fld>
             <a:endParaRPr lang="fr-CA"/>
           </a:p>
@@ -3880,7 +3880,7 @@
           <a:p>
             <a:fld id="{3CFA78C3-2C03-4D26-BA08-5201FB292C09}" type="datetimeFigureOut">
               <a:rPr lang="fr-CA" smtClean="0"/>
-              <a:t>2025-07-05</a:t>
+              <a:t>2025-09-01</a:t>
             </a:fld>
             <a:endParaRPr lang="fr-CA"/>
           </a:p>
@@ -4156,7 +4156,7 @@
           <a:p>
             <a:fld id="{B1B97C2F-ED53-40B2-8245-274A53568F1F}" type="datetimeFigureOut">
               <a:rPr lang="fr-CA" smtClean="0"/>
-              <a:t>2025-07-05</a:t>
+              <a:t>2025-09-01</a:t>
             </a:fld>
             <a:endParaRPr lang="fr-CA"/>
           </a:p>
@@ -4424,7 +4424,7 @@
           <a:p>
             <a:fld id="{B1B97C2F-ED53-40B2-8245-274A53568F1F}" type="datetimeFigureOut">
               <a:rPr lang="fr-CA" smtClean="0"/>
-              <a:t>2025-07-05</a:t>
+              <a:t>2025-09-01</a:t>
             </a:fld>
             <a:endParaRPr lang="fr-CA"/>
           </a:p>
@@ -4839,7 +4839,7 @@
           <a:p>
             <a:fld id="{B1B97C2F-ED53-40B2-8245-274A53568F1F}" type="datetimeFigureOut">
               <a:rPr lang="fr-CA" smtClean="0"/>
-              <a:t>2025-07-05</a:t>
+              <a:t>2025-09-01</a:t>
             </a:fld>
             <a:endParaRPr lang="fr-CA"/>
           </a:p>
@@ -4981,7 +4981,7 @@
           <a:p>
             <a:fld id="{B1B97C2F-ED53-40B2-8245-274A53568F1F}" type="datetimeFigureOut">
               <a:rPr lang="fr-CA" smtClean="0"/>
-              <a:t>2025-07-05</a:t>
+              <a:t>2025-09-01</a:t>
             </a:fld>
             <a:endParaRPr lang="fr-CA"/>
           </a:p>
@@ -5094,7 +5094,7 @@
           <a:p>
             <a:fld id="{B1B97C2F-ED53-40B2-8245-274A53568F1F}" type="datetimeFigureOut">
               <a:rPr lang="fr-CA" smtClean="0"/>
-              <a:t>2025-07-05</a:t>
+              <a:t>2025-09-01</a:t>
             </a:fld>
             <a:endParaRPr lang="fr-CA"/>
           </a:p>
@@ -5407,7 +5407,7 @@
           <a:p>
             <a:fld id="{B1B97C2F-ED53-40B2-8245-274A53568F1F}" type="datetimeFigureOut">
               <a:rPr lang="fr-CA" smtClean="0"/>
-              <a:t>2025-07-05</a:t>
+              <a:t>2025-09-01</a:t>
             </a:fld>
             <a:endParaRPr lang="fr-CA"/>
           </a:p>
@@ -5696,7 +5696,7 @@
           <a:p>
             <a:fld id="{B1B97C2F-ED53-40B2-8245-274A53568F1F}" type="datetimeFigureOut">
               <a:rPr lang="fr-CA" smtClean="0"/>
-              <a:t>2025-07-05</a:t>
+              <a:t>2025-09-01</a:t>
             </a:fld>
             <a:endParaRPr lang="fr-CA"/>
           </a:p>
@@ -5939,7 +5939,7 @@
           <a:p>
             <a:fld id="{B1B97C2F-ED53-40B2-8245-274A53568F1F}" type="datetimeFigureOut">
               <a:rPr lang="fr-CA" smtClean="0"/>
-              <a:t>2025-07-05</a:t>
+              <a:t>2025-09-01</a:t>
             </a:fld>
             <a:endParaRPr lang="fr-CA"/>
           </a:p>
@@ -6509,7 +6509,7 @@
           <a:p>
             <a:fld id="{3CFA78C3-2C03-4D26-BA08-5201FB292C09}" type="datetimeFigureOut">
               <a:rPr lang="fr-CA" smtClean="0"/>
-              <a:t>2025-07-05</a:t>
+              <a:t>2025-09-01</a:t>
             </a:fld>
             <a:endParaRPr lang="fr-CA"/>
           </a:p>
@@ -9280,6 +9280,84 @@
           </p:txBody>
         </p:sp>
       </p:grpSp>
+      <p:sp>
+        <p:nvSpPr>
+          <p:cNvPr id="4" name="Ellipse 3">
+            <a:extLst>
+              <a:ext uri="{FF2B5EF4-FFF2-40B4-BE49-F238E27FC236}">
+                <a16:creationId xmlns:a16="http://schemas.microsoft.com/office/drawing/2014/main" id="{4681F7E5-A3DB-1479-3EEA-0D1191E58396}"/>
+              </a:ext>
+            </a:extLst>
+          </p:cNvPr>
+          <p:cNvSpPr/>
+          <p:nvPr/>
+        </p:nvSpPr>
+        <p:spPr>
+          <a:xfrm>
+            <a:off x="3104228" y="2978498"/>
+            <a:ext cx="2517058" cy="2517058"/>
+          </a:xfrm>
+          <a:prstGeom prst="ellipse">
+            <a:avLst/>
+          </a:prstGeom>
+          <a:solidFill>
+            <a:srgbClr val="8FAADC"/>
+          </a:solidFill>
+        </p:spPr>
+        <p:style>
+          <a:lnRef idx="2">
+            <a:schemeClr val="accent1">
+              <a:shade val="15000"/>
+            </a:schemeClr>
+          </a:lnRef>
+          <a:fillRef idx="1">
+            <a:schemeClr val="accent1"/>
+          </a:fillRef>
+          <a:effectRef idx="0">
+            <a:schemeClr val="accent1"/>
+          </a:effectRef>
+          <a:fontRef idx="minor">
+            <a:schemeClr val="lt1"/>
+          </a:fontRef>
+        </p:style>
+        <p:txBody>
+          <a:bodyPr rtlCol="0" anchor="ctr"/>
+          <a:lstStyle/>
+          <a:p>
+            <a:pPr algn="ctr">
+              <a:spcBef>
+                <a:spcPts val="600"/>
+              </a:spcBef>
+            </a:pPr>
+            <a:r>
+              <a:rPr lang="fr-CA" sz="1000" b="1" dirty="0">
+                <a:ln>
+                  <a:solidFill>
+                    <a:schemeClr val="tx1"/>
+                  </a:solidFill>
+                </a:ln>
+                <a:latin typeface="Aptos Display" panose="020B0004020202020204" pitchFamily="34" charset="0"/>
+                <a:ea typeface="Noto Serif" panose="02020502060505020204" pitchFamily="18"/>
+                <a:cs typeface="Noto Serif" panose="02020502060505020204" pitchFamily="18"/>
+              </a:rPr>
+              <a:t>  </a:t>
+            </a:r>
+            <a:r>
+              <a:rPr lang="fr-CA" sz="22000" b="1" dirty="0">
+                <a:ln>
+                  <a:solidFill>
+                    <a:schemeClr val="tx1"/>
+                  </a:solidFill>
+                </a:ln>
+                <a:latin typeface="Aptos Display" panose="020B0004020202020204" pitchFamily="34" charset="0"/>
+                <a:ea typeface="Noto Serif" panose="02020502060505020204" pitchFamily="18"/>
+                <a:cs typeface="Noto Serif" panose="02020502060505020204" pitchFamily="18"/>
+              </a:rPr>
+              <a:t>?</a:t>
+            </a:r>
+          </a:p>
+        </p:txBody>
+      </p:sp>
     </p:spTree>
     <p:extLst>
       <p:ext uri="{BB962C8B-B14F-4D97-AF65-F5344CB8AC3E}">

--- a/graphics/graphics.pptx
+++ b/graphics/graphics.pptx
@@ -205,7 +205,7 @@
           <a:p>
             <a:fld id="{B8404A9E-F80D-47A3-9ABE-4E375F8C7A58}" type="datetimeFigureOut">
               <a:rPr lang="fr-CA" smtClean="0"/>
-              <a:t>2025-09-01</a:t>
+              <a:t>2026-02-24</a:t>
             </a:fld>
             <a:endParaRPr lang="fr-CA"/>
           </a:p>
@@ -622,7 +622,7 @@
           <a:p>
             <a:fld id="{B1B97C2F-ED53-40B2-8245-274A53568F1F}" type="datetimeFigureOut">
               <a:rPr lang="fr-CA" smtClean="0"/>
-              <a:t>2025-09-01</a:t>
+              <a:t>2026-02-24</a:t>
             </a:fld>
             <a:endParaRPr lang="fr-CA"/>
           </a:p>
@@ -822,7 +822,7 @@
           <a:p>
             <a:fld id="{B1B97C2F-ED53-40B2-8245-274A53568F1F}" type="datetimeFigureOut">
               <a:rPr lang="fr-CA" smtClean="0"/>
-              <a:t>2025-09-01</a:t>
+              <a:t>2026-02-24</a:t>
             </a:fld>
             <a:endParaRPr lang="fr-CA"/>
           </a:p>
@@ -1032,7 +1032,7 @@
           <a:p>
             <a:fld id="{B1B97C2F-ED53-40B2-8245-274A53568F1F}" type="datetimeFigureOut">
               <a:rPr lang="fr-CA" smtClean="0"/>
-              <a:t>2025-09-01</a:t>
+              <a:t>2026-02-24</a:t>
             </a:fld>
             <a:endParaRPr lang="fr-CA"/>
           </a:p>
@@ -1254,7 +1254,7 @@
           <a:p>
             <a:fld id="{3CFA78C3-2C03-4D26-BA08-5201FB292C09}" type="datetimeFigureOut">
               <a:rPr lang="fr-CA" smtClean="0"/>
-              <a:t>2025-09-01</a:t>
+              <a:t>2026-02-24</a:t>
             </a:fld>
             <a:endParaRPr lang="fr-CA"/>
           </a:p>
@@ -1454,7 +1454,7 @@
           <a:p>
             <a:fld id="{3CFA78C3-2C03-4D26-BA08-5201FB292C09}" type="datetimeFigureOut">
               <a:rPr lang="fr-CA" smtClean="0"/>
-              <a:t>2025-09-01</a:t>
+              <a:t>2026-02-24</a:t>
             </a:fld>
             <a:endParaRPr lang="fr-CA"/>
           </a:p>
@@ -1730,7 +1730,7 @@
           <a:p>
             <a:fld id="{3CFA78C3-2C03-4D26-BA08-5201FB292C09}" type="datetimeFigureOut">
               <a:rPr lang="fr-CA" smtClean="0"/>
-              <a:t>2025-09-01</a:t>
+              <a:t>2026-02-24</a:t>
             </a:fld>
             <a:endParaRPr lang="fr-CA"/>
           </a:p>
@@ -1998,7 +1998,7 @@
           <a:p>
             <a:fld id="{3CFA78C3-2C03-4D26-BA08-5201FB292C09}" type="datetimeFigureOut">
               <a:rPr lang="fr-CA" smtClean="0"/>
-              <a:t>2025-09-01</a:t>
+              <a:t>2026-02-24</a:t>
             </a:fld>
             <a:endParaRPr lang="fr-CA"/>
           </a:p>
@@ -2413,7 +2413,7 @@
           <a:p>
             <a:fld id="{3CFA78C3-2C03-4D26-BA08-5201FB292C09}" type="datetimeFigureOut">
               <a:rPr lang="fr-CA" smtClean="0"/>
-              <a:t>2025-09-01</a:t>
+              <a:t>2026-02-24</a:t>
             </a:fld>
             <a:endParaRPr lang="fr-CA"/>
           </a:p>
@@ -2555,7 +2555,7 @@
           <a:p>
             <a:fld id="{3CFA78C3-2C03-4D26-BA08-5201FB292C09}" type="datetimeFigureOut">
               <a:rPr lang="fr-CA" smtClean="0"/>
-              <a:t>2025-09-01</a:t>
+              <a:t>2026-02-24</a:t>
             </a:fld>
             <a:endParaRPr lang="fr-CA"/>
           </a:p>
@@ -2668,7 +2668,7 @@
           <a:p>
             <a:fld id="{3CFA78C3-2C03-4D26-BA08-5201FB292C09}" type="datetimeFigureOut">
               <a:rPr lang="fr-CA" smtClean="0"/>
-              <a:t>2025-09-01</a:t>
+              <a:t>2026-02-24</a:t>
             </a:fld>
             <a:endParaRPr lang="fr-CA"/>
           </a:p>
@@ -2981,7 +2981,7 @@
           <a:p>
             <a:fld id="{3CFA78C3-2C03-4D26-BA08-5201FB292C09}" type="datetimeFigureOut">
               <a:rPr lang="fr-CA" smtClean="0"/>
-              <a:t>2025-09-01</a:t>
+              <a:t>2026-02-24</a:t>
             </a:fld>
             <a:endParaRPr lang="fr-CA"/>
           </a:p>
@@ -3181,7 +3181,7 @@
           <a:p>
             <a:fld id="{B1B97C2F-ED53-40B2-8245-274A53568F1F}" type="datetimeFigureOut">
               <a:rPr lang="fr-CA" smtClean="0"/>
-              <a:t>2025-09-01</a:t>
+              <a:t>2026-02-24</a:t>
             </a:fld>
             <a:endParaRPr lang="fr-CA"/>
           </a:p>
@@ -3470,7 +3470,7 @@
           <a:p>
             <a:fld id="{3CFA78C3-2C03-4D26-BA08-5201FB292C09}" type="datetimeFigureOut">
               <a:rPr lang="fr-CA" smtClean="0"/>
-              <a:t>2025-09-01</a:t>
+              <a:t>2026-02-24</a:t>
             </a:fld>
             <a:endParaRPr lang="fr-CA"/>
           </a:p>
@@ -3670,7 +3670,7 @@
           <a:p>
             <a:fld id="{3CFA78C3-2C03-4D26-BA08-5201FB292C09}" type="datetimeFigureOut">
               <a:rPr lang="fr-CA" smtClean="0"/>
-              <a:t>2025-09-01</a:t>
+              <a:t>2026-02-24</a:t>
             </a:fld>
             <a:endParaRPr lang="fr-CA"/>
           </a:p>
@@ -3880,7 +3880,7 @@
           <a:p>
             <a:fld id="{3CFA78C3-2C03-4D26-BA08-5201FB292C09}" type="datetimeFigureOut">
               <a:rPr lang="fr-CA" smtClean="0"/>
-              <a:t>2025-09-01</a:t>
+              <a:t>2026-02-24</a:t>
             </a:fld>
             <a:endParaRPr lang="fr-CA"/>
           </a:p>
@@ -4156,7 +4156,7 @@
           <a:p>
             <a:fld id="{B1B97C2F-ED53-40B2-8245-274A53568F1F}" type="datetimeFigureOut">
               <a:rPr lang="fr-CA" smtClean="0"/>
-              <a:t>2025-09-01</a:t>
+              <a:t>2026-02-24</a:t>
             </a:fld>
             <a:endParaRPr lang="fr-CA"/>
           </a:p>
@@ -4424,7 +4424,7 @@
           <a:p>
             <a:fld id="{B1B97C2F-ED53-40B2-8245-274A53568F1F}" type="datetimeFigureOut">
               <a:rPr lang="fr-CA" smtClean="0"/>
-              <a:t>2025-09-01</a:t>
+              <a:t>2026-02-24</a:t>
             </a:fld>
             <a:endParaRPr lang="fr-CA"/>
           </a:p>
@@ -4839,7 +4839,7 @@
           <a:p>
             <a:fld id="{B1B97C2F-ED53-40B2-8245-274A53568F1F}" type="datetimeFigureOut">
               <a:rPr lang="fr-CA" smtClean="0"/>
-              <a:t>2025-09-01</a:t>
+              <a:t>2026-02-24</a:t>
             </a:fld>
             <a:endParaRPr lang="fr-CA"/>
           </a:p>
@@ -4981,7 +4981,7 @@
           <a:p>
             <a:fld id="{B1B97C2F-ED53-40B2-8245-274A53568F1F}" type="datetimeFigureOut">
               <a:rPr lang="fr-CA" smtClean="0"/>
-              <a:t>2025-09-01</a:t>
+              <a:t>2026-02-24</a:t>
             </a:fld>
             <a:endParaRPr lang="fr-CA"/>
           </a:p>
@@ -5094,7 +5094,7 @@
           <a:p>
             <a:fld id="{B1B97C2F-ED53-40B2-8245-274A53568F1F}" type="datetimeFigureOut">
               <a:rPr lang="fr-CA" smtClean="0"/>
-              <a:t>2025-09-01</a:t>
+              <a:t>2026-02-24</a:t>
             </a:fld>
             <a:endParaRPr lang="fr-CA"/>
           </a:p>
@@ -5407,7 +5407,7 @@
           <a:p>
             <a:fld id="{B1B97C2F-ED53-40B2-8245-274A53568F1F}" type="datetimeFigureOut">
               <a:rPr lang="fr-CA" smtClean="0"/>
-              <a:t>2025-09-01</a:t>
+              <a:t>2026-02-24</a:t>
             </a:fld>
             <a:endParaRPr lang="fr-CA"/>
           </a:p>
@@ -5696,7 +5696,7 @@
           <a:p>
             <a:fld id="{B1B97C2F-ED53-40B2-8245-274A53568F1F}" type="datetimeFigureOut">
               <a:rPr lang="fr-CA" smtClean="0"/>
-              <a:t>2025-09-01</a:t>
+              <a:t>2026-02-24</a:t>
             </a:fld>
             <a:endParaRPr lang="fr-CA"/>
           </a:p>
@@ -5939,7 +5939,7 @@
           <a:p>
             <a:fld id="{B1B97C2F-ED53-40B2-8245-274A53568F1F}" type="datetimeFigureOut">
               <a:rPr lang="fr-CA" smtClean="0"/>
-              <a:t>2025-09-01</a:t>
+              <a:t>2026-02-24</a:t>
             </a:fld>
             <a:endParaRPr lang="fr-CA"/>
           </a:p>
@@ -6509,7 +6509,7 @@
           <a:p>
             <a:fld id="{3CFA78C3-2C03-4D26-BA08-5201FB292C09}" type="datetimeFigureOut">
               <a:rPr lang="fr-CA" smtClean="0"/>
-              <a:t>2025-09-01</a:t>
+              <a:t>2026-02-24</a:t>
             </a:fld>
             <a:endParaRPr lang="fr-CA"/>
           </a:p>
@@ -9388,55 +9388,6 @@
           <a:chExt cx="0" cy="0"/>
         </a:xfrm>
       </p:grpSpPr>
-      <p:sp>
-        <p:nvSpPr>
-          <p:cNvPr id="90" name="Flèche : droite 89">
-            <a:extLst>
-              <a:ext uri="{FF2B5EF4-FFF2-40B4-BE49-F238E27FC236}">
-                <a16:creationId xmlns:a16="http://schemas.microsoft.com/office/drawing/2014/main" id="{3280F910-11E7-9521-8473-2B65F602B8B6}"/>
-              </a:ext>
-            </a:extLst>
-          </p:cNvPr>
-          <p:cNvSpPr/>
-          <p:nvPr/>
-        </p:nvSpPr>
-        <p:spPr>
-          <a:xfrm rot="16200000">
-            <a:off x="3058440" y="4166506"/>
-            <a:ext cx="2640937" cy="1425781"/>
-          </a:xfrm>
-          <a:prstGeom prst="rightArrow">
-            <a:avLst/>
-          </a:prstGeom>
-          <a:solidFill>
-            <a:srgbClr val="8E8E8E"/>
-          </a:solidFill>
-        </p:spPr>
-        <p:style>
-          <a:lnRef idx="2">
-            <a:schemeClr val="accent1">
-              <a:shade val="15000"/>
-            </a:schemeClr>
-          </a:lnRef>
-          <a:fillRef idx="1">
-            <a:schemeClr val="accent1"/>
-          </a:fillRef>
-          <a:effectRef idx="0">
-            <a:schemeClr val="accent1"/>
-          </a:effectRef>
-          <a:fontRef idx="minor">
-            <a:schemeClr val="lt1"/>
-          </a:fontRef>
-        </p:style>
-        <p:txBody>
-          <a:bodyPr rtlCol="0" anchor="ctr"/>
-          <a:lstStyle/>
-          <a:p>
-            <a:pPr algn="ctr"/>
-            <a:endParaRPr lang="fr-CA" dirty="0"/>
-          </a:p>
-        </p:txBody>
-      </p:sp>
       <p:grpSp>
         <p:nvGrpSpPr>
           <p:cNvPr id="72" name="Groupe 71">
@@ -9866,7 +9817,7 @@
         </p:nvGrpSpPr>
         <p:grpSpPr>
           <a:xfrm>
-            <a:off x="3723061" y="95514"/>
+            <a:off x="8468316" y="3627785"/>
             <a:ext cx="3165885" cy="3237792"/>
             <a:chOff x="261257" y="140364"/>
             <a:chExt cx="6376623" cy="6577272"/>
@@ -10138,7 +10089,7 @@
         </p:nvGrpSpPr>
         <p:grpSpPr>
           <a:xfrm>
-            <a:off x="7468941" y="151175"/>
+            <a:off x="8325590" y="147308"/>
             <a:ext cx="3690897" cy="3245523"/>
             <a:chOff x="8278846" y="173446"/>
             <a:chExt cx="3723995" cy="3418613"/>
@@ -10527,61 +10478,12 @@
           </p:style>
         </p:cxnSp>
       </p:grpSp>
-      <p:sp>
-        <p:nvSpPr>
-          <p:cNvPr id="87" name="Flèche : droite 86">
+      <p:grpSp>
+        <p:nvGrpSpPr>
+          <p:cNvPr id="14" name="Groupe 13">
             <a:extLst>
               <a:ext uri="{FF2B5EF4-FFF2-40B4-BE49-F238E27FC236}">
-                <a16:creationId xmlns:a16="http://schemas.microsoft.com/office/drawing/2014/main" id="{5BF98113-4FDD-F5BF-8BD8-51AA056BEF38}"/>
-              </a:ext>
-            </a:extLst>
-          </p:cNvPr>
-          <p:cNvSpPr/>
-          <p:nvPr/>
-        </p:nvSpPr>
-        <p:spPr>
-          <a:xfrm>
-            <a:off x="4021994" y="5454358"/>
-            <a:ext cx="2866952" cy="1308128"/>
-          </a:xfrm>
-          <a:prstGeom prst="rightArrow">
-            <a:avLst/>
-          </a:prstGeom>
-          <a:solidFill>
-            <a:srgbClr val="8E8E8E"/>
-          </a:solidFill>
-        </p:spPr>
-        <p:style>
-          <a:lnRef idx="2">
-            <a:schemeClr val="accent1">
-              <a:shade val="15000"/>
-            </a:schemeClr>
-          </a:lnRef>
-          <a:fillRef idx="1">
-            <a:schemeClr val="accent1"/>
-          </a:fillRef>
-          <a:effectRef idx="0">
-            <a:schemeClr val="accent1"/>
-          </a:effectRef>
-          <a:fontRef idx="minor">
-            <a:schemeClr val="lt1"/>
-          </a:fontRef>
-        </p:style>
-        <p:txBody>
-          <a:bodyPr rtlCol="0" anchor="ctr"/>
-          <a:lstStyle/>
-          <a:p>
-            <a:pPr algn="ctr"/>
-            <a:endParaRPr lang="fr-CA"/>
-          </a:p>
-        </p:txBody>
-      </p:sp>
-      <p:grpSp>
-        <p:nvGrpSpPr>
-          <p:cNvPr id="11" name="Groupe 10">
-            <a:extLst>
-              <a:ext uri="{FF2B5EF4-FFF2-40B4-BE49-F238E27FC236}">
-                <a16:creationId xmlns:a16="http://schemas.microsoft.com/office/drawing/2014/main" id="{88B61259-6C4A-0D99-2292-7C78C2EC6E16}"/>
+                <a16:creationId xmlns:a16="http://schemas.microsoft.com/office/drawing/2014/main" id="{C42F0415-6B16-44E4-A2FE-68D14232AF45}"/>
               </a:ext>
             </a:extLst>
           </p:cNvPr>
@@ -10590,474 +10492,18 @@
         </p:nvGrpSpPr>
         <p:grpSpPr>
           <a:xfrm>
-            <a:off x="7244922" y="3891634"/>
-            <a:ext cx="2057038" cy="1975524"/>
-            <a:chOff x="8738781" y="3839941"/>
-            <a:chExt cx="2057038" cy="1975524"/>
+            <a:off x="4623579" y="3534630"/>
+            <a:ext cx="3222928" cy="3203558"/>
+            <a:chOff x="3666018" y="3558928"/>
+            <a:chExt cx="3222928" cy="3203558"/>
           </a:xfrm>
         </p:grpSpPr>
-        <p:grpSp>
-          <p:nvGrpSpPr>
-            <p:cNvPr id="7" name="Groupe 6">
+        <p:sp>
+          <p:nvSpPr>
+            <p:cNvPr id="90" name="Flèche : droite 89">
               <a:extLst>
                 <a:ext uri="{FF2B5EF4-FFF2-40B4-BE49-F238E27FC236}">
-                  <a16:creationId xmlns:a16="http://schemas.microsoft.com/office/drawing/2014/main" id="{BFE39415-0C99-9CF3-7BD4-223A6E766AC4}"/>
-                </a:ext>
-              </a:extLst>
-            </p:cNvPr>
-            <p:cNvGrpSpPr/>
-            <p:nvPr/>
-          </p:nvGrpSpPr>
-          <p:grpSpPr>
-            <a:xfrm>
-              <a:off x="8738781" y="3839941"/>
-              <a:ext cx="2057038" cy="1975524"/>
-              <a:chOff x="8738781" y="3839941"/>
-              <a:chExt cx="2057038" cy="1975524"/>
-            </a:xfrm>
-          </p:grpSpPr>
-          <p:grpSp>
-            <p:nvGrpSpPr>
-              <p:cNvPr id="37" name="Groupe 36">
-                <a:extLst>
-                  <a:ext uri="{FF2B5EF4-FFF2-40B4-BE49-F238E27FC236}">
-                    <a16:creationId xmlns:a16="http://schemas.microsoft.com/office/drawing/2014/main" id="{8C05B421-5443-6A06-FE42-F26AC0CB665F}"/>
-                  </a:ext>
-                </a:extLst>
-              </p:cNvPr>
-              <p:cNvGrpSpPr/>
-              <p:nvPr/>
-            </p:nvGrpSpPr>
-            <p:grpSpPr>
-              <a:xfrm>
-                <a:off x="8738781" y="3839941"/>
-                <a:ext cx="2057038" cy="1975524"/>
-                <a:chOff x="5424610" y="4695347"/>
-                <a:chExt cx="1185740" cy="1138753"/>
-              </a:xfrm>
-            </p:grpSpPr>
-            <p:pic>
-              <p:nvPicPr>
-                <p:cNvPr id="32" name="Graphique 31" descr="Épingle avec un remplissage uni">
-                  <a:extLst>
-                    <a:ext uri="{FF2B5EF4-FFF2-40B4-BE49-F238E27FC236}">
-                      <a16:creationId xmlns:a16="http://schemas.microsoft.com/office/drawing/2014/main" id="{2A28674A-D080-FA8A-CE11-31CCAEF71692}"/>
-                    </a:ext>
-                  </a:extLst>
-                </p:cNvPr>
-                <p:cNvPicPr>
-                  <a:picLocks noChangeAspect="1"/>
-                </p:cNvPicPr>
-                <p:nvPr/>
-              </p:nvPicPr>
-              <p:blipFill>
-                <a:blip r:embed="rId2">
-                  <a:extLst>
-                    <a:ext uri="{96DAC541-7B7A-43D3-8B79-37D633B846F1}">
-                      <asvg:svgBlip xmlns:asvg="http://schemas.microsoft.com/office/drawing/2016/SVG/main" r:embed="rId3"/>
-                    </a:ext>
-                  </a:extLst>
-                </a:blip>
-                <a:stretch>
-                  <a:fillRect/>
-                </a:stretch>
-              </p:blipFill>
-              <p:spPr>
-                <a:xfrm flipH="1">
-                  <a:off x="5424610" y="4695347"/>
-                  <a:ext cx="1185740" cy="1138753"/>
-                </a:xfrm>
-                <a:prstGeom prst="rect">
-                  <a:avLst/>
-                </a:prstGeom>
-              </p:spPr>
-            </p:pic>
-            <p:cxnSp>
-              <p:nvCxnSpPr>
-                <p:cNvPr id="34" name="Connecteur droit 33">
-                  <a:extLst>
-                    <a:ext uri="{FF2B5EF4-FFF2-40B4-BE49-F238E27FC236}">
-                      <a16:creationId xmlns:a16="http://schemas.microsoft.com/office/drawing/2014/main" id="{DB988EB8-C879-0DE1-AE3D-7716F38AC8BA}"/>
-                    </a:ext>
-                  </a:extLst>
-                </p:cNvPr>
-                <p:cNvCxnSpPr>
-                  <a:cxnSpLocks/>
-                </p:cNvCxnSpPr>
-                <p:nvPr/>
-              </p:nvCxnSpPr>
-              <p:spPr>
-                <a:xfrm>
-                  <a:off x="5741194" y="5384727"/>
-                  <a:ext cx="159544" cy="149298"/>
-                </a:xfrm>
-                <a:prstGeom prst="line">
-                  <a:avLst/>
-                </a:prstGeom>
-                <a:ln w="57150">
-                  <a:solidFill>
-                    <a:schemeClr val="tx1"/>
-                  </a:solidFill>
-                </a:ln>
-              </p:spPr>
-              <p:style>
-                <a:lnRef idx="1">
-                  <a:schemeClr val="accent1"/>
-                </a:lnRef>
-                <a:fillRef idx="0">
-                  <a:schemeClr val="accent1"/>
-                </a:fillRef>
-                <a:effectRef idx="0">
-                  <a:schemeClr val="accent1"/>
-                </a:effectRef>
-                <a:fontRef idx="minor">
-                  <a:schemeClr val="tx1"/>
-                </a:fontRef>
-              </p:style>
-            </p:cxnSp>
-          </p:grpSp>
-          <p:cxnSp>
-            <p:nvCxnSpPr>
-              <p:cNvPr id="3" name="Connecteur droit 2">
-                <a:extLst>
-                  <a:ext uri="{FF2B5EF4-FFF2-40B4-BE49-F238E27FC236}">
-                    <a16:creationId xmlns:a16="http://schemas.microsoft.com/office/drawing/2014/main" id="{B75F72E7-3035-DD4D-AFB4-F06917549501}"/>
-                  </a:ext>
-                </a:extLst>
-              </p:cNvPr>
-              <p:cNvCxnSpPr>
-                <a:cxnSpLocks/>
-              </p:cNvCxnSpPr>
-              <p:nvPr/>
-            </p:nvCxnSpPr>
-            <p:spPr>
-              <a:xfrm>
-                <a:off x="9391650" y="4733925"/>
-                <a:ext cx="461963" cy="425357"/>
-              </a:xfrm>
-              <a:prstGeom prst="line">
-                <a:avLst/>
-              </a:prstGeom>
-              <a:ln w="57150">
-                <a:solidFill>
-                  <a:schemeClr val="tx1"/>
-                </a:solidFill>
-              </a:ln>
-            </p:spPr>
-            <p:style>
-              <a:lnRef idx="1">
-                <a:schemeClr val="accent1"/>
-              </a:lnRef>
-              <a:fillRef idx="0">
-                <a:schemeClr val="accent1"/>
-              </a:fillRef>
-              <a:effectRef idx="0">
-                <a:schemeClr val="accent1"/>
-              </a:effectRef>
-              <a:fontRef idx="minor">
-                <a:schemeClr val="tx1"/>
-              </a:fontRef>
-            </p:style>
-          </p:cxnSp>
-        </p:grpSp>
-        <p:cxnSp>
-          <p:nvCxnSpPr>
-            <p:cNvPr id="8" name="Connecteur droit 7">
-              <a:extLst>
-                <a:ext uri="{FF2B5EF4-FFF2-40B4-BE49-F238E27FC236}">
-                  <a16:creationId xmlns:a16="http://schemas.microsoft.com/office/drawing/2014/main" id="{309C89A1-DDB3-4688-0629-FF31E6418CA4}"/>
-                </a:ext>
-              </a:extLst>
-            </p:cNvPr>
-            <p:cNvCxnSpPr>
-              <a:cxnSpLocks/>
-            </p:cNvCxnSpPr>
-            <p:nvPr/>
-          </p:nvCxnSpPr>
-          <p:spPr>
-            <a:xfrm>
-              <a:off x="9853613" y="4398169"/>
-              <a:ext cx="361950" cy="335756"/>
-            </a:xfrm>
-            <a:prstGeom prst="line">
-              <a:avLst/>
-            </a:prstGeom>
-            <a:ln w="57150">
-              <a:solidFill>
-                <a:schemeClr val="tx1"/>
-              </a:solidFill>
-            </a:ln>
-          </p:spPr>
-          <p:style>
-            <a:lnRef idx="1">
-              <a:schemeClr val="accent1"/>
-            </a:lnRef>
-            <a:fillRef idx="0">
-              <a:schemeClr val="accent1"/>
-            </a:fillRef>
-            <a:effectRef idx="0">
-              <a:schemeClr val="accent1"/>
-            </a:effectRef>
-            <a:fontRef idx="minor">
-              <a:schemeClr val="tx1"/>
-            </a:fontRef>
-          </p:style>
-        </p:cxnSp>
-      </p:grpSp>
-      <p:grpSp>
-        <p:nvGrpSpPr>
-          <p:cNvPr id="20" name="Groupe 19">
-            <a:extLst>
-              <a:ext uri="{FF2B5EF4-FFF2-40B4-BE49-F238E27FC236}">
-                <a16:creationId xmlns:a16="http://schemas.microsoft.com/office/drawing/2014/main" id="{1A51F401-5065-5941-EF37-C3F1DD887262}"/>
-              </a:ext>
-            </a:extLst>
-          </p:cNvPr>
-          <p:cNvGrpSpPr/>
-          <p:nvPr/>
-        </p:nvGrpSpPr>
-        <p:grpSpPr>
-          <a:xfrm>
-            <a:off x="9520244" y="4010534"/>
-            <a:ext cx="2057038" cy="1975524"/>
-            <a:chOff x="9520244" y="4010534"/>
-            <a:chExt cx="2057038" cy="1975524"/>
-          </a:xfrm>
-        </p:grpSpPr>
-        <p:grpSp>
-          <p:nvGrpSpPr>
-            <p:cNvPr id="2" name="Groupe 1">
-              <a:extLst>
-                <a:ext uri="{FF2B5EF4-FFF2-40B4-BE49-F238E27FC236}">
-                  <a16:creationId xmlns:a16="http://schemas.microsoft.com/office/drawing/2014/main" id="{DF0CD381-5013-5291-1AB8-3F734FCFDA28}"/>
-                </a:ext>
-              </a:extLst>
-            </p:cNvPr>
-            <p:cNvGrpSpPr/>
-            <p:nvPr/>
-          </p:nvGrpSpPr>
-          <p:grpSpPr>
-            <a:xfrm>
-              <a:off x="9520244" y="4010534"/>
-              <a:ext cx="2057038" cy="1975524"/>
-              <a:chOff x="8738781" y="3839941"/>
-              <a:chExt cx="2057038" cy="1975524"/>
-            </a:xfrm>
-          </p:grpSpPr>
-          <p:grpSp>
-            <p:nvGrpSpPr>
-              <p:cNvPr id="5" name="Groupe 4">
-                <a:extLst>
-                  <a:ext uri="{FF2B5EF4-FFF2-40B4-BE49-F238E27FC236}">
-                    <a16:creationId xmlns:a16="http://schemas.microsoft.com/office/drawing/2014/main" id="{61AE95F2-D728-97F5-DB82-800A2899ADBD}"/>
-                  </a:ext>
-                </a:extLst>
-              </p:cNvPr>
-              <p:cNvGrpSpPr/>
-              <p:nvPr/>
-            </p:nvGrpSpPr>
-            <p:grpSpPr>
-              <a:xfrm>
-                <a:off x="8738781" y="3839941"/>
-                <a:ext cx="2057038" cy="1975524"/>
-                <a:chOff x="8738781" y="3839941"/>
-                <a:chExt cx="2057038" cy="1975524"/>
-              </a:xfrm>
-            </p:grpSpPr>
-            <p:grpSp>
-              <p:nvGrpSpPr>
-                <p:cNvPr id="9" name="Groupe 8">
-                  <a:extLst>
-                    <a:ext uri="{FF2B5EF4-FFF2-40B4-BE49-F238E27FC236}">
-                      <a16:creationId xmlns:a16="http://schemas.microsoft.com/office/drawing/2014/main" id="{30671D76-A8F8-D31D-4DF9-5E46BB275D66}"/>
-                    </a:ext>
-                  </a:extLst>
-                </p:cNvPr>
-                <p:cNvGrpSpPr/>
-                <p:nvPr/>
-              </p:nvGrpSpPr>
-              <p:grpSpPr>
-                <a:xfrm>
-                  <a:off x="8738781" y="3839941"/>
-                  <a:ext cx="2057038" cy="1975524"/>
-                  <a:chOff x="5424610" y="4695347"/>
-                  <a:chExt cx="1185740" cy="1138753"/>
-                </a:xfrm>
-              </p:grpSpPr>
-              <p:pic>
-                <p:nvPicPr>
-                  <p:cNvPr id="12" name="Graphique 11" descr="Épingle avec un remplissage uni">
-                    <a:extLst>
-                      <a:ext uri="{FF2B5EF4-FFF2-40B4-BE49-F238E27FC236}">
-                        <a16:creationId xmlns:a16="http://schemas.microsoft.com/office/drawing/2014/main" id="{2F2F6C49-3C48-20F9-B815-661FF64F05A0}"/>
-                      </a:ext>
-                    </a:extLst>
-                  </p:cNvPr>
-                  <p:cNvPicPr>
-                    <a:picLocks noChangeAspect="1"/>
-                  </p:cNvPicPr>
-                  <p:nvPr/>
-                </p:nvPicPr>
-                <p:blipFill>
-                  <a:blip r:embed="rId2">
-                    <a:extLst>
-                      <a:ext uri="{96DAC541-7B7A-43D3-8B79-37D633B846F1}">
-                        <asvg:svgBlip xmlns:asvg="http://schemas.microsoft.com/office/drawing/2016/SVG/main" r:embed="rId3"/>
-                      </a:ext>
-                    </a:extLst>
-                  </a:blip>
-                  <a:stretch>
-                    <a:fillRect/>
-                  </a:stretch>
-                </p:blipFill>
-                <p:spPr>
-                  <a:xfrm flipH="1">
-                    <a:off x="5424610" y="4695347"/>
-                    <a:ext cx="1185740" cy="1138753"/>
-                  </a:xfrm>
-                  <a:prstGeom prst="rect">
-                    <a:avLst/>
-                  </a:prstGeom>
-                </p:spPr>
-              </p:pic>
-              <p:cxnSp>
-                <p:nvCxnSpPr>
-                  <p:cNvPr id="13" name="Connecteur droit 12">
-                    <a:extLst>
-                      <a:ext uri="{FF2B5EF4-FFF2-40B4-BE49-F238E27FC236}">
-                        <a16:creationId xmlns:a16="http://schemas.microsoft.com/office/drawing/2014/main" id="{62B614ED-AB2E-605A-B681-B5CE815E1920}"/>
-                      </a:ext>
-                    </a:extLst>
-                  </p:cNvPr>
-                  <p:cNvCxnSpPr>
-                    <a:cxnSpLocks/>
-                  </p:cNvCxnSpPr>
-                  <p:nvPr/>
-                </p:nvCxnSpPr>
-                <p:spPr>
-                  <a:xfrm>
-                    <a:off x="5741194" y="5384727"/>
-                    <a:ext cx="159544" cy="149298"/>
-                  </a:xfrm>
-                  <a:prstGeom prst="line">
-                    <a:avLst/>
-                  </a:prstGeom>
-                  <a:ln w="57150">
-                    <a:solidFill>
-                      <a:schemeClr val="tx1"/>
-                    </a:solidFill>
-                  </a:ln>
-                </p:spPr>
-                <p:style>
-                  <a:lnRef idx="1">
-                    <a:schemeClr val="accent1"/>
-                  </a:lnRef>
-                  <a:fillRef idx="0">
-                    <a:schemeClr val="accent1"/>
-                  </a:fillRef>
-                  <a:effectRef idx="0">
-                    <a:schemeClr val="accent1"/>
-                  </a:effectRef>
-                  <a:fontRef idx="minor">
-                    <a:schemeClr val="tx1"/>
-                  </a:fontRef>
-                </p:style>
-              </p:cxnSp>
-            </p:grpSp>
-            <p:cxnSp>
-              <p:nvCxnSpPr>
-                <p:cNvPr id="10" name="Connecteur droit 9">
-                  <a:extLst>
-                    <a:ext uri="{FF2B5EF4-FFF2-40B4-BE49-F238E27FC236}">
-                      <a16:creationId xmlns:a16="http://schemas.microsoft.com/office/drawing/2014/main" id="{FFE2E0B8-A7FF-E8A7-8663-51D4E6923A73}"/>
-                    </a:ext>
-                  </a:extLst>
-                </p:cNvPr>
-                <p:cNvCxnSpPr>
-                  <a:cxnSpLocks/>
-                </p:cNvCxnSpPr>
-                <p:nvPr/>
-              </p:nvCxnSpPr>
-              <p:spPr>
-                <a:xfrm>
-                  <a:off x="9391650" y="4733925"/>
-                  <a:ext cx="461963" cy="425357"/>
-                </a:xfrm>
-                <a:prstGeom prst="line">
-                  <a:avLst/>
-                </a:prstGeom>
-                <a:ln w="57150">
-                  <a:solidFill>
-                    <a:schemeClr val="tx1"/>
-                  </a:solidFill>
-                </a:ln>
-              </p:spPr>
-              <p:style>
-                <a:lnRef idx="1">
-                  <a:schemeClr val="accent1"/>
-                </a:lnRef>
-                <a:fillRef idx="0">
-                  <a:schemeClr val="accent1"/>
-                </a:fillRef>
-                <a:effectRef idx="0">
-                  <a:schemeClr val="accent1"/>
-                </a:effectRef>
-                <a:fontRef idx="minor">
-                  <a:schemeClr val="tx1"/>
-                </a:fontRef>
-              </p:style>
-            </p:cxnSp>
-          </p:grpSp>
-          <p:cxnSp>
-            <p:nvCxnSpPr>
-              <p:cNvPr id="6" name="Connecteur droit 5">
-                <a:extLst>
-                  <a:ext uri="{FF2B5EF4-FFF2-40B4-BE49-F238E27FC236}">
-                    <a16:creationId xmlns:a16="http://schemas.microsoft.com/office/drawing/2014/main" id="{B3B24AB5-834F-01CC-4D7E-E086DA5F4ECD}"/>
-                  </a:ext>
-                </a:extLst>
-              </p:cNvPr>
-              <p:cNvCxnSpPr>
-                <a:cxnSpLocks/>
-              </p:cNvCxnSpPr>
-              <p:nvPr/>
-            </p:nvCxnSpPr>
-            <p:spPr>
-              <a:xfrm>
-                <a:off x="9853613" y="4398169"/>
-                <a:ext cx="361950" cy="335756"/>
-              </a:xfrm>
-              <a:prstGeom prst="line">
-                <a:avLst/>
-              </a:prstGeom>
-              <a:ln w="57150">
-                <a:solidFill>
-                  <a:schemeClr val="tx1"/>
-                </a:solidFill>
-              </a:ln>
-            </p:spPr>
-            <p:style>
-              <a:lnRef idx="1">
-                <a:schemeClr val="accent1"/>
-              </a:lnRef>
-              <a:fillRef idx="0">
-                <a:schemeClr val="accent1"/>
-              </a:fillRef>
-              <a:effectRef idx="0">
-                <a:schemeClr val="accent1"/>
-              </a:effectRef>
-              <a:fontRef idx="minor">
-                <a:schemeClr val="tx1"/>
-              </a:fontRef>
-            </p:style>
-          </p:cxnSp>
-        </p:grpSp>
-        <p:sp>
-          <p:nvSpPr>
-            <p:cNvPr id="16" name="Rectangle 15">
-              <a:extLst>
-                <a:ext uri="{FF2B5EF4-FFF2-40B4-BE49-F238E27FC236}">
-                  <a16:creationId xmlns:a16="http://schemas.microsoft.com/office/drawing/2014/main" id="{3CC986E8-A64A-A292-D2BC-66F56EA33301}"/>
+                  <a16:creationId xmlns:a16="http://schemas.microsoft.com/office/drawing/2014/main" id="{3280F910-11E7-9521-8473-2B65F602B8B6}"/>
                 </a:ext>
               </a:extLst>
             </p:cNvPr>
@@ -11065,21 +10511,16 @@
             <p:nvPr/>
           </p:nvSpPr>
           <p:spPr>
-            <a:xfrm rot="15159515">
-              <a:off x="9742623" y="4871346"/>
-              <a:ext cx="1617727" cy="249211"/>
+            <a:xfrm rot="16200000">
+              <a:off x="3058440" y="4166506"/>
+              <a:ext cx="2640937" cy="1425781"/>
             </a:xfrm>
-            <a:prstGeom prst="rect">
+            <a:prstGeom prst="rightArrow">
               <a:avLst/>
             </a:prstGeom>
             <a:solidFill>
-              <a:schemeClr val="tx1"/>
+              <a:srgbClr val="8E8E8E"/>
             </a:solidFill>
-            <a:ln w="149225">
-              <a:solidFill>
-                <a:schemeClr val="bg1"/>
-              </a:solidFill>
-            </a:ln>
           </p:spPr>
           <p:style>
             <a:lnRef idx="2">
@@ -11106,7 +10547,645 @@
             </a:p>
           </p:txBody>
         </p:sp>
+        <p:sp>
+          <p:nvSpPr>
+            <p:cNvPr id="87" name="Flèche : droite 86">
+              <a:extLst>
+                <a:ext uri="{FF2B5EF4-FFF2-40B4-BE49-F238E27FC236}">
+                  <a16:creationId xmlns:a16="http://schemas.microsoft.com/office/drawing/2014/main" id="{5BF98113-4FDD-F5BF-8BD8-51AA056BEF38}"/>
+                </a:ext>
+              </a:extLst>
+            </p:cNvPr>
+            <p:cNvSpPr/>
+            <p:nvPr/>
+          </p:nvSpPr>
+          <p:spPr>
+            <a:xfrm>
+              <a:off x="4021994" y="5454358"/>
+              <a:ext cx="2866952" cy="1308128"/>
+            </a:xfrm>
+            <a:prstGeom prst="rightArrow">
+              <a:avLst/>
+            </a:prstGeom>
+            <a:solidFill>
+              <a:srgbClr val="8E8E8E"/>
+            </a:solidFill>
+          </p:spPr>
+          <p:style>
+            <a:lnRef idx="2">
+              <a:schemeClr val="accent1">
+                <a:shade val="15000"/>
+              </a:schemeClr>
+            </a:lnRef>
+            <a:fillRef idx="1">
+              <a:schemeClr val="accent1"/>
+            </a:fillRef>
+            <a:effectRef idx="0">
+              <a:schemeClr val="accent1"/>
+            </a:effectRef>
+            <a:fontRef idx="minor">
+              <a:schemeClr val="lt1"/>
+            </a:fontRef>
+          </p:style>
+          <p:txBody>
+            <a:bodyPr rtlCol="0" anchor="ctr"/>
+            <a:lstStyle/>
+            <a:p>
+              <a:pPr algn="ctr"/>
+              <a:endParaRPr lang="fr-CA"/>
+            </a:p>
+          </p:txBody>
+        </p:sp>
       </p:grpSp>
+      <p:grpSp>
+        <p:nvGrpSpPr>
+          <p:cNvPr id="15" name="Groupe 14">
+            <a:extLst>
+              <a:ext uri="{FF2B5EF4-FFF2-40B4-BE49-F238E27FC236}">
+                <a16:creationId xmlns:a16="http://schemas.microsoft.com/office/drawing/2014/main" id="{D984F371-DFAA-E2D9-6772-D32AB5A0585F}"/>
+              </a:ext>
+            </a:extLst>
+          </p:cNvPr>
+          <p:cNvGrpSpPr/>
+          <p:nvPr/>
+        </p:nvGrpSpPr>
+        <p:grpSpPr>
+          <a:xfrm>
+            <a:off x="3795554" y="34809"/>
+            <a:ext cx="3239290" cy="3394190"/>
+            <a:chOff x="236002" y="1"/>
+            <a:chExt cx="3427047" cy="3590925"/>
+          </a:xfrm>
+        </p:grpSpPr>
+        <p:grpSp>
+          <p:nvGrpSpPr>
+            <p:cNvPr id="17" name="Groupe 16">
+              <a:extLst>
+                <a:ext uri="{FF2B5EF4-FFF2-40B4-BE49-F238E27FC236}">
+                  <a16:creationId xmlns:a16="http://schemas.microsoft.com/office/drawing/2014/main" id="{749E1C48-047B-3AE2-8266-EAEA136B8B15}"/>
+                </a:ext>
+              </a:extLst>
+            </p:cNvPr>
+            <p:cNvGrpSpPr/>
+            <p:nvPr/>
+          </p:nvGrpSpPr>
+          <p:grpSpPr>
+            <a:xfrm>
+              <a:off x="236002" y="749340"/>
+              <a:ext cx="3427047" cy="2106533"/>
+              <a:chOff x="236002" y="749340"/>
+              <a:chExt cx="3427047" cy="2106533"/>
+            </a:xfrm>
+          </p:grpSpPr>
+          <p:sp>
+            <p:nvSpPr>
+              <p:cNvPr id="28" name="Rectangle 27">
+                <a:extLst>
+                  <a:ext uri="{FF2B5EF4-FFF2-40B4-BE49-F238E27FC236}">
+                    <a16:creationId xmlns:a16="http://schemas.microsoft.com/office/drawing/2014/main" id="{C90E8F38-CA66-CC40-89D6-BCFD36D9C211}"/>
+                  </a:ext>
+                </a:extLst>
+              </p:cNvPr>
+              <p:cNvSpPr/>
+              <p:nvPr/>
+            </p:nvSpPr>
+            <p:spPr>
+              <a:xfrm>
+                <a:off x="236002" y="749340"/>
+                <a:ext cx="3427047" cy="2106533"/>
+              </a:xfrm>
+              <a:prstGeom prst="rect">
+                <a:avLst/>
+              </a:prstGeom>
+              <a:solidFill>
+                <a:schemeClr val="tx2">
+                  <a:lumMod val="25000"/>
+                  <a:lumOff val="75000"/>
+                </a:schemeClr>
+              </a:solidFill>
+              <a:ln w="155575" cap="rnd">
+                <a:solidFill>
+                  <a:schemeClr val="tx1">
+                    <a:lumMod val="85000"/>
+                    <a:lumOff val="15000"/>
+                  </a:schemeClr>
+                </a:solidFill>
+                <a:round/>
+              </a:ln>
+            </p:spPr>
+            <p:style>
+              <a:lnRef idx="2">
+                <a:schemeClr val="accent1">
+                  <a:shade val="15000"/>
+                </a:schemeClr>
+              </a:lnRef>
+              <a:fillRef idx="1">
+                <a:schemeClr val="accent1"/>
+              </a:fillRef>
+              <a:effectRef idx="0">
+                <a:schemeClr val="accent1"/>
+              </a:effectRef>
+              <a:fontRef idx="minor">
+                <a:schemeClr val="lt1"/>
+              </a:fontRef>
+            </p:style>
+            <p:txBody>
+              <a:bodyPr rtlCol="0" anchor="ctr"/>
+              <a:lstStyle/>
+              <a:p>
+                <a:pPr algn="ctr"/>
+                <a:endParaRPr lang="fr-CA"/>
+              </a:p>
+            </p:txBody>
+          </p:sp>
+          <p:cxnSp>
+            <p:nvCxnSpPr>
+              <p:cNvPr id="29" name="Connecteur droit 28">
+                <a:extLst>
+                  <a:ext uri="{FF2B5EF4-FFF2-40B4-BE49-F238E27FC236}">
+                    <a16:creationId xmlns:a16="http://schemas.microsoft.com/office/drawing/2014/main" id="{999E6545-D13D-9BBA-37A2-3F18C32A3BBA}"/>
+                  </a:ext>
+                </a:extLst>
+              </p:cNvPr>
+              <p:cNvCxnSpPr>
+                <a:cxnSpLocks/>
+              </p:cNvCxnSpPr>
+              <p:nvPr/>
+            </p:nvCxnSpPr>
+            <p:spPr>
+              <a:xfrm flipV="1">
+                <a:off x="539985" y="1303217"/>
+                <a:ext cx="950380" cy="950380"/>
+              </a:xfrm>
+              <a:prstGeom prst="line">
+                <a:avLst/>
+              </a:prstGeom>
+              <a:ln w="228600" cap="rnd"/>
+            </p:spPr>
+            <p:style>
+              <a:lnRef idx="2">
+                <a:schemeClr val="accent1"/>
+              </a:lnRef>
+              <a:fillRef idx="0">
+                <a:schemeClr val="accent1"/>
+              </a:fillRef>
+              <a:effectRef idx="1">
+                <a:schemeClr val="accent1"/>
+              </a:effectRef>
+              <a:fontRef idx="minor">
+                <a:schemeClr val="tx1"/>
+              </a:fontRef>
+            </p:style>
+          </p:cxnSp>
+          <p:cxnSp>
+            <p:nvCxnSpPr>
+              <p:cNvPr id="30" name="Connecteur droit 29">
+                <a:extLst>
+                  <a:ext uri="{FF2B5EF4-FFF2-40B4-BE49-F238E27FC236}">
+                    <a16:creationId xmlns:a16="http://schemas.microsoft.com/office/drawing/2014/main" id="{C9E24DE9-04FF-C925-2A61-5DADAB029452}"/>
+                  </a:ext>
+                </a:extLst>
+              </p:cNvPr>
+              <p:cNvCxnSpPr>
+                <a:cxnSpLocks/>
+              </p:cNvCxnSpPr>
+              <p:nvPr/>
+            </p:nvCxnSpPr>
+            <p:spPr>
+              <a:xfrm flipH="1" flipV="1">
+                <a:off x="1490366" y="1303217"/>
+                <a:ext cx="1007289" cy="1183707"/>
+              </a:xfrm>
+              <a:prstGeom prst="line">
+                <a:avLst/>
+              </a:prstGeom>
+              <a:ln w="228600" cap="rnd"/>
+            </p:spPr>
+            <p:style>
+              <a:lnRef idx="2">
+                <a:schemeClr val="accent1"/>
+              </a:lnRef>
+              <a:fillRef idx="0">
+                <a:schemeClr val="accent1"/>
+              </a:fillRef>
+              <a:effectRef idx="1">
+                <a:schemeClr val="accent1"/>
+              </a:effectRef>
+              <a:fontRef idx="minor">
+                <a:schemeClr val="tx1"/>
+              </a:fontRef>
+            </p:style>
+          </p:cxnSp>
+          <p:cxnSp>
+            <p:nvCxnSpPr>
+              <p:cNvPr id="33" name="Connecteur droit 32">
+                <a:extLst>
+                  <a:ext uri="{FF2B5EF4-FFF2-40B4-BE49-F238E27FC236}">
+                    <a16:creationId xmlns:a16="http://schemas.microsoft.com/office/drawing/2014/main" id="{C0A98914-8736-BB5A-5402-A7155B0F4902}"/>
+                  </a:ext>
+                </a:extLst>
+              </p:cNvPr>
+              <p:cNvCxnSpPr>
+                <a:cxnSpLocks/>
+              </p:cNvCxnSpPr>
+              <p:nvPr/>
+            </p:nvCxnSpPr>
+            <p:spPr>
+              <a:xfrm flipV="1">
+                <a:off x="2497655" y="1303217"/>
+                <a:ext cx="904853" cy="1183707"/>
+              </a:xfrm>
+              <a:prstGeom prst="line">
+                <a:avLst/>
+              </a:prstGeom>
+              <a:ln w="228600" cap="rnd"/>
+            </p:spPr>
+            <p:style>
+              <a:lnRef idx="2">
+                <a:schemeClr val="accent1"/>
+              </a:lnRef>
+              <a:fillRef idx="0">
+                <a:schemeClr val="accent1"/>
+              </a:fillRef>
+              <a:effectRef idx="1">
+                <a:schemeClr val="accent1"/>
+              </a:effectRef>
+              <a:fontRef idx="minor">
+                <a:schemeClr val="tx1"/>
+              </a:fontRef>
+            </p:style>
+          </p:cxnSp>
+        </p:grpSp>
+        <p:grpSp>
+          <p:nvGrpSpPr>
+            <p:cNvPr id="21" name="Groupe 20">
+              <a:extLst>
+                <a:ext uri="{FF2B5EF4-FFF2-40B4-BE49-F238E27FC236}">
+                  <a16:creationId xmlns:a16="http://schemas.microsoft.com/office/drawing/2014/main" id="{E1B79E6D-01EE-E653-9546-DE5ACB3507B6}"/>
+                </a:ext>
+              </a:extLst>
+            </p:cNvPr>
+            <p:cNvGrpSpPr/>
+            <p:nvPr/>
+          </p:nvGrpSpPr>
+          <p:grpSpPr>
+            <a:xfrm>
+              <a:off x="542969" y="1"/>
+              <a:ext cx="1006683" cy="3590925"/>
+              <a:chOff x="542969" y="1"/>
+              <a:chExt cx="1006683" cy="3590925"/>
+            </a:xfrm>
+          </p:grpSpPr>
+          <p:sp>
+            <p:nvSpPr>
+              <p:cNvPr id="23" name="Rectangle : coins arrondis 22">
+                <a:extLst>
+                  <a:ext uri="{FF2B5EF4-FFF2-40B4-BE49-F238E27FC236}">
+                    <a16:creationId xmlns:a16="http://schemas.microsoft.com/office/drawing/2014/main" id="{7BEDDFD3-9CE6-541C-6BF9-CC37A6D10BC0}"/>
+                  </a:ext>
+                </a:extLst>
+              </p:cNvPr>
+              <p:cNvSpPr/>
+              <p:nvPr/>
+            </p:nvSpPr>
+            <p:spPr>
+              <a:xfrm>
+                <a:off x="882495" y="790512"/>
+                <a:ext cx="338202" cy="2024189"/>
+              </a:xfrm>
+              <a:prstGeom prst="roundRect">
+                <a:avLst/>
+              </a:prstGeom>
+              <a:solidFill>
+                <a:schemeClr val="tx1">
+                  <a:lumMod val="95000"/>
+                  <a:lumOff val="5000"/>
+                </a:schemeClr>
+              </a:solidFill>
+              <a:ln>
+                <a:solidFill>
+                  <a:schemeClr val="tx1">
+                    <a:lumMod val="85000"/>
+                    <a:lumOff val="15000"/>
+                  </a:schemeClr>
+                </a:solidFill>
+              </a:ln>
+            </p:spPr>
+            <p:style>
+              <a:lnRef idx="2">
+                <a:schemeClr val="accent1">
+                  <a:shade val="15000"/>
+                </a:schemeClr>
+              </a:lnRef>
+              <a:fillRef idx="1">
+                <a:schemeClr val="accent1"/>
+              </a:fillRef>
+              <a:effectRef idx="0">
+                <a:schemeClr val="accent1"/>
+              </a:effectRef>
+              <a:fontRef idx="minor">
+                <a:schemeClr val="lt1"/>
+              </a:fontRef>
+            </p:style>
+            <p:txBody>
+              <a:bodyPr rtlCol="0" anchor="ctr"/>
+              <a:lstStyle/>
+              <a:p>
+                <a:pPr algn="ctr"/>
+                <a:endParaRPr lang="fr-CA"/>
+              </a:p>
+            </p:txBody>
+          </p:sp>
+          <p:sp>
+            <p:nvSpPr>
+              <p:cNvPr id="24" name="Triangle isocèle 23">
+                <a:extLst>
+                  <a:ext uri="{FF2B5EF4-FFF2-40B4-BE49-F238E27FC236}">
+                    <a16:creationId xmlns:a16="http://schemas.microsoft.com/office/drawing/2014/main" id="{81A5E0D0-B9C1-1A22-A90D-87547A3DADD3}"/>
+                  </a:ext>
+                </a:extLst>
+              </p:cNvPr>
+              <p:cNvSpPr/>
+              <p:nvPr/>
+            </p:nvSpPr>
+            <p:spPr>
+              <a:xfrm rot="10800000">
+                <a:off x="542973" y="1"/>
+                <a:ext cx="1006679" cy="867828"/>
+              </a:xfrm>
+              <a:prstGeom prst="triangle">
+                <a:avLst/>
+              </a:prstGeom>
+              <a:solidFill>
+                <a:schemeClr val="tx1">
+                  <a:lumMod val="85000"/>
+                  <a:lumOff val="15000"/>
+                </a:schemeClr>
+              </a:solidFill>
+              <a:ln>
+                <a:solidFill>
+                  <a:schemeClr val="tx1"/>
+                </a:solidFill>
+              </a:ln>
+            </p:spPr>
+            <p:style>
+              <a:lnRef idx="2">
+                <a:schemeClr val="accent1">
+                  <a:shade val="15000"/>
+                </a:schemeClr>
+              </a:lnRef>
+              <a:fillRef idx="1">
+                <a:schemeClr val="accent1"/>
+              </a:fillRef>
+              <a:effectRef idx="0">
+                <a:schemeClr val="accent1"/>
+              </a:effectRef>
+              <a:fontRef idx="minor">
+                <a:schemeClr val="lt1"/>
+              </a:fontRef>
+            </p:style>
+            <p:txBody>
+              <a:bodyPr rtlCol="0" anchor="ctr"/>
+              <a:lstStyle/>
+              <a:p>
+                <a:pPr algn="ctr"/>
+                <a:endParaRPr lang="fr-CA"/>
+              </a:p>
+            </p:txBody>
+          </p:sp>
+          <p:sp>
+            <p:nvSpPr>
+              <p:cNvPr id="25" name="Triangle isocèle 24">
+                <a:extLst>
+                  <a:ext uri="{FF2B5EF4-FFF2-40B4-BE49-F238E27FC236}">
+                    <a16:creationId xmlns:a16="http://schemas.microsoft.com/office/drawing/2014/main" id="{174C962F-C5D7-DF86-6A8D-5B70EFABA1EC}"/>
+                  </a:ext>
+                </a:extLst>
+              </p:cNvPr>
+              <p:cNvSpPr/>
+              <p:nvPr/>
+            </p:nvSpPr>
+            <p:spPr>
+              <a:xfrm>
+                <a:off x="542969" y="2723099"/>
+                <a:ext cx="1006679" cy="867827"/>
+              </a:xfrm>
+              <a:prstGeom prst="triangle">
+                <a:avLst/>
+              </a:prstGeom>
+              <a:solidFill>
+                <a:schemeClr val="tx1">
+                  <a:lumMod val="85000"/>
+                  <a:lumOff val="15000"/>
+                </a:schemeClr>
+              </a:solidFill>
+              <a:ln>
+                <a:solidFill>
+                  <a:schemeClr val="tx1"/>
+                </a:solidFill>
+              </a:ln>
+            </p:spPr>
+            <p:style>
+              <a:lnRef idx="2">
+                <a:schemeClr val="accent1">
+                  <a:shade val="15000"/>
+                </a:schemeClr>
+              </a:lnRef>
+              <a:fillRef idx="1">
+                <a:schemeClr val="accent1"/>
+              </a:fillRef>
+              <a:effectRef idx="0">
+                <a:schemeClr val="accent1"/>
+              </a:effectRef>
+              <a:fontRef idx="minor">
+                <a:schemeClr val="lt1"/>
+              </a:fontRef>
+            </p:style>
+            <p:txBody>
+              <a:bodyPr rtlCol="0" anchor="ctr"/>
+              <a:lstStyle/>
+              <a:p>
+                <a:pPr algn="ctr"/>
+                <a:endParaRPr lang="fr-CA"/>
+              </a:p>
+            </p:txBody>
+          </p:sp>
+        </p:grpSp>
+      </p:grpSp>
+      <p:sp>
+        <p:nvSpPr>
+          <p:cNvPr id="35" name="Rectangle : coins arrondis 34">
+            <a:extLst>
+              <a:ext uri="{FF2B5EF4-FFF2-40B4-BE49-F238E27FC236}">
+                <a16:creationId xmlns:a16="http://schemas.microsoft.com/office/drawing/2014/main" id="{796F9FD6-5093-85E5-E71E-FFD7010D52E9}"/>
+              </a:ext>
+            </a:extLst>
+          </p:cNvPr>
+          <p:cNvSpPr/>
+          <p:nvPr/>
+        </p:nvSpPr>
+        <p:spPr>
+          <a:xfrm>
+            <a:off x="6078096" y="782010"/>
+            <a:ext cx="319673" cy="1913290"/>
+          </a:xfrm>
+          <a:prstGeom prst="roundRect">
+            <a:avLst/>
+          </a:prstGeom>
+          <a:solidFill>
+            <a:schemeClr val="tx1">
+              <a:lumMod val="95000"/>
+              <a:lumOff val="5000"/>
+            </a:schemeClr>
+          </a:solidFill>
+          <a:ln>
+            <a:solidFill>
+              <a:schemeClr val="tx1">
+                <a:lumMod val="85000"/>
+                <a:lumOff val="15000"/>
+              </a:schemeClr>
+            </a:solidFill>
+          </a:ln>
+        </p:spPr>
+        <p:style>
+          <a:lnRef idx="2">
+            <a:schemeClr val="accent1">
+              <a:shade val="15000"/>
+            </a:schemeClr>
+          </a:lnRef>
+          <a:fillRef idx="1">
+            <a:schemeClr val="accent1"/>
+          </a:fillRef>
+          <a:effectRef idx="0">
+            <a:schemeClr val="accent1"/>
+          </a:effectRef>
+          <a:fontRef idx="minor">
+            <a:schemeClr val="lt1"/>
+          </a:fontRef>
+        </p:style>
+        <p:txBody>
+          <a:bodyPr rtlCol="0" anchor="ctr"/>
+          <a:lstStyle/>
+          <a:p>
+            <a:pPr algn="ctr"/>
+            <a:endParaRPr lang="fr-CA"/>
+          </a:p>
+        </p:txBody>
+      </p:sp>
+      <p:sp>
+        <p:nvSpPr>
+          <p:cNvPr id="36" name="Triangle isocèle 35">
+            <a:extLst>
+              <a:ext uri="{FF2B5EF4-FFF2-40B4-BE49-F238E27FC236}">
+                <a16:creationId xmlns:a16="http://schemas.microsoft.com/office/drawing/2014/main" id="{E8E6F018-9547-147E-CDDA-7AB2B5CE74B1}"/>
+              </a:ext>
+            </a:extLst>
+          </p:cNvPr>
+          <p:cNvSpPr/>
+          <p:nvPr/>
+        </p:nvSpPr>
+        <p:spPr>
+          <a:xfrm rot="10800000">
+            <a:off x="5757175" y="34808"/>
+            <a:ext cx="951526" cy="820282"/>
+          </a:xfrm>
+          <a:prstGeom prst="triangle">
+            <a:avLst/>
+          </a:prstGeom>
+          <a:solidFill>
+            <a:schemeClr val="tx1">
+              <a:lumMod val="85000"/>
+              <a:lumOff val="15000"/>
+            </a:schemeClr>
+          </a:solidFill>
+          <a:ln>
+            <a:solidFill>
+              <a:schemeClr val="tx1"/>
+            </a:solidFill>
+          </a:ln>
+        </p:spPr>
+        <p:style>
+          <a:lnRef idx="2">
+            <a:schemeClr val="accent1">
+              <a:shade val="15000"/>
+            </a:schemeClr>
+          </a:lnRef>
+          <a:fillRef idx="1">
+            <a:schemeClr val="accent1"/>
+          </a:fillRef>
+          <a:effectRef idx="0">
+            <a:schemeClr val="accent1"/>
+          </a:effectRef>
+          <a:fontRef idx="minor">
+            <a:schemeClr val="lt1"/>
+          </a:fontRef>
+        </p:style>
+        <p:txBody>
+          <a:bodyPr rtlCol="0" anchor="ctr"/>
+          <a:lstStyle/>
+          <a:p>
+            <a:pPr algn="ctr"/>
+            <a:endParaRPr lang="fr-CA"/>
+          </a:p>
+        </p:txBody>
+      </p:sp>
+      <p:sp>
+        <p:nvSpPr>
+          <p:cNvPr id="38" name="Triangle isocèle 37">
+            <a:extLst>
+              <a:ext uri="{FF2B5EF4-FFF2-40B4-BE49-F238E27FC236}">
+                <a16:creationId xmlns:a16="http://schemas.microsoft.com/office/drawing/2014/main" id="{7959A00B-850D-C9AD-A793-0A1049943DB6}"/>
+              </a:ext>
+            </a:extLst>
+          </p:cNvPr>
+          <p:cNvSpPr/>
+          <p:nvPr/>
+        </p:nvSpPr>
+        <p:spPr>
+          <a:xfrm>
+            <a:off x="5757173" y="2608717"/>
+            <a:ext cx="951526" cy="820282"/>
+          </a:xfrm>
+          <a:prstGeom prst="triangle">
+            <a:avLst/>
+          </a:prstGeom>
+          <a:solidFill>
+            <a:schemeClr val="tx1">
+              <a:lumMod val="85000"/>
+              <a:lumOff val="15000"/>
+            </a:schemeClr>
+          </a:solidFill>
+          <a:ln>
+            <a:solidFill>
+              <a:schemeClr val="tx1"/>
+            </a:solidFill>
+          </a:ln>
+        </p:spPr>
+        <p:style>
+          <a:lnRef idx="2">
+            <a:schemeClr val="accent1">
+              <a:shade val="15000"/>
+            </a:schemeClr>
+          </a:lnRef>
+          <a:fillRef idx="1">
+            <a:schemeClr val="accent1"/>
+          </a:fillRef>
+          <a:effectRef idx="0">
+            <a:schemeClr val="accent1"/>
+          </a:effectRef>
+          <a:fontRef idx="minor">
+            <a:schemeClr val="lt1"/>
+          </a:fontRef>
+        </p:style>
+        <p:txBody>
+          <a:bodyPr rtlCol="0" anchor="ctr"/>
+          <a:lstStyle/>
+          <a:p>
+            <a:pPr algn="ctr"/>
+            <a:endParaRPr lang="fr-CA"/>
+          </a:p>
+        </p:txBody>
+      </p:sp>
     </p:spTree>
     <p:extLst>
       <p:ext uri="{BB962C8B-B14F-4D97-AF65-F5344CB8AC3E}">
@@ -16844,6 +16923,734 @@
           </p:txBody>
         </p:sp>
       </p:grpSp>
+      <p:grpSp>
+        <p:nvGrpSpPr>
+          <p:cNvPr id="11" name="Groupe 10">
+            <a:extLst>
+              <a:ext uri="{FF2B5EF4-FFF2-40B4-BE49-F238E27FC236}">
+                <a16:creationId xmlns:a16="http://schemas.microsoft.com/office/drawing/2014/main" id="{88B61259-6C4A-0D99-2292-7C78C2EC6E16}"/>
+              </a:ext>
+            </a:extLst>
+          </p:cNvPr>
+          <p:cNvGrpSpPr/>
+          <p:nvPr/>
+        </p:nvGrpSpPr>
+        <p:grpSpPr>
+          <a:xfrm>
+            <a:off x="5067481" y="477520"/>
+            <a:ext cx="2057038" cy="1975524"/>
+            <a:chOff x="8738781" y="3839941"/>
+            <a:chExt cx="2057038" cy="1975524"/>
+          </a:xfrm>
+        </p:grpSpPr>
+        <p:grpSp>
+          <p:nvGrpSpPr>
+            <p:cNvPr id="7" name="Groupe 6">
+              <a:extLst>
+                <a:ext uri="{FF2B5EF4-FFF2-40B4-BE49-F238E27FC236}">
+                  <a16:creationId xmlns:a16="http://schemas.microsoft.com/office/drawing/2014/main" id="{BFE39415-0C99-9CF3-7BD4-223A6E766AC4}"/>
+                </a:ext>
+              </a:extLst>
+            </p:cNvPr>
+            <p:cNvGrpSpPr/>
+            <p:nvPr/>
+          </p:nvGrpSpPr>
+          <p:grpSpPr>
+            <a:xfrm>
+              <a:off x="8738781" y="3839941"/>
+              <a:ext cx="2057038" cy="1975524"/>
+              <a:chOff x="8738781" y="3839941"/>
+              <a:chExt cx="2057038" cy="1975524"/>
+            </a:xfrm>
+          </p:grpSpPr>
+          <p:grpSp>
+            <p:nvGrpSpPr>
+              <p:cNvPr id="37" name="Groupe 36">
+                <a:extLst>
+                  <a:ext uri="{FF2B5EF4-FFF2-40B4-BE49-F238E27FC236}">
+                    <a16:creationId xmlns:a16="http://schemas.microsoft.com/office/drawing/2014/main" id="{8C05B421-5443-6A06-FE42-F26AC0CB665F}"/>
+                  </a:ext>
+                </a:extLst>
+              </p:cNvPr>
+              <p:cNvGrpSpPr/>
+              <p:nvPr/>
+            </p:nvGrpSpPr>
+            <p:grpSpPr>
+              <a:xfrm>
+                <a:off x="8738781" y="3839941"/>
+                <a:ext cx="2057038" cy="1975524"/>
+                <a:chOff x="5424610" y="4695347"/>
+                <a:chExt cx="1185740" cy="1138753"/>
+              </a:xfrm>
+            </p:grpSpPr>
+            <p:pic>
+              <p:nvPicPr>
+                <p:cNvPr id="32" name="Graphique 31" descr="Épingle avec un remplissage uni">
+                  <a:extLst>
+                    <a:ext uri="{FF2B5EF4-FFF2-40B4-BE49-F238E27FC236}">
+                      <a16:creationId xmlns:a16="http://schemas.microsoft.com/office/drawing/2014/main" id="{2A28674A-D080-FA8A-CE11-31CCAEF71692}"/>
+                    </a:ext>
+                  </a:extLst>
+                </p:cNvPr>
+                <p:cNvPicPr>
+                  <a:picLocks noChangeAspect="1"/>
+                </p:cNvPicPr>
+                <p:nvPr/>
+              </p:nvPicPr>
+              <p:blipFill>
+                <a:blip r:embed="rId2">
+                  <a:extLst>
+                    <a:ext uri="{96DAC541-7B7A-43D3-8B79-37D633B846F1}">
+                      <asvg:svgBlip xmlns:asvg="http://schemas.microsoft.com/office/drawing/2016/SVG/main" r:embed="rId3"/>
+                    </a:ext>
+                  </a:extLst>
+                </a:blip>
+                <a:stretch>
+                  <a:fillRect/>
+                </a:stretch>
+              </p:blipFill>
+              <p:spPr>
+                <a:xfrm flipH="1">
+                  <a:off x="5424610" y="4695347"/>
+                  <a:ext cx="1185740" cy="1138753"/>
+                </a:xfrm>
+                <a:prstGeom prst="rect">
+                  <a:avLst/>
+                </a:prstGeom>
+              </p:spPr>
+            </p:pic>
+            <p:cxnSp>
+              <p:nvCxnSpPr>
+                <p:cNvPr id="34" name="Connecteur droit 33">
+                  <a:extLst>
+                    <a:ext uri="{FF2B5EF4-FFF2-40B4-BE49-F238E27FC236}">
+                      <a16:creationId xmlns:a16="http://schemas.microsoft.com/office/drawing/2014/main" id="{DB988EB8-C879-0DE1-AE3D-7716F38AC8BA}"/>
+                    </a:ext>
+                  </a:extLst>
+                </p:cNvPr>
+                <p:cNvCxnSpPr>
+                  <a:cxnSpLocks/>
+                </p:cNvCxnSpPr>
+                <p:nvPr/>
+              </p:nvCxnSpPr>
+              <p:spPr>
+                <a:xfrm>
+                  <a:off x="5741194" y="5384727"/>
+                  <a:ext cx="159544" cy="149298"/>
+                </a:xfrm>
+                <a:prstGeom prst="line">
+                  <a:avLst/>
+                </a:prstGeom>
+                <a:ln w="57150">
+                  <a:solidFill>
+                    <a:schemeClr val="tx1"/>
+                  </a:solidFill>
+                </a:ln>
+              </p:spPr>
+              <p:style>
+                <a:lnRef idx="1">
+                  <a:schemeClr val="accent1"/>
+                </a:lnRef>
+                <a:fillRef idx="0">
+                  <a:schemeClr val="accent1"/>
+                </a:fillRef>
+                <a:effectRef idx="0">
+                  <a:schemeClr val="accent1"/>
+                </a:effectRef>
+                <a:fontRef idx="minor">
+                  <a:schemeClr val="tx1"/>
+                </a:fontRef>
+              </p:style>
+            </p:cxnSp>
+          </p:grpSp>
+          <p:cxnSp>
+            <p:nvCxnSpPr>
+              <p:cNvPr id="3" name="Connecteur droit 2">
+                <a:extLst>
+                  <a:ext uri="{FF2B5EF4-FFF2-40B4-BE49-F238E27FC236}">
+                    <a16:creationId xmlns:a16="http://schemas.microsoft.com/office/drawing/2014/main" id="{B75F72E7-3035-DD4D-AFB4-F06917549501}"/>
+                  </a:ext>
+                </a:extLst>
+              </p:cNvPr>
+              <p:cNvCxnSpPr>
+                <a:cxnSpLocks/>
+              </p:cNvCxnSpPr>
+              <p:nvPr/>
+            </p:nvCxnSpPr>
+            <p:spPr>
+              <a:xfrm>
+                <a:off x="9391650" y="4733925"/>
+                <a:ext cx="461963" cy="425357"/>
+              </a:xfrm>
+              <a:prstGeom prst="line">
+                <a:avLst/>
+              </a:prstGeom>
+              <a:ln w="57150">
+                <a:solidFill>
+                  <a:schemeClr val="tx1"/>
+                </a:solidFill>
+              </a:ln>
+            </p:spPr>
+            <p:style>
+              <a:lnRef idx="1">
+                <a:schemeClr val="accent1"/>
+              </a:lnRef>
+              <a:fillRef idx="0">
+                <a:schemeClr val="accent1"/>
+              </a:fillRef>
+              <a:effectRef idx="0">
+                <a:schemeClr val="accent1"/>
+              </a:effectRef>
+              <a:fontRef idx="minor">
+                <a:schemeClr val="tx1"/>
+              </a:fontRef>
+            </p:style>
+          </p:cxnSp>
+        </p:grpSp>
+        <p:cxnSp>
+          <p:nvCxnSpPr>
+            <p:cNvPr id="8" name="Connecteur droit 7">
+              <a:extLst>
+                <a:ext uri="{FF2B5EF4-FFF2-40B4-BE49-F238E27FC236}">
+                  <a16:creationId xmlns:a16="http://schemas.microsoft.com/office/drawing/2014/main" id="{309C89A1-DDB3-4688-0629-FF31E6418CA4}"/>
+                </a:ext>
+              </a:extLst>
+            </p:cNvPr>
+            <p:cNvCxnSpPr>
+              <a:cxnSpLocks/>
+            </p:cNvCxnSpPr>
+            <p:nvPr/>
+          </p:nvCxnSpPr>
+          <p:spPr>
+            <a:xfrm>
+              <a:off x="9853613" y="4398169"/>
+              <a:ext cx="361950" cy="335756"/>
+            </a:xfrm>
+            <a:prstGeom prst="line">
+              <a:avLst/>
+            </a:prstGeom>
+            <a:ln w="57150">
+              <a:solidFill>
+                <a:schemeClr val="tx1"/>
+              </a:solidFill>
+            </a:ln>
+          </p:spPr>
+          <p:style>
+            <a:lnRef idx="1">
+              <a:schemeClr val="accent1"/>
+            </a:lnRef>
+            <a:fillRef idx="0">
+              <a:schemeClr val="accent1"/>
+            </a:fillRef>
+            <a:effectRef idx="0">
+              <a:schemeClr val="accent1"/>
+            </a:effectRef>
+            <a:fontRef idx="minor">
+              <a:schemeClr val="tx1"/>
+            </a:fontRef>
+          </p:style>
+        </p:cxnSp>
+      </p:grpSp>
+      <p:grpSp>
+        <p:nvGrpSpPr>
+          <p:cNvPr id="20" name="Groupe 19">
+            <a:extLst>
+              <a:ext uri="{FF2B5EF4-FFF2-40B4-BE49-F238E27FC236}">
+                <a16:creationId xmlns:a16="http://schemas.microsoft.com/office/drawing/2014/main" id="{1A51F401-5065-5941-EF37-C3F1DD887262}"/>
+              </a:ext>
+            </a:extLst>
+          </p:cNvPr>
+          <p:cNvGrpSpPr/>
+          <p:nvPr/>
+        </p:nvGrpSpPr>
+        <p:grpSpPr>
+          <a:xfrm>
+            <a:off x="7342803" y="596420"/>
+            <a:ext cx="2057038" cy="1975524"/>
+            <a:chOff x="9520244" y="4010534"/>
+            <a:chExt cx="2057038" cy="1975524"/>
+          </a:xfrm>
+        </p:grpSpPr>
+        <p:grpSp>
+          <p:nvGrpSpPr>
+            <p:cNvPr id="2" name="Groupe 1">
+              <a:extLst>
+                <a:ext uri="{FF2B5EF4-FFF2-40B4-BE49-F238E27FC236}">
+                  <a16:creationId xmlns:a16="http://schemas.microsoft.com/office/drawing/2014/main" id="{DF0CD381-5013-5291-1AB8-3F734FCFDA28}"/>
+                </a:ext>
+              </a:extLst>
+            </p:cNvPr>
+            <p:cNvGrpSpPr/>
+            <p:nvPr/>
+          </p:nvGrpSpPr>
+          <p:grpSpPr>
+            <a:xfrm>
+              <a:off x="9520244" y="4010534"/>
+              <a:ext cx="2057038" cy="1975524"/>
+              <a:chOff x="8738781" y="3839941"/>
+              <a:chExt cx="2057038" cy="1975524"/>
+            </a:xfrm>
+          </p:grpSpPr>
+          <p:grpSp>
+            <p:nvGrpSpPr>
+              <p:cNvPr id="6" name="Groupe 5">
+                <a:extLst>
+                  <a:ext uri="{FF2B5EF4-FFF2-40B4-BE49-F238E27FC236}">
+                    <a16:creationId xmlns:a16="http://schemas.microsoft.com/office/drawing/2014/main" id="{61AE95F2-D728-97F5-DB82-800A2899ADBD}"/>
+                  </a:ext>
+                </a:extLst>
+              </p:cNvPr>
+              <p:cNvGrpSpPr/>
+              <p:nvPr/>
+            </p:nvGrpSpPr>
+            <p:grpSpPr>
+              <a:xfrm>
+                <a:off x="8738781" y="3839941"/>
+                <a:ext cx="2057038" cy="1975524"/>
+                <a:chOff x="8738781" y="3839941"/>
+                <a:chExt cx="2057038" cy="1975524"/>
+              </a:xfrm>
+            </p:grpSpPr>
+            <p:grpSp>
+              <p:nvGrpSpPr>
+                <p:cNvPr id="10" name="Groupe 9">
+                  <a:extLst>
+                    <a:ext uri="{FF2B5EF4-FFF2-40B4-BE49-F238E27FC236}">
+                      <a16:creationId xmlns:a16="http://schemas.microsoft.com/office/drawing/2014/main" id="{30671D76-A8F8-D31D-4DF9-5E46BB275D66}"/>
+                    </a:ext>
+                  </a:extLst>
+                </p:cNvPr>
+                <p:cNvGrpSpPr/>
+                <p:nvPr/>
+              </p:nvGrpSpPr>
+              <p:grpSpPr>
+                <a:xfrm>
+                  <a:off x="8738781" y="3839941"/>
+                  <a:ext cx="2057038" cy="1975524"/>
+                  <a:chOff x="5424610" y="4695347"/>
+                  <a:chExt cx="1185740" cy="1138753"/>
+                </a:xfrm>
+              </p:grpSpPr>
+              <p:pic>
+                <p:nvPicPr>
+                  <p:cNvPr id="13" name="Graphique 12" descr="Épingle avec un remplissage uni">
+                    <a:extLst>
+                      <a:ext uri="{FF2B5EF4-FFF2-40B4-BE49-F238E27FC236}">
+                        <a16:creationId xmlns:a16="http://schemas.microsoft.com/office/drawing/2014/main" id="{2F2F6C49-3C48-20F9-B815-661FF64F05A0}"/>
+                      </a:ext>
+                    </a:extLst>
+                  </p:cNvPr>
+                  <p:cNvPicPr>
+                    <a:picLocks noChangeAspect="1"/>
+                  </p:cNvPicPr>
+                  <p:nvPr/>
+                </p:nvPicPr>
+                <p:blipFill>
+                  <a:blip r:embed="rId2">
+                    <a:extLst>
+                      <a:ext uri="{96DAC541-7B7A-43D3-8B79-37D633B846F1}">
+                        <asvg:svgBlip xmlns:asvg="http://schemas.microsoft.com/office/drawing/2016/SVG/main" r:embed="rId3"/>
+                      </a:ext>
+                    </a:extLst>
+                  </a:blip>
+                  <a:stretch>
+                    <a:fillRect/>
+                  </a:stretch>
+                </p:blipFill>
+                <p:spPr>
+                  <a:xfrm flipH="1">
+                    <a:off x="5424610" y="4695347"/>
+                    <a:ext cx="1185740" cy="1138753"/>
+                  </a:xfrm>
+                  <a:prstGeom prst="rect">
+                    <a:avLst/>
+                  </a:prstGeom>
+                </p:spPr>
+              </p:pic>
+              <p:cxnSp>
+                <p:nvCxnSpPr>
+                  <p:cNvPr id="14" name="Connecteur droit 13">
+                    <a:extLst>
+                      <a:ext uri="{FF2B5EF4-FFF2-40B4-BE49-F238E27FC236}">
+                        <a16:creationId xmlns:a16="http://schemas.microsoft.com/office/drawing/2014/main" id="{62B614ED-AB2E-605A-B681-B5CE815E1920}"/>
+                      </a:ext>
+                    </a:extLst>
+                  </p:cNvPr>
+                  <p:cNvCxnSpPr>
+                    <a:cxnSpLocks/>
+                  </p:cNvCxnSpPr>
+                  <p:nvPr/>
+                </p:nvCxnSpPr>
+                <p:spPr>
+                  <a:xfrm>
+                    <a:off x="5741194" y="5384727"/>
+                    <a:ext cx="159544" cy="149298"/>
+                  </a:xfrm>
+                  <a:prstGeom prst="line">
+                    <a:avLst/>
+                  </a:prstGeom>
+                  <a:ln w="57150">
+                    <a:solidFill>
+                      <a:schemeClr val="tx1"/>
+                    </a:solidFill>
+                  </a:ln>
+                </p:spPr>
+                <p:style>
+                  <a:lnRef idx="1">
+                    <a:schemeClr val="accent1"/>
+                  </a:lnRef>
+                  <a:fillRef idx="0">
+                    <a:schemeClr val="accent1"/>
+                  </a:fillRef>
+                  <a:effectRef idx="0">
+                    <a:schemeClr val="accent1"/>
+                  </a:effectRef>
+                  <a:fontRef idx="minor">
+                    <a:schemeClr val="tx1"/>
+                  </a:fontRef>
+                </p:style>
+              </p:cxnSp>
+            </p:grpSp>
+            <p:cxnSp>
+              <p:nvCxnSpPr>
+                <p:cNvPr id="12" name="Connecteur droit 11">
+                  <a:extLst>
+                    <a:ext uri="{FF2B5EF4-FFF2-40B4-BE49-F238E27FC236}">
+                      <a16:creationId xmlns:a16="http://schemas.microsoft.com/office/drawing/2014/main" id="{FFE2E0B8-A7FF-E8A7-8663-51D4E6923A73}"/>
+                    </a:ext>
+                  </a:extLst>
+                </p:cNvPr>
+                <p:cNvCxnSpPr>
+                  <a:cxnSpLocks/>
+                </p:cNvCxnSpPr>
+                <p:nvPr/>
+              </p:nvCxnSpPr>
+              <p:spPr>
+                <a:xfrm>
+                  <a:off x="9391650" y="4733925"/>
+                  <a:ext cx="461963" cy="425357"/>
+                </a:xfrm>
+                <a:prstGeom prst="line">
+                  <a:avLst/>
+                </a:prstGeom>
+                <a:ln w="57150">
+                  <a:solidFill>
+                    <a:schemeClr val="tx1"/>
+                  </a:solidFill>
+                </a:ln>
+              </p:spPr>
+              <p:style>
+                <a:lnRef idx="1">
+                  <a:schemeClr val="accent1"/>
+                </a:lnRef>
+                <a:fillRef idx="0">
+                  <a:schemeClr val="accent1"/>
+                </a:fillRef>
+                <a:effectRef idx="0">
+                  <a:schemeClr val="accent1"/>
+                </a:effectRef>
+                <a:fontRef idx="minor">
+                  <a:schemeClr val="tx1"/>
+                </a:fontRef>
+              </p:style>
+            </p:cxnSp>
+          </p:grpSp>
+          <p:cxnSp>
+            <p:nvCxnSpPr>
+              <p:cNvPr id="9" name="Connecteur droit 8">
+                <a:extLst>
+                  <a:ext uri="{FF2B5EF4-FFF2-40B4-BE49-F238E27FC236}">
+                    <a16:creationId xmlns:a16="http://schemas.microsoft.com/office/drawing/2014/main" id="{B3B24AB5-834F-01CC-4D7E-E086DA5F4ECD}"/>
+                  </a:ext>
+                </a:extLst>
+              </p:cNvPr>
+              <p:cNvCxnSpPr>
+                <a:cxnSpLocks/>
+              </p:cNvCxnSpPr>
+              <p:nvPr/>
+            </p:nvCxnSpPr>
+            <p:spPr>
+              <a:xfrm>
+                <a:off x="9853613" y="4398169"/>
+                <a:ext cx="361950" cy="335756"/>
+              </a:xfrm>
+              <a:prstGeom prst="line">
+                <a:avLst/>
+              </a:prstGeom>
+              <a:ln w="57150">
+                <a:solidFill>
+                  <a:schemeClr val="tx1"/>
+                </a:solidFill>
+              </a:ln>
+            </p:spPr>
+            <p:style>
+              <a:lnRef idx="1">
+                <a:schemeClr val="accent1"/>
+              </a:lnRef>
+              <a:fillRef idx="0">
+                <a:schemeClr val="accent1"/>
+              </a:fillRef>
+              <a:effectRef idx="0">
+                <a:schemeClr val="accent1"/>
+              </a:effectRef>
+              <a:fontRef idx="minor">
+                <a:schemeClr val="tx1"/>
+              </a:fontRef>
+            </p:style>
+          </p:cxnSp>
+        </p:grpSp>
+        <p:sp>
+          <p:nvSpPr>
+            <p:cNvPr id="16" name="Rectangle 15">
+              <a:extLst>
+                <a:ext uri="{FF2B5EF4-FFF2-40B4-BE49-F238E27FC236}">
+                  <a16:creationId xmlns:a16="http://schemas.microsoft.com/office/drawing/2014/main" id="{3CC986E8-A64A-A292-D2BC-66F56EA33301}"/>
+                </a:ext>
+              </a:extLst>
+            </p:cNvPr>
+            <p:cNvSpPr/>
+            <p:nvPr/>
+          </p:nvSpPr>
+          <p:spPr>
+            <a:xfrm rot="15159515">
+              <a:off x="9742623" y="4871346"/>
+              <a:ext cx="1617727" cy="249211"/>
+            </a:xfrm>
+            <a:prstGeom prst="rect">
+              <a:avLst/>
+            </a:prstGeom>
+            <a:solidFill>
+              <a:schemeClr val="tx1"/>
+            </a:solidFill>
+            <a:ln w="149225">
+              <a:solidFill>
+                <a:schemeClr val="bg1"/>
+              </a:solidFill>
+            </a:ln>
+          </p:spPr>
+          <p:style>
+            <a:lnRef idx="2">
+              <a:schemeClr val="accent1">
+                <a:shade val="15000"/>
+              </a:schemeClr>
+            </a:lnRef>
+            <a:fillRef idx="1">
+              <a:schemeClr val="accent1"/>
+            </a:fillRef>
+            <a:effectRef idx="0">
+              <a:schemeClr val="accent1"/>
+            </a:effectRef>
+            <a:fontRef idx="minor">
+              <a:schemeClr val="lt1"/>
+            </a:fontRef>
+          </p:style>
+          <p:txBody>
+            <a:bodyPr rtlCol="0" anchor="ctr"/>
+            <a:lstStyle/>
+            <a:p>
+              <a:pPr algn="ctr"/>
+              <a:endParaRPr lang="fr-CA" dirty="0"/>
+            </a:p>
+          </p:txBody>
+        </p:sp>
+      </p:grpSp>
+      <p:cxnSp>
+        <p:nvCxnSpPr>
+          <p:cNvPr id="41" name="Connecteur droit 40">
+            <a:extLst>
+              <a:ext uri="{FF2B5EF4-FFF2-40B4-BE49-F238E27FC236}">
+                <a16:creationId xmlns:a16="http://schemas.microsoft.com/office/drawing/2014/main" id="{B14617D4-0660-1CA1-050A-FF2A34AB9A21}"/>
+              </a:ext>
+            </a:extLst>
+          </p:cNvPr>
+          <p:cNvCxnSpPr>
+            <a:cxnSpLocks/>
+          </p:cNvCxnSpPr>
+          <p:nvPr/>
+        </p:nvCxnSpPr>
+        <p:spPr>
+          <a:xfrm>
+            <a:off x="3449319" y="4075890"/>
+            <a:ext cx="0" cy="1828800"/>
+          </a:xfrm>
+          <a:prstGeom prst="line">
+            <a:avLst/>
+          </a:prstGeom>
+          <a:ln w="152400" cap="rnd">
+            <a:solidFill>
+              <a:schemeClr val="tx1"/>
+            </a:solidFill>
+          </a:ln>
+        </p:spPr>
+        <p:style>
+          <a:lnRef idx="1">
+            <a:schemeClr val="accent1"/>
+          </a:lnRef>
+          <a:fillRef idx="0">
+            <a:schemeClr val="accent1"/>
+          </a:fillRef>
+          <a:effectRef idx="0">
+            <a:schemeClr val="accent1"/>
+          </a:effectRef>
+          <a:fontRef idx="minor">
+            <a:schemeClr val="tx1"/>
+          </a:fontRef>
+        </p:style>
+      </p:cxnSp>
+      <p:sp>
+        <p:nvSpPr>
+          <p:cNvPr id="42" name="Triangle isocèle 41">
+            <a:extLst>
+              <a:ext uri="{FF2B5EF4-FFF2-40B4-BE49-F238E27FC236}">
+                <a16:creationId xmlns:a16="http://schemas.microsoft.com/office/drawing/2014/main" id="{575B8503-23ED-2131-7905-ADF4A1EB87DC}"/>
+              </a:ext>
+            </a:extLst>
+          </p:cNvPr>
+          <p:cNvSpPr/>
+          <p:nvPr/>
+        </p:nvSpPr>
+        <p:spPr>
+          <a:xfrm rot="5400000">
+            <a:off x="3579122" y="3946088"/>
+            <a:ext cx="833892" cy="1093497"/>
+          </a:xfrm>
+          <a:prstGeom prst="triangle">
+            <a:avLst/>
+          </a:prstGeom>
+          <a:solidFill>
+            <a:schemeClr val="accent2">
+              <a:lumMod val="60000"/>
+              <a:lumOff val="40000"/>
+            </a:schemeClr>
+          </a:solidFill>
+          <a:ln w="76200">
+            <a:solidFill>
+              <a:schemeClr val="tx1"/>
+            </a:solidFill>
+          </a:ln>
+        </p:spPr>
+        <p:style>
+          <a:lnRef idx="2">
+            <a:schemeClr val="accent5">
+              <a:shade val="15000"/>
+            </a:schemeClr>
+          </a:lnRef>
+          <a:fillRef idx="1">
+            <a:schemeClr val="accent5"/>
+          </a:fillRef>
+          <a:effectRef idx="0">
+            <a:schemeClr val="accent5"/>
+          </a:effectRef>
+          <a:fontRef idx="minor">
+            <a:schemeClr val="lt1"/>
+          </a:fontRef>
+        </p:style>
+        <p:txBody>
+          <a:bodyPr rtlCol="0" anchor="ctr"/>
+          <a:lstStyle/>
+          <a:p>
+            <a:pPr algn="ctr"/>
+            <a:endParaRPr lang="en-CA"/>
+          </a:p>
+        </p:txBody>
+      </p:sp>
+      <p:cxnSp>
+        <p:nvCxnSpPr>
+          <p:cNvPr id="43" name="Connecteur droit 42">
+            <a:extLst>
+              <a:ext uri="{FF2B5EF4-FFF2-40B4-BE49-F238E27FC236}">
+                <a16:creationId xmlns:a16="http://schemas.microsoft.com/office/drawing/2014/main" id="{207A32C2-CCAE-1E28-B1C3-AEC002D2A288}"/>
+              </a:ext>
+            </a:extLst>
+          </p:cNvPr>
+          <p:cNvCxnSpPr>
+            <a:cxnSpLocks/>
+          </p:cNvCxnSpPr>
+          <p:nvPr/>
+        </p:nvCxnSpPr>
+        <p:spPr>
+          <a:xfrm>
+            <a:off x="5392251" y="4404957"/>
+            <a:ext cx="0" cy="1828800"/>
+          </a:xfrm>
+          <a:prstGeom prst="line">
+            <a:avLst/>
+          </a:prstGeom>
+          <a:ln w="152400" cap="rnd">
+            <a:solidFill>
+              <a:schemeClr val="tx1"/>
+            </a:solidFill>
+          </a:ln>
+        </p:spPr>
+        <p:style>
+          <a:lnRef idx="1">
+            <a:schemeClr val="accent1"/>
+          </a:lnRef>
+          <a:fillRef idx="0">
+            <a:schemeClr val="accent1"/>
+          </a:fillRef>
+          <a:effectRef idx="0">
+            <a:schemeClr val="accent1"/>
+          </a:effectRef>
+          <a:fontRef idx="minor">
+            <a:schemeClr val="tx1"/>
+          </a:fontRef>
+        </p:style>
+      </p:cxnSp>
+      <p:sp>
+        <p:nvSpPr>
+          <p:cNvPr id="44" name="Triangle isocèle 43">
+            <a:extLst>
+              <a:ext uri="{FF2B5EF4-FFF2-40B4-BE49-F238E27FC236}">
+                <a16:creationId xmlns:a16="http://schemas.microsoft.com/office/drawing/2014/main" id="{5E326A4A-D092-DA5A-5DCF-5C246E5EF14D}"/>
+              </a:ext>
+            </a:extLst>
+          </p:cNvPr>
+          <p:cNvSpPr/>
+          <p:nvPr/>
+        </p:nvSpPr>
+        <p:spPr>
+          <a:xfrm rot="16200000">
+            <a:off x="4428557" y="4275154"/>
+            <a:ext cx="833892" cy="1093497"/>
+          </a:xfrm>
+          <a:prstGeom prst="triangle">
+            <a:avLst/>
+          </a:prstGeom>
+          <a:solidFill>
+            <a:srgbClr val="ABD190"/>
+          </a:solidFill>
+          <a:ln w="76200">
+            <a:solidFill>
+              <a:schemeClr val="tx1"/>
+            </a:solidFill>
+          </a:ln>
+        </p:spPr>
+        <p:style>
+          <a:lnRef idx="2">
+            <a:schemeClr val="accent5">
+              <a:shade val="15000"/>
+            </a:schemeClr>
+          </a:lnRef>
+          <a:fillRef idx="1">
+            <a:schemeClr val="accent5"/>
+          </a:fillRef>
+          <a:effectRef idx="0">
+            <a:schemeClr val="accent5"/>
+          </a:effectRef>
+          <a:fontRef idx="minor">
+            <a:schemeClr val="lt1"/>
+          </a:fontRef>
+        </p:style>
+        <p:txBody>
+          <a:bodyPr rtlCol="0" anchor="ctr"/>
+          <a:lstStyle/>
+          <a:p>
+            <a:pPr algn="ctr"/>
+            <a:endParaRPr lang="en-CA"/>
+          </a:p>
+        </p:txBody>
+      </p:sp>
     </p:spTree>
     <p:extLst>
       <p:ext uri="{BB962C8B-B14F-4D97-AF65-F5344CB8AC3E}">

--- a/graphics/graphics.pptx
+++ b/graphics/graphics.pptx
@@ -205,7 +205,7 @@
           <a:p>
             <a:fld id="{B8404A9E-F80D-47A3-9ABE-4E375F8C7A58}" type="datetimeFigureOut">
               <a:rPr lang="fr-CA" smtClean="0"/>
-              <a:t>2026-02-24</a:t>
+              <a:t>2026-02-26</a:t>
             </a:fld>
             <a:endParaRPr lang="fr-CA"/>
           </a:p>
@@ -622,7 +622,7 @@
           <a:p>
             <a:fld id="{B1B97C2F-ED53-40B2-8245-274A53568F1F}" type="datetimeFigureOut">
               <a:rPr lang="fr-CA" smtClean="0"/>
-              <a:t>2026-02-24</a:t>
+              <a:t>2026-02-26</a:t>
             </a:fld>
             <a:endParaRPr lang="fr-CA"/>
           </a:p>
@@ -822,7 +822,7 @@
           <a:p>
             <a:fld id="{B1B97C2F-ED53-40B2-8245-274A53568F1F}" type="datetimeFigureOut">
               <a:rPr lang="fr-CA" smtClean="0"/>
-              <a:t>2026-02-24</a:t>
+              <a:t>2026-02-26</a:t>
             </a:fld>
             <a:endParaRPr lang="fr-CA"/>
           </a:p>
@@ -1032,7 +1032,7 @@
           <a:p>
             <a:fld id="{B1B97C2F-ED53-40B2-8245-274A53568F1F}" type="datetimeFigureOut">
               <a:rPr lang="fr-CA" smtClean="0"/>
-              <a:t>2026-02-24</a:t>
+              <a:t>2026-02-26</a:t>
             </a:fld>
             <a:endParaRPr lang="fr-CA"/>
           </a:p>
@@ -1254,7 +1254,7 @@
           <a:p>
             <a:fld id="{3CFA78C3-2C03-4D26-BA08-5201FB292C09}" type="datetimeFigureOut">
               <a:rPr lang="fr-CA" smtClean="0"/>
-              <a:t>2026-02-24</a:t>
+              <a:t>2026-02-26</a:t>
             </a:fld>
             <a:endParaRPr lang="fr-CA"/>
           </a:p>
@@ -1454,7 +1454,7 @@
           <a:p>
             <a:fld id="{3CFA78C3-2C03-4D26-BA08-5201FB292C09}" type="datetimeFigureOut">
               <a:rPr lang="fr-CA" smtClean="0"/>
-              <a:t>2026-02-24</a:t>
+              <a:t>2026-02-26</a:t>
             </a:fld>
             <a:endParaRPr lang="fr-CA"/>
           </a:p>
@@ -1730,7 +1730,7 @@
           <a:p>
             <a:fld id="{3CFA78C3-2C03-4D26-BA08-5201FB292C09}" type="datetimeFigureOut">
               <a:rPr lang="fr-CA" smtClean="0"/>
-              <a:t>2026-02-24</a:t>
+              <a:t>2026-02-26</a:t>
             </a:fld>
             <a:endParaRPr lang="fr-CA"/>
           </a:p>
@@ -1998,7 +1998,7 @@
           <a:p>
             <a:fld id="{3CFA78C3-2C03-4D26-BA08-5201FB292C09}" type="datetimeFigureOut">
               <a:rPr lang="fr-CA" smtClean="0"/>
-              <a:t>2026-02-24</a:t>
+              <a:t>2026-02-26</a:t>
             </a:fld>
             <a:endParaRPr lang="fr-CA"/>
           </a:p>
@@ -2413,7 +2413,7 @@
           <a:p>
             <a:fld id="{3CFA78C3-2C03-4D26-BA08-5201FB292C09}" type="datetimeFigureOut">
               <a:rPr lang="fr-CA" smtClean="0"/>
-              <a:t>2026-02-24</a:t>
+              <a:t>2026-02-26</a:t>
             </a:fld>
             <a:endParaRPr lang="fr-CA"/>
           </a:p>
@@ -2555,7 +2555,7 @@
           <a:p>
             <a:fld id="{3CFA78C3-2C03-4D26-BA08-5201FB292C09}" type="datetimeFigureOut">
               <a:rPr lang="fr-CA" smtClean="0"/>
-              <a:t>2026-02-24</a:t>
+              <a:t>2026-02-26</a:t>
             </a:fld>
             <a:endParaRPr lang="fr-CA"/>
           </a:p>
@@ -2668,7 +2668,7 @@
           <a:p>
             <a:fld id="{3CFA78C3-2C03-4D26-BA08-5201FB292C09}" type="datetimeFigureOut">
               <a:rPr lang="fr-CA" smtClean="0"/>
-              <a:t>2026-02-24</a:t>
+              <a:t>2026-02-26</a:t>
             </a:fld>
             <a:endParaRPr lang="fr-CA"/>
           </a:p>
@@ -2981,7 +2981,7 @@
           <a:p>
             <a:fld id="{3CFA78C3-2C03-4D26-BA08-5201FB292C09}" type="datetimeFigureOut">
               <a:rPr lang="fr-CA" smtClean="0"/>
-              <a:t>2026-02-24</a:t>
+              <a:t>2026-02-26</a:t>
             </a:fld>
             <a:endParaRPr lang="fr-CA"/>
           </a:p>
@@ -3181,7 +3181,7 @@
           <a:p>
             <a:fld id="{B1B97C2F-ED53-40B2-8245-274A53568F1F}" type="datetimeFigureOut">
               <a:rPr lang="fr-CA" smtClean="0"/>
-              <a:t>2026-02-24</a:t>
+              <a:t>2026-02-26</a:t>
             </a:fld>
             <a:endParaRPr lang="fr-CA"/>
           </a:p>
@@ -3470,7 +3470,7 @@
           <a:p>
             <a:fld id="{3CFA78C3-2C03-4D26-BA08-5201FB292C09}" type="datetimeFigureOut">
               <a:rPr lang="fr-CA" smtClean="0"/>
-              <a:t>2026-02-24</a:t>
+              <a:t>2026-02-26</a:t>
             </a:fld>
             <a:endParaRPr lang="fr-CA"/>
           </a:p>
@@ -3670,7 +3670,7 @@
           <a:p>
             <a:fld id="{3CFA78C3-2C03-4D26-BA08-5201FB292C09}" type="datetimeFigureOut">
               <a:rPr lang="fr-CA" smtClean="0"/>
-              <a:t>2026-02-24</a:t>
+              <a:t>2026-02-26</a:t>
             </a:fld>
             <a:endParaRPr lang="fr-CA"/>
           </a:p>
@@ -3880,7 +3880,7 @@
           <a:p>
             <a:fld id="{3CFA78C3-2C03-4D26-BA08-5201FB292C09}" type="datetimeFigureOut">
               <a:rPr lang="fr-CA" smtClean="0"/>
-              <a:t>2026-02-24</a:t>
+              <a:t>2026-02-26</a:t>
             </a:fld>
             <a:endParaRPr lang="fr-CA"/>
           </a:p>
@@ -4156,7 +4156,7 @@
           <a:p>
             <a:fld id="{B1B97C2F-ED53-40B2-8245-274A53568F1F}" type="datetimeFigureOut">
               <a:rPr lang="fr-CA" smtClean="0"/>
-              <a:t>2026-02-24</a:t>
+              <a:t>2026-02-26</a:t>
             </a:fld>
             <a:endParaRPr lang="fr-CA"/>
           </a:p>
@@ -4424,7 +4424,7 @@
           <a:p>
             <a:fld id="{B1B97C2F-ED53-40B2-8245-274A53568F1F}" type="datetimeFigureOut">
               <a:rPr lang="fr-CA" smtClean="0"/>
-              <a:t>2026-02-24</a:t>
+              <a:t>2026-02-26</a:t>
             </a:fld>
             <a:endParaRPr lang="fr-CA"/>
           </a:p>
@@ -4839,7 +4839,7 @@
           <a:p>
             <a:fld id="{B1B97C2F-ED53-40B2-8245-274A53568F1F}" type="datetimeFigureOut">
               <a:rPr lang="fr-CA" smtClean="0"/>
-              <a:t>2026-02-24</a:t>
+              <a:t>2026-02-26</a:t>
             </a:fld>
             <a:endParaRPr lang="fr-CA"/>
           </a:p>
@@ -4981,7 +4981,7 @@
           <a:p>
             <a:fld id="{B1B97C2F-ED53-40B2-8245-274A53568F1F}" type="datetimeFigureOut">
               <a:rPr lang="fr-CA" smtClean="0"/>
-              <a:t>2026-02-24</a:t>
+              <a:t>2026-02-26</a:t>
             </a:fld>
             <a:endParaRPr lang="fr-CA"/>
           </a:p>
@@ -5094,7 +5094,7 @@
           <a:p>
             <a:fld id="{B1B97C2F-ED53-40B2-8245-274A53568F1F}" type="datetimeFigureOut">
               <a:rPr lang="fr-CA" smtClean="0"/>
-              <a:t>2026-02-24</a:t>
+              <a:t>2026-02-26</a:t>
             </a:fld>
             <a:endParaRPr lang="fr-CA"/>
           </a:p>
@@ -5407,7 +5407,7 @@
           <a:p>
             <a:fld id="{B1B97C2F-ED53-40B2-8245-274A53568F1F}" type="datetimeFigureOut">
               <a:rPr lang="fr-CA" smtClean="0"/>
-              <a:t>2026-02-24</a:t>
+              <a:t>2026-02-26</a:t>
             </a:fld>
             <a:endParaRPr lang="fr-CA"/>
           </a:p>
@@ -5696,7 +5696,7 @@
           <a:p>
             <a:fld id="{B1B97C2F-ED53-40B2-8245-274A53568F1F}" type="datetimeFigureOut">
               <a:rPr lang="fr-CA" smtClean="0"/>
-              <a:t>2026-02-24</a:t>
+              <a:t>2026-02-26</a:t>
             </a:fld>
             <a:endParaRPr lang="fr-CA"/>
           </a:p>
@@ -5939,7 +5939,7 @@
           <a:p>
             <a:fld id="{B1B97C2F-ED53-40B2-8245-274A53568F1F}" type="datetimeFigureOut">
               <a:rPr lang="fr-CA" smtClean="0"/>
-              <a:t>2026-02-24</a:t>
+              <a:t>2026-02-26</a:t>
             </a:fld>
             <a:endParaRPr lang="fr-CA"/>
           </a:p>
@@ -6509,7 +6509,7 @@
           <a:p>
             <a:fld id="{3CFA78C3-2C03-4D26-BA08-5201FB292C09}" type="datetimeFigureOut">
               <a:rPr lang="fr-CA" smtClean="0"/>
-              <a:t>2026-02-24</a:t>
+              <a:t>2026-02-26</a:t>
             </a:fld>
             <a:endParaRPr lang="fr-CA"/>
           </a:p>
@@ -16802,7 +16802,7 @@
         </p:nvGrpSpPr>
         <p:grpSpPr>
           <a:xfrm>
-            <a:off x="1137920" y="477520"/>
+            <a:off x="480759" y="281546"/>
             <a:ext cx="2311400" cy="2783840"/>
             <a:chOff x="1137920" y="477520"/>
             <a:chExt cx="2311400" cy="2783840"/>
@@ -16937,7 +16937,7 @@
         </p:nvGrpSpPr>
         <p:grpSpPr>
           <a:xfrm>
-            <a:off x="5067481" y="477520"/>
+            <a:off x="3614066" y="111760"/>
             <a:ext cx="2057038" cy="1975524"/>
             <a:chOff x="8738781" y="3839941"/>
             <a:chExt cx="2057038" cy="1975524"/>
@@ -17165,7 +17165,7 @@
         </p:nvGrpSpPr>
         <p:grpSpPr>
           <a:xfrm>
-            <a:off x="7342803" y="596420"/>
+            <a:off x="5889388" y="230660"/>
             <a:ext cx="2057038" cy="1975524"/>
             <a:chOff x="9520244" y="4010534"/>
             <a:chExt cx="2057038" cy="1975524"/>
@@ -17470,7 +17470,7 @@
         </p:nvCxnSpPr>
         <p:spPr>
           <a:xfrm>
-            <a:off x="3449319" y="4075890"/>
+            <a:off x="667619" y="4220269"/>
             <a:ext cx="0" cy="1828800"/>
           </a:xfrm>
           <a:prstGeom prst="line">
@@ -17511,7 +17511,7 @@
         </p:nvSpPr>
         <p:spPr>
           <a:xfrm rot="5400000">
-            <a:off x="3579122" y="3946088"/>
+            <a:off x="797422" y="4090467"/>
             <a:ext cx="833892" cy="1093497"/>
           </a:xfrm>
           <a:prstGeom prst="triangle">
@@ -17570,7 +17570,7 @@
         </p:nvCxnSpPr>
         <p:spPr>
           <a:xfrm>
-            <a:off x="5392251" y="4404957"/>
+            <a:off x="2610551" y="4549336"/>
             <a:ext cx="0" cy="1828800"/>
           </a:xfrm>
           <a:prstGeom prst="line">
@@ -17611,7 +17611,7 @@
         </p:nvSpPr>
         <p:spPr>
           <a:xfrm rot="16200000">
-            <a:off x="4428557" y="4275154"/>
+            <a:off x="1646857" y="4419533"/>
             <a:ext cx="833892" cy="1093497"/>
           </a:xfrm>
           <a:prstGeom prst="triangle">
@@ -17651,6 +17651,212 @@
           </a:p>
         </p:txBody>
       </p:sp>
+      <p:grpSp>
+        <p:nvGrpSpPr>
+          <p:cNvPr id="26" name="Groupe 25">
+            <a:extLst>
+              <a:ext uri="{FF2B5EF4-FFF2-40B4-BE49-F238E27FC236}">
+                <a16:creationId xmlns:a16="http://schemas.microsoft.com/office/drawing/2014/main" id="{03FCDD5F-7325-D0FB-6966-75D07A78537A}"/>
+              </a:ext>
+            </a:extLst>
+          </p:cNvPr>
+          <p:cNvGrpSpPr/>
+          <p:nvPr/>
+        </p:nvGrpSpPr>
+        <p:grpSpPr>
+          <a:xfrm>
+            <a:off x="3699583" y="4220269"/>
+            <a:ext cx="1848051" cy="1848051"/>
+            <a:chOff x="3699583" y="4220269"/>
+            <a:chExt cx="1848051" cy="1848051"/>
+          </a:xfrm>
+        </p:grpSpPr>
+        <p:cxnSp>
+          <p:nvCxnSpPr>
+            <p:cNvPr id="17" name="Connecteur droit 16">
+              <a:extLst>
+                <a:ext uri="{FF2B5EF4-FFF2-40B4-BE49-F238E27FC236}">
+                  <a16:creationId xmlns:a16="http://schemas.microsoft.com/office/drawing/2014/main" id="{0FCDBBB1-31FB-4191-9EF2-4E660A357B7E}"/>
+                </a:ext>
+              </a:extLst>
+            </p:cNvPr>
+            <p:cNvCxnSpPr/>
+            <p:nvPr/>
+          </p:nvCxnSpPr>
+          <p:spPr>
+            <a:xfrm>
+              <a:off x="4291610" y="4220269"/>
+              <a:ext cx="0" cy="1848051"/>
+            </a:xfrm>
+            <a:prstGeom prst="line">
+              <a:avLst/>
+            </a:prstGeom>
+            <a:ln w="203200" cap="rnd">
+              <a:solidFill>
+                <a:schemeClr val="tx1"/>
+              </a:solidFill>
+            </a:ln>
+          </p:spPr>
+          <p:style>
+            <a:lnRef idx="1">
+              <a:schemeClr val="accent1"/>
+            </a:lnRef>
+            <a:fillRef idx="0">
+              <a:schemeClr val="accent1"/>
+            </a:fillRef>
+            <a:effectRef idx="0">
+              <a:schemeClr val="accent1"/>
+            </a:effectRef>
+            <a:fontRef idx="minor">
+              <a:schemeClr val="tx1"/>
+            </a:fontRef>
+          </p:style>
+        </p:cxnSp>
+        <p:cxnSp>
+          <p:nvCxnSpPr>
+            <p:cNvPr id="18" name="Connecteur droit 17">
+              <a:extLst>
+                <a:ext uri="{FF2B5EF4-FFF2-40B4-BE49-F238E27FC236}">
+                  <a16:creationId xmlns:a16="http://schemas.microsoft.com/office/drawing/2014/main" id="{29B166C5-1571-9D98-AA45-EDEBBF9A05CD}"/>
+                </a:ext>
+              </a:extLst>
+            </p:cNvPr>
+            <p:cNvCxnSpPr/>
+            <p:nvPr/>
+          </p:nvCxnSpPr>
+          <p:spPr>
+            <a:xfrm>
+              <a:off x="4997956" y="4220269"/>
+              <a:ext cx="0" cy="1848051"/>
+            </a:xfrm>
+            <a:prstGeom prst="line">
+              <a:avLst/>
+            </a:prstGeom>
+            <a:ln w="203200" cap="rnd">
+              <a:solidFill>
+                <a:schemeClr val="tx1"/>
+              </a:solidFill>
+            </a:ln>
+          </p:spPr>
+          <p:style>
+            <a:lnRef idx="1">
+              <a:schemeClr val="accent1"/>
+            </a:lnRef>
+            <a:fillRef idx="0">
+              <a:schemeClr val="accent1"/>
+            </a:fillRef>
+            <a:effectRef idx="0">
+              <a:schemeClr val="accent1"/>
+            </a:effectRef>
+            <a:fontRef idx="minor">
+              <a:schemeClr val="tx1"/>
+            </a:fontRef>
+          </p:style>
+        </p:cxnSp>
+        <p:grpSp>
+          <p:nvGrpSpPr>
+            <p:cNvPr id="23" name="Groupe 22">
+              <a:extLst>
+                <a:ext uri="{FF2B5EF4-FFF2-40B4-BE49-F238E27FC236}">
+                  <a16:creationId xmlns:a16="http://schemas.microsoft.com/office/drawing/2014/main" id="{595B7F64-40D6-6A70-A4C4-0CF03DD05D10}"/>
+                </a:ext>
+              </a:extLst>
+            </p:cNvPr>
+            <p:cNvGrpSpPr/>
+            <p:nvPr/>
+          </p:nvGrpSpPr>
+          <p:grpSpPr>
+            <a:xfrm rot="5400000">
+              <a:off x="4271105" y="4220267"/>
+              <a:ext cx="705007" cy="1848051"/>
+              <a:chOff x="7810275" y="3665620"/>
+              <a:chExt cx="705007" cy="1848051"/>
+            </a:xfrm>
+          </p:grpSpPr>
+          <p:cxnSp>
+            <p:nvCxnSpPr>
+              <p:cNvPr id="21" name="Connecteur droit 20">
+                <a:extLst>
+                  <a:ext uri="{FF2B5EF4-FFF2-40B4-BE49-F238E27FC236}">
+                    <a16:creationId xmlns:a16="http://schemas.microsoft.com/office/drawing/2014/main" id="{85616182-AF4A-FECE-6074-3C081778783D}"/>
+                  </a:ext>
+                </a:extLst>
+              </p:cNvPr>
+              <p:cNvCxnSpPr/>
+              <p:nvPr/>
+            </p:nvCxnSpPr>
+            <p:spPr>
+              <a:xfrm>
+                <a:off x="7810275" y="3665620"/>
+                <a:ext cx="0" cy="1848051"/>
+              </a:xfrm>
+              <a:prstGeom prst="line">
+                <a:avLst/>
+              </a:prstGeom>
+              <a:ln w="203200" cap="rnd">
+                <a:solidFill>
+                  <a:schemeClr val="tx1"/>
+                </a:solidFill>
+              </a:ln>
+            </p:spPr>
+            <p:style>
+              <a:lnRef idx="1">
+                <a:schemeClr val="accent1"/>
+              </a:lnRef>
+              <a:fillRef idx="0">
+                <a:schemeClr val="accent1"/>
+              </a:fillRef>
+              <a:effectRef idx="0">
+                <a:schemeClr val="accent1"/>
+              </a:effectRef>
+              <a:fontRef idx="minor">
+                <a:schemeClr val="tx1"/>
+              </a:fontRef>
+            </p:style>
+          </p:cxnSp>
+          <p:cxnSp>
+            <p:nvCxnSpPr>
+              <p:cNvPr id="22" name="Connecteur droit 21">
+                <a:extLst>
+                  <a:ext uri="{FF2B5EF4-FFF2-40B4-BE49-F238E27FC236}">
+                    <a16:creationId xmlns:a16="http://schemas.microsoft.com/office/drawing/2014/main" id="{F27161C8-9B1B-FA48-87A0-5A555645BF5D}"/>
+                  </a:ext>
+                </a:extLst>
+              </p:cNvPr>
+              <p:cNvCxnSpPr/>
+              <p:nvPr/>
+            </p:nvCxnSpPr>
+            <p:spPr>
+              <a:xfrm>
+                <a:off x="8515282" y="3665620"/>
+                <a:ext cx="0" cy="1848051"/>
+              </a:xfrm>
+              <a:prstGeom prst="line">
+                <a:avLst/>
+              </a:prstGeom>
+              <a:ln w="203200" cap="rnd">
+                <a:solidFill>
+                  <a:schemeClr val="tx1"/>
+                </a:solidFill>
+              </a:ln>
+            </p:spPr>
+            <p:style>
+              <a:lnRef idx="1">
+                <a:schemeClr val="accent1"/>
+              </a:lnRef>
+              <a:fillRef idx="0">
+                <a:schemeClr val="accent1"/>
+              </a:fillRef>
+              <a:effectRef idx="0">
+                <a:schemeClr val="accent1"/>
+              </a:effectRef>
+              <a:fontRef idx="minor">
+                <a:schemeClr val="tx1"/>
+              </a:fontRef>
+            </p:style>
+          </p:cxnSp>
+        </p:grpSp>
+      </p:grpSp>
     </p:spTree>
     <p:extLst>
       <p:ext uri="{BB962C8B-B14F-4D97-AF65-F5344CB8AC3E}">
